--- a/Winter Cabin - Spec Sheet.pptx
+++ b/Winter Cabin - Spec Sheet.pptx
@@ -2,7 +2,7 @@
 <file path=ppt/presentation.xml><?xml version="1.0" encoding="utf-8"?>
 <p:presentation xmlns:a="http://schemas.openxmlformats.org/drawingml/2006/main" xmlns:r="http://schemas.openxmlformats.org/officeDocument/2006/relationships" xmlns:p="http://schemas.openxmlformats.org/presentationml/2006/main" saveSubsetFonts="1">
   <p:sldMasterIdLst>
-    <p:sldMasterId id="2147483672" r:id="rId1"/>
+    <p:sldMasterId id="2147483684" r:id="rId1"/>
   </p:sldMasterIdLst>
   <p:notesMasterIdLst>
     <p:notesMasterId r:id="rId3"/>
@@ -10,7 +10,7 @@
   <p:sldIdLst>
     <p:sldId id="256" r:id="rId2"/>
   </p:sldIdLst>
-  <p:sldSz cx="10439400" cy="15119350"/>
+  <p:sldSz cx="7559675" cy="10691813"/>
   <p:notesSz cx="6858000" cy="9144000"/>
   <p:defaultTextStyle>
     <a:defPPr>
@@ -118,7 +118,7 @@
 <file path=ppt/revisionInfo.xml><?xml version="1.0" encoding="utf-8"?>
 <p1510:revInfo xmlns:a="http://schemas.openxmlformats.org/drawingml/2006/main" xmlns:r="http://schemas.openxmlformats.org/officeDocument/2006/relationships" xmlns:p1510="http://schemas.microsoft.com/office/powerpoint/2015/10/main">
   <p1510:revLst>
-    <p1510:client id="{B6D83570-2398-4E7D-8A5B-3855B4C0FBB8}" v="202" dt="2024-10-21T01:15:43.295"/>
+    <p1510:client id="{CBF6066A-AC1D-45DF-B660-0BC391A934D8}" v="108" dt="2025-01-12T22:25:06.784"/>
   </p1510:revLst>
 </p1510:revInfo>
 </file>
@@ -138,52 +138,12 @@
           <pc:docMk/>
           <pc:sldMk cId="302140398" sldId="256"/>
         </pc:sldMkLst>
-        <pc:spChg chg="add del mod">
-          <ac:chgData name="Vitor Azambujo" userId="038c0fb7-b6e3-4711-bf7b-acabb0e9135e" providerId="ADAL" clId="{B6D83570-2398-4E7D-8A5B-3855B4C0FBB8}" dt="2024-10-20T16:42:48.949" v="710" actId="478"/>
-          <ac:spMkLst>
-            <pc:docMk/>
-            <pc:sldMk cId="302140398" sldId="256"/>
-            <ac:spMk id="2" creationId="{13ADDD1D-2BAD-102F-61DF-9DE74B6D21AF}"/>
-          </ac:spMkLst>
-        </pc:spChg>
-        <pc:spChg chg="del mod">
-          <ac:chgData name="Vitor Azambujo" userId="038c0fb7-b6e3-4711-bf7b-acabb0e9135e" providerId="ADAL" clId="{B6D83570-2398-4E7D-8A5B-3855B4C0FBB8}" dt="2024-10-20T04:13:52.595" v="9" actId="478"/>
-          <ac:spMkLst>
-            <pc:docMk/>
-            <pc:sldMk cId="302140398" sldId="256"/>
-            <ac:spMk id="2" creationId="{14D61E42-5859-38B7-7CB3-C1913F11EE1F}"/>
-          </ac:spMkLst>
-        </pc:spChg>
-        <pc:spChg chg="del">
-          <ac:chgData name="Vitor Azambujo" userId="038c0fb7-b6e3-4711-bf7b-acabb0e9135e" providerId="ADAL" clId="{B6D83570-2398-4E7D-8A5B-3855B4C0FBB8}" dt="2024-10-20T04:13:54.682" v="10" actId="478"/>
-          <ac:spMkLst>
-            <pc:docMk/>
-            <pc:sldMk cId="302140398" sldId="256"/>
-            <ac:spMk id="3" creationId="{F9E48247-D779-CB89-D8E6-598549B3721F}"/>
-          </ac:spMkLst>
-        </pc:spChg>
         <pc:spChg chg="add mod">
           <ac:chgData name="Vitor Azambujo" userId="038c0fb7-b6e3-4711-bf7b-acabb0e9135e" providerId="ADAL" clId="{B6D83570-2398-4E7D-8A5B-3855B4C0FBB8}" dt="2024-10-21T00:51:19.421" v="2359" actId="207"/>
           <ac:spMkLst>
             <pc:docMk/>
             <pc:sldMk cId="302140398" sldId="256"/>
             <ac:spMk id="12" creationId="{FF3F4CCF-FCA6-DFF1-62E1-89AAC10C7DE2}"/>
-          </ac:spMkLst>
-        </pc:spChg>
-        <pc:spChg chg="add del mod">
-          <ac:chgData name="Vitor Azambujo" userId="038c0fb7-b6e3-4711-bf7b-acabb0e9135e" providerId="ADAL" clId="{B6D83570-2398-4E7D-8A5B-3855B4C0FBB8}" dt="2024-10-20T17:07:49.032" v="884" actId="478"/>
-          <ac:spMkLst>
-            <pc:docMk/>
-            <pc:sldMk cId="302140398" sldId="256"/>
-            <ac:spMk id="23" creationId="{3036A4FD-B954-E6EC-84B0-752A260D7F77}"/>
-          </ac:spMkLst>
-        </pc:spChg>
-        <pc:spChg chg="add mod topLvl">
-          <ac:chgData name="Vitor Azambujo" userId="038c0fb7-b6e3-4711-bf7b-acabb0e9135e" providerId="ADAL" clId="{B6D83570-2398-4E7D-8A5B-3855B4C0FBB8}" dt="2024-10-21T00:29:00.424" v="2100" actId="34135"/>
-          <ac:spMkLst>
-            <pc:docMk/>
-            <pc:sldMk cId="302140398" sldId="256"/>
-            <ac:spMk id="26" creationId="{6C10B31F-E4F9-5DED-8C17-BB0A8AB1A19F}"/>
           </ac:spMkLst>
         </pc:spChg>
         <pc:spChg chg="add mod">
@@ -192,14 +152,6 @@
             <pc:docMk/>
             <pc:sldMk cId="302140398" sldId="256"/>
             <ac:spMk id="30" creationId="{FC183961-35D6-C4EB-ED18-B8594474E3F6}"/>
-          </ac:spMkLst>
-        </pc:spChg>
-        <pc:spChg chg="add del mod">
-          <ac:chgData name="Vitor Azambujo" userId="038c0fb7-b6e3-4711-bf7b-acabb0e9135e" providerId="ADAL" clId="{B6D83570-2398-4E7D-8A5B-3855B4C0FBB8}" dt="2024-10-20T23:12:58.272" v="1370"/>
-          <ac:spMkLst>
-            <pc:docMk/>
-            <pc:sldMk cId="302140398" sldId="256"/>
-            <ac:spMk id="36" creationId="{AF0ED246-6224-0C2F-3F08-78230D5609BA}"/>
           </ac:spMkLst>
         </pc:spChg>
         <pc:spChg chg="add mod">
@@ -218,108 +170,12 @@
             <ac:spMk id="40" creationId="{9BCE2FD9-89B9-D566-D816-68E7218C91E6}"/>
           </ac:spMkLst>
         </pc:spChg>
-        <pc:grpChg chg="add mod topLvl">
-          <ac:chgData name="Vitor Azambujo" userId="038c0fb7-b6e3-4711-bf7b-acabb0e9135e" providerId="ADAL" clId="{B6D83570-2398-4E7D-8A5B-3855B4C0FBB8}" dt="2024-10-21T00:26:04.531" v="2042" actId="34135"/>
-          <ac:grpSpMkLst>
-            <pc:docMk/>
-            <pc:sldMk cId="302140398" sldId="256"/>
-            <ac:grpSpMk id="3" creationId="{1936B23E-EEC6-ACC6-6B55-9749A16B355A}"/>
-          </ac:grpSpMkLst>
-        </pc:grpChg>
-        <pc:grpChg chg="add del mod topLvl">
-          <ac:chgData name="Vitor Azambujo" userId="038c0fb7-b6e3-4711-bf7b-acabb0e9135e" providerId="ADAL" clId="{B6D83570-2398-4E7D-8A5B-3855B4C0FBB8}" dt="2024-10-20T23:37:36.041" v="1562" actId="165"/>
-          <ac:grpSpMkLst>
-            <pc:docMk/>
-            <pc:sldMk cId="302140398" sldId="256"/>
-            <ac:grpSpMk id="4" creationId="{A838132C-746E-9CC3-A13E-481836B29EF8}"/>
-          </ac:grpSpMkLst>
-        </pc:grpChg>
-        <pc:grpChg chg="add del mod">
-          <ac:chgData name="Vitor Azambujo" userId="038c0fb7-b6e3-4711-bf7b-acabb0e9135e" providerId="ADAL" clId="{B6D83570-2398-4E7D-8A5B-3855B4C0FBB8}" dt="2024-10-20T04:19:09.928" v="114" actId="165"/>
-          <ac:grpSpMkLst>
-            <pc:docMk/>
-            <pc:sldMk cId="302140398" sldId="256"/>
-            <ac:grpSpMk id="9" creationId="{ECFBC216-45FC-1839-44FB-B8F441FF7983}"/>
-          </ac:grpSpMkLst>
-        </pc:grpChg>
-        <pc:grpChg chg="add del mod topLvl">
-          <ac:chgData name="Vitor Azambujo" userId="038c0fb7-b6e3-4711-bf7b-acabb0e9135e" providerId="ADAL" clId="{B6D83570-2398-4E7D-8A5B-3855B4C0FBB8}" dt="2024-10-20T16:28:20.017" v="403" actId="165"/>
-          <ac:grpSpMkLst>
-            <pc:docMk/>
-            <pc:sldMk cId="302140398" sldId="256"/>
-            <ac:grpSpMk id="10" creationId="{280A404F-4963-E33C-D983-1FC3BCF5E737}"/>
-          </ac:grpSpMkLst>
-        </pc:grpChg>
-        <pc:grpChg chg="add del mod">
-          <ac:chgData name="Vitor Azambujo" userId="038c0fb7-b6e3-4711-bf7b-acabb0e9135e" providerId="ADAL" clId="{B6D83570-2398-4E7D-8A5B-3855B4C0FBB8}" dt="2024-10-20T23:37:32.398" v="1561" actId="165"/>
-          <ac:grpSpMkLst>
-            <pc:docMk/>
-            <pc:sldMk cId="302140398" sldId="256"/>
-            <ac:grpSpMk id="11" creationId="{CF5F4903-BE80-7B27-D6FA-ADCC7120EFEF}"/>
-          </ac:grpSpMkLst>
-        </pc:grpChg>
-        <pc:grpChg chg="add del mod topLvl">
-          <ac:chgData name="Vitor Azambujo" userId="038c0fb7-b6e3-4711-bf7b-acabb0e9135e" providerId="ADAL" clId="{B6D83570-2398-4E7D-8A5B-3855B4C0FBB8}" dt="2024-10-20T16:29:27.874" v="422" actId="165"/>
-          <ac:grpSpMkLst>
-            <pc:docMk/>
-            <pc:sldMk cId="302140398" sldId="256"/>
-            <ac:grpSpMk id="16" creationId="{26BD5B90-3F64-DE64-D3F1-CFA7EE1102EE}"/>
-          </ac:grpSpMkLst>
-        </pc:grpChg>
-        <pc:grpChg chg="add del mod">
-          <ac:chgData name="Vitor Azambujo" userId="038c0fb7-b6e3-4711-bf7b-acabb0e9135e" providerId="ADAL" clId="{B6D83570-2398-4E7D-8A5B-3855B4C0FBB8}" dt="2024-10-20T16:28:12.062" v="402" actId="165"/>
-          <ac:grpSpMkLst>
-            <pc:docMk/>
-            <pc:sldMk cId="302140398" sldId="256"/>
-            <ac:grpSpMk id="17" creationId="{409C9D82-480A-5183-FC3F-2868EA08AB74}"/>
-          </ac:grpSpMkLst>
-        </pc:grpChg>
-        <pc:grpChg chg="add del mod topLvl">
-          <ac:chgData name="Vitor Azambujo" userId="038c0fb7-b6e3-4711-bf7b-acabb0e9135e" providerId="ADAL" clId="{B6D83570-2398-4E7D-8A5B-3855B4C0FBB8}" dt="2024-10-20T23:10:45.200" v="1343" actId="165"/>
-          <ac:grpSpMkLst>
-            <pc:docMk/>
-            <pc:sldMk cId="302140398" sldId="256"/>
-            <ac:grpSpMk id="22" creationId="{2A9E906A-98F3-9A79-EC64-8FB5F2347886}"/>
-          </ac:grpSpMkLst>
-        </pc:grpChg>
-        <pc:grpChg chg="add del mod ord">
-          <ac:chgData name="Vitor Azambujo" userId="038c0fb7-b6e3-4711-bf7b-acabb0e9135e" providerId="ADAL" clId="{B6D83570-2398-4E7D-8A5B-3855B4C0FBB8}" dt="2024-10-20T23:10:41.156" v="1342" actId="165"/>
-          <ac:grpSpMkLst>
-            <pc:docMk/>
-            <pc:sldMk cId="302140398" sldId="256"/>
-            <ac:grpSpMk id="32" creationId="{8F2FA87B-827D-BED3-2A1B-04440F0A64ED}"/>
-          </ac:grpSpMkLst>
-        </pc:grpChg>
-        <pc:grpChg chg="add del mod topLvl">
-          <ac:chgData name="Vitor Azambujo" userId="038c0fb7-b6e3-4711-bf7b-acabb0e9135e" providerId="ADAL" clId="{B6D83570-2398-4E7D-8A5B-3855B4C0FBB8}" dt="2024-10-20T23:38:53.636" v="1597" actId="165"/>
-          <ac:grpSpMkLst>
-            <pc:docMk/>
-            <pc:sldMk cId="302140398" sldId="256"/>
-            <ac:grpSpMk id="34" creationId="{6FC98272-BC96-36E5-FB43-58ACEA03DE31}"/>
-          </ac:grpSpMkLst>
-        </pc:grpChg>
-        <pc:grpChg chg="add del mod">
-          <ac:chgData name="Vitor Azambujo" userId="038c0fb7-b6e3-4711-bf7b-acabb0e9135e" providerId="ADAL" clId="{B6D83570-2398-4E7D-8A5B-3855B4C0FBB8}" dt="2024-10-20T23:38:50.381" v="1596" actId="165"/>
-          <ac:grpSpMkLst>
-            <pc:docMk/>
-            <pc:sldMk cId="302140398" sldId="256"/>
-            <ac:grpSpMk id="35" creationId="{002D11EF-346A-471F-D1FF-D931EAE45E3A}"/>
-          </ac:grpSpMkLst>
-        </pc:grpChg>
         <pc:grpChg chg="add mod">
           <ac:chgData name="Vitor Azambujo" userId="038c0fb7-b6e3-4711-bf7b-acabb0e9135e" providerId="ADAL" clId="{B6D83570-2398-4E7D-8A5B-3855B4C0FBB8}" dt="2024-10-21T00:54:05.373" v="2383" actId="34135"/>
           <ac:grpSpMkLst>
             <pc:docMk/>
             <pc:sldMk cId="302140398" sldId="256"/>
             <ac:grpSpMk id="38" creationId="{C0991C7C-1FB3-3B68-6002-77244F5E0B93}"/>
-          </ac:grpSpMkLst>
-        </pc:grpChg>
-        <pc:grpChg chg="add mod">
-          <ac:chgData name="Vitor Azambujo" userId="038c0fb7-b6e3-4711-bf7b-acabb0e9135e" providerId="ADAL" clId="{B6D83570-2398-4E7D-8A5B-3855B4C0FBB8}" dt="2024-10-21T00:26:04.531" v="2042" actId="34135"/>
-          <ac:grpSpMkLst>
-            <pc:docMk/>
-            <pc:sldMk cId="302140398" sldId="256"/>
-            <ac:grpSpMk id="39" creationId="{E379C1FA-8EA1-4C23-047A-56DA6EE61596}"/>
           </ac:grpSpMkLst>
         </pc:grpChg>
         <pc:grpChg chg="add mod ord">
@@ -370,14 +226,6 @@
             <ac:picMk id="9" creationId="{8DF35568-F266-BC1B-C01C-8EBE2CB9C070}"/>
           </ac:picMkLst>
         </pc:picChg>
-        <pc:picChg chg="add del mod">
-          <ac:chgData name="Vitor Azambujo" userId="038c0fb7-b6e3-4711-bf7b-acabb0e9135e" providerId="ADAL" clId="{B6D83570-2398-4E7D-8A5B-3855B4C0FBB8}" dt="2024-10-20T04:32:51.783" v="146" actId="478"/>
-          <ac:picMkLst>
-            <pc:docMk/>
-            <pc:sldMk cId="302140398" sldId="256"/>
-            <ac:picMk id="12" creationId="{ACCAC622-1548-B586-50EE-947A2CE7C8A6}"/>
-          </ac:picMkLst>
-        </pc:picChg>
         <pc:picChg chg="add mod topLvl modCrop">
           <ac:chgData name="Vitor Azambujo" userId="038c0fb7-b6e3-4711-bf7b-acabb0e9135e" providerId="ADAL" clId="{B6D83570-2398-4E7D-8A5B-3855B4C0FBB8}" dt="2024-10-21T00:26:04.531" v="2042" actId="34135"/>
           <ac:picMkLst>
@@ -394,28 +242,12 @@
             <ac:picMk id="15" creationId="{0A0B1616-4412-14AA-D9B6-6A5E996CF481}"/>
           </ac:picMkLst>
         </pc:picChg>
-        <pc:picChg chg="add del mod modCrop">
-          <ac:chgData name="Vitor Azambujo" userId="038c0fb7-b6e3-4711-bf7b-acabb0e9135e" providerId="ADAL" clId="{B6D83570-2398-4E7D-8A5B-3855B4C0FBB8}" dt="2024-10-20T16:49:53.630" v="788" actId="478"/>
-          <ac:picMkLst>
-            <pc:docMk/>
-            <pc:sldMk cId="302140398" sldId="256"/>
-            <ac:picMk id="18" creationId="{0CC82CBA-50D5-1CD0-ED3C-79BC11DCFDEE}"/>
-          </ac:picMkLst>
-        </pc:picChg>
         <pc:picChg chg="add mod">
           <ac:chgData name="Vitor Azambujo" userId="038c0fb7-b6e3-4711-bf7b-acabb0e9135e" providerId="ADAL" clId="{B6D83570-2398-4E7D-8A5B-3855B4C0FBB8}" dt="2024-10-20T16:30:40.968" v="427" actId="34135"/>
           <ac:picMkLst>
             <pc:docMk/>
             <pc:sldMk cId="302140398" sldId="256"/>
             <ac:picMk id="19" creationId="{7F10C5BC-8299-0DE3-E3C5-CB4FEE6F8895}"/>
-          </ac:picMkLst>
-        </pc:picChg>
-        <pc:picChg chg="add del mod">
-          <ac:chgData name="Vitor Azambujo" userId="038c0fb7-b6e3-4711-bf7b-acabb0e9135e" providerId="ADAL" clId="{B6D83570-2398-4E7D-8A5B-3855B4C0FBB8}" dt="2024-10-20T04:43:14.845" v="266" actId="478"/>
-          <ac:picMkLst>
-            <pc:docMk/>
-            <pc:sldMk cId="302140398" sldId="256"/>
-            <ac:picMk id="20" creationId="{4BE6714C-87C3-81B2-9D40-81B07BEAC2B2}"/>
           </ac:picMkLst>
         </pc:picChg>
         <pc:picChg chg="add mod topLvl modCrop">
@@ -424,14 +256,6 @@
             <pc:docMk/>
             <pc:sldMk cId="302140398" sldId="256"/>
             <ac:picMk id="21" creationId="{C251A647-FD7F-2F37-3579-B6B6E1D7CC54}"/>
-          </ac:picMkLst>
-        </pc:picChg>
-        <pc:picChg chg="add del mod modCrop">
-          <ac:chgData name="Vitor Azambujo" userId="038c0fb7-b6e3-4711-bf7b-acabb0e9135e" providerId="ADAL" clId="{B6D83570-2398-4E7D-8A5B-3855B4C0FBB8}" dt="2024-10-20T04:45:46.019" v="281" actId="478"/>
-          <ac:picMkLst>
-            <pc:docMk/>
-            <pc:sldMk cId="302140398" sldId="256"/>
-            <ac:picMk id="22" creationId="{12102783-5D06-CD09-FE11-AC2CF9704A74}"/>
           </ac:picMkLst>
         </pc:picChg>
         <pc:picChg chg="add mod ord topLvl">
@@ -450,22 +274,6 @@
             <ac:picMk id="25" creationId="{91097F0D-4954-E482-E780-647C57519DAD}"/>
           </ac:picMkLst>
         </pc:picChg>
-        <pc:picChg chg="add del mod">
-          <ac:chgData name="Vitor Azambujo" userId="038c0fb7-b6e3-4711-bf7b-acabb0e9135e" providerId="ADAL" clId="{B6D83570-2398-4E7D-8A5B-3855B4C0FBB8}" dt="2024-10-20T04:49:17.136" v="298" actId="478"/>
-          <ac:picMkLst>
-            <pc:docMk/>
-            <pc:sldMk cId="302140398" sldId="256"/>
-            <ac:picMk id="27" creationId="{58E5F65A-4238-6B44-45CE-8EC24CA46541}"/>
-          </ac:picMkLst>
-        </pc:picChg>
-        <pc:picChg chg="add del mod modCrop">
-          <ac:chgData name="Vitor Azambujo" userId="038c0fb7-b6e3-4711-bf7b-acabb0e9135e" providerId="ADAL" clId="{B6D83570-2398-4E7D-8A5B-3855B4C0FBB8}" dt="2024-10-20T18:38:08.343" v="932" actId="478"/>
-          <ac:picMkLst>
-            <pc:docMk/>
-            <pc:sldMk cId="302140398" sldId="256"/>
-            <ac:picMk id="28" creationId="{9025FF7A-D632-88C2-C823-EA0687C1DD95}"/>
-          </ac:picMkLst>
-        </pc:picChg>
         <pc:picChg chg="add mod ord topLvl">
           <ac:chgData name="Vitor Azambujo" userId="038c0fb7-b6e3-4711-bf7b-acabb0e9135e" providerId="ADAL" clId="{B6D83570-2398-4E7D-8A5B-3855B4C0FBB8}" dt="2024-10-21T00:54:05.373" v="2383" actId="34135"/>
           <ac:picMkLst>
@@ -504,14 +312,6 @@
             <pc:docMk/>
             <pc:sldMk cId="302140398" sldId="256"/>
             <ac:picMk id="44" creationId="{B07A6DFC-E3DB-197F-3D27-11E7AFBABB94}"/>
-          </ac:picMkLst>
-        </pc:picChg>
-        <pc:picChg chg="add del mod">
-          <ac:chgData name="Vitor Azambujo" userId="038c0fb7-b6e3-4711-bf7b-acabb0e9135e" providerId="ADAL" clId="{B6D83570-2398-4E7D-8A5B-3855B4C0FBB8}" dt="2024-10-21T01:12:17.481" v="2470" actId="478"/>
-          <ac:picMkLst>
-            <pc:docMk/>
-            <pc:sldMk cId="302140398" sldId="256"/>
-            <ac:picMk id="48" creationId="{2096512A-43EB-A2C0-4796-CDE49DDB9E30}"/>
           </ac:picMkLst>
         </pc:picChg>
         <pc:picChg chg="add mod">
@@ -537,8 +337,455 @@
           <pc:docMk/>
           <pc:sldMasterMk cId="3364745519" sldId="2147483672"/>
         </pc:sldMasterMkLst>
+        <pc:sldLayoutChg chg="modSp">
+          <pc:chgData name="Vitor Azambujo" userId="038c0fb7-b6e3-4711-bf7b-acabb0e9135e" providerId="ADAL" clId="{B6D83570-2398-4E7D-8A5B-3855B4C0FBB8}" dt="2024-10-20T05:00:33.866" v="365"/>
+          <pc:sldLayoutMkLst>
+            <pc:docMk/>
+            <pc:sldMasterMk cId="3364745519" sldId="2147483672"/>
+            <pc:sldLayoutMk cId="2216629859" sldId="2147483673"/>
+          </pc:sldLayoutMkLst>
+        </pc:sldLayoutChg>
+        <pc:sldLayoutChg chg="modSp">
+          <pc:chgData name="Vitor Azambujo" userId="038c0fb7-b6e3-4711-bf7b-acabb0e9135e" providerId="ADAL" clId="{B6D83570-2398-4E7D-8A5B-3855B4C0FBB8}" dt="2024-10-20T05:00:33.866" v="365"/>
+          <pc:sldLayoutMkLst>
+            <pc:docMk/>
+            <pc:sldMasterMk cId="3364745519" sldId="2147483672"/>
+            <pc:sldLayoutMk cId="1461342267" sldId="2147483675"/>
+          </pc:sldLayoutMkLst>
+        </pc:sldLayoutChg>
+        <pc:sldLayoutChg chg="modSp">
+          <pc:chgData name="Vitor Azambujo" userId="038c0fb7-b6e3-4711-bf7b-acabb0e9135e" providerId="ADAL" clId="{B6D83570-2398-4E7D-8A5B-3855B4C0FBB8}" dt="2024-10-20T05:00:33.866" v="365"/>
+          <pc:sldLayoutMkLst>
+            <pc:docMk/>
+            <pc:sldMasterMk cId="3364745519" sldId="2147483672"/>
+            <pc:sldLayoutMk cId="895500231" sldId="2147483676"/>
+          </pc:sldLayoutMkLst>
+        </pc:sldLayoutChg>
+        <pc:sldLayoutChg chg="modSp">
+          <pc:chgData name="Vitor Azambujo" userId="038c0fb7-b6e3-4711-bf7b-acabb0e9135e" providerId="ADAL" clId="{B6D83570-2398-4E7D-8A5B-3855B4C0FBB8}" dt="2024-10-20T05:00:33.866" v="365"/>
+          <pc:sldLayoutMkLst>
+            <pc:docMk/>
+            <pc:sldMasterMk cId="3364745519" sldId="2147483672"/>
+            <pc:sldLayoutMk cId="2497568875" sldId="2147483677"/>
+          </pc:sldLayoutMkLst>
+        </pc:sldLayoutChg>
+        <pc:sldLayoutChg chg="modSp">
+          <pc:chgData name="Vitor Azambujo" userId="038c0fb7-b6e3-4711-bf7b-acabb0e9135e" providerId="ADAL" clId="{B6D83570-2398-4E7D-8A5B-3855B4C0FBB8}" dt="2024-10-20T05:00:33.866" v="365"/>
+          <pc:sldLayoutMkLst>
+            <pc:docMk/>
+            <pc:sldMasterMk cId="3364745519" sldId="2147483672"/>
+            <pc:sldLayoutMk cId="3693189674" sldId="2147483680"/>
+          </pc:sldLayoutMkLst>
+        </pc:sldLayoutChg>
+        <pc:sldLayoutChg chg="modSp">
+          <pc:chgData name="Vitor Azambujo" userId="038c0fb7-b6e3-4711-bf7b-acabb0e9135e" providerId="ADAL" clId="{B6D83570-2398-4E7D-8A5B-3855B4C0FBB8}" dt="2024-10-20T05:00:33.866" v="365"/>
+          <pc:sldLayoutMkLst>
+            <pc:docMk/>
+            <pc:sldMasterMk cId="3364745519" sldId="2147483672"/>
+            <pc:sldLayoutMk cId="2840346464" sldId="2147483681"/>
+          </pc:sldLayoutMkLst>
+        </pc:sldLayoutChg>
+        <pc:sldLayoutChg chg="modSp">
+          <pc:chgData name="Vitor Azambujo" userId="038c0fb7-b6e3-4711-bf7b-acabb0e9135e" providerId="ADAL" clId="{B6D83570-2398-4E7D-8A5B-3855B4C0FBB8}" dt="2024-10-20T05:00:33.866" v="365"/>
+          <pc:sldLayoutMkLst>
+            <pc:docMk/>
+            <pc:sldMasterMk cId="3364745519" sldId="2147483672"/>
+            <pc:sldLayoutMk cId="3726577491" sldId="2147483683"/>
+          </pc:sldLayoutMkLst>
+        </pc:sldLayoutChg>
+      </pc:sldMasterChg>
+    </pc:docChg>
+  </pc:docChgLst>
+  <pc:docChgLst>
+    <pc:chgData name="Vitor Azambujo" userId="038c0fb7-b6e3-4711-bf7b-acabb0e9135e" providerId="ADAL" clId="{CBF6066A-AC1D-45DF-B660-0BC391A934D8}"/>
+    <pc:docChg chg="undo custSel modSld modMainMaster modNotesMaster">
+      <pc:chgData name="Vitor Azambujo" userId="038c0fb7-b6e3-4711-bf7b-acabb0e9135e" providerId="ADAL" clId="{CBF6066A-AC1D-45DF-B660-0BC391A934D8}" dt="2025-01-12T22:25:06.784" v="2436"/>
+      <pc:docMkLst>
+        <pc:docMk/>
+      </pc:docMkLst>
+      <pc:sldChg chg="addSp delSp modSp mod setBg modNotes">
+        <pc:chgData name="Vitor Azambujo" userId="038c0fb7-b6e3-4711-bf7b-acabb0e9135e" providerId="ADAL" clId="{CBF6066A-AC1D-45DF-B660-0BC391A934D8}" dt="2025-01-12T22:25:06.784" v="2436"/>
+        <pc:sldMkLst>
+          <pc:docMk/>
+          <pc:sldMk cId="302140398" sldId="256"/>
+        </pc:sldMkLst>
         <pc:spChg chg="mod">
-          <ac:chgData name="Vitor Azambujo" userId="038c0fb7-b6e3-4711-bf7b-acabb0e9135e" providerId="ADAL" clId="{B6D83570-2398-4E7D-8A5B-3855B4C0FBB8}" dt="2024-10-20T05:00:33.866" v="365"/>
+          <ac:chgData name="Vitor Azambujo" userId="038c0fb7-b6e3-4711-bf7b-acabb0e9135e" providerId="ADAL" clId="{CBF6066A-AC1D-45DF-B660-0BC391A934D8}" dt="2025-01-12T21:35:44.643" v="826" actId="34135"/>
+          <ac:spMkLst>
+            <pc:docMk/>
+            <pc:sldMk cId="302140398" sldId="256"/>
+            <ac:spMk id="12" creationId="{FF3F4CCF-FCA6-DFF1-62E1-89AAC10C7DE2}"/>
+          </ac:spMkLst>
+        </pc:spChg>
+        <pc:spChg chg="del mod ord topLvl">
+          <ac:chgData name="Vitor Azambujo" userId="038c0fb7-b6e3-4711-bf7b-acabb0e9135e" providerId="ADAL" clId="{CBF6066A-AC1D-45DF-B660-0BC391A934D8}" dt="2025-01-12T21:57:05.909" v="2097" actId="478"/>
+          <ac:spMkLst>
+            <pc:docMk/>
+            <pc:sldMk cId="302140398" sldId="256"/>
+            <ac:spMk id="26" creationId="{6C10B31F-E4F9-5DED-8C17-BB0A8AB1A19F}"/>
+          </ac:spMkLst>
+        </pc:spChg>
+        <pc:spChg chg="mod ord topLvl">
+          <ac:chgData name="Vitor Azambujo" userId="038c0fb7-b6e3-4711-bf7b-acabb0e9135e" providerId="ADAL" clId="{CBF6066A-AC1D-45DF-B660-0BC391A934D8}" dt="2025-01-12T22:23:08.977" v="2412" actId="34136"/>
+          <ac:spMkLst>
+            <pc:docMk/>
+            <pc:sldMk cId="302140398" sldId="256"/>
+            <ac:spMk id="30" creationId="{FC183961-35D6-C4EB-ED18-B8594474E3F6}"/>
+          </ac:spMkLst>
+        </pc:spChg>
+        <pc:spChg chg="mod">
+          <ac:chgData name="Vitor Azambujo" userId="038c0fb7-b6e3-4711-bf7b-acabb0e9135e" providerId="ADAL" clId="{CBF6066A-AC1D-45DF-B660-0BC391A934D8}" dt="2025-01-12T22:17:02.746" v="2361" actId="20577"/>
+          <ac:spMkLst>
+            <pc:docMk/>
+            <pc:sldMk cId="302140398" sldId="256"/>
+            <ac:spMk id="37" creationId="{B22AA99F-3D0A-7004-EDFA-FB2377D995CB}"/>
+          </ac:spMkLst>
+        </pc:spChg>
+        <pc:spChg chg="mod topLvl">
+          <ac:chgData name="Vitor Azambujo" userId="038c0fb7-b6e3-4711-bf7b-acabb0e9135e" providerId="ADAL" clId="{CBF6066A-AC1D-45DF-B660-0BC391A934D8}" dt="2025-01-12T22:15:51.102" v="2327" actId="34135"/>
+          <ac:spMkLst>
+            <pc:docMk/>
+            <pc:sldMk cId="302140398" sldId="256"/>
+            <ac:spMk id="40" creationId="{9BCE2FD9-89B9-D566-D816-68E7218C91E6}"/>
+          </ac:spMkLst>
+        </pc:spChg>
+        <pc:grpChg chg="add del mod">
+          <ac:chgData name="Vitor Azambujo" userId="038c0fb7-b6e3-4711-bf7b-acabb0e9135e" providerId="ADAL" clId="{CBF6066A-AC1D-45DF-B660-0BC391A934D8}" dt="2025-01-12T18:43:52.018" v="124" actId="165"/>
+          <ac:grpSpMkLst>
+            <pc:docMk/>
+            <pc:sldMk cId="302140398" sldId="256"/>
+            <ac:grpSpMk id="2" creationId="{2DFC2E1B-D466-61E6-9349-6513051935C7}"/>
+          </ac:grpSpMkLst>
+        </pc:grpChg>
+        <pc:grpChg chg="add del mod topLvl">
+          <ac:chgData name="Vitor Azambujo" userId="038c0fb7-b6e3-4711-bf7b-acabb0e9135e" providerId="ADAL" clId="{CBF6066A-AC1D-45DF-B660-0BC391A934D8}" dt="2025-01-12T18:43:55.761" v="125" actId="165"/>
+          <ac:grpSpMkLst>
+            <pc:docMk/>
+            <pc:sldMk cId="302140398" sldId="256"/>
+            <ac:grpSpMk id="3" creationId="{1936B23E-EEC6-ACC6-6B55-9749A16B355A}"/>
+          </ac:grpSpMkLst>
+        </pc:grpChg>
+        <pc:grpChg chg="add del mod">
+          <ac:chgData name="Vitor Azambujo" userId="038c0fb7-b6e3-4711-bf7b-acabb0e9135e" providerId="ADAL" clId="{CBF6066A-AC1D-45DF-B660-0BC391A934D8}" dt="2025-01-12T18:44:12.747" v="161" actId="165"/>
+          <ac:grpSpMkLst>
+            <pc:docMk/>
+            <pc:sldMk cId="302140398" sldId="256"/>
+            <ac:grpSpMk id="4" creationId="{F3FC2B3D-3B26-E7C2-9E9F-3D12FD05E8C8}"/>
+          </ac:grpSpMkLst>
+        </pc:grpChg>
+        <pc:grpChg chg="add del mod topLvl">
+          <ac:chgData name="Vitor Azambujo" userId="038c0fb7-b6e3-4711-bf7b-acabb0e9135e" providerId="ADAL" clId="{CBF6066A-AC1D-45DF-B660-0BC391A934D8}" dt="2025-01-12T22:22:12.232" v="2408" actId="165"/>
+          <ac:grpSpMkLst>
+            <pc:docMk/>
+            <pc:sldMk cId="302140398" sldId="256"/>
+            <ac:grpSpMk id="6" creationId="{5B9EA016-A347-9A3C-C756-E3B5866AADF6}"/>
+          </ac:grpSpMkLst>
+        </pc:grpChg>
+        <pc:grpChg chg="add del mod topLvl">
+          <ac:chgData name="Vitor Azambujo" userId="038c0fb7-b6e3-4711-bf7b-acabb0e9135e" providerId="ADAL" clId="{CBF6066A-AC1D-45DF-B660-0BC391A934D8}" dt="2025-01-12T21:49:26.095" v="1671" actId="165"/>
+          <ac:grpSpMkLst>
+            <pc:docMk/>
+            <pc:sldMk cId="302140398" sldId="256"/>
+            <ac:grpSpMk id="10" creationId="{56A8B5B5-47FD-AC8F-833A-4A79033A7DF3}"/>
+          </ac:grpSpMkLst>
+        </pc:grpChg>
+        <pc:grpChg chg="add del mod ord">
+          <ac:chgData name="Vitor Azambujo" userId="038c0fb7-b6e3-4711-bf7b-acabb0e9135e" providerId="ADAL" clId="{CBF6066A-AC1D-45DF-B660-0BC391A934D8}" dt="2025-01-12T21:55:43.334" v="2076" actId="165"/>
+          <ac:grpSpMkLst>
+            <pc:docMk/>
+            <pc:sldMk cId="302140398" sldId="256"/>
+            <ac:grpSpMk id="11" creationId="{E61A7A7C-4ED7-928D-1CC6-C1E780B8092C}"/>
+          </ac:grpSpMkLst>
+        </pc:grpChg>
+        <pc:grpChg chg="add del mod">
+          <ac:chgData name="Vitor Azambujo" userId="038c0fb7-b6e3-4711-bf7b-acabb0e9135e" providerId="ADAL" clId="{CBF6066A-AC1D-45DF-B660-0BC391A934D8}" dt="2025-01-12T21:48:56.860" v="1659" actId="165"/>
+          <ac:grpSpMkLst>
+            <pc:docMk/>
+            <pc:sldMk cId="302140398" sldId="256"/>
+            <ac:grpSpMk id="13" creationId="{28FE857B-D96F-5D77-9144-B3B8D82EA529}"/>
+          </ac:grpSpMkLst>
+        </pc:grpChg>
+        <pc:grpChg chg="add del mod">
+          <ac:chgData name="Vitor Azambujo" userId="038c0fb7-b6e3-4711-bf7b-acabb0e9135e" providerId="ADAL" clId="{CBF6066A-AC1D-45DF-B660-0BC391A934D8}" dt="2025-01-12T21:49:21.973" v="1670" actId="165"/>
+          <ac:grpSpMkLst>
+            <pc:docMk/>
+            <pc:sldMk cId="302140398" sldId="256"/>
+            <ac:grpSpMk id="18" creationId="{674EFC02-C445-BB3A-FA80-5D6B619E7C1C}"/>
+          </ac:grpSpMkLst>
+        </pc:grpChg>
+        <pc:grpChg chg="add del mod">
+          <ac:chgData name="Vitor Azambujo" userId="038c0fb7-b6e3-4711-bf7b-acabb0e9135e" providerId="ADAL" clId="{CBF6066A-AC1D-45DF-B660-0BC391A934D8}" dt="2025-01-12T21:57:05.909" v="2097" actId="478"/>
+          <ac:grpSpMkLst>
+            <pc:docMk/>
+            <pc:sldMk cId="302140398" sldId="256"/>
+            <ac:grpSpMk id="20" creationId="{4A8DAE97-4C40-9C3B-133D-3E8384D16615}"/>
+          </ac:grpSpMkLst>
+        </pc:grpChg>
+        <pc:grpChg chg="add del mod topLvl">
+          <ac:chgData name="Vitor Azambujo" userId="038c0fb7-b6e3-4711-bf7b-acabb0e9135e" providerId="ADAL" clId="{CBF6066A-AC1D-45DF-B660-0BC391A934D8}" dt="2025-01-12T22:22:07.546" v="2407" actId="165"/>
+          <ac:grpSpMkLst>
+            <pc:docMk/>
+            <pc:sldMk cId="302140398" sldId="256"/>
+            <ac:grpSpMk id="22" creationId="{250BD280-690D-E3D6-2A7F-FA8E465D231B}"/>
+          </ac:grpSpMkLst>
+        </pc:grpChg>
+        <pc:grpChg chg="add mod">
+          <ac:chgData name="Vitor Azambujo" userId="038c0fb7-b6e3-4711-bf7b-acabb0e9135e" providerId="ADAL" clId="{CBF6066A-AC1D-45DF-B660-0BC391A934D8}" dt="2025-01-12T21:53:36.948" v="1940" actId="164"/>
+          <ac:grpSpMkLst>
+            <pc:docMk/>
+            <pc:sldMk cId="302140398" sldId="256"/>
+            <ac:grpSpMk id="23" creationId="{CD961786-0075-35AE-FC6B-37DE4522CD55}"/>
+          </ac:grpSpMkLst>
+        </pc:grpChg>
+        <pc:grpChg chg="add mod">
+          <ac:chgData name="Vitor Azambujo" userId="038c0fb7-b6e3-4711-bf7b-acabb0e9135e" providerId="ADAL" clId="{CBF6066A-AC1D-45DF-B660-0BC391A934D8}" dt="2025-01-12T21:53:22.004" v="1903" actId="34135"/>
+          <ac:grpSpMkLst>
+            <pc:docMk/>
+            <pc:sldMk cId="302140398" sldId="256"/>
+            <ac:grpSpMk id="27" creationId="{36467F37-3D3C-04AC-C1D5-25363DC6D8DC}"/>
+          </ac:grpSpMkLst>
+        </pc:grpChg>
+        <pc:grpChg chg="add mod">
+          <ac:chgData name="Vitor Azambujo" userId="038c0fb7-b6e3-4711-bf7b-acabb0e9135e" providerId="ADAL" clId="{CBF6066A-AC1D-45DF-B660-0BC391A934D8}" dt="2025-01-12T21:53:22.004" v="1903" actId="34135"/>
+          <ac:grpSpMkLst>
+            <pc:docMk/>
+            <pc:sldMk cId="302140398" sldId="256"/>
+            <ac:grpSpMk id="28" creationId="{2AFBA9E0-6705-53D6-ECA1-107B4822E66B}"/>
+          </ac:grpSpMkLst>
+        </pc:grpChg>
+        <pc:grpChg chg="add mod">
+          <ac:chgData name="Vitor Azambujo" userId="038c0fb7-b6e3-4711-bf7b-acabb0e9135e" providerId="ADAL" clId="{CBF6066A-AC1D-45DF-B660-0BC391A934D8}" dt="2025-01-12T21:53:36.948" v="1940" actId="164"/>
+          <ac:grpSpMkLst>
+            <pc:docMk/>
+            <pc:sldMk cId="302140398" sldId="256"/>
+            <ac:grpSpMk id="32" creationId="{6BB59210-ECED-A783-6D1A-1E994B1DEEAA}"/>
+          </ac:grpSpMkLst>
+        </pc:grpChg>
+        <pc:grpChg chg="add mod">
+          <ac:chgData name="Vitor Azambujo" userId="038c0fb7-b6e3-4711-bf7b-acabb0e9135e" providerId="ADAL" clId="{CBF6066A-AC1D-45DF-B660-0BC391A934D8}" dt="2025-01-12T22:15:51.102" v="2327" actId="34135"/>
+          <ac:grpSpMkLst>
+            <pc:docMk/>
+            <pc:sldMk cId="302140398" sldId="256"/>
+            <ac:grpSpMk id="34" creationId="{9D2003FA-A024-1621-2C07-147F415D75F1}"/>
+          </ac:grpSpMkLst>
+        </pc:grpChg>
+        <pc:grpChg chg="add del mod">
+          <ac:chgData name="Vitor Azambujo" userId="038c0fb7-b6e3-4711-bf7b-acabb0e9135e" providerId="ADAL" clId="{CBF6066A-AC1D-45DF-B660-0BC391A934D8}" dt="2025-01-12T22:22:02.559" v="2406" actId="165"/>
+          <ac:grpSpMkLst>
+            <pc:docMk/>
+            <pc:sldMk cId="302140398" sldId="256"/>
+            <ac:grpSpMk id="35" creationId="{080BB5A7-EAFB-910C-FBF5-E47D4E52A8CA}"/>
+          </ac:grpSpMkLst>
+        </pc:grpChg>
+        <pc:grpChg chg="add del mod">
+          <ac:chgData name="Vitor Azambujo" userId="038c0fb7-b6e3-4711-bf7b-acabb0e9135e" providerId="ADAL" clId="{CBF6066A-AC1D-45DF-B660-0BC391A934D8}" dt="2025-01-12T22:18:12.912" v="2364" actId="165"/>
+          <ac:grpSpMkLst>
+            <pc:docMk/>
+            <pc:sldMk cId="302140398" sldId="256"/>
+            <ac:grpSpMk id="36" creationId="{2B79CC54-52A7-EEB9-5741-4D196D3EAEF5}"/>
+          </ac:grpSpMkLst>
+        </pc:grpChg>
+        <pc:grpChg chg="mod">
+          <ac:chgData name="Vitor Azambujo" userId="038c0fb7-b6e3-4711-bf7b-acabb0e9135e" providerId="ADAL" clId="{CBF6066A-AC1D-45DF-B660-0BC391A934D8}" dt="2025-01-12T21:38:55.945" v="1168" actId="34136"/>
+          <ac:grpSpMkLst>
+            <pc:docMk/>
+            <pc:sldMk cId="302140398" sldId="256"/>
+            <ac:grpSpMk id="38" creationId="{C0991C7C-1FB3-3B68-6002-77244F5E0B93}"/>
+          </ac:grpSpMkLst>
+        </pc:grpChg>
+        <pc:grpChg chg="del mod">
+          <ac:chgData name="Vitor Azambujo" userId="038c0fb7-b6e3-4711-bf7b-acabb0e9135e" providerId="ADAL" clId="{CBF6066A-AC1D-45DF-B660-0BC391A934D8}" dt="2025-01-12T18:43:26.076" v="72" actId="165"/>
+          <ac:grpSpMkLst>
+            <pc:docMk/>
+            <pc:sldMk cId="302140398" sldId="256"/>
+            <ac:grpSpMk id="39" creationId="{E379C1FA-8EA1-4C23-047A-56DA6EE61596}"/>
+          </ac:grpSpMkLst>
+        </pc:grpChg>
+        <pc:grpChg chg="add mod">
+          <ac:chgData name="Vitor Azambujo" userId="038c0fb7-b6e3-4711-bf7b-acabb0e9135e" providerId="ADAL" clId="{CBF6066A-AC1D-45DF-B660-0BC391A934D8}" dt="2025-01-12T22:19:42.541" v="2373"/>
+          <ac:grpSpMkLst>
+            <pc:docMk/>
+            <pc:sldMk cId="302140398" sldId="256"/>
+            <ac:grpSpMk id="41" creationId="{B7DF05CC-855E-814B-C1B9-4B80A5C19E9D}"/>
+          </ac:grpSpMkLst>
+        </pc:grpChg>
+        <pc:grpChg chg="mod ord">
+          <ac:chgData name="Vitor Azambujo" userId="038c0fb7-b6e3-4711-bf7b-acabb0e9135e" providerId="ADAL" clId="{CBF6066A-AC1D-45DF-B660-0BC391A934D8}" dt="2025-01-12T21:53:04.363" v="1896" actId="164"/>
+          <ac:grpSpMkLst>
+            <pc:docMk/>
+            <pc:sldMk cId="302140398" sldId="256"/>
+            <ac:grpSpMk id="45" creationId="{54AD8AC0-0AAD-A3DE-3C7B-D1E87EFC4F69}"/>
+          </ac:grpSpMkLst>
+        </pc:grpChg>
+        <pc:grpChg chg="mod">
+          <ac:chgData name="Vitor Azambujo" userId="038c0fb7-b6e3-4711-bf7b-acabb0e9135e" providerId="ADAL" clId="{CBF6066A-AC1D-45DF-B660-0BC391A934D8}" dt="2025-01-12T21:53:39.206" v="1941" actId="34135"/>
+          <ac:grpSpMkLst>
+            <pc:docMk/>
+            <pc:sldMk cId="302140398" sldId="256"/>
+            <ac:grpSpMk id="46" creationId="{8D363A0D-C824-9474-7400-473081060E91}"/>
+          </ac:grpSpMkLst>
+        </pc:grpChg>
+        <pc:picChg chg="mod topLvl">
+          <ac:chgData name="Vitor Azambujo" userId="038c0fb7-b6e3-4711-bf7b-acabb0e9135e" providerId="ADAL" clId="{CBF6066A-AC1D-45DF-B660-0BC391A934D8}" dt="2025-01-12T22:23:15.144" v="2419" actId="1038"/>
+          <ac:picMkLst>
+            <pc:docMk/>
+            <pc:sldMk cId="302140398" sldId="256"/>
+            <ac:picMk id="5" creationId="{95DE7E98-E2A9-4188-058B-35CC1C2777A8}"/>
+          </ac:picMkLst>
+        </pc:picChg>
+        <pc:picChg chg="mod topLvl">
+          <ac:chgData name="Vitor Azambujo" userId="038c0fb7-b6e3-4711-bf7b-acabb0e9135e" providerId="ADAL" clId="{CBF6066A-AC1D-45DF-B660-0BC391A934D8}" dt="2025-01-12T22:23:39.863" v="2426"/>
+          <ac:picMkLst>
+            <pc:docMk/>
+            <pc:sldMk cId="302140398" sldId="256"/>
+            <ac:picMk id="7" creationId="{1820E055-41A3-4F23-E3EA-F381B37E6E4C}"/>
+          </ac:picMkLst>
+        </pc:picChg>
+        <pc:picChg chg="mod topLvl">
+          <ac:chgData name="Vitor Azambujo" userId="038c0fb7-b6e3-4711-bf7b-acabb0e9135e" providerId="ADAL" clId="{CBF6066A-AC1D-45DF-B660-0BC391A934D8}" dt="2025-01-12T22:24:40.885" v="2434"/>
+          <ac:picMkLst>
+            <pc:docMk/>
+            <pc:sldMk cId="302140398" sldId="256"/>
+            <ac:picMk id="8" creationId="{5F90660B-44B7-5A24-A217-EEE567DD2026}"/>
+          </ac:picMkLst>
+        </pc:picChg>
+        <pc:picChg chg="mod">
+          <ac:chgData name="Vitor Azambujo" userId="038c0fb7-b6e3-4711-bf7b-acabb0e9135e" providerId="ADAL" clId="{CBF6066A-AC1D-45DF-B660-0BC391A934D8}" dt="2025-01-12T21:53:39.206" v="1941" actId="34135"/>
+          <ac:picMkLst>
+            <pc:docMk/>
+            <pc:sldMk cId="302140398" sldId="256"/>
+            <ac:picMk id="9" creationId="{8DF35568-F266-BC1B-C01C-8EBE2CB9C070}"/>
+          </ac:picMkLst>
+        </pc:picChg>
+        <pc:picChg chg="mod topLvl">
+          <ac:chgData name="Vitor Azambujo" userId="038c0fb7-b6e3-4711-bf7b-acabb0e9135e" providerId="ADAL" clId="{CBF6066A-AC1D-45DF-B660-0BC391A934D8}" dt="2025-01-12T22:19:27.648" v="2372" actId="34135"/>
+          <ac:picMkLst>
+            <pc:docMk/>
+            <pc:sldMk cId="302140398" sldId="256"/>
+            <ac:picMk id="14" creationId="{F9754DB7-9D36-F2B4-1FC6-97A988D1B404}"/>
+          </ac:picMkLst>
+        </pc:picChg>
+        <pc:picChg chg="mod topLvl">
+          <ac:chgData name="Vitor Azambujo" userId="038c0fb7-b6e3-4711-bf7b-acabb0e9135e" providerId="ADAL" clId="{CBF6066A-AC1D-45DF-B660-0BC391A934D8}" dt="2025-01-12T22:19:27.648" v="2372" actId="34135"/>
+          <ac:picMkLst>
+            <pc:docMk/>
+            <pc:sldMk cId="302140398" sldId="256"/>
+            <ac:picMk id="15" creationId="{0A0B1616-4412-14AA-D9B6-6A5E996CF481}"/>
+          </ac:picMkLst>
+        </pc:picChg>
+        <pc:picChg chg="add mod">
+          <ac:chgData name="Vitor Azambujo" userId="038c0fb7-b6e3-4711-bf7b-acabb0e9135e" providerId="ADAL" clId="{CBF6066A-AC1D-45DF-B660-0BC391A934D8}" dt="2025-01-12T21:53:22.004" v="1903" actId="34135"/>
+          <ac:picMkLst>
+            <pc:docMk/>
+            <pc:sldMk cId="302140398" sldId="256"/>
+            <ac:picMk id="16" creationId="{8325C268-740B-1E3C-16F5-53555A267086}"/>
+          </ac:picMkLst>
+        </pc:picChg>
+        <pc:picChg chg="add del mod">
+          <ac:chgData name="Vitor Azambujo" userId="038c0fb7-b6e3-4711-bf7b-acabb0e9135e" providerId="ADAL" clId="{CBF6066A-AC1D-45DF-B660-0BC391A934D8}" dt="2025-01-12T21:38:15.947" v="1133" actId="478"/>
+          <ac:picMkLst>
+            <pc:docMk/>
+            <pc:sldMk cId="302140398" sldId="256"/>
+            <ac:picMk id="17" creationId="{1592E2AE-475A-6D25-298E-37E6D3407E61}"/>
+          </ac:picMkLst>
+        </pc:picChg>
+        <pc:picChg chg="mod">
+          <ac:chgData name="Vitor Azambujo" userId="038c0fb7-b6e3-4711-bf7b-acabb0e9135e" providerId="ADAL" clId="{CBF6066A-AC1D-45DF-B660-0BC391A934D8}" dt="2025-01-12T21:37:07.915" v="862" actId="34135"/>
+          <ac:picMkLst>
+            <pc:docMk/>
+            <pc:sldMk cId="302140398" sldId="256"/>
+            <ac:picMk id="19" creationId="{7F10C5BC-8299-0DE3-E3C5-CB4FEE6F8895}"/>
+          </ac:picMkLst>
+        </pc:picChg>
+        <pc:picChg chg="mod topLvl">
+          <ac:chgData name="Vitor Azambujo" userId="038c0fb7-b6e3-4711-bf7b-acabb0e9135e" providerId="ADAL" clId="{CBF6066A-AC1D-45DF-B660-0BC391A934D8}" dt="2025-01-12T22:24:00.446" v="2433"/>
+          <ac:picMkLst>
+            <pc:docMk/>
+            <pc:sldMk cId="302140398" sldId="256"/>
+            <ac:picMk id="21" creationId="{C251A647-FD7F-2F37-3579-B6B6E1D7CC54}"/>
+          </ac:picMkLst>
+        </pc:picChg>
+        <pc:picChg chg="mod">
+          <ac:chgData name="Vitor Azambujo" userId="038c0fb7-b6e3-4711-bf7b-acabb0e9135e" providerId="ADAL" clId="{CBF6066A-AC1D-45DF-B660-0BC391A934D8}" dt="2025-01-12T22:24:55.014" v="2435"/>
+          <ac:picMkLst>
+            <pc:docMk/>
+            <pc:sldMk cId="302140398" sldId="256"/>
+            <ac:picMk id="24" creationId="{66953BA4-7D10-25E7-B1C3-05F02BA8EEDE}"/>
+          </ac:picMkLst>
+        </pc:picChg>
+        <pc:picChg chg="mod">
+          <ac:chgData name="Vitor Azambujo" userId="038c0fb7-b6e3-4711-bf7b-acabb0e9135e" providerId="ADAL" clId="{CBF6066A-AC1D-45DF-B660-0BC391A934D8}" dt="2025-01-12T22:25:06.784" v="2436"/>
+          <ac:picMkLst>
+            <pc:docMk/>
+            <pc:sldMk cId="302140398" sldId="256"/>
+            <ac:picMk id="25" creationId="{91097F0D-4954-E482-E780-647C57519DAD}"/>
+          </ac:picMkLst>
+        </pc:picChg>
+        <pc:picChg chg="mod">
+          <ac:chgData name="Vitor Azambujo" userId="038c0fb7-b6e3-4711-bf7b-acabb0e9135e" providerId="ADAL" clId="{CBF6066A-AC1D-45DF-B660-0BC391A934D8}" dt="2025-01-12T21:53:39.206" v="1941" actId="34135"/>
+          <ac:picMkLst>
+            <pc:docMk/>
+            <pc:sldMk cId="302140398" sldId="256"/>
+            <ac:picMk id="29" creationId="{28EE20EF-0083-0574-C993-5B25C2CD44D8}"/>
+          </ac:picMkLst>
+        </pc:picChg>
+        <pc:picChg chg="mod">
+          <ac:chgData name="Vitor Azambujo" userId="038c0fb7-b6e3-4711-bf7b-acabb0e9135e" providerId="ADAL" clId="{CBF6066A-AC1D-45DF-B660-0BC391A934D8}" dt="2025-01-12T21:53:39.206" v="1941" actId="34135"/>
+          <ac:picMkLst>
+            <pc:docMk/>
+            <pc:sldMk cId="302140398" sldId="256"/>
+            <ac:picMk id="31" creationId="{78533EA2-CF8D-6E86-9BD7-94A6DB574975}"/>
+          </ac:picMkLst>
+        </pc:picChg>
+        <pc:picChg chg="mod ord">
+          <ac:chgData name="Vitor Azambujo" userId="038c0fb7-b6e3-4711-bf7b-acabb0e9135e" providerId="ADAL" clId="{CBF6066A-AC1D-45DF-B660-0BC391A934D8}" dt="2025-01-12T21:53:39.206" v="1941" actId="34135"/>
+          <ac:picMkLst>
+            <pc:docMk/>
+            <pc:sldMk cId="302140398" sldId="256"/>
+            <ac:picMk id="33" creationId="{0874A626-7FA0-24E2-96C0-47A7BC1A8EFD}"/>
+          </ac:picMkLst>
+        </pc:picChg>
+        <pc:picChg chg="mod">
+          <ac:chgData name="Vitor Azambujo" userId="038c0fb7-b6e3-4711-bf7b-acabb0e9135e" providerId="ADAL" clId="{CBF6066A-AC1D-45DF-B660-0BC391A934D8}" dt="2025-01-12T21:53:39.206" v="1941" actId="34135"/>
+          <ac:picMkLst>
+            <pc:docMk/>
+            <pc:sldMk cId="302140398" sldId="256"/>
+            <ac:picMk id="42" creationId="{350B6678-FFA3-E037-5CFE-9778AC74F27B}"/>
+          </ac:picMkLst>
+        </pc:picChg>
+        <pc:picChg chg="mod">
+          <ac:chgData name="Vitor Azambujo" userId="038c0fb7-b6e3-4711-bf7b-acabb0e9135e" providerId="ADAL" clId="{CBF6066A-AC1D-45DF-B660-0BC391A934D8}" dt="2025-01-12T21:53:39.206" v="1941" actId="34135"/>
+          <ac:picMkLst>
+            <pc:docMk/>
+            <pc:sldMk cId="302140398" sldId="256"/>
+            <ac:picMk id="44" creationId="{B07A6DFC-E3DB-197F-3D27-11E7AFBABB94}"/>
+          </ac:picMkLst>
+        </pc:picChg>
+        <pc:picChg chg="mod">
+          <ac:chgData name="Vitor Azambujo" userId="038c0fb7-b6e3-4711-bf7b-acabb0e9135e" providerId="ADAL" clId="{CBF6066A-AC1D-45DF-B660-0BC391A934D8}" dt="2025-01-12T21:53:22.004" v="1903" actId="34135"/>
+          <ac:picMkLst>
+            <pc:docMk/>
+            <pc:sldMk cId="302140398" sldId="256"/>
+            <ac:picMk id="50" creationId="{04CC557E-822C-8183-9BBA-D3514449C2E4}"/>
+          </ac:picMkLst>
+        </pc:picChg>
+        <pc:picChg chg="mod">
+          <ac:chgData name="Vitor Azambujo" userId="038c0fb7-b6e3-4711-bf7b-acabb0e9135e" providerId="ADAL" clId="{CBF6066A-AC1D-45DF-B660-0BC391A934D8}" dt="2025-01-12T21:53:22.004" v="1903" actId="34135"/>
+          <ac:picMkLst>
+            <pc:docMk/>
+            <pc:sldMk cId="302140398" sldId="256"/>
+            <ac:picMk id="51" creationId="{5DCF4922-884A-5806-2436-58DE6F073597}"/>
+          </ac:picMkLst>
+        </pc:picChg>
+      </pc:sldChg>
+      <pc:sldMasterChg chg="modSp modSldLayout">
+        <pc:chgData name="Vitor Azambujo" userId="038c0fb7-b6e3-4711-bf7b-acabb0e9135e" providerId="ADAL" clId="{CBF6066A-AC1D-45DF-B660-0BC391A934D8}" dt="2025-01-12T18:42:13.695" v="1"/>
+        <pc:sldMasterMkLst>
+          <pc:docMk/>
+          <pc:sldMasterMk cId="3364745519" sldId="2147483672"/>
+        </pc:sldMasterMkLst>
+        <pc:spChg chg="mod">
+          <ac:chgData name="Vitor Azambujo" userId="038c0fb7-b6e3-4711-bf7b-acabb0e9135e" providerId="ADAL" clId="{CBF6066A-AC1D-45DF-B660-0BC391A934D8}" dt="2025-01-12T18:42:13.695" v="1"/>
           <ac:spMkLst>
             <pc:docMk/>
             <pc:sldMasterMk cId="3364745519" sldId="2147483672"/>
@@ -546,7 +793,7 @@
           </ac:spMkLst>
         </pc:spChg>
         <pc:spChg chg="mod">
-          <ac:chgData name="Vitor Azambujo" userId="038c0fb7-b6e3-4711-bf7b-acabb0e9135e" providerId="ADAL" clId="{B6D83570-2398-4E7D-8A5B-3855B4C0FBB8}" dt="2024-10-20T05:00:33.866" v="365"/>
+          <ac:chgData name="Vitor Azambujo" userId="038c0fb7-b6e3-4711-bf7b-acabb0e9135e" providerId="ADAL" clId="{CBF6066A-AC1D-45DF-B660-0BC391A934D8}" dt="2025-01-12T18:42:13.695" v="1"/>
           <ac:spMkLst>
             <pc:docMk/>
             <pc:sldMasterMk cId="3364745519" sldId="2147483672"/>
@@ -554,7 +801,7 @@
           </ac:spMkLst>
         </pc:spChg>
         <pc:spChg chg="mod">
-          <ac:chgData name="Vitor Azambujo" userId="038c0fb7-b6e3-4711-bf7b-acabb0e9135e" providerId="ADAL" clId="{B6D83570-2398-4E7D-8A5B-3855B4C0FBB8}" dt="2024-10-20T05:00:33.866" v="365"/>
+          <ac:chgData name="Vitor Azambujo" userId="038c0fb7-b6e3-4711-bf7b-acabb0e9135e" providerId="ADAL" clId="{CBF6066A-AC1D-45DF-B660-0BC391A934D8}" dt="2025-01-12T18:42:13.695" v="1"/>
           <ac:spMkLst>
             <pc:docMk/>
             <pc:sldMasterMk cId="3364745519" sldId="2147483672"/>
@@ -562,7 +809,7 @@
           </ac:spMkLst>
         </pc:spChg>
         <pc:spChg chg="mod">
-          <ac:chgData name="Vitor Azambujo" userId="038c0fb7-b6e3-4711-bf7b-acabb0e9135e" providerId="ADAL" clId="{B6D83570-2398-4E7D-8A5B-3855B4C0FBB8}" dt="2024-10-20T05:00:33.866" v="365"/>
+          <ac:chgData name="Vitor Azambujo" userId="038c0fb7-b6e3-4711-bf7b-acabb0e9135e" providerId="ADAL" clId="{CBF6066A-AC1D-45DF-B660-0BC391A934D8}" dt="2025-01-12T18:42:13.695" v="1"/>
           <ac:spMkLst>
             <pc:docMk/>
             <pc:sldMasterMk cId="3364745519" sldId="2147483672"/>
@@ -570,7 +817,7 @@
           </ac:spMkLst>
         </pc:spChg>
         <pc:spChg chg="mod">
-          <ac:chgData name="Vitor Azambujo" userId="038c0fb7-b6e3-4711-bf7b-acabb0e9135e" providerId="ADAL" clId="{B6D83570-2398-4E7D-8A5B-3855B4C0FBB8}" dt="2024-10-20T05:00:33.866" v="365"/>
+          <ac:chgData name="Vitor Azambujo" userId="038c0fb7-b6e3-4711-bf7b-acabb0e9135e" providerId="ADAL" clId="{CBF6066A-AC1D-45DF-B660-0BC391A934D8}" dt="2025-01-12T18:42:13.695" v="1"/>
           <ac:spMkLst>
             <pc:docMk/>
             <pc:sldMasterMk cId="3364745519" sldId="2147483672"/>
@@ -578,14 +825,14 @@
           </ac:spMkLst>
         </pc:spChg>
         <pc:sldLayoutChg chg="modSp">
-          <pc:chgData name="Vitor Azambujo" userId="038c0fb7-b6e3-4711-bf7b-acabb0e9135e" providerId="ADAL" clId="{B6D83570-2398-4E7D-8A5B-3855B4C0FBB8}" dt="2024-10-20T05:00:33.866" v="365"/>
+          <pc:chgData name="Vitor Azambujo" userId="038c0fb7-b6e3-4711-bf7b-acabb0e9135e" providerId="ADAL" clId="{CBF6066A-AC1D-45DF-B660-0BC391A934D8}" dt="2025-01-12T18:42:13.695" v="1"/>
           <pc:sldLayoutMkLst>
             <pc:docMk/>
             <pc:sldMasterMk cId="3364745519" sldId="2147483672"/>
             <pc:sldLayoutMk cId="2216629859" sldId="2147483673"/>
           </pc:sldLayoutMkLst>
           <pc:spChg chg="mod">
-            <ac:chgData name="Vitor Azambujo" userId="038c0fb7-b6e3-4711-bf7b-acabb0e9135e" providerId="ADAL" clId="{B6D83570-2398-4E7D-8A5B-3855B4C0FBB8}" dt="2024-10-20T05:00:33.866" v="365"/>
+            <ac:chgData name="Vitor Azambujo" userId="038c0fb7-b6e3-4711-bf7b-acabb0e9135e" providerId="ADAL" clId="{CBF6066A-AC1D-45DF-B660-0BC391A934D8}" dt="2025-01-12T18:42:13.695" v="1"/>
             <ac:spMkLst>
               <pc:docMk/>
               <pc:sldMasterMk cId="3364745519" sldId="2147483672"/>
@@ -594,7 +841,7 @@
             </ac:spMkLst>
           </pc:spChg>
           <pc:spChg chg="mod">
-            <ac:chgData name="Vitor Azambujo" userId="038c0fb7-b6e3-4711-bf7b-acabb0e9135e" providerId="ADAL" clId="{B6D83570-2398-4E7D-8A5B-3855B4C0FBB8}" dt="2024-10-20T05:00:33.866" v="365"/>
+            <ac:chgData name="Vitor Azambujo" userId="038c0fb7-b6e3-4711-bf7b-acabb0e9135e" providerId="ADAL" clId="{CBF6066A-AC1D-45DF-B660-0BC391A934D8}" dt="2025-01-12T18:42:13.695" v="1"/>
             <ac:spMkLst>
               <pc:docMk/>
               <pc:sldMasterMk cId="3364745519" sldId="2147483672"/>
@@ -604,14 +851,14 @@
           </pc:spChg>
         </pc:sldLayoutChg>
         <pc:sldLayoutChg chg="modSp">
-          <pc:chgData name="Vitor Azambujo" userId="038c0fb7-b6e3-4711-bf7b-acabb0e9135e" providerId="ADAL" clId="{B6D83570-2398-4E7D-8A5B-3855B4C0FBB8}" dt="2024-10-20T05:00:33.866" v="365"/>
+          <pc:chgData name="Vitor Azambujo" userId="038c0fb7-b6e3-4711-bf7b-acabb0e9135e" providerId="ADAL" clId="{CBF6066A-AC1D-45DF-B660-0BC391A934D8}" dt="2025-01-12T18:42:13.695" v="1"/>
           <pc:sldLayoutMkLst>
             <pc:docMk/>
             <pc:sldMasterMk cId="3364745519" sldId="2147483672"/>
             <pc:sldLayoutMk cId="1461342267" sldId="2147483675"/>
           </pc:sldLayoutMkLst>
           <pc:spChg chg="mod">
-            <ac:chgData name="Vitor Azambujo" userId="038c0fb7-b6e3-4711-bf7b-acabb0e9135e" providerId="ADAL" clId="{B6D83570-2398-4E7D-8A5B-3855B4C0FBB8}" dt="2024-10-20T05:00:33.866" v="365"/>
+            <ac:chgData name="Vitor Azambujo" userId="038c0fb7-b6e3-4711-bf7b-acabb0e9135e" providerId="ADAL" clId="{CBF6066A-AC1D-45DF-B660-0BC391A934D8}" dt="2025-01-12T18:42:13.695" v="1"/>
             <ac:spMkLst>
               <pc:docMk/>
               <pc:sldMasterMk cId="3364745519" sldId="2147483672"/>
@@ -620,7 +867,7 @@
             </ac:spMkLst>
           </pc:spChg>
           <pc:spChg chg="mod">
-            <ac:chgData name="Vitor Azambujo" userId="038c0fb7-b6e3-4711-bf7b-acabb0e9135e" providerId="ADAL" clId="{B6D83570-2398-4E7D-8A5B-3855B4C0FBB8}" dt="2024-10-20T05:00:33.866" v="365"/>
+            <ac:chgData name="Vitor Azambujo" userId="038c0fb7-b6e3-4711-bf7b-acabb0e9135e" providerId="ADAL" clId="{CBF6066A-AC1D-45DF-B660-0BC391A934D8}" dt="2025-01-12T18:42:13.695" v="1"/>
             <ac:spMkLst>
               <pc:docMk/>
               <pc:sldMasterMk cId="3364745519" sldId="2147483672"/>
@@ -630,14 +877,14 @@
           </pc:spChg>
         </pc:sldLayoutChg>
         <pc:sldLayoutChg chg="modSp">
-          <pc:chgData name="Vitor Azambujo" userId="038c0fb7-b6e3-4711-bf7b-acabb0e9135e" providerId="ADAL" clId="{B6D83570-2398-4E7D-8A5B-3855B4C0FBB8}" dt="2024-10-20T05:00:33.866" v="365"/>
+          <pc:chgData name="Vitor Azambujo" userId="038c0fb7-b6e3-4711-bf7b-acabb0e9135e" providerId="ADAL" clId="{CBF6066A-AC1D-45DF-B660-0BC391A934D8}" dt="2025-01-12T18:42:13.695" v="1"/>
           <pc:sldLayoutMkLst>
             <pc:docMk/>
             <pc:sldMasterMk cId="3364745519" sldId="2147483672"/>
             <pc:sldLayoutMk cId="895500231" sldId="2147483676"/>
           </pc:sldLayoutMkLst>
           <pc:spChg chg="mod">
-            <ac:chgData name="Vitor Azambujo" userId="038c0fb7-b6e3-4711-bf7b-acabb0e9135e" providerId="ADAL" clId="{B6D83570-2398-4E7D-8A5B-3855B4C0FBB8}" dt="2024-10-20T05:00:33.866" v="365"/>
+            <ac:chgData name="Vitor Azambujo" userId="038c0fb7-b6e3-4711-bf7b-acabb0e9135e" providerId="ADAL" clId="{CBF6066A-AC1D-45DF-B660-0BC391A934D8}" dt="2025-01-12T18:42:13.695" v="1"/>
             <ac:spMkLst>
               <pc:docMk/>
               <pc:sldMasterMk cId="3364745519" sldId="2147483672"/>
@@ -646,7 +893,7 @@
             </ac:spMkLst>
           </pc:spChg>
           <pc:spChg chg="mod">
-            <ac:chgData name="Vitor Azambujo" userId="038c0fb7-b6e3-4711-bf7b-acabb0e9135e" providerId="ADAL" clId="{B6D83570-2398-4E7D-8A5B-3855B4C0FBB8}" dt="2024-10-20T05:00:33.866" v="365"/>
+            <ac:chgData name="Vitor Azambujo" userId="038c0fb7-b6e3-4711-bf7b-acabb0e9135e" providerId="ADAL" clId="{CBF6066A-AC1D-45DF-B660-0BC391A934D8}" dt="2025-01-12T18:42:13.695" v="1"/>
             <ac:spMkLst>
               <pc:docMk/>
               <pc:sldMasterMk cId="3364745519" sldId="2147483672"/>
@@ -656,14 +903,14 @@
           </pc:spChg>
         </pc:sldLayoutChg>
         <pc:sldLayoutChg chg="modSp">
-          <pc:chgData name="Vitor Azambujo" userId="038c0fb7-b6e3-4711-bf7b-acabb0e9135e" providerId="ADAL" clId="{B6D83570-2398-4E7D-8A5B-3855B4C0FBB8}" dt="2024-10-20T05:00:33.866" v="365"/>
+          <pc:chgData name="Vitor Azambujo" userId="038c0fb7-b6e3-4711-bf7b-acabb0e9135e" providerId="ADAL" clId="{CBF6066A-AC1D-45DF-B660-0BC391A934D8}" dt="2025-01-12T18:42:13.695" v="1"/>
           <pc:sldLayoutMkLst>
             <pc:docMk/>
             <pc:sldMasterMk cId="3364745519" sldId="2147483672"/>
             <pc:sldLayoutMk cId="2497568875" sldId="2147483677"/>
           </pc:sldLayoutMkLst>
           <pc:spChg chg="mod">
-            <ac:chgData name="Vitor Azambujo" userId="038c0fb7-b6e3-4711-bf7b-acabb0e9135e" providerId="ADAL" clId="{B6D83570-2398-4E7D-8A5B-3855B4C0FBB8}" dt="2024-10-20T05:00:33.866" v="365"/>
+            <ac:chgData name="Vitor Azambujo" userId="038c0fb7-b6e3-4711-bf7b-acabb0e9135e" providerId="ADAL" clId="{CBF6066A-AC1D-45DF-B660-0BC391A934D8}" dt="2025-01-12T18:42:13.695" v="1"/>
             <ac:spMkLst>
               <pc:docMk/>
               <pc:sldMasterMk cId="3364745519" sldId="2147483672"/>
@@ -672,7 +919,7 @@
             </ac:spMkLst>
           </pc:spChg>
           <pc:spChg chg="mod">
-            <ac:chgData name="Vitor Azambujo" userId="038c0fb7-b6e3-4711-bf7b-acabb0e9135e" providerId="ADAL" clId="{B6D83570-2398-4E7D-8A5B-3855B4C0FBB8}" dt="2024-10-20T05:00:33.866" v="365"/>
+            <ac:chgData name="Vitor Azambujo" userId="038c0fb7-b6e3-4711-bf7b-acabb0e9135e" providerId="ADAL" clId="{CBF6066A-AC1D-45DF-B660-0BC391A934D8}" dt="2025-01-12T18:42:13.695" v="1"/>
             <ac:spMkLst>
               <pc:docMk/>
               <pc:sldMasterMk cId="3364745519" sldId="2147483672"/>
@@ -681,7 +928,7 @@
             </ac:spMkLst>
           </pc:spChg>
           <pc:spChg chg="mod">
-            <ac:chgData name="Vitor Azambujo" userId="038c0fb7-b6e3-4711-bf7b-acabb0e9135e" providerId="ADAL" clId="{B6D83570-2398-4E7D-8A5B-3855B4C0FBB8}" dt="2024-10-20T05:00:33.866" v="365"/>
+            <ac:chgData name="Vitor Azambujo" userId="038c0fb7-b6e3-4711-bf7b-acabb0e9135e" providerId="ADAL" clId="{CBF6066A-AC1D-45DF-B660-0BC391A934D8}" dt="2025-01-12T18:42:13.695" v="1"/>
             <ac:spMkLst>
               <pc:docMk/>
               <pc:sldMasterMk cId="3364745519" sldId="2147483672"/>
@@ -690,7 +937,7 @@
             </ac:spMkLst>
           </pc:spChg>
           <pc:spChg chg="mod">
-            <ac:chgData name="Vitor Azambujo" userId="038c0fb7-b6e3-4711-bf7b-acabb0e9135e" providerId="ADAL" clId="{B6D83570-2398-4E7D-8A5B-3855B4C0FBB8}" dt="2024-10-20T05:00:33.866" v="365"/>
+            <ac:chgData name="Vitor Azambujo" userId="038c0fb7-b6e3-4711-bf7b-acabb0e9135e" providerId="ADAL" clId="{CBF6066A-AC1D-45DF-B660-0BC391A934D8}" dt="2025-01-12T18:42:13.695" v="1"/>
             <ac:spMkLst>
               <pc:docMk/>
               <pc:sldMasterMk cId="3364745519" sldId="2147483672"/>
@@ -699,7 +946,7 @@
             </ac:spMkLst>
           </pc:spChg>
           <pc:spChg chg="mod">
-            <ac:chgData name="Vitor Azambujo" userId="038c0fb7-b6e3-4711-bf7b-acabb0e9135e" providerId="ADAL" clId="{B6D83570-2398-4E7D-8A5B-3855B4C0FBB8}" dt="2024-10-20T05:00:33.866" v="365"/>
+            <ac:chgData name="Vitor Azambujo" userId="038c0fb7-b6e3-4711-bf7b-acabb0e9135e" providerId="ADAL" clId="{CBF6066A-AC1D-45DF-B660-0BC391A934D8}" dt="2025-01-12T18:42:13.695" v="1"/>
             <ac:spMkLst>
               <pc:docMk/>
               <pc:sldMasterMk cId="3364745519" sldId="2147483672"/>
@@ -709,14 +956,14 @@
           </pc:spChg>
         </pc:sldLayoutChg>
         <pc:sldLayoutChg chg="modSp">
-          <pc:chgData name="Vitor Azambujo" userId="038c0fb7-b6e3-4711-bf7b-acabb0e9135e" providerId="ADAL" clId="{B6D83570-2398-4E7D-8A5B-3855B4C0FBB8}" dt="2024-10-20T05:00:33.866" v="365"/>
+          <pc:chgData name="Vitor Azambujo" userId="038c0fb7-b6e3-4711-bf7b-acabb0e9135e" providerId="ADAL" clId="{CBF6066A-AC1D-45DF-B660-0BC391A934D8}" dt="2025-01-12T18:42:13.695" v="1"/>
           <pc:sldLayoutMkLst>
             <pc:docMk/>
             <pc:sldMasterMk cId="3364745519" sldId="2147483672"/>
             <pc:sldLayoutMk cId="3693189674" sldId="2147483680"/>
           </pc:sldLayoutMkLst>
           <pc:spChg chg="mod">
-            <ac:chgData name="Vitor Azambujo" userId="038c0fb7-b6e3-4711-bf7b-acabb0e9135e" providerId="ADAL" clId="{B6D83570-2398-4E7D-8A5B-3855B4C0FBB8}" dt="2024-10-20T05:00:33.866" v="365"/>
+            <ac:chgData name="Vitor Azambujo" userId="038c0fb7-b6e3-4711-bf7b-acabb0e9135e" providerId="ADAL" clId="{CBF6066A-AC1D-45DF-B660-0BC391A934D8}" dt="2025-01-12T18:42:13.695" v="1"/>
             <ac:spMkLst>
               <pc:docMk/>
               <pc:sldMasterMk cId="3364745519" sldId="2147483672"/>
@@ -725,7 +972,7 @@
             </ac:spMkLst>
           </pc:spChg>
           <pc:spChg chg="mod">
-            <ac:chgData name="Vitor Azambujo" userId="038c0fb7-b6e3-4711-bf7b-acabb0e9135e" providerId="ADAL" clId="{B6D83570-2398-4E7D-8A5B-3855B4C0FBB8}" dt="2024-10-20T05:00:33.866" v="365"/>
+            <ac:chgData name="Vitor Azambujo" userId="038c0fb7-b6e3-4711-bf7b-acabb0e9135e" providerId="ADAL" clId="{CBF6066A-AC1D-45DF-B660-0BC391A934D8}" dt="2025-01-12T18:42:13.695" v="1"/>
             <ac:spMkLst>
               <pc:docMk/>
               <pc:sldMasterMk cId="3364745519" sldId="2147483672"/>
@@ -734,7 +981,7 @@
             </ac:spMkLst>
           </pc:spChg>
           <pc:spChg chg="mod">
-            <ac:chgData name="Vitor Azambujo" userId="038c0fb7-b6e3-4711-bf7b-acabb0e9135e" providerId="ADAL" clId="{B6D83570-2398-4E7D-8A5B-3855B4C0FBB8}" dt="2024-10-20T05:00:33.866" v="365"/>
+            <ac:chgData name="Vitor Azambujo" userId="038c0fb7-b6e3-4711-bf7b-acabb0e9135e" providerId="ADAL" clId="{CBF6066A-AC1D-45DF-B660-0BC391A934D8}" dt="2025-01-12T18:42:13.695" v="1"/>
             <ac:spMkLst>
               <pc:docMk/>
               <pc:sldMasterMk cId="3364745519" sldId="2147483672"/>
@@ -744,14 +991,14 @@
           </pc:spChg>
         </pc:sldLayoutChg>
         <pc:sldLayoutChg chg="modSp">
-          <pc:chgData name="Vitor Azambujo" userId="038c0fb7-b6e3-4711-bf7b-acabb0e9135e" providerId="ADAL" clId="{B6D83570-2398-4E7D-8A5B-3855B4C0FBB8}" dt="2024-10-20T05:00:33.866" v="365"/>
+          <pc:chgData name="Vitor Azambujo" userId="038c0fb7-b6e3-4711-bf7b-acabb0e9135e" providerId="ADAL" clId="{CBF6066A-AC1D-45DF-B660-0BC391A934D8}" dt="2025-01-12T18:42:13.695" v="1"/>
           <pc:sldLayoutMkLst>
             <pc:docMk/>
             <pc:sldMasterMk cId="3364745519" sldId="2147483672"/>
             <pc:sldLayoutMk cId="2840346464" sldId="2147483681"/>
           </pc:sldLayoutMkLst>
           <pc:spChg chg="mod">
-            <ac:chgData name="Vitor Azambujo" userId="038c0fb7-b6e3-4711-bf7b-acabb0e9135e" providerId="ADAL" clId="{B6D83570-2398-4E7D-8A5B-3855B4C0FBB8}" dt="2024-10-20T05:00:33.866" v="365"/>
+            <ac:chgData name="Vitor Azambujo" userId="038c0fb7-b6e3-4711-bf7b-acabb0e9135e" providerId="ADAL" clId="{CBF6066A-AC1D-45DF-B660-0BC391A934D8}" dt="2025-01-12T18:42:13.695" v="1"/>
             <ac:spMkLst>
               <pc:docMk/>
               <pc:sldMasterMk cId="3364745519" sldId="2147483672"/>
@@ -760,7 +1007,7 @@
             </ac:spMkLst>
           </pc:spChg>
           <pc:spChg chg="mod">
-            <ac:chgData name="Vitor Azambujo" userId="038c0fb7-b6e3-4711-bf7b-acabb0e9135e" providerId="ADAL" clId="{B6D83570-2398-4E7D-8A5B-3855B4C0FBB8}" dt="2024-10-20T05:00:33.866" v="365"/>
+            <ac:chgData name="Vitor Azambujo" userId="038c0fb7-b6e3-4711-bf7b-acabb0e9135e" providerId="ADAL" clId="{CBF6066A-AC1D-45DF-B660-0BC391A934D8}" dt="2025-01-12T18:42:13.695" v="1"/>
             <ac:spMkLst>
               <pc:docMk/>
               <pc:sldMasterMk cId="3364745519" sldId="2147483672"/>
@@ -769,7 +1016,7 @@
             </ac:spMkLst>
           </pc:spChg>
           <pc:spChg chg="mod">
-            <ac:chgData name="Vitor Azambujo" userId="038c0fb7-b6e3-4711-bf7b-acabb0e9135e" providerId="ADAL" clId="{B6D83570-2398-4E7D-8A5B-3855B4C0FBB8}" dt="2024-10-20T05:00:33.866" v="365"/>
+            <ac:chgData name="Vitor Azambujo" userId="038c0fb7-b6e3-4711-bf7b-acabb0e9135e" providerId="ADAL" clId="{CBF6066A-AC1D-45DF-B660-0BC391A934D8}" dt="2025-01-12T18:42:13.695" v="1"/>
             <ac:spMkLst>
               <pc:docMk/>
               <pc:sldMasterMk cId="3364745519" sldId="2147483672"/>
@@ -779,14 +1026,14 @@
           </pc:spChg>
         </pc:sldLayoutChg>
         <pc:sldLayoutChg chg="modSp">
-          <pc:chgData name="Vitor Azambujo" userId="038c0fb7-b6e3-4711-bf7b-acabb0e9135e" providerId="ADAL" clId="{B6D83570-2398-4E7D-8A5B-3855B4C0FBB8}" dt="2024-10-20T05:00:33.866" v="365"/>
+          <pc:chgData name="Vitor Azambujo" userId="038c0fb7-b6e3-4711-bf7b-acabb0e9135e" providerId="ADAL" clId="{CBF6066A-AC1D-45DF-B660-0BC391A934D8}" dt="2025-01-12T18:42:13.695" v="1"/>
           <pc:sldLayoutMkLst>
             <pc:docMk/>
             <pc:sldMasterMk cId="3364745519" sldId="2147483672"/>
             <pc:sldLayoutMk cId="3726577491" sldId="2147483683"/>
           </pc:sldLayoutMkLst>
           <pc:spChg chg="mod">
-            <ac:chgData name="Vitor Azambujo" userId="038c0fb7-b6e3-4711-bf7b-acabb0e9135e" providerId="ADAL" clId="{B6D83570-2398-4E7D-8A5B-3855B4C0FBB8}" dt="2024-10-20T05:00:33.866" v="365"/>
+            <ac:chgData name="Vitor Azambujo" userId="038c0fb7-b6e3-4711-bf7b-acabb0e9135e" providerId="ADAL" clId="{CBF6066A-AC1D-45DF-B660-0BC391A934D8}" dt="2025-01-12T18:42:13.695" v="1"/>
             <ac:spMkLst>
               <pc:docMk/>
               <pc:sldMasterMk cId="3364745519" sldId="2147483672"/>
@@ -795,7 +1042,7 @@
             </ac:spMkLst>
           </pc:spChg>
           <pc:spChg chg="mod">
-            <ac:chgData name="Vitor Azambujo" userId="038c0fb7-b6e3-4711-bf7b-acabb0e9135e" providerId="ADAL" clId="{B6D83570-2398-4E7D-8A5B-3855B4C0FBB8}" dt="2024-10-20T05:00:33.866" v="365"/>
+            <ac:chgData name="Vitor Azambujo" userId="038c0fb7-b6e3-4711-bf7b-acabb0e9135e" providerId="ADAL" clId="{CBF6066A-AC1D-45DF-B660-0BC391A934D8}" dt="2025-01-12T18:42:13.695" v="1"/>
             <ac:spMkLst>
               <pc:docMk/>
               <pc:sldMasterMk cId="3364745519" sldId="2147483672"/>
@@ -892,7 +1139,7 @@
           <a:p>
             <a:fld id="{18148219-5DC7-49C0-890B-573550366E2E}" type="datetimeFigureOut">
               <a:rPr lang="en-GB" smtClean="0"/>
-              <a:t>20/10/2024</a:t>
+              <a:t>12/01/2025</a:t>
             </a:fld>
             <a:endParaRPr lang="en-GB"/>
           </a:p>
@@ -910,8 +1157,8 @@
         </p:nvSpPr>
         <p:spPr>
           <a:xfrm>
-            <a:off x="2363788" y="1143000"/>
-            <a:ext cx="2130425" cy="3086100"/>
+            <a:off x="2338388" y="1143000"/>
+            <a:ext cx="2181225" cy="3086100"/>
           </a:xfrm>
           <a:prstGeom prst="rect">
             <a:avLst/>
@@ -1066,8 +1313,8 @@
   </p:cSld>
   <p:clrMap bg1="lt1" tx1="dk1" bg2="lt2" tx2="dk2" accent1="accent1" accent2="accent2" accent3="accent3" accent4="accent4" accent5="accent5" accent6="accent6" hlink="hlink" folHlink="folHlink"/>
   <p:notesStyle>
-    <a:lvl1pPr marL="0" algn="l" defTabSz="914400" rtl="0" eaLnBrk="1" latinLnBrk="0" hangingPunct="1">
-      <a:defRPr sz="1200" kern="1200">
+    <a:lvl1pPr marL="0" algn="l" defTabSz="652666" rtl="0" eaLnBrk="1" latinLnBrk="0" hangingPunct="1">
+      <a:defRPr sz="856" kern="1200">
         <a:solidFill>
           <a:schemeClr val="tx1"/>
         </a:solidFill>
@@ -1076,8 +1323,8 @@
         <a:cs typeface="+mn-cs"/>
       </a:defRPr>
     </a:lvl1pPr>
-    <a:lvl2pPr marL="457200" algn="l" defTabSz="914400" rtl="0" eaLnBrk="1" latinLnBrk="0" hangingPunct="1">
-      <a:defRPr sz="1200" kern="1200">
+    <a:lvl2pPr marL="326334" algn="l" defTabSz="652666" rtl="0" eaLnBrk="1" latinLnBrk="0" hangingPunct="1">
+      <a:defRPr sz="856" kern="1200">
         <a:solidFill>
           <a:schemeClr val="tx1"/>
         </a:solidFill>
@@ -1086,8 +1333,8 @@
         <a:cs typeface="+mn-cs"/>
       </a:defRPr>
     </a:lvl2pPr>
-    <a:lvl3pPr marL="914400" algn="l" defTabSz="914400" rtl="0" eaLnBrk="1" latinLnBrk="0" hangingPunct="1">
-      <a:defRPr sz="1200" kern="1200">
+    <a:lvl3pPr marL="652666" algn="l" defTabSz="652666" rtl="0" eaLnBrk="1" latinLnBrk="0" hangingPunct="1">
+      <a:defRPr sz="856" kern="1200">
         <a:solidFill>
           <a:schemeClr val="tx1"/>
         </a:solidFill>
@@ -1096,8 +1343,8 @@
         <a:cs typeface="+mn-cs"/>
       </a:defRPr>
     </a:lvl3pPr>
-    <a:lvl4pPr marL="1371600" algn="l" defTabSz="914400" rtl="0" eaLnBrk="1" latinLnBrk="0" hangingPunct="1">
-      <a:defRPr sz="1200" kern="1200">
+    <a:lvl4pPr marL="978998" algn="l" defTabSz="652666" rtl="0" eaLnBrk="1" latinLnBrk="0" hangingPunct="1">
+      <a:defRPr sz="856" kern="1200">
         <a:solidFill>
           <a:schemeClr val="tx1"/>
         </a:solidFill>
@@ -1106,8 +1353,8 @@
         <a:cs typeface="+mn-cs"/>
       </a:defRPr>
     </a:lvl4pPr>
-    <a:lvl5pPr marL="1828800" algn="l" defTabSz="914400" rtl="0" eaLnBrk="1" latinLnBrk="0" hangingPunct="1">
-      <a:defRPr sz="1200" kern="1200">
+    <a:lvl5pPr marL="1305331" algn="l" defTabSz="652666" rtl="0" eaLnBrk="1" latinLnBrk="0" hangingPunct="1">
+      <a:defRPr sz="856" kern="1200">
         <a:solidFill>
           <a:schemeClr val="tx1"/>
         </a:solidFill>
@@ -1116,8 +1363,8 @@
         <a:cs typeface="+mn-cs"/>
       </a:defRPr>
     </a:lvl5pPr>
-    <a:lvl6pPr marL="2286000" algn="l" defTabSz="914400" rtl="0" eaLnBrk="1" latinLnBrk="0" hangingPunct="1">
-      <a:defRPr sz="1200" kern="1200">
+    <a:lvl6pPr marL="1631663" algn="l" defTabSz="652666" rtl="0" eaLnBrk="1" latinLnBrk="0" hangingPunct="1">
+      <a:defRPr sz="856" kern="1200">
         <a:solidFill>
           <a:schemeClr val="tx1"/>
         </a:solidFill>
@@ -1126,8 +1373,8 @@
         <a:cs typeface="+mn-cs"/>
       </a:defRPr>
     </a:lvl6pPr>
-    <a:lvl7pPr marL="2743200" algn="l" defTabSz="914400" rtl="0" eaLnBrk="1" latinLnBrk="0" hangingPunct="1">
-      <a:defRPr sz="1200" kern="1200">
+    <a:lvl7pPr marL="1957997" algn="l" defTabSz="652666" rtl="0" eaLnBrk="1" latinLnBrk="0" hangingPunct="1">
+      <a:defRPr sz="856" kern="1200">
         <a:solidFill>
           <a:schemeClr val="tx1"/>
         </a:solidFill>
@@ -1136,8 +1383,8 @@
         <a:cs typeface="+mn-cs"/>
       </a:defRPr>
     </a:lvl7pPr>
-    <a:lvl8pPr marL="3200400" algn="l" defTabSz="914400" rtl="0" eaLnBrk="1" latinLnBrk="0" hangingPunct="1">
-      <a:defRPr sz="1200" kern="1200">
+    <a:lvl8pPr marL="2284329" algn="l" defTabSz="652666" rtl="0" eaLnBrk="1" latinLnBrk="0" hangingPunct="1">
+      <a:defRPr sz="856" kern="1200">
         <a:solidFill>
           <a:schemeClr val="tx1"/>
         </a:solidFill>
@@ -1146,8 +1393,8 @@
         <a:cs typeface="+mn-cs"/>
       </a:defRPr>
     </a:lvl8pPr>
-    <a:lvl9pPr marL="3657600" algn="l" defTabSz="914400" rtl="0" eaLnBrk="1" latinLnBrk="0" hangingPunct="1">
-      <a:defRPr sz="1200" kern="1200">
+    <a:lvl9pPr marL="2610662" algn="l" defTabSz="652666" rtl="0" eaLnBrk="1" latinLnBrk="0" hangingPunct="1">
+      <a:defRPr sz="856" kern="1200">
         <a:solidFill>
           <a:schemeClr val="tx1"/>
         </a:solidFill>
@@ -1189,8 +1436,8 @@
         </p:nvSpPr>
         <p:spPr>
           <a:xfrm>
-            <a:off x="2363788" y="1143000"/>
-            <a:ext cx="2130425" cy="3086100"/>
+            <a:off x="2338388" y="1143000"/>
+            <a:ext cx="2181225" cy="3086100"/>
           </a:xfrm>
         </p:spPr>
       </p:sp>
@@ -1278,15 +1525,15 @@
         </p:nvSpPr>
         <p:spPr>
           <a:xfrm>
-            <a:off x="782955" y="2474395"/>
-            <a:ext cx="8873490" cy="5263774"/>
+            <a:off x="566976" y="1749795"/>
+            <a:ext cx="6425724" cy="3722335"/>
           </a:xfrm>
         </p:spPr>
         <p:txBody>
           <a:bodyPr anchor="b"/>
           <a:lstStyle>
             <a:lvl1pPr algn="ctr">
-              <a:defRPr sz="6850"/>
+              <a:defRPr sz="4960"/>
             </a:lvl1pPr>
           </a:lstStyle>
           <a:p>
@@ -1310,8 +1557,8 @@
         </p:nvSpPr>
         <p:spPr>
           <a:xfrm>
-            <a:off x="1304925" y="7941160"/>
-            <a:ext cx="7829550" cy="3650342"/>
+            <a:off x="944960" y="5615678"/>
+            <a:ext cx="5669756" cy="2581379"/>
           </a:xfrm>
         </p:spPr>
         <p:txBody>
@@ -1319,39 +1566,39 @@
           <a:lstStyle>
             <a:lvl1pPr marL="0" indent="0" algn="ctr">
               <a:buNone/>
-              <a:defRPr sz="2740"/>
+              <a:defRPr sz="1984"/>
             </a:lvl1pPr>
-            <a:lvl2pPr marL="522000" indent="0" algn="ctr">
+            <a:lvl2pPr marL="377967" indent="0" algn="ctr">
               <a:buNone/>
-              <a:defRPr sz="2283"/>
+              <a:defRPr sz="1653"/>
             </a:lvl2pPr>
-            <a:lvl3pPr marL="1044000" indent="0" algn="ctr">
+            <a:lvl3pPr marL="755934" indent="0" algn="ctr">
               <a:buNone/>
-              <a:defRPr sz="2055"/>
+              <a:defRPr sz="1488"/>
             </a:lvl3pPr>
-            <a:lvl4pPr marL="1566001" indent="0" algn="ctr">
+            <a:lvl4pPr marL="1133902" indent="0" algn="ctr">
               <a:buNone/>
-              <a:defRPr sz="1827"/>
+              <a:defRPr sz="1323"/>
             </a:lvl4pPr>
-            <a:lvl5pPr marL="2088001" indent="0" algn="ctr">
+            <a:lvl5pPr marL="1511869" indent="0" algn="ctr">
               <a:buNone/>
-              <a:defRPr sz="1827"/>
+              <a:defRPr sz="1323"/>
             </a:lvl5pPr>
-            <a:lvl6pPr marL="2610001" indent="0" algn="ctr">
+            <a:lvl6pPr marL="1889836" indent="0" algn="ctr">
               <a:buNone/>
-              <a:defRPr sz="1827"/>
+              <a:defRPr sz="1323"/>
             </a:lvl6pPr>
-            <a:lvl7pPr marL="3132001" indent="0" algn="ctr">
+            <a:lvl7pPr marL="2267803" indent="0" algn="ctr">
               <a:buNone/>
-              <a:defRPr sz="1827"/>
+              <a:defRPr sz="1323"/>
             </a:lvl7pPr>
-            <a:lvl8pPr marL="3654002" indent="0" algn="ctr">
+            <a:lvl8pPr marL="2645771" indent="0" algn="ctr">
               <a:buNone/>
-              <a:defRPr sz="1827"/>
+              <a:defRPr sz="1323"/>
             </a:lvl8pPr>
-            <a:lvl9pPr marL="4176002" indent="0" algn="ctr">
+            <a:lvl9pPr marL="3023738" indent="0" algn="ctr">
               <a:buNone/>
-              <a:defRPr sz="1827"/>
+              <a:defRPr sz="1323"/>
             </a:lvl9pPr>
           </a:lstStyle>
           <a:p>
@@ -1380,7 +1627,7 @@
           <a:p>
             <a:fld id="{9B61071A-3848-4D96-B791-347D253957C2}" type="datetimeFigureOut">
               <a:rPr lang="en-GB" smtClean="0"/>
-              <a:t>20/10/2024</a:t>
+              <a:t>12/01/2025</a:t>
             </a:fld>
             <a:endParaRPr lang="en-GB"/>
           </a:p>
@@ -1431,7 +1678,7 @@
     </p:spTree>
     <p:extLst>
       <p:ext uri="{BB962C8B-B14F-4D97-AF65-F5344CB8AC3E}">
-        <p14:creationId xmlns:p14="http://schemas.microsoft.com/office/powerpoint/2010/main" val="2216629859"/>
+        <p14:creationId xmlns:p14="http://schemas.microsoft.com/office/powerpoint/2010/main" val="2524319406"/>
       </p:ext>
     </p:extLst>
   </p:cSld>
@@ -1550,7 +1797,7 @@
           <a:p>
             <a:fld id="{9B61071A-3848-4D96-B791-347D253957C2}" type="datetimeFigureOut">
               <a:rPr lang="en-GB" smtClean="0"/>
-              <a:t>20/10/2024</a:t>
+              <a:t>12/01/2025</a:t>
             </a:fld>
             <a:endParaRPr lang="en-GB"/>
           </a:p>
@@ -1601,7 +1848,7 @@
     </p:spTree>
     <p:extLst>
       <p:ext uri="{BB962C8B-B14F-4D97-AF65-F5344CB8AC3E}">
-        <p14:creationId xmlns:p14="http://schemas.microsoft.com/office/powerpoint/2010/main" val="738874180"/>
+        <p14:creationId xmlns:p14="http://schemas.microsoft.com/office/powerpoint/2010/main" val="3454968155"/>
       </p:ext>
     </p:extLst>
   </p:cSld>
@@ -1640,8 +1887,8 @@
         </p:nvSpPr>
         <p:spPr>
           <a:xfrm>
-            <a:off x="7470697" y="804966"/>
-            <a:ext cx="2250996" cy="12812950"/>
+            <a:off x="5409893" y="569240"/>
+            <a:ext cx="1630055" cy="9060817"/>
           </a:xfrm>
         </p:spPr>
         <p:txBody>
@@ -1668,8 +1915,8 @@
         </p:nvSpPr>
         <p:spPr>
           <a:xfrm>
-            <a:off x="717710" y="804966"/>
-            <a:ext cx="6622494" cy="12812950"/>
+            <a:off x="519728" y="569240"/>
+            <a:ext cx="4795669" cy="9060817"/>
           </a:xfrm>
         </p:spPr>
         <p:txBody>
@@ -1730,7 +1977,7 @@
           <a:p>
             <a:fld id="{9B61071A-3848-4D96-B791-347D253957C2}" type="datetimeFigureOut">
               <a:rPr lang="en-GB" smtClean="0"/>
-              <a:t>20/10/2024</a:t>
+              <a:t>12/01/2025</a:t>
             </a:fld>
             <a:endParaRPr lang="en-GB"/>
           </a:p>
@@ -1781,7 +2028,7 @@
     </p:spTree>
     <p:extLst>
       <p:ext uri="{BB962C8B-B14F-4D97-AF65-F5344CB8AC3E}">
-        <p14:creationId xmlns:p14="http://schemas.microsoft.com/office/powerpoint/2010/main" val="3726577491"/>
+        <p14:creationId xmlns:p14="http://schemas.microsoft.com/office/powerpoint/2010/main" val="1666534990"/>
       </p:ext>
     </p:extLst>
   </p:cSld>
@@ -1900,7 +2147,7 @@
           <a:p>
             <a:fld id="{9B61071A-3848-4D96-B791-347D253957C2}" type="datetimeFigureOut">
               <a:rPr lang="en-GB" smtClean="0"/>
-              <a:t>20/10/2024</a:t>
+              <a:t>12/01/2025</a:t>
             </a:fld>
             <a:endParaRPr lang="en-GB"/>
           </a:p>
@@ -1951,7 +2198,7 @@
     </p:spTree>
     <p:extLst>
       <p:ext uri="{BB962C8B-B14F-4D97-AF65-F5344CB8AC3E}">
-        <p14:creationId xmlns:p14="http://schemas.microsoft.com/office/powerpoint/2010/main" val="4165241546"/>
+        <p14:creationId xmlns:p14="http://schemas.microsoft.com/office/powerpoint/2010/main" val="2210640882"/>
       </p:ext>
     </p:extLst>
   </p:cSld>
@@ -1990,15 +2237,15 @@
         </p:nvSpPr>
         <p:spPr>
           <a:xfrm>
-            <a:off x="712273" y="3769344"/>
-            <a:ext cx="9003983" cy="6289229"/>
+            <a:off x="515791" y="2665532"/>
+            <a:ext cx="6520220" cy="4447496"/>
           </a:xfrm>
         </p:spPr>
         <p:txBody>
           <a:bodyPr anchor="b"/>
           <a:lstStyle>
             <a:lvl1pPr>
-              <a:defRPr sz="6850"/>
+              <a:defRPr sz="4960"/>
             </a:lvl1pPr>
           </a:lstStyle>
           <a:p>
@@ -2022,8 +2269,8 @@
         </p:nvSpPr>
         <p:spPr>
           <a:xfrm>
-            <a:off x="712273" y="10118071"/>
-            <a:ext cx="9003983" cy="3307357"/>
+            <a:off x="515791" y="7155103"/>
+            <a:ext cx="6520220" cy="2338833"/>
           </a:xfrm>
         </p:spPr>
         <p:txBody>
@@ -2031,7 +2278,7 @@
           <a:lstStyle>
             <a:lvl1pPr marL="0" indent="0">
               <a:buNone/>
-              <a:defRPr sz="2740">
+              <a:defRPr sz="1984">
                 <a:solidFill>
                   <a:schemeClr val="tx1">
                     <a:tint val="82000"/>
@@ -2039,9 +2286,9 @@
                 </a:solidFill>
               </a:defRPr>
             </a:lvl1pPr>
-            <a:lvl2pPr marL="522000" indent="0">
+            <a:lvl2pPr marL="377967" indent="0">
               <a:buNone/>
-              <a:defRPr sz="2283">
+              <a:defRPr sz="1653">
                 <a:solidFill>
                   <a:schemeClr val="tx1">
                     <a:tint val="82000"/>
@@ -2049,9 +2296,9 @@
                 </a:solidFill>
               </a:defRPr>
             </a:lvl2pPr>
-            <a:lvl3pPr marL="1044000" indent="0">
+            <a:lvl3pPr marL="755934" indent="0">
               <a:buNone/>
-              <a:defRPr sz="2055">
+              <a:defRPr sz="1488">
                 <a:solidFill>
                   <a:schemeClr val="tx1">
                     <a:tint val="82000"/>
@@ -2059,9 +2306,9 @@
                 </a:solidFill>
               </a:defRPr>
             </a:lvl3pPr>
-            <a:lvl4pPr marL="1566001" indent="0">
+            <a:lvl4pPr marL="1133902" indent="0">
               <a:buNone/>
-              <a:defRPr sz="1827">
+              <a:defRPr sz="1323">
                 <a:solidFill>
                   <a:schemeClr val="tx1">
                     <a:tint val="82000"/>
@@ -2069,9 +2316,9 @@
                 </a:solidFill>
               </a:defRPr>
             </a:lvl4pPr>
-            <a:lvl5pPr marL="2088001" indent="0">
+            <a:lvl5pPr marL="1511869" indent="0">
               <a:buNone/>
-              <a:defRPr sz="1827">
+              <a:defRPr sz="1323">
                 <a:solidFill>
                   <a:schemeClr val="tx1">
                     <a:tint val="82000"/>
@@ -2079,9 +2326,9 @@
                 </a:solidFill>
               </a:defRPr>
             </a:lvl5pPr>
-            <a:lvl6pPr marL="2610001" indent="0">
+            <a:lvl6pPr marL="1889836" indent="0">
               <a:buNone/>
-              <a:defRPr sz="1827">
+              <a:defRPr sz="1323">
                 <a:solidFill>
                   <a:schemeClr val="tx1">
                     <a:tint val="82000"/>
@@ -2089,9 +2336,9 @@
                 </a:solidFill>
               </a:defRPr>
             </a:lvl6pPr>
-            <a:lvl7pPr marL="3132001" indent="0">
+            <a:lvl7pPr marL="2267803" indent="0">
               <a:buNone/>
-              <a:defRPr sz="1827">
+              <a:defRPr sz="1323">
                 <a:solidFill>
                   <a:schemeClr val="tx1">
                     <a:tint val="82000"/>
@@ -2099,9 +2346,9 @@
                 </a:solidFill>
               </a:defRPr>
             </a:lvl7pPr>
-            <a:lvl8pPr marL="3654002" indent="0">
+            <a:lvl8pPr marL="2645771" indent="0">
               <a:buNone/>
-              <a:defRPr sz="1827">
+              <a:defRPr sz="1323">
                 <a:solidFill>
                   <a:schemeClr val="tx1">
                     <a:tint val="82000"/>
@@ -2109,9 +2356,9 @@
                 </a:solidFill>
               </a:defRPr>
             </a:lvl8pPr>
-            <a:lvl9pPr marL="4176002" indent="0">
+            <a:lvl9pPr marL="3023738" indent="0">
               <a:buNone/>
-              <a:defRPr sz="1827">
+              <a:defRPr sz="1323">
                 <a:solidFill>
                   <a:schemeClr val="tx1">
                     <a:tint val="82000"/>
@@ -2146,7 +2393,7 @@
           <a:p>
             <a:fld id="{9B61071A-3848-4D96-B791-347D253957C2}" type="datetimeFigureOut">
               <a:rPr lang="en-GB" smtClean="0"/>
-              <a:t>20/10/2024</a:t>
+              <a:t>12/01/2025</a:t>
             </a:fld>
             <a:endParaRPr lang="en-GB"/>
           </a:p>
@@ -2197,7 +2444,7 @@
     </p:spTree>
     <p:extLst>
       <p:ext uri="{BB962C8B-B14F-4D97-AF65-F5344CB8AC3E}">
-        <p14:creationId xmlns:p14="http://schemas.microsoft.com/office/powerpoint/2010/main" val="1461342267"/>
+        <p14:creationId xmlns:p14="http://schemas.microsoft.com/office/powerpoint/2010/main" val="3872267315"/>
       </p:ext>
     </p:extLst>
   </p:cSld>
@@ -2259,8 +2506,8 @@
         </p:nvSpPr>
         <p:spPr>
           <a:xfrm>
-            <a:off x="717710" y="4024829"/>
-            <a:ext cx="4436745" cy="9593089"/>
+            <a:off x="519728" y="2846200"/>
+            <a:ext cx="3212862" cy="6783857"/>
           </a:xfrm>
         </p:spPr>
         <p:txBody>
@@ -2316,8 +2563,8 @@
         </p:nvSpPr>
         <p:spPr>
           <a:xfrm>
-            <a:off x="5284947" y="4024829"/>
-            <a:ext cx="4436745" cy="9593089"/>
+            <a:off x="3827085" y="2846200"/>
+            <a:ext cx="3212862" cy="6783857"/>
           </a:xfrm>
         </p:spPr>
         <p:txBody>
@@ -2378,7 +2625,7 @@
           <a:p>
             <a:fld id="{9B61071A-3848-4D96-B791-347D253957C2}" type="datetimeFigureOut">
               <a:rPr lang="en-GB" smtClean="0"/>
-              <a:t>20/10/2024</a:t>
+              <a:t>12/01/2025</a:t>
             </a:fld>
             <a:endParaRPr lang="en-GB"/>
           </a:p>
@@ -2429,7 +2676,7 @@
     </p:spTree>
     <p:extLst>
       <p:ext uri="{BB962C8B-B14F-4D97-AF65-F5344CB8AC3E}">
-        <p14:creationId xmlns:p14="http://schemas.microsoft.com/office/powerpoint/2010/main" val="895500231"/>
+        <p14:creationId xmlns:p14="http://schemas.microsoft.com/office/powerpoint/2010/main" val="3735931240"/>
       </p:ext>
     </p:extLst>
   </p:cSld>
@@ -2468,8 +2715,8 @@
         </p:nvSpPr>
         <p:spPr>
           <a:xfrm>
-            <a:off x="719069" y="804971"/>
-            <a:ext cx="9003983" cy="2922375"/>
+            <a:off x="520712" y="569242"/>
+            <a:ext cx="6520220" cy="2066590"/>
           </a:xfrm>
         </p:spPr>
         <p:txBody>
@@ -2496,8 +2743,8 @@
         </p:nvSpPr>
         <p:spPr>
           <a:xfrm>
-            <a:off x="719071" y="3706344"/>
-            <a:ext cx="4416355" cy="1816421"/>
+            <a:off x="520713" y="2620980"/>
+            <a:ext cx="3198096" cy="1284502"/>
           </a:xfrm>
         </p:spPr>
         <p:txBody>
@@ -2505,39 +2752,39 @@
           <a:lstStyle>
             <a:lvl1pPr marL="0" indent="0">
               <a:buNone/>
-              <a:defRPr sz="2740" b="1"/>
+              <a:defRPr sz="1984" b="1"/>
             </a:lvl1pPr>
-            <a:lvl2pPr marL="522000" indent="0">
+            <a:lvl2pPr marL="377967" indent="0">
               <a:buNone/>
-              <a:defRPr sz="2283" b="1"/>
+              <a:defRPr sz="1653" b="1"/>
             </a:lvl2pPr>
-            <a:lvl3pPr marL="1044000" indent="0">
+            <a:lvl3pPr marL="755934" indent="0">
               <a:buNone/>
-              <a:defRPr sz="2055" b="1"/>
+              <a:defRPr sz="1488" b="1"/>
             </a:lvl3pPr>
-            <a:lvl4pPr marL="1566001" indent="0">
+            <a:lvl4pPr marL="1133902" indent="0">
               <a:buNone/>
-              <a:defRPr sz="1827" b="1"/>
+              <a:defRPr sz="1323" b="1"/>
             </a:lvl4pPr>
-            <a:lvl5pPr marL="2088001" indent="0">
+            <a:lvl5pPr marL="1511869" indent="0">
               <a:buNone/>
-              <a:defRPr sz="1827" b="1"/>
+              <a:defRPr sz="1323" b="1"/>
             </a:lvl5pPr>
-            <a:lvl6pPr marL="2610001" indent="0">
+            <a:lvl6pPr marL="1889836" indent="0">
               <a:buNone/>
-              <a:defRPr sz="1827" b="1"/>
+              <a:defRPr sz="1323" b="1"/>
             </a:lvl6pPr>
-            <a:lvl7pPr marL="3132001" indent="0">
+            <a:lvl7pPr marL="2267803" indent="0">
               <a:buNone/>
-              <a:defRPr sz="1827" b="1"/>
+              <a:defRPr sz="1323" b="1"/>
             </a:lvl7pPr>
-            <a:lvl8pPr marL="3654002" indent="0">
+            <a:lvl8pPr marL="2645771" indent="0">
               <a:buNone/>
-              <a:defRPr sz="1827" b="1"/>
+              <a:defRPr sz="1323" b="1"/>
             </a:lvl8pPr>
-            <a:lvl9pPr marL="4176002" indent="0">
+            <a:lvl9pPr marL="3023738" indent="0">
               <a:buNone/>
-              <a:defRPr sz="1827" b="1"/>
+              <a:defRPr sz="1323" b="1"/>
             </a:lvl9pPr>
           </a:lstStyle>
           <a:p>
@@ -2561,8 +2808,8 @@
         </p:nvSpPr>
         <p:spPr>
           <a:xfrm>
-            <a:off x="719071" y="5522763"/>
-            <a:ext cx="4416355" cy="8123152"/>
+            <a:off x="520713" y="3905482"/>
+            <a:ext cx="3198096" cy="5744375"/>
           </a:xfrm>
         </p:spPr>
         <p:txBody>
@@ -2618,8 +2865,8 @@
         </p:nvSpPr>
         <p:spPr>
           <a:xfrm>
-            <a:off x="5284948" y="3706344"/>
-            <a:ext cx="4438105" cy="1816421"/>
+            <a:off x="3827086" y="2620980"/>
+            <a:ext cx="3213847" cy="1284502"/>
           </a:xfrm>
         </p:spPr>
         <p:txBody>
@@ -2627,39 +2874,39 @@
           <a:lstStyle>
             <a:lvl1pPr marL="0" indent="0">
               <a:buNone/>
-              <a:defRPr sz="2740" b="1"/>
+              <a:defRPr sz="1984" b="1"/>
             </a:lvl1pPr>
-            <a:lvl2pPr marL="522000" indent="0">
+            <a:lvl2pPr marL="377967" indent="0">
               <a:buNone/>
-              <a:defRPr sz="2283" b="1"/>
+              <a:defRPr sz="1653" b="1"/>
             </a:lvl2pPr>
-            <a:lvl3pPr marL="1044000" indent="0">
+            <a:lvl3pPr marL="755934" indent="0">
               <a:buNone/>
-              <a:defRPr sz="2055" b="1"/>
+              <a:defRPr sz="1488" b="1"/>
             </a:lvl3pPr>
-            <a:lvl4pPr marL="1566001" indent="0">
+            <a:lvl4pPr marL="1133902" indent="0">
               <a:buNone/>
-              <a:defRPr sz="1827" b="1"/>
+              <a:defRPr sz="1323" b="1"/>
             </a:lvl4pPr>
-            <a:lvl5pPr marL="2088001" indent="0">
+            <a:lvl5pPr marL="1511869" indent="0">
               <a:buNone/>
-              <a:defRPr sz="1827" b="1"/>
+              <a:defRPr sz="1323" b="1"/>
             </a:lvl5pPr>
-            <a:lvl6pPr marL="2610001" indent="0">
+            <a:lvl6pPr marL="1889836" indent="0">
               <a:buNone/>
-              <a:defRPr sz="1827" b="1"/>
+              <a:defRPr sz="1323" b="1"/>
             </a:lvl6pPr>
-            <a:lvl7pPr marL="3132001" indent="0">
+            <a:lvl7pPr marL="2267803" indent="0">
               <a:buNone/>
-              <a:defRPr sz="1827" b="1"/>
+              <a:defRPr sz="1323" b="1"/>
             </a:lvl7pPr>
-            <a:lvl8pPr marL="3654002" indent="0">
+            <a:lvl8pPr marL="2645771" indent="0">
               <a:buNone/>
-              <a:defRPr sz="1827" b="1"/>
+              <a:defRPr sz="1323" b="1"/>
             </a:lvl8pPr>
-            <a:lvl9pPr marL="4176002" indent="0">
+            <a:lvl9pPr marL="3023738" indent="0">
               <a:buNone/>
-              <a:defRPr sz="1827" b="1"/>
+              <a:defRPr sz="1323" b="1"/>
             </a:lvl9pPr>
           </a:lstStyle>
           <a:p>
@@ -2683,8 +2930,8 @@
         </p:nvSpPr>
         <p:spPr>
           <a:xfrm>
-            <a:off x="5284948" y="5522763"/>
-            <a:ext cx="4438105" cy="8123152"/>
+            <a:off x="3827086" y="3905482"/>
+            <a:ext cx="3213847" cy="5744375"/>
           </a:xfrm>
         </p:spPr>
         <p:txBody>
@@ -2745,7 +2992,7 @@
           <a:p>
             <a:fld id="{9B61071A-3848-4D96-B791-347D253957C2}" type="datetimeFigureOut">
               <a:rPr lang="en-GB" smtClean="0"/>
-              <a:t>20/10/2024</a:t>
+              <a:t>12/01/2025</a:t>
             </a:fld>
             <a:endParaRPr lang="en-GB"/>
           </a:p>
@@ -2796,7 +3043,7 @@
     </p:spTree>
     <p:extLst>
       <p:ext uri="{BB962C8B-B14F-4D97-AF65-F5344CB8AC3E}">
-        <p14:creationId xmlns:p14="http://schemas.microsoft.com/office/powerpoint/2010/main" val="2497568875"/>
+        <p14:creationId xmlns:p14="http://schemas.microsoft.com/office/powerpoint/2010/main" val="3094089882"/>
       </p:ext>
     </p:extLst>
   </p:cSld>
@@ -2863,7 +3110,7 @@
           <a:p>
             <a:fld id="{9B61071A-3848-4D96-B791-347D253957C2}" type="datetimeFigureOut">
               <a:rPr lang="en-GB" smtClean="0"/>
-              <a:t>20/10/2024</a:t>
+              <a:t>12/01/2025</a:t>
             </a:fld>
             <a:endParaRPr lang="en-GB"/>
           </a:p>
@@ -2914,7 +3161,7 @@
     </p:spTree>
     <p:extLst>
       <p:ext uri="{BB962C8B-B14F-4D97-AF65-F5344CB8AC3E}">
-        <p14:creationId xmlns:p14="http://schemas.microsoft.com/office/powerpoint/2010/main" val="3220055377"/>
+        <p14:creationId xmlns:p14="http://schemas.microsoft.com/office/powerpoint/2010/main" val="888175761"/>
       </p:ext>
     </p:extLst>
   </p:cSld>
@@ -2958,7 +3205,7 @@
           <a:p>
             <a:fld id="{9B61071A-3848-4D96-B791-347D253957C2}" type="datetimeFigureOut">
               <a:rPr lang="en-GB" smtClean="0"/>
-              <a:t>20/10/2024</a:t>
+              <a:t>12/01/2025</a:t>
             </a:fld>
             <a:endParaRPr lang="en-GB"/>
           </a:p>
@@ -3009,7 +3256,7 @@
     </p:spTree>
     <p:extLst>
       <p:ext uri="{BB962C8B-B14F-4D97-AF65-F5344CB8AC3E}">
-        <p14:creationId xmlns:p14="http://schemas.microsoft.com/office/powerpoint/2010/main" val="4137719097"/>
+        <p14:creationId xmlns:p14="http://schemas.microsoft.com/office/powerpoint/2010/main" val="1960660929"/>
       </p:ext>
     </p:extLst>
   </p:cSld>
@@ -3048,15 +3295,15 @@
         </p:nvSpPr>
         <p:spPr>
           <a:xfrm>
-            <a:off x="719069" y="1007957"/>
-            <a:ext cx="3366978" cy="3527848"/>
+            <a:off x="520712" y="712788"/>
+            <a:ext cx="2438192" cy="2494756"/>
           </a:xfrm>
         </p:spPr>
         <p:txBody>
           <a:bodyPr anchor="b"/>
           <a:lstStyle>
             <a:lvl1pPr>
-              <a:defRPr sz="3653"/>
+              <a:defRPr sz="2645"/>
             </a:lvl1pPr>
           </a:lstStyle>
           <a:p>
@@ -3080,39 +3327,39 @@
         </p:nvSpPr>
         <p:spPr>
           <a:xfrm>
-            <a:off x="4438105" y="2176910"/>
-            <a:ext cx="5284946" cy="10744538"/>
+            <a:off x="3213847" y="1539425"/>
+            <a:ext cx="3827085" cy="7598117"/>
           </a:xfrm>
         </p:spPr>
         <p:txBody>
           <a:bodyPr/>
           <a:lstStyle>
             <a:lvl1pPr>
-              <a:defRPr sz="3653"/>
+              <a:defRPr sz="2645"/>
             </a:lvl1pPr>
             <a:lvl2pPr>
-              <a:defRPr sz="3197"/>
+              <a:defRPr sz="2315"/>
             </a:lvl2pPr>
             <a:lvl3pPr>
-              <a:defRPr sz="2740"/>
+              <a:defRPr sz="1984"/>
             </a:lvl3pPr>
             <a:lvl4pPr>
-              <a:defRPr sz="2283"/>
+              <a:defRPr sz="1653"/>
             </a:lvl4pPr>
             <a:lvl5pPr>
-              <a:defRPr sz="2283"/>
+              <a:defRPr sz="1653"/>
             </a:lvl5pPr>
             <a:lvl6pPr>
-              <a:defRPr sz="2283"/>
+              <a:defRPr sz="1653"/>
             </a:lvl6pPr>
             <a:lvl7pPr>
-              <a:defRPr sz="2283"/>
+              <a:defRPr sz="1653"/>
             </a:lvl7pPr>
             <a:lvl8pPr>
-              <a:defRPr sz="2283"/>
+              <a:defRPr sz="1653"/>
             </a:lvl8pPr>
             <a:lvl9pPr>
-              <a:defRPr sz="2283"/>
+              <a:defRPr sz="1653"/>
             </a:lvl9pPr>
           </a:lstStyle>
           <a:p>
@@ -3165,8 +3412,8 @@
         </p:nvSpPr>
         <p:spPr>
           <a:xfrm>
-            <a:off x="719069" y="4535805"/>
-            <a:ext cx="3366978" cy="8403140"/>
+            <a:off x="520712" y="3207544"/>
+            <a:ext cx="2438192" cy="5942372"/>
           </a:xfrm>
         </p:spPr>
         <p:txBody>
@@ -3174,39 +3421,39 @@
           <a:lstStyle>
             <a:lvl1pPr marL="0" indent="0">
               <a:buNone/>
-              <a:defRPr sz="1827"/>
+              <a:defRPr sz="1323"/>
             </a:lvl1pPr>
-            <a:lvl2pPr marL="522000" indent="0">
+            <a:lvl2pPr marL="377967" indent="0">
               <a:buNone/>
-              <a:defRPr sz="1598"/>
+              <a:defRPr sz="1157"/>
             </a:lvl2pPr>
-            <a:lvl3pPr marL="1044000" indent="0">
+            <a:lvl3pPr marL="755934" indent="0">
               <a:buNone/>
-              <a:defRPr sz="1370"/>
+              <a:defRPr sz="992"/>
             </a:lvl3pPr>
-            <a:lvl4pPr marL="1566001" indent="0">
+            <a:lvl4pPr marL="1133902" indent="0">
               <a:buNone/>
-              <a:defRPr sz="1142"/>
+              <a:defRPr sz="827"/>
             </a:lvl4pPr>
-            <a:lvl5pPr marL="2088001" indent="0">
+            <a:lvl5pPr marL="1511869" indent="0">
               <a:buNone/>
-              <a:defRPr sz="1142"/>
+              <a:defRPr sz="827"/>
             </a:lvl5pPr>
-            <a:lvl6pPr marL="2610001" indent="0">
+            <a:lvl6pPr marL="1889836" indent="0">
               <a:buNone/>
-              <a:defRPr sz="1142"/>
+              <a:defRPr sz="827"/>
             </a:lvl6pPr>
-            <a:lvl7pPr marL="3132001" indent="0">
+            <a:lvl7pPr marL="2267803" indent="0">
               <a:buNone/>
-              <a:defRPr sz="1142"/>
+              <a:defRPr sz="827"/>
             </a:lvl7pPr>
-            <a:lvl8pPr marL="3654002" indent="0">
+            <a:lvl8pPr marL="2645771" indent="0">
               <a:buNone/>
-              <a:defRPr sz="1142"/>
+              <a:defRPr sz="827"/>
             </a:lvl8pPr>
-            <a:lvl9pPr marL="4176002" indent="0">
+            <a:lvl9pPr marL="3023738" indent="0">
               <a:buNone/>
-              <a:defRPr sz="1142"/>
+              <a:defRPr sz="827"/>
             </a:lvl9pPr>
           </a:lstStyle>
           <a:p>
@@ -3235,7 +3482,7 @@
           <a:p>
             <a:fld id="{9B61071A-3848-4D96-B791-347D253957C2}" type="datetimeFigureOut">
               <a:rPr lang="en-GB" smtClean="0"/>
-              <a:t>20/10/2024</a:t>
+              <a:t>12/01/2025</a:t>
             </a:fld>
             <a:endParaRPr lang="en-GB"/>
           </a:p>
@@ -3286,7 +3533,7 @@
     </p:spTree>
     <p:extLst>
       <p:ext uri="{BB962C8B-B14F-4D97-AF65-F5344CB8AC3E}">
-        <p14:creationId xmlns:p14="http://schemas.microsoft.com/office/powerpoint/2010/main" val="3693189674"/>
+        <p14:creationId xmlns:p14="http://schemas.microsoft.com/office/powerpoint/2010/main" val="843699709"/>
       </p:ext>
     </p:extLst>
   </p:cSld>
@@ -3325,15 +3572,15 @@
         </p:nvSpPr>
         <p:spPr>
           <a:xfrm>
-            <a:off x="719069" y="1007957"/>
-            <a:ext cx="3366978" cy="3527848"/>
+            <a:off x="520712" y="712788"/>
+            <a:ext cx="2438192" cy="2494756"/>
           </a:xfrm>
         </p:spPr>
         <p:txBody>
           <a:bodyPr anchor="b"/>
           <a:lstStyle>
             <a:lvl1pPr>
-              <a:defRPr sz="3653"/>
+              <a:defRPr sz="2645"/>
             </a:lvl1pPr>
           </a:lstStyle>
           <a:p>
@@ -3357,8 +3604,8 @@
         </p:nvSpPr>
         <p:spPr>
           <a:xfrm>
-            <a:off x="4438105" y="2176910"/>
-            <a:ext cx="5284946" cy="10744538"/>
+            <a:off x="3213847" y="1539425"/>
+            <a:ext cx="3827085" cy="7598117"/>
           </a:xfrm>
         </p:spPr>
         <p:txBody>
@@ -3366,39 +3613,39 @@
           <a:lstStyle>
             <a:lvl1pPr marL="0" indent="0">
               <a:buNone/>
-              <a:defRPr sz="3653"/>
+              <a:defRPr sz="2645"/>
             </a:lvl1pPr>
-            <a:lvl2pPr marL="522000" indent="0">
+            <a:lvl2pPr marL="377967" indent="0">
               <a:buNone/>
-              <a:defRPr sz="3197"/>
+              <a:defRPr sz="2315"/>
             </a:lvl2pPr>
-            <a:lvl3pPr marL="1044000" indent="0">
+            <a:lvl3pPr marL="755934" indent="0">
               <a:buNone/>
-              <a:defRPr sz="2740"/>
+              <a:defRPr sz="1984"/>
             </a:lvl3pPr>
-            <a:lvl4pPr marL="1566001" indent="0">
+            <a:lvl4pPr marL="1133902" indent="0">
               <a:buNone/>
-              <a:defRPr sz="2283"/>
+              <a:defRPr sz="1653"/>
             </a:lvl4pPr>
-            <a:lvl5pPr marL="2088001" indent="0">
+            <a:lvl5pPr marL="1511869" indent="0">
               <a:buNone/>
-              <a:defRPr sz="2283"/>
+              <a:defRPr sz="1653"/>
             </a:lvl5pPr>
-            <a:lvl6pPr marL="2610001" indent="0">
+            <a:lvl6pPr marL="1889836" indent="0">
               <a:buNone/>
-              <a:defRPr sz="2283"/>
+              <a:defRPr sz="1653"/>
             </a:lvl6pPr>
-            <a:lvl7pPr marL="3132001" indent="0">
+            <a:lvl7pPr marL="2267803" indent="0">
               <a:buNone/>
-              <a:defRPr sz="2283"/>
+              <a:defRPr sz="1653"/>
             </a:lvl7pPr>
-            <a:lvl8pPr marL="3654002" indent="0">
+            <a:lvl8pPr marL="2645771" indent="0">
               <a:buNone/>
-              <a:defRPr sz="2283"/>
+              <a:defRPr sz="1653"/>
             </a:lvl8pPr>
-            <a:lvl9pPr marL="4176002" indent="0">
+            <a:lvl9pPr marL="3023738" indent="0">
               <a:buNone/>
-              <a:defRPr sz="2283"/>
+              <a:defRPr sz="1653"/>
             </a:lvl9pPr>
           </a:lstStyle>
           <a:p>
@@ -3422,8 +3669,8 @@
         </p:nvSpPr>
         <p:spPr>
           <a:xfrm>
-            <a:off x="719069" y="4535805"/>
-            <a:ext cx="3366978" cy="8403140"/>
+            <a:off x="520712" y="3207544"/>
+            <a:ext cx="2438192" cy="5942372"/>
           </a:xfrm>
         </p:spPr>
         <p:txBody>
@@ -3431,39 +3678,39 @@
           <a:lstStyle>
             <a:lvl1pPr marL="0" indent="0">
               <a:buNone/>
-              <a:defRPr sz="1827"/>
+              <a:defRPr sz="1323"/>
             </a:lvl1pPr>
-            <a:lvl2pPr marL="522000" indent="0">
+            <a:lvl2pPr marL="377967" indent="0">
               <a:buNone/>
-              <a:defRPr sz="1598"/>
+              <a:defRPr sz="1157"/>
             </a:lvl2pPr>
-            <a:lvl3pPr marL="1044000" indent="0">
+            <a:lvl3pPr marL="755934" indent="0">
               <a:buNone/>
-              <a:defRPr sz="1370"/>
+              <a:defRPr sz="992"/>
             </a:lvl3pPr>
-            <a:lvl4pPr marL="1566001" indent="0">
+            <a:lvl4pPr marL="1133902" indent="0">
               <a:buNone/>
-              <a:defRPr sz="1142"/>
+              <a:defRPr sz="827"/>
             </a:lvl4pPr>
-            <a:lvl5pPr marL="2088001" indent="0">
+            <a:lvl5pPr marL="1511869" indent="0">
               <a:buNone/>
-              <a:defRPr sz="1142"/>
+              <a:defRPr sz="827"/>
             </a:lvl5pPr>
-            <a:lvl6pPr marL="2610001" indent="0">
+            <a:lvl6pPr marL="1889836" indent="0">
               <a:buNone/>
-              <a:defRPr sz="1142"/>
+              <a:defRPr sz="827"/>
             </a:lvl6pPr>
-            <a:lvl7pPr marL="3132001" indent="0">
+            <a:lvl7pPr marL="2267803" indent="0">
               <a:buNone/>
-              <a:defRPr sz="1142"/>
+              <a:defRPr sz="827"/>
             </a:lvl7pPr>
-            <a:lvl8pPr marL="3654002" indent="0">
+            <a:lvl8pPr marL="2645771" indent="0">
               <a:buNone/>
-              <a:defRPr sz="1142"/>
+              <a:defRPr sz="827"/>
             </a:lvl8pPr>
-            <a:lvl9pPr marL="4176002" indent="0">
+            <a:lvl9pPr marL="3023738" indent="0">
               <a:buNone/>
-              <a:defRPr sz="1142"/>
+              <a:defRPr sz="827"/>
             </a:lvl9pPr>
           </a:lstStyle>
           <a:p>
@@ -3492,7 +3739,7 @@
           <a:p>
             <a:fld id="{9B61071A-3848-4D96-B791-347D253957C2}" type="datetimeFigureOut">
               <a:rPr lang="en-GB" smtClean="0"/>
-              <a:t>20/10/2024</a:t>
+              <a:t>12/01/2025</a:t>
             </a:fld>
             <a:endParaRPr lang="en-GB"/>
           </a:p>
@@ -3543,7 +3790,7 @@
     </p:spTree>
     <p:extLst>
       <p:ext uri="{BB962C8B-B14F-4D97-AF65-F5344CB8AC3E}">
-        <p14:creationId xmlns:p14="http://schemas.microsoft.com/office/powerpoint/2010/main" val="2840346464"/>
+        <p14:creationId xmlns:p14="http://schemas.microsoft.com/office/powerpoint/2010/main" val="1516808823"/>
       </p:ext>
     </p:extLst>
   </p:cSld>
@@ -3557,24 +3804,562 @@
 <p:sldMaster xmlns:a="http://schemas.openxmlformats.org/drawingml/2006/main" xmlns:r="http://schemas.openxmlformats.org/officeDocument/2006/relationships" xmlns:p="http://schemas.openxmlformats.org/presentationml/2006/main">
   <p:cSld>
     <p:bg>
+      <p:bgRef idx="1001">
+        <a:schemeClr val="bg1"/>
+      </p:bgRef>
+    </p:bg>
+    <p:spTree>
+      <p:nvGrpSpPr>
+        <p:cNvPr id="1" name=""/>
+        <p:cNvGrpSpPr/>
+        <p:nvPr/>
+      </p:nvGrpSpPr>
+      <p:grpSpPr>
+        <a:xfrm>
+          <a:off x="0" y="0"/>
+          <a:ext cx="0" cy="0"/>
+          <a:chOff x="0" y="0"/>
+          <a:chExt cx="0" cy="0"/>
+        </a:xfrm>
+      </p:grpSpPr>
+      <p:sp>
+        <p:nvSpPr>
+          <p:cNvPr id="2" name="Title Placeholder 1"/>
+          <p:cNvSpPr>
+            <a:spLocks noGrp="1"/>
+          </p:cNvSpPr>
+          <p:nvPr>
+            <p:ph type="title"/>
+          </p:nvPr>
+        </p:nvSpPr>
+        <p:spPr>
+          <a:xfrm>
+            <a:off x="519728" y="569242"/>
+            <a:ext cx="6520220" cy="2066590"/>
+          </a:xfrm>
+          <a:prstGeom prst="rect">
+            <a:avLst/>
+          </a:prstGeom>
+        </p:spPr>
+        <p:txBody>
+          <a:bodyPr vert="horz" lIns="91440" tIns="45720" rIns="91440" bIns="45720" rtlCol="0" anchor="ctr">
+            <a:normAutofit/>
+          </a:bodyPr>
+          <a:lstStyle/>
+          <a:p>
+            <a:r>
+              <a:rPr lang="en-US"/>
+              <a:t>Click to edit Master title style</a:t>
+            </a:r>
+            <a:endParaRPr lang="en-US" dirty="0"/>
+          </a:p>
+        </p:txBody>
+      </p:sp>
+      <p:sp>
+        <p:nvSpPr>
+          <p:cNvPr id="3" name="Text Placeholder 2"/>
+          <p:cNvSpPr>
+            <a:spLocks noGrp="1"/>
+          </p:cNvSpPr>
+          <p:nvPr>
+            <p:ph type="body" idx="1"/>
+          </p:nvPr>
+        </p:nvSpPr>
+        <p:spPr>
+          <a:xfrm>
+            <a:off x="519728" y="2846200"/>
+            <a:ext cx="6520220" cy="6783857"/>
+          </a:xfrm>
+          <a:prstGeom prst="rect">
+            <a:avLst/>
+          </a:prstGeom>
+        </p:spPr>
+        <p:txBody>
+          <a:bodyPr vert="horz" lIns="91440" tIns="45720" rIns="91440" bIns="45720" rtlCol="0">
+            <a:normAutofit/>
+          </a:bodyPr>
+          <a:lstStyle/>
+          <a:p>
+            <a:pPr lvl="0"/>
+            <a:r>
+              <a:rPr lang="en-US"/>
+              <a:t>Click to edit Master text styles</a:t>
+            </a:r>
+          </a:p>
+          <a:p>
+            <a:pPr lvl="1"/>
+            <a:r>
+              <a:rPr lang="en-US"/>
+              <a:t>Second level</a:t>
+            </a:r>
+          </a:p>
+          <a:p>
+            <a:pPr lvl="2"/>
+            <a:r>
+              <a:rPr lang="en-US"/>
+              <a:t>Third level</a:t>
+            </a:r>
+          </a:p>
+          <a:p>
+            <a:pPr lvl="3"/>
+            <a:r>
+              <a:rPr lang="en-US"/>
+              <a:t>Fourth level</a:t>
+            </a:r>
+          </a:p>
+          <a:p>
+            <a:pPr lvl="4"/>
+            <a:r>
+              <a:rPr lang="en-US"/>
+              <a:t>Fifth level</a:t>
+            </a:r>
+            <a:endParaRPr lang="en-US" dirty="0"/>
+          </a:p>
+        </p:txBody>
+      </p:sp>
+      <p:sp>
+        <p:nvSpPr>
+          <p:cNvPr id="4" name="Date Placeholder 3"/>
+          <p:cNvSpPr>
+            <a:spLocks noGrp="1"/>
+          </p:cNvSpPr>
+          <p:nvPr>
+            <p:ph type="dt" sz="half" idx="2"/>
+          </p:nvPr>
+        </p:nvSpPr>
+        <p:spPr>
+          <a:xfrm>
+            <a:off x="519728" y="9909729"/>
+            <a:ext cx="1700927" cy="569240"/>
+          </a:xfrm>
+          <a:prstGeom prst="rect">
+            <a:avLst/>
+          </a:prstGeom>
+        </p:spPr>
+        <p:txBody>
+          <a:bodyPr vert="horz" lIns="91440" tIns="45720" rIns="91440" bIns="45720" rtlCol="0" anchor="ctr"/>
+          <a:lstStyle>
+            <a:lvl1pPr algn="l">
+              <a:defRPr sz="992">
+                <a:solidFill>
+                  <a:schemeClr val="tx1">
+                    <a:tint val="82000"/>
+                  </a:schemeClr>
+                </a:solidFill>
+              </a:defRPr>
+            </a:lvl1pPr>
+          </a:lstStyle>
+          <a:p>
+            <a:fld id="{9B61071A-3848-4D96-B791-347D253957C2}" type="datetimeFigureOut">
+              <a:rPr lang="en-GB" smtClean="0"/>
+              <a:t>12/01/2025</a:t>
+            </a:fld>
+            <a:endParaRPr lang="en-GB"/>
+          </a:p>
+        </p:txBody>
+      </p:sp>
+      <p:sp>
+        <p:nvSpPr>
+          <p:cNvPr id="5" name="Footer Placeholder 4"/>
+          <p:cNvSpPr>
+            <a:spLocks noGrp="1"/>
+          </p:cNvSpPr>
+          <p:nvPr>
+            <p:ph type="ftr" sz="quarter" idx="3"/>
+          </p:nvPr>
+        </p:nvSpPr>
+        <p:spPr>
+          <a:xfrm>
+            <a:off x="2504143" y="9909729"/>
+            <a:ext cx="2551390" cy="569240"/>
+          </a:xfrm>
+          <a:prstGeom prst="rect">
+            <a:avLst/>
+          </a:prstGeom>
+        </p:spPr>
+        <p:txBody>
+          <a:bodyPr vert="horz" lIns="91440" tIns="45720" rIns="91440" bIns="45720" rtlCol="0" anchor="ctr"/>
+          <a:lstStyle>
+            <a:lvl1pPr algn="ctr">
+              <a:defRPr sz="992">
+                <a:solidFill>
+                  <a:schemeClr val="tx1">
+                    <a:tint val="82000"/>
+                  </a:schemeClr>
+                </a:solidFill>
+              </a:defRPr>
+            </a:lvl1pPr>
+          </a:lstStyle>
+          <a:p>
+            <a:endParaRPr lang="en-GB"/>
+          </a:p>
+        </p:txBody>
+      </p:sp>
+      <p:sp>
+        <p:nvSpPr>
+          <p:cNvPr id="6" name="Slide Number Placeholder 5"/>
+          <p:cNvSpPr>
+            <a:spLocks noGrp="1"/>
+          </p:cNvSpPr>
+          <p:nvPr>
+            <p:ph type="sldNum" sz="quarter" idx="4"/>
+          </p:nvPr>
+        </p:nvSpPr>
+        <p:spPr>
+          <a:xfrm>
+            <a:off x="5339020" y="9909729"/>
+            <a:ext cx="1700927" cy="569240"/>
+          </a:xfrm>
+          <a:prstGeom prst="rect">
+            <a:avLst/>
+          </a:prstGeom>
+        </p:spPr>
+        <p:txBody>
+          <a:bodyPr vert="horz" lIns="91440" tIns="45720" rIns="91440" bIns="45720" rtlCol="0" anchor="ctr"/>
+          <a:lstStyle>
+            <a:lvl1pPr algn="r">
+              <a:defRPr sz="992">
+                <a:solidFill>
+                  <a:schemeClr val="tx1">
+                    <a:tint val="82000"/>
+                  </a:schemeClr>
+                </a:solidFill>
+              </a:defRPr>
+            </a:lvl1pPr>
+          </a:lstStyle>
+          <a:p>
+            <a:fld id="{86225EA7-C1D6-4DE7-9364-417973FF2973}" type="slidenum">
+              <a:rPr lang="en-GB" smtClean="0"/>
+              <a:t>‹#›</a:t>
+            </a:fld>
+            <a:endParaRPr lang="en-GB"/>
+          </a:p>
+        </p:txBody>
+      </p:sp>
+    </p:spTree>
+    <p:extLst>
+      <p:ext uri="{BB962C8B-B14F-4D97-AF65-F5344CB8AC3E}">
+        <p14:creationId xmlns:p14="http://schemas.microsoft.com/office/powerpoint/2010/main" val="1250775123"/>
+      </p:ext>
+    </p:extLst>
+  </p:cSld>
+  <p:clrMap bg1="lt1" tx1="dk1" bg2="lt2" tx2="dk2" accent1="accent1" accent2="accent2" accent3="accent3" accent4="accent4" accent5="accent5" accent6="accent6" hlink="hlink" folHlink="folHlink"/>
+  <p:sldLayoutIdLst>
+    <p:sldLayoutId id="2147483685" r:id="rId1"/>
+    <p:sldLayoutId id="2147483686" r:id="rId2"/>
+    <p:sldLayoutId id="2147483687" r:id="rId3"/>
+    <p:sldLayoutId id="2147483688" r:id="rId4"/>
+    <p:sldLayoutId id="2147483689" r:id="rId5"/>
+    <p:sldLayoutId id="2147483690" r:id="rId6"/>
+    <p:sldLayoutId id="2147483691" r:id="rId7"/>
+    <p:sldLayoutId id="2147483692" r:id="rId8"/>
+    <p:sldLayoutId id="2147483693" r:id="rId9"/>
+    <p:sldLayoutId id="2147483694" r:id="rId10"/>
+    <p:sldLayoutId id="2147483695" r:id="rId11"/>
+  </p:sldLayoutIdLst>
+  <p:txStyles>
+    <p:titleStyle>
+      <a:lvl1pPr algn="l" defTabSz="755934" rtl="0" eaLnBrk="1" latinLnBrk="0" hangingPunct="1">
+        <a:lnSpc>
+          <a:spcPct val="90000"/>
+        </a:lnSpc>
+        <a:spcBef>
+          <a:spcPct val="0"/>
+        </a:spcBef>
+        <a:buNone/>
+        <a:defRPr sz="3637" kern="1200">
+          <a:solidFill>
+            <a:schemeClr val="tx1"/>
+          </a:solidFill>
+          <a:latin typeface="+mj-lt"/>
+          <a:ea typeface="+mj-ea"/>
+          <a:cs typeface="+mj-cs"/>
+        </a:defRPr>
+      </a:lvl1pPr>
+    </p:titleStyle>
+    <p:bodyStyle>
+      <a:lvl1pPr marL="188984" indent="-188984" algn="l" defTabSz="755934" rtl="0" eaLnBrk="1" latinLnBrk="0" hangingPunct="1">
+        <a:lnSpc>
+          <a:spcPct val="90000"/>
+        </a:lnSpc>
+        <a:spcBef>
+          <a:spcPts val="827"/>
+        </a:spcBef>
+        <a:buFont typeface="Arial" panose="020B0604020202020204" pitchFamily="34" charset="0"/>
+        <a:buChar char="•"/>
+        <a:defRPr sz="2315" kern="1200">
+          <a:solidFill>
+            <a:schemeClr val="tx1"/>
+          </a:solidFill>
+          <a:latin typeface="+mn-lt"/>
+          <a:ea typeface="+mn-ea"/>
+          <a:cs typeface="+mn-cs"/>
+        </a:defRPr>
+      </a:lvl1pPr>
+      <a:lvl2pPr marL="566951" indent="-188984" algn="l" defTabSz="755934" rtl="0" eaLnBrk="1" latinLnBrk="0" hangingPunct="1">
+        <a:lnSpc>
+          <a:spcPct val="90000"/>
+        </a:lnSpc>
+        <a:spcBef>
+          <a:spcPts val="413"/>
+        </a:spcBef>
+        <a:buFont typeface="Arial" panose="020B0604020202020204" pitchFamily="34" charset="0"/>
+        <a:buChar char="•"/>
+        <a:defRPr sz="1984" kern="1200">
+          <a:solidFill>
+            <a:schemeClr val="tx1"/>
+          </a:solidFill>
+          <a:latin typeface="+mn-lt"/>
+          <a:ea typeface="+mn-ea"/>
+          <a:cs typeface="+mn-cs"/>
+        </a:defRPr>
+      </a:lvl2pPr>
+      <a:lvl3pPr marL="944918" indent="-188984" algn="l" defTabSz="755934" rtl="0" eaLnBrk="1" latinLnBrk="0" hangingPunct="1">
+        <a:lnSpc>
+          <a:spcPct val="90000"/>
+        </a:lnSpc>
+        <a:spcBef>
+          <a:spcPts val="413"/>
+        </a:spcBef>
+        <a:buFont typeface="Arial" panose="020B0604020202020204" pitchFamily="34" charset="0"/>
+        <a:buChar char="•"/>
+        <a:defRPr sz="1653" kern="1200">
+          <a:solidFill>
+            <a:schemeClr val="tx1"/>
+          </a:solidFill>
+          <a:latin typeface="+mn-lt"/>
+          <a:ea typeface="+mn-ea"/>
+          <a:cs typeface="+mn-cs"/>
+        </a:defRPr>
+      </a:lvl3pPr>
+      <a:lvl4pPr marL="1322885" indent="-188984" algn="l" defTabSz="755934" rtl="0" eaLnBrk="1" latinLnBrk="0" hangingPunct="1">
+        <a:lnSpc>
+          <a:spcPct val="90000"/>
+        </a:lnSpc>
+        <a:spcBef>
+          <a:spcPts val="413"/>
+        </a:spcBef>
+        <a:buFont typeface="Arial" panose="020B0604020202020204" pitchFamily="34" charset="0"/>
+        <a:buChar char="•"/>
+        <a:defRPr sz="1488" kern="1200">
+          <a:solidFill>
+            <a:schemeClr val="tx1"/>
+          </a:solidFill>
+          <a:latin typeface="+mn-lt"/>
+          <a:ea typeface="+mn-ea"/>
+          <a:cs typeface="+mn-cs"/>
+        </a:defRPr>
+      </a:lvl4pPr>
+      <a:lvl5pPr marL="1700853" indent="-188984" algn="l" defTabSz="755934" rtl="0" eaLnBrk="1" latinLnBrk="0" hangingPunct="1">
+        <a:lnSpc>
+          <a:spcPct val="90000"/>
+        </a:lnSpc>
+        <a:spcBef>
+          <a:spcPts val="413"/>
+        </a:spcBef>
+        <a:buFont typeface="Arial" panose="020B0604020202020204" pitchFamily="34" charset="0"/>
+        <a:buChar char="•"/>
+        <a:defRPr sz="1488" kern="1200">
+          <a:solidFill>
+            <a:schemeClr val="tx1"/>
+          </a:solidFill>
+          <a:latin typeface="+mn-lt"/>
+          <a:ea typeface="+mn-ea"/>
+          <a:cs typeface="+mn-cs"/>
+        </a:defRPr>
+      </a:lvl5pPr>
+      <a:lvl6pPr marL="2078820" indent="-188984" algn="l" defTabSz="755934" rtl="0" eaLnBrk="1" latinLnBrk="0" hangingPunct="1">
+        <a:lnSpc>
+          <a:spcPct val="90000"/>
+        </a:lnSpc>
+        <a:spcBef>
+          <a:spcPts val="413"/>
+        </a:spcBef>
+        <a:buFont typeface="Arial" panose="020B0604020202020204" pitchFamily="34" charset="0"/>
+        <a:buChar char="•"/>
+        <a:defRPr sz="1488" kern="1200">
+          <a:solidFill>
+            <a:schemeClr val="tx1"/>
+          </a:solidFill>
+          <a:latin typeface="+mn-lt"/>
+          <a:ea typeface="+mn-ea"/>
+          <a:cs typeface="+mn-cs"/>
+        </a:defRPr>
+      </a:lvl6pPr>
+      <a:lvl7pPr marL="2456787" indent="-188984" algn="l" defTabSz="755934" rtl="0" eaLnBrk="1" latinLnBrk="0" hangingPunct="1">
+        <a:lnSpc>
+          <a:spcPct val="90000"/>
+        </a:lnSpc>
+        <a:spcBef>
+          <a:spcPts val="413"/>
+        </a:spcBef>
+        <a:buFont typeface="Arial" panose="020B0604020202020204" pitchFamily="34" charset="0"/>
+        <a:buChar char="•"/>
+        <a:defRPr sz="1488" kern="1200">
+          <a:solidFill>
+            <a:schemeClr val="tx1"/>
+          </a:solidFill>
+          <a:latin typeface="+mn-lt"/>
+          <a:ea typeface="+mn-ea"/>
+          <a:cs typeface="+mn-cs"/>
+        </a:defRPr>
+      </a:lvl7pPr>
+      <a:lvl8pPr marL="2834754" indent="-188984" algn="l" defTabSz="755934" rtl="0" eaLnBrk="1" latinLnBrk="0" hangingPunct="1">
+        <a:lnSpc>
+          <a:spcPct val="90000"/>
+        </a:lnSpc>
+        <a:spcBef>
+          <a:spcPts val="413"/>
+        </a:spcBef>
+        <a:buFont typeface="Arial" panose="020B0604020202020204" pitchFamily="34" charset="0"/>
+        <a:buChar char="•"/>
+        <a:defRPr sz="1488" kern="1200">
+          <a:solidFill>
+            <a:schemeClr val="tx1"/>
+          </a:solidFill>
+          <a:latin typeface="+mn-lt"/>
+          <a:ea typeface="+mn-ea"/>
+          <a:cs typeface="+mn-cs"/>
+        </a:defRPr>
+      </a:lvl8pPr>
+      <a:lvl9pPr marL="3212722" indent="-188984" algn="l" defTabSz="755934" rtl="0" eaLnBrk="1" latinLnBrk="0" hangingPunct="1">
+        <a:lnSpc>
+          <a:spcPct val="90000"/>
+        </a:lnSpc>
+        <a:spcBef>
+          <a:spcPts val="413"/>
+        </a:spcBef>
+        <a:buFont typeface="Arial" panose="020B0604020202020204" pitchFamily="34" charset="0"/>
+        <a:buChar char="•"/>
+        <a:defRPr sz="1488" kern="1200">
+          <a:solidFill>
+            <a:schemeClr val="tx1"/>
+          </a:solidFill>
+          <a:latin typeface="+mn-lt"/>
+          <a:ea typeface="+mn-ea"/>
+          <a:cs typeface="+mn-cs"/>
+        </a:defRPr>
+      </a:lvl9pPr>
+    </p:bodyStyle>
+    <p:otherStyle>
+      <a:defPPr>
+        <a:defRPr lang="en-US"/>
+      </a:defPPr>
+      <a:lvl1pPr marL="0" algn="l" defTabSz="755934" rtl="0" eaLnBrk="1" latinLnBrk="0" hangingPunct="1">
+        <a:defRPr sz="1488" kern="1200">
+          <a:solidFill>
+            <a:schemeClr val="tx1"/>
+          </a:solidFill>
+          <a:latin typeface="+mn-lt"/>
+          <a:ea typeface="+mn-ea"/>
+          <a:cs typeface="+mn-cs"/>
+        </a:defRPr>
+      </a:lvl1pPr>
+      <a:lvl2pPr marL="377967" algn="l" defTabSz="755934" rtl="0" eaLnBrk="1" latinLnBrk="0" hangingPunct="1">
+        <a:defRPr sz="1488" kern="1200">
+          <a:solidFill>
+            <a:schemeClr val="tx1"/>
+          </a:solidFill>
+          <a:latin typeface="+mn-lt"/>
+          <a:ea typeface="+mn-ea"/>
+          <a:cs typeface="+mn-cs"/>
+        </a:defRPr>
+      </a:lvl2pPr>
+      <a:lvl3pPr marL="755934" algn="l" defTabSz="755934" rtl="0" eaLnBrk="1" latinLnBrk="0" hangingPunct="1">
+        <a:defRPr sz="1488" kern="1200">
+          <a:solidFill>
+            <a:schemeClr val="tx1"/>
+          </a:solidFill>
+          <a:latin typeface="+mn-lt"/>
+          <a:ea typeface="+mn-ea"/>
+          <a:cs typeface="+mn-cs"/>
+        </a:defRPr>
+      </a:lvl3pPr>
+      <a:lvl4pPr marL="1133902" algn="l" defTabSz="755934" rtl="0" eaLnBrk="1" latinLnBrk="0" hangingPunct="1">
+        <a:defRPr sz="1488" kern="1200">
+          <a:solidFill>
+            <a:schemeClr val="tx1"/>
+          </a:solidFill>
+          <a:latin typeface="+mn-lt"/>
+          <a:ea typeface="+mn-ea"/>
+          <a:cs typeface="+mn-cs"/>
+        </a:defRPr>
+      </a:lvl4pPr>
+      <a:lvl5pPr marL="1511869" algn="l" defTabSz="755934" rtl="0" eaLnBrk="1" latinLnBrk="0" hangingPunct="1">
+        <a:defRPr sz="1488" kern="1200">
+          <a:solidFill>
+            <a:schemeClr val="tx1"/>
+          </a:solidFill>
+          <a:latin typeface="+mn-lt"/>
+          <a:ea typeface="+mn-ea"/>
+          <a:cs typeface="+mn-cs"/>
+        </a:defRPr>
+      </a:lvl5pPr>
+      <a:lvl6pPr marL="1889836" algn="l" defTabSz="755934" rtl="0" eaLnBrk="1" latinLnBrk="0" hangingPunct="1">
+        <a:defRPr sz="1488" kern="1200">
+          <a:solidFill>
+            <a:schemeClr val="tx1"/>
+          </a:solidFill>
+          <a:latin typeface="+mn-lt"/>
+          <a:ea typeface="+mn-ea"/>
+          <a:cs typeface="+mn-cs"/>
+        </a:defRPr>
+      </a:lvl6pPr>
+      <a:lvl7pPr marL="2267803" algn="l" defTabSz="755934" rtl="0" eaLnBrk="1" latinLnBrk="0" hangingPunct="1">
+        <a:defRPr sz="1488" kern="1200">
+          <a:solidFill>
+            <a:schemeClr val="tx1"/>
+          </a:solidFill>
+          <a:latin typeface="+mn-lt"/>
+          <a:ea typeface="+mn-ea"/>
+          <a:cs typeface="+mn-cs"/>
+        </a:defRPr>
+      </a:lvl7pPr>
+      <a:lvl8pPr marL="2645771" algn="l" defTabSz="755934" rtl="0" eaLnBrk="1" latinLnBrk="0" hangingPunct="1">
+        <a:defRPr sz="1488" kern="1200">
+          <a:solidFill>
+            <a:schemeClr val="tx1"/>
+          </a:solidFill>
+          <a:latin typeface="+mn-lt"/>
+          <a:ea typeface="+mn-ea"/>
+          <a:cs typeface="+mn-cs"/>
+        </a:defRPr>
+      </a:lvl8pPr>
+      <a:lvl9pPr marL="3023738" algn="l" defTabSz="755934" rtl="0" eaLnBrk="1" latinLnBrk="0" hangingPunct="1">
+        <a:defRPr sz="1488" kern="1200">
+          <a:solidFill>
+            <a:schemeClr val="tx1"/>
+          </a:solidFill>
+          <a:latin typeface="+mn-lt"/>
+          <a:ea typeface="+mn-ea"/>
+          <a:cs typeface="+mn-cs"/>
+        </a:defRPr>
+      </a:lvl9pPr>
+    </p:otherStyle>
+  </p:txStyles>
+</p:sldMaster>
+</file>
+
+<file path=ppt/slides/slide1.xml><?xml version="1.0" encoding="utf-8"?>
+<p:sld xmlns:a="http://schemas.openxmlformats.org/drawingml/2006/main" xmlns:r="http://schemas.openxmlformats.org/officeDocument/2006/relationships" xmlns:p="http://schemas.openxmlformats.org/presentationml/2006/main">
+  <p:cSld>
+    <p:bg>
       <p:bgPr>
         <a:blipFill dpi="0" rotWithShape="1">
-          <a:blip r:embed="rId13">
+          <a:blip r:embed="rId3">
+            <a:alphaModFix amt="90000"/>
             <a:extLst>
               <a:ext uri="{BEBA8EAE-BF5A-486C-A8C5-ECC9F3942E4B}">
                 <a14:imgProps xmlns:a14="http://schemas.microsoft.com/office/drawing/2010/main">
-                  <a14:imgLayer r:embed="rId14">
+                  <a14:imgLayer r:embed="rId4">
                     <a14:imgEffect>
-                      <a14:artisticCutout/>
+                      <a14:artisticCutout trans="10000" numberOfShades="5"/>
                     </a14:imgEffect>
                     <a14:imgEffect>
-                      <a14:colorTemperature colorTemp="5900"/>
+                      <a14:sharpenSoften amount="25000"/>
                     </a14:imgEffect>
                     <a14:imgEffect>
-                      <a14:saturation sat="85000"/>
-                    </a14:imgEffect>
-                    <a14:imgEffect>
-                      <a14:brightnessContrast contrast="-10000"/>
+                      <a14:brightnessContrast contrast="-20000"/>
                     </a14:imgEffect>
                   </a14:imgLayer>
                 </a14:imgProps>
@@ -3583,7 +4368,7 @@
           </a:blip>
           <a:srcRect/>
           <a:stretch>
-            <a:fillRect l="-19000" r="-19000"/>
+            <a:fillRect l="-21000" r="-21000"/>
           </a:stretch>
         </a:blipFill>
         <a:effectLst/>
@@ -3603,581 +4388,239 @@
           <a:chExt cx="0" cy="0"/>
         </a:xfrm>
       </p:grpSpPr>
-      <p:sp>
-        <p:nvSpPr>
-          <p:cNvPr id="2" name="Title Placeholder 1"/>
-          <p:cNvSpPr>
-            <a:spLocks noGrp="1"/>
-          </p:cNvSpPr>
-          <p:nvPr>
-            <p:ph type="title"/>
-          </p:nvPr>
-        </p:nvSpPr>
-        <p:spPr>
-          <a:xfrm>
-            <a:off x="717710" y="804971"/>
-            <a:ext cx="9003983" cy="2922375"/>
-          </a:xfrm>
-          <a:prstGeom prst="rect">
-            <a:avLst/>
-          </a:prstGeom>
-        </p:spPr>
-        <p:txBody>
-          <a:bodyPr vert="horz" lIns="91440" tIns="45720" rIns="91440" bIns="45720" rtlCol="0" anchor="ctr">
-            <a:normAutofit/>
-          </a:bodyPr>
-          <a:lstStyle/>
-          <a:p>
-            <a:r>
-              <a:rPr lang="en-US"/>
-              <a:t>Click to edit Master title style</a:t>
-            </a:r>
-            <a:endParaRPr lang="en-US" dirty="0"/>
-          </a:p>
-        </p:txBody>
-      </p:sp>
-      <p:sp>
-        <p:nvSpPr>
-          <p:cNvPr id="3" name="Text Placeholder 2"/>
-          <p:cNvSpPr>
-            <a:spLocks noGrp="1"/>
-          </p:cNvSpPr>
-          <p:nvPr>
-            <p:ph type="body" idx="1"/>
-          </p:nvPr>
-        </p:nvSpPr>
-        <p:spPr>
-          <a:xfrm>
-            <a:off x="717710" y="4024829"/>
-            <a:ext cx="9003983" cy="9593089"/>
-          </a:xfrm>
-          <a:prstGeom prst="rect">
-            <a:avLst/>
-          </a:prstGeom>
-        </p:spPr>
-        <p:txBody>
-          <a:bodyPr vert="horz" lIns="91440" tIns="45720" rIns="91440" bIns="45720" rtlCol="0">
-            <a:normAutofit/>
-          </a:bodyPr>
-          <a:lstStyle/>
-          <a:p>
-            <a:pPr lvl="0"/>
-            <a:r>
-              <a:rPr lang="en-US"/>
-              <a:t>Click to edit Master text styles</a:t>
-            </a:r>
-          </a:p>
-          <a:p>
-            <a:pPr lvl="1"/>
-            <a:r>
-              <a:rPr lang="en-US"/>
-              <a:t>Second level</a:t>
-            </a:r>
-          </a:p>
-          <a:p>
-            <a:pPr lvl="2"/>
-            <a:r>
-              <a:rPr lang="en-US"/>
-              <a:t>Third level</a:t>
-            </a:r>
-          </a:p>
-          <a:p>
-            <a:pPr lvl="3"/>
-            <a:r>
-              <a:rPr lang="en-US"/>
-              <a:t>Fourth level</a:t>
-            </a:r>
-          </a:p>
-          <a:p>
-            <a:pPr lvl="4"/>
-            <a:r>
-              <a:rPr lang="en-US"/>
-              <a:t>Fifth level</a:t>
-            </a:r>
-            <a:endParaRPr lang="en-US" dirty="0"/>
-          </a:p>
-        </p:txBody>
-      </p:sp>
-      <p:sp>
-        <p:nvSpPr>
-          <p:cNvPr id="4" name="Date Placeholder 3"/>
-          <p:cNvSpPr>
-            <a:spLocks noGrp="1"/>
-          </p:cNvSpPr>
-          <p:nvPr>
-            <p:ph type="dt" sz="half" idx="2"/>
-          </p:nvPr>
-        </p:nvSpPr>
-        <p:spPr>
-          <a:xfrm>
-            <a:off x="717710" y="14013403"/>
-            <a:ext cx="2348865" cy="804965"/>
-          </a:xfrm>
-          <a:prstGeom prst="rect">
-            <a:avLst/>
-          </a:prstGeom>
-        </p:spPr>
-        <p:txBody>
-          <a:bodyPr vert="horz" lIns="91440" tIns="45720" rIns="91440" bIns="45720" rtlCol="0" anchor="ctr"/>
-          <a:lstStyle>
-            <a:lvl1pPr algn="l">
-              <a:defRPr sz="1370">
-                <a:solidFill>
-                  <a:schemeClr val="tx1">
-                    <a:tint val="82000"/>
-                  </a:schemeClr>
-                </a:solidFill>
-              </a:defRPr>
-            </a:lvl1pPr>
-          </a:lstStyle>
-          <a:p>
-            <a:fld id="{9B61071A-3848-4D96-B791-347D253957C2}" type="datetimeFigureOut">
-              <a:rPr lang="en-GB" smtClean="0"/>
-              <a:t>20/10/2024</a:t>
-            </a:fld>
-            <a:endParaRPr lang="en-GB"/>
-          </a:p>
-        </p:txBody>
-      </p:sp>
-      <p:sp>
-        <p:nvSpPr>
-          <p:cNvPr id="5" name="Footer Placeholder 4"/>
-          <p:cNvSpPr>
-            <a:spLocks noGrp="1"/>
-          </p:cNvSpPr>
-          <p:nvPr>
-            <p:ph type="ftr" sz="quarter" idx="3"/>
-          </p:nvPr>
-        </p:nvSpPr>
-        <p:spPr>
-          <a:xfrm>
-            <a:off x="3458051" y="14013403"/>
-            <a:ext cx="3523298" cy="804965"/>
-          </a:xfrm>
-          <a:prstGeom prst="rect">
-            <a:avLst/>
-          </a:prstGeom>
-        </p:spPr>
-        <p:txBody>
-          <a:bodyPr vert="horz" lIns="91440" tIns="45720" rIns="91440" bIns="45720" rtlCol="0" anchor="ctr"/>
-          <a:lstStyle>
-            <a:lvl1pPr algn="ctr">
-              <a:defRPr sz="1370">
-                <a:solidFill>
-                  <a:schemeClr val="tx1">
-                    <a:tint val="82000"/>
-                  </a:schemeClr>
-                </a:solidFill>
-              </a:defRPr>
-            </a:lvl1pPr>
-          </a:lstStyle>
-          <a:p>
-            <a:endParaRPr lang="en-GB"/>
-          </a:p>
-        </p:txBody>
-      </p:sp>
-      <p:sp>
-        <p:nvSpPr>
-          <p:cNvPr id="6" name="Slide Number Placeholder 5"/>
-          <p:cNvSpPr>
-            <a:spLocks noGrp="1"/>
-          </p:cNvSpPr>
-          <p:nvPr>
-            <p:ph type="sldNum" sz="quarter" idx="4"/>
-          </p:nvPr>
-        </p:nvSpPr>
-        <p:spPr>
-          <a:xfrm>
-            <a:off x="7372826" y="14013403"/>
-            <a:ext cx="2348865" cy="804965"/>
-          </a:xfrm>
-          <a:prstGeom prst="rect">
-            <a:avLst/>
-          </a:prstGeom>
-        </p:spPr>
-        <p:txBody>
-          <a:bodyPr vert="horz" lIns="91440" tIns="45720" rIns="91440" bIns="45720" rtlCol="0" anchor="ctr"/>
-          <a:lstStyle>
-            <a:lvl1pPr algn="r">
-              <a:defRPr sz="1370">
-                <a:solidFill>
-                  <a:schemeClr val="tx1">
-                    <a:tint val="82000"/>
-                  </a:schemeClr>
-                </a:solidFill>
-              </a:defRPr>
-            </a:lvl1pPr>
-          </a:lstStyle>
-          <a:p>
-            <a:fld id="{86225EA7-C1D6-4DE7-9364-417973FF2973}" type="slidenum">
-              <a:rPr lang="en-GB" smtClean="0"/>
-              <a:t>‹#›</a:t>
-            </a:fld>
-            <a:endParaRPr lang="en-GB"/>
-          </a:p>
-        </p:txBody>
-      </p:sp>
-    </p:spTree>
-    <p:extLst>
-      <p:ext uri="{BB962C8B-B14F-4D97-AF65-F5344CB8AC3E}">
-        <p14:creationId xmlns:p14="http://schemas.microsoft.com/office/powerpoint/2010/main" val="3364745519"/>
-      </p:ext>
-    </p:extLst>
-  </p:cSld>
-  <p:clrMap bg1="lt1" tx1="dk1" bg2="lt2" tx2="dk2" accent1="accent1" accent2="accent2" accent3="accent3" accent4="accent4" accent5="accent5" accent6="accent6" hlink="hlink" folHlink="folHlink"/>
-  <p:sldLayoutIdLst>
-    <p:sldLayoutId id="2147483673" r:id="rId1"/>
-    <p:sldLayoutId id="2147483674" r:id="rId2"/>
-    <p:sldLayoutId id="2147483675" r:id="rId3"/>
-    <p:sldLayoutId id="2147483676" r:id="rId4"/>
-    <p:sldLayoutId id="2147483677" r:id="rId5"/>
-    <p:sldLayoutId id="2147483678" r:id="rId6"/>
-    <p:sldLayoutId id="2147483679" r:id="rId7"/>
-    <p:sldLayoutId id="2147483680" r:id="rId8"/>
-    <p:sldLayoutId id="2147483681" r:id="rId9"/>
-    <p:sldLayoutId id="2147483682" r:id="rId10"/>
-    <p:sldLayoutId id="2147483683" r:id="rId11"/>
-  </p:sldLayoutIdLst>
-  <p:txStyles>
-    <p:titleStyle>
-      <a:lvl1pPr algn="l" defTabSz="1044000" rtl="0" eaLnBrk="1" latinLnBrk="0" hangingPunct="1">
-        <a:lnSpc>
-          <a:spcPct val="90000"/>
-        </a:lnSpc>
-        <a:spcBef>
-          <a:spcPct val="0"/>
-        </a:spcBef>
-        <a:buNone/>
-        <a:defRPr sz="5024" kern="1200">
-          <a:solidFill>
-            <a:schemeClr val="tx1"/>
-          </a:solidFill>
-          <a:latin typeface="+mj-lt"/>
-          <a:ea typeface="+mj-ea"/>
-          <a:cs typeface="+mj-cs"/>
-        </a:defRPr>
-      </a:lvl1pPr>
-    </p:titleStyle>
-    <p:bodyStyle>
-      <a:lvl1pPr marL="261001" indent="-261001" algn="l" defTabSz="1044000" rtl="0" eaLnBrk="1" latinLnBrk="0" hangingPunct="1">
-        <a:lnSpc>
-          <a:spcPct val="90000"/>
-        </a:lnSpc>
-        <a:spcBef>
-          <a:spcPts val="1142"/>
-        </a:spcBef>
-        <a:buFont typeface="Arial" panose="020B0604020202020204" pitchFamily="34" charset="0"/>
-        <a:buChar char="•"/>
-        <a:defRPr sz="3197" kern="1200">
-          <a:solidFill>
-            <a:schemeClr val="tx1"/>
-          </a:solidFill>
-          <a:latin typeface="+mn-lt"/>
-          <a:ea typeface="+mn-ea"/>
-          <a:cs typeface="+mn-cs"/>
-        </a:defRPr>
-      </a:lvl1pPr>
-      <a:lvl2pPr marL="783001" indent="-261001" algn="l" defTabSz="1044000" rtl="0" eaLnBrk="1" latinLnBrk="0" hangingPunct="1">
-        <a:lnSpc>
-          <a:spcPct val="90000"/>
-        </a:lnSpc>
-        <a:spcBef>
-          <a:spcPts val="571"/>
-        </a:spcBef>
-        <a:buFont typeface="Arial" panose="020B0604020202020204" pitchFamily="34" charset="0"/>
-        <a:buChar char="•"/>
-        <a:defRPr sz="2740" kern="1200">
-          <a:solidFill>
-            <a:schemeClr val="tx1"/>
-          </a:solidFill>
-          <a:latin typeface="+mn-lt"/>
-          <a:ea typeface="+mn-ea"/>
-          <a:cs typeface="+mn-cs"/>
-        </a:defRPr>
-      </a:lvl2pPr>
-      <a:lvl3pPr marL="1305001" indent="-261001" algn="l" defTabSz="1044000" rtl="0" eaLnBrk="1" latinLnBrk="0" hangingPunct="1">
-        <a:lnSpc>
-          <a:spcPct val="90000"/>
-        </a:lnSpc>
-        <a:spcBef>
-          <a:spcPts val="571"/>
-        </a:spcBef>
-        <a:buFont typeface="Arial" panose="020B0604020202020204" pitchFamily="34" charset="0"/>
-        <a:buChar char="•"/>
-        <a:defRPr sz="2283" kern="1200">
-          <a:solidFill>
-            <a:schemeClr val="tx1"/>
-          </a:solidFill>
-          <a:latin typeface="+mn-lt"/>
-          <a:ea typeface="+mn-ea"/>
-          <a:cs typeface="+mn-cs"/>
-        </a:defRPr>
-      </a:lvl3pPr>
-      <a:lvl4pPr marL="1827001" indent="-261001" algn="l" defTabSz="1044000" rtl="0" eaLnBrk="1" latinLnBrk="0" hangingPunct="1">
-        <a:lnSpc>
-          <a:spcPct val="90000"/>
-        </a:lnSpc>
-        <a:spcBef>
-          <a:spcPts val="571"/>
-        </a:spcBef>
-        <a:buFont typeface="Arial" panose="020B0604020202020204" pitchFamily="34" charset="0"/>
-        <a:buChar char="•"/>
-        <a:defRPr sz="2055" kern="1200">
-          <a:solidFill>
-            <a:schemeClr val="tx1"/>
-          </a:solidFill>
-          <a:latin typeface="+mn-lt"/>
-          <a:ea typeface="+mn-ea"/>
-          <a:cs typeface="+mn-cs"/>
-        </a:defRPr>
-      </a:lvl4pPr>
-      <a:lvl5pPr marL="2349002" indent="-261001" algn="l" defTabSz="1044000" rtl="0" eaLnBrk="1" latinLnBrk="0" hangingPunct="1">
-        <a:lnSpc>
-          <a:spcPct val="90000"/>
-        </a:lnSpc>
-        <a:spcBef>
-          <a:spcPts val="571"/>
-        </a:spcBef>
-        <a:buFont typeface="Arial" panose="020B0604020202020204" pitchFamily="34" charset="0"/>
-        <a:buChar char="•"/>
-        <a:defRPr sz="2055" kern="1200">
-          <a:solidFill>
-            <a:schemeClr val="tx1"/>
-          </a:solidFill>
-          <a:latin typeface="+mn-lt"/>
-          <a:ea typeface="+mn-ea"/>
-          <a:cs typeface="+mn-cs"/>
-        </a:defRPr>
-      </a:lvl5pPr>
-      <a:lvl6pPr marL="2871002" indent="-261001" algn="l" defTabSz="1044000" rtl="0" eaLnBrk="1" latinLnBrk="0" hangingPunct="1">
-        <a:lnSpc>
-          <a:spcPct val="90000"/>
-        </a:lnSpc>
-        <a:spcBef>
-          <a:spcPts val="571"/>
-        </a:spcBef>
-        <a:buFont typeface="Arial" panose="020B0604020202020204" pitchFamily="34" charset="0"/>
-        <a:buChar char="•"/>
-        <a:defRPr sz="2055" kern="1200">
-          <a:solidFill>
-            <a:schemeClr val="tx1"/>
-          </a:solidFill>
-          <a:latin typeface="+mn-lt"/>
-          <a:ea typeface="+mn-ea"/>
-          <a:cs typeface="+mn-cs"/>
-        </a:defRPr>
-      </a:lvl6pPr>
-      <a:lvl7pPr marL="3393002" indent="-261001" algn="l" defTabSz="1044000" rtl="0" eaLnBrk="1" latinLnBrk="0" hangingPunct="1">
-        <a:lnSpc>
-          <a:spcPct val="90000"/>
-        </a:lnSpc>
-        <a:spcBef>
-          <a:spcPts val="571"/>
-        </a:spcBef>
-        <a:buFont typeface="Arial" panose="020B0604020202020204" pitchFamily="34" charset="0"/>
-        <a:buChar char="•"/>
-        <a:defRPr sz="2055" kern="1200">
-          <a:solidFill>
-            <a:schemeClr val="tx1"/>
-          </a:solidFill>
-          <a:latin typeface="+mn-lt"/>
-          <a:ea typeface="+mn-ea"/>
-          <a:cs typeface="+mn-cs"/>
-        </a:defRPr>
-      </a:lvl7pPr>
-      <a:lvl8pPr marL="3915002" indent="-261001" algn="l" defTabSz="1044000" rtl="0" eaLnBrk="1" latinLnBrk="0" hangingPunct="1">
-        <a:lnSpc>
-          <a:spcPct val="90000"/>
-        </a:lnSpc>
-        <a:spcBef>
-          <a:spcPts val="571"/>
-        </a:spcBef>
-        <a:buFont typeface="Arial" panose="020B0604020202020204" pitchFamily="34" charset="0"/>
-        <a:buChar char="•"/>
-        <a:defRPr sz="2055" kern="1200">
-          <a:solidFill>
-            <a:schemeClr val="tx1"/>
-          </a:solidFill>
-          <a:latin typeface="+mn-lt"/>
-          <a:ea typeface="+mn-ea"/>
-          <a:cs typeface="+mn-cs"/>
-        </a:defRPr>
-      </a:lvl8pPr>
-      <a:lvl9pPr marL="4437003" indent="-261001" algn="l" defTabSz="1044000" rtl="0" eaLnBrk="1" latinLnBrk="0" hangingPunct="1">
-        <a:lnSpc>
-          <a:spcPct val="90000"/>
-        </a:lnSpc>
-        <a:spcBef>
-          <a:spcPts val="571"/>
-        </a:spcBef>
-        <a:buFont typeface="Arial" panose="020B0604020202020204" pitchFamily="34" charset="0"/>
-        <a:buChar char="•"/>
-        <a:defRPr sz="2055" kern="1200">
-          <a:solidFill>
-            <a:schemeClr val="tx1"/>
-          </a:solidFill>
-          <a:latin typeface="+mn-lt"/>
-          <a:ea typeface="+mn-ea"/>
-          <a:cs typeface="+mn-cs"/>
-        </a:defRPr>
-      </a:lvl9pPr>
-    </p:bodyStyle>
-    <p:otherStyle>
-      <a:defPPr>
-        <a:defRPr lang="en-US"/>
-      </a:defPPr>
-      <a:lvl1pPr marL="0" algn="l" defTabSz="1044000" rtl="0" eaLnBrk="1" latinLnBrk="0" hangingPunct="1">
-        <a:defRPr sz="2055" kern="1200">
-          <a:solidFill>
-            <a:schemeClr val="tx1"/>
-          </a:solidFill>
-          <a:latin typeface="+mn-lt"/>
-          <a:ea typeface="+mn-ea"/>
-          <a:cs typeface="+mn-cs"/>
-        </a:defRPr>
-      </a:lvl1pPr>
-      <a:lvl2pPr marL="522000" algn="l" defTabSz="1044000" rtl="0" eaLnBrk="1" latinLnBrk="0" hangingPunct="1">
-        <a:defRPr sz="2055" kern="1200">
-          <a:solidFill>
-            <a:schemeClr val="tx1"/>
-          </a:solidFill>
-          <a:latin typeface="+mn-lt"/>
-          <a:ea typeface="+mn-ea"/>
-          <a:cs typeface="+mn-cs"/>
-        </a:defRPr>
-      </a:lvl2pPr>
-      <a:lvl3pPr marL="1044000" algn="l" defTabSz="1044000" rtl="0" eaLnBrk="1" latinLnBrk="0" hangingPunct="1">
-        <a:defRPr sz="2055" kern="1200">
-          <a:solidFill>
-            <a:schemeClr val="tx1"/>
-          </a:solidFill>
-          <a:latin typeface="+mn-lt"/>
-          <a:ea typeface="+mn-ea"/>
-          <a:cs typeface="+mn-cs"/>
-        </a:defRPr>
-      </a:lvl3pPr>
-      <a:lvl4pPr marL="1566001" algn="l" defTabSz="1044000" rtl="0" eaLnBrk="1" latinLnBrk="0" hangingPunct="1">
-        <a:defRPr sz="2055" kern="1200">
-          <a:solidFill>
-            <a:schemeClr val="tx1"/>
-          </a:solidFill>
-          <a:latin typeface="+mn-lt"/>
-          <a:ea typeface="+mn-ea"/>
-          <a:cs typeface="+mn-cs"/>
-        </a:defRPr>
-      </a:lvl4pPr>
-      <a:lvl5pPr marL="2088001" algn="l" defTabSz="1044000" rtl="0" eaLnBrk="1" latinLnBrk="0" hangingPunct="1">
-        <a:defRPr sz="2055" kern="1200">
-          <a:solidFill>
-            <a:schemeClr val="tx1"/>
-          </a:solidFill>
-          <a:latin typeface="+mn-lt"/>
-          <a:ea typeface="+mn-ea"/>
-          <a:cs typeface="+mn-cs"/>
-        </a:defRPr>
-      </a:lvl5pPr>
-      <a:lvl6pPr marL="2610001" algn="l" defTabSz="1044000" rtl="0" eaLnBrk="1" latinLnBrk="0" hangingPunct="1">
-        <a:defRPr sz="2055" kern="1200">
-          <a:solidFill>
-            <a:schemeClr val="tx1"/>
-          </a:solidFill>
-          <a:latin typeface="+mn-lt"/>
-          <a:ea typeface="+mn-ea"/>
-          <a:cs typeface="+mn-cs"/>
-        </a:defRPr>
-      </a:lvl6pPr>
-      <a:lvl7pPr marL="3132001" algn="l" defTabSz="1044000" rtl="0" eaLnBrk="1" latinLnBrk="0" hangingPunct="1">
-        <a:defRPr sz="2055" kern="1200">
-          <a:solidFill>
-            <a:schemeClr val="tx1"/>
-          </a:solidFill>
-          <a:latin typeface="+mn-lt"/>
-          <a:ea typeface="+mn-ea"/>
-          <a:cs typeface="+mn-cs"/>
-        </a:defRPr>
-      </a:lvl7pPr>
-      <a:lvl8pPr marL="3654002" algn="l" defTabSz="1044000" rtl="0" eaLnBrk="1" latinLnBrk="0" hangingPunct="1">
-        <a:defRPr sz="2055" kern="1200">
-          <a:solidFill>
-            <a:schemeClr val="tx1"/>
-          </a:solidFill>
-          <a:latin typeface="+mn-lt"/>
-          <a:ea typeface="+mn-ea"/>
-          <a:cs typeface="+mn-cs"/>
-        </a:defRPr>
-      </a:lvl8pPr>
-      <a:lvl9pPr marL="4176002" algn="l" defTabSz="1044000" rtl="0" eaLnBrk="1" latinLnBrk="0" hangingPunct="1">
-        <a:defRPr sz="2055" kern="1200">
-          <a:solidFill>
-            <a:schemeClr val="tx1"/>
-          </a:solidFill>
-          <a:latin typeface="+mn-lt"/>
-          <a:ea typeface="+mn-ea"/>
-          <a:cs typeface="+mn-cs"/>
-        </a:defRPr>
-      </a:lvl9pPr>
-    </p:otherStyle>
-  </p:txStyles>
-</p:sldMaster>
-</file>
-
-<file path=ppt/slides/slide1.xml><?xml version="1.0" encoding="utf-8"?>
-<p:sld xmlns:a="http://schemas.openxmlformats.org/drawingml/2006/main" xmlns:r="http://schemas.openxmlformats.org/officeDocument/2006/relationships" xmlns:p="http://schemas.openxmlformats.org/presentationml/2006/main">
-  <p:cSld>
-    <p:spTree>
-      <p:nvGrpSpPr>
-        <p:cNvPr id="1" name=""/>
-        <p:cNvGrpSpPr/>
-        <p:nvPr/>
-      </p:nvGrpSpPr>
-      <p:grpSpPr>
-        <a:xfrm>
-          <a:off x="0" y="0"/>
-          <a:ext cx="0" cy="0"/>
-          <a:chOff x="0" y="0"/>
-          <a:chExt cx="0" cy="0"/>
-        </a:xfrm>
-      </p:grpSpPr>
       <p:grpSp>
         <p:nvGrpSpPr>
-          <p:cNvPr id="45" name="Group 44">
+          <p:cNvPr id="34" name="Group 33">
             <a:extLst>
               <a:ext uri="{FF2B5EF4-FFF2-40B4-BE49-F238E27FC236}">
-                <a16:creationId xmlns:a16="http://schemas.microsoft.com/office/drawing/2014/main" id="{54AD8AC0-0AAD-A3DE-3C7B-D1E87EFC4F69}"/>
+                <a16:creationId xmlns:a16="http://schemas.microsoft.com/office/drawing/2014/main" id="{9D2003FA-A024-1621-2C07-147F415D75F1}"/>
               </a:ext>
             </a:extLst>
           </p:cNvPr>
-          <p:cNvGrpSpPr/>
+          <p:cNvGrpSpPr>
+            <a:grpSpLocks noGrp="1" noUngrp="1" noRot="1" noMove="1" noResize="1"/>
+          </p:cNvGrpSpPr>
           <p:nvPr/>
         </p:nvGrpSpPr>
         <p:grpSpPr>
           <a:xfrm>
-            <a:off x="5332769" y="5174487"/>
-            <a:ext cx="4991458" cy="4979189"/>
-            <a:chOff x="5601878" y="5517510"/>
-            <a:chExt cx="4608922" cy="4608922"/>
+            <a:off x="390075" y="5300036"/>
+            <a:ext cx="3307331" cy="2174777"/>
+            <a:chOff x="458315" y="5695825"/>
+            <a:chExt cx="3307331" cy="2174777"/>
           </a:xfrm>
         </p:grpSpPr>
         <p:pic>
           <p:nvPicPr>
-            <p:cNvPr id="44" name="Picture 43" descr="A polaroid with tape on it&#10;&#10;Description automatically generated">
+            <p:cNvPr id="8" name="Picture 7" descr="A cork board with a wooden frame and colorful magnets&#10;&#10;Description automatically generated">
               <a:extLst>
                 <a:ext uri="{FF2B5EF4-FFF2-40B4-BE49-F238E27FC236}">
-                  <a16:creationId xmlns:a16="http://schemas.microsoft.com/office/drawing/2014/main" id="{B07A6DFC-E3DB-197F-3D27-11E7AFBABB94}"/>
+                  <a16:creationId xmlns:a16="http://schemas.microsoft.com/office/drawing/2014/main" id="{5F90660B-44B7-5A24-A217-EEE567DD2026}"/>
                 </a:ext>
               </a:extLst>
             </p:cNvPr>
             <p:cNvPicPr>
-              <a:picLocks noChangeAspect="1"/>
+              <a:picLocks noGrp="1" noRot="1" noChangeAspect="1" noMove="1" noResize="1" noEditPoints="1" noAdjustHandles="1" noChangeArrowheads="1" noChangeShapeType="1" noCrop="1"/>
             </p:cNvPicPr>
             <p:nvPr/>
           </p:nvPicPr>
           <p:blipFill>
-            <a:blip r:embed="rId3">
+            <a:blip r:embed="rId5">
               <a:extLst>
                 <a:ext uri="{BEBA8EAE-BF5A-486C-A8C5-ECC9F3942E4B}">
                   <a14:imgProps xmlns:a14="http://schemas.microsoft.com/office/drawing/2010/main">
-                    <a14:imgLayer r:embed="rId4">
+                    <a14:imgLayer r:embed="rId6">
+                      <a14:imgEffect>
+                        <a14:artisticCutout/>
+                      </a14:imgEffect>
+                      <a14:imgEffect>
+                        <a14:sharpenSoften amount="25000"/>
+                      </a14:imgEffect>
+                      <a14:imgEffect>
+                        <a14:colorTemperature colorTemp="5900"/>
+                      </a14:imgEffect>
+                      <a14:imgEffect>
+                        <a14:brightnessContrast bright="-20000"/>
+                      </a14:imgEffect>
+                    </a14:imgLayer>
+                  </a14:imgProps>
+                </a:ext>
+                <a:ext uri="{28A0092B-C50C-407E-A947-70E740481C1C}">
+                  <a14:useLocalDpi xmlns:a14="http://schemas.microsoft.com/office/drawing/2010/main" val="0"/>
+                </a:ext>
+              </a:extLst>
+            </a:blip>
+            <a:srcRect l="7799" t="13891" r="28458" b="11922"/>
+            <a:stretch/>
+          </p:blipFill>
+          <p:spPr>
+            <a:xfrm>
+              <a:off x="458315" y="5695825"/>
+              <a:ext cx="3307331" cy="2174777"/>
+            </a:xfrm>
+            <a:prstGeom prst="rect">
+              <a:avLst/>
+            </a:prstGeom>
+          </p:spPr>
+        </p:pic>
+        <p:sp>
+          <p:nvSpPr>
+            <p:cNvPr id="40" name="TextBox 39">
+              <a:extLst>
+                <a:ext uri="{FF2B5EF4-FFF2-40B4-BE49-F238E27FC236}">
+                  <a16:creationId xmlns:a16="http://schemas.microsoft.com/office/drawing/2014/main" id="{9BCE2FD9-89B9-D566-D816-68E7218C91E6}"/>
+                </a:ext>
+              </a:extLst>
+            </p:cNvPr>
+            <p:cNvSpPr txBox="1">
+              <a:spLocks noGrp="1" noRot="1" noMove="1" noResize="1" noEditPoints="1" noAdjustHandles="1" noChangeArrowheads="1" noChangeShapeType="1"/>
+            </p:cNvSpPr>
+            <p:nvPr/>
+          </p:nvSpPr>
+          <p:spPr>
+            <a:xfrm>
+              <a:off x="688343" y="5924433"/>
+              <a:ext cx="2853699" cy="1728000"/>
+            </a:xfrm>
+            <a:prstGeom prst="rect">
+              <a:avLst/>
+            </a:prstGeom>
+            <a:solidFill>
+              <a:schemeClr val="bg1">
+                <a:alpha val="30000"/>
+              </a:schemeClr>
+            </a:solidFill>
+          </p:spPr>
+          <p:txBody>
+            <a:bodyPr wrap="square" lIns="0" tIns="0" rIns="180000" bIns="0" rtlCol="0" anchor="ctr">
+              <a:spAutoFit/>
+            </a:bodyPr>
+            <a:lstStyle/>
+            <a:p>
+              <a:pPr marL="202077" indent="-202077">
+                <a:lnSpc>
+                  <a:spcPct val="150000"/>
+                </a:lnSpc>
+                <a:buSzPct val="200000"/>
+                <a:buBlip>
+                  <a:blip r:embed="rId7"/>
+                </a:buBlip>
+              </a:pPr>
+              <a:r>
+                <a:rPr lang="en-US" sz="1100" dirty="0">
+                  <a:solidFill>
+                    <a:srgbClr val="6A2D14"/>
+                  </a:solidFill>
+                  <a:latin typeface="Elephant" panose="02020904090505020303" pitchFamily="18" charset="0"/>
+                </a:rPr>
+                <a:t>Explore and interact with the house for clues;</a:t>
+              </a:r>
+            </a:p>
+            <a:p>
+              <a:pPr marL="202077" indent="-202077">
+                <a:lnSpc>
+                  <a:spcPct val="150000"/>
+                </a:lnSpc>
+                <a:buSzPct val="200000"/>
+                <a:buBlip>
+                  <a:blip r:embed="rId7"/>
+                </a:buBlip>
+              </a:pPr>
+              <a:r>
+                <a:rPr lang="en-US" sz="1100" dirty="0">
+                  <a:solidFill>
+                    <a:srgbClr val="6A2D14"/>
+                  </a:solidFill>
+                  <a:latin typeface="Elephant" panose="02020904090505020303" pitchFamily="18" charset="0"/>
+                </a:rPr>
+                <a:t>Gather and organize information on a special board;</a:t>
+              </a:r>
+            </a:p>
+            <a:p>
+              <a:pPr marL="202077" indent="-202077">
+                <a:lnSpc>
+                  <a:spcPct val="150000"/>
+                </a:lnSpc>
+                <a:buSzPct val="200000"/>
+                <a:buBlip>
+                  <a:blip r:embed="rId7"/>
+                </a:buBlip>
+              </a:pPr>
+              <a:r>
+                <a:rPr lang="en-US" sz="1100" dirty="0">
+                  <a:solidFill>
+                    <a:srgbClr val="6A2D14"/>
+                  </a:solidFill>
+                  <a:latin typeface="Elephant" panose="02020904090505020303" pitchFamily="18" charset="0"/>
+                </a:rPr>
+                <a:t>Help your friends by communicating with an old transceiver radio.</a:t>
+              </a:r>
+            </a:p>
+          </p:txBody>
+        </p:sp>
+      </p:grpSp>
+      <p:grpSp>
+        <p:nvGrpSpPr>
+          <p:cNvPr id="41" name="Group 40">
+            <a:extLst>
+              <a:ext uri="{FF2B5EF4-FFF2-40B4-BE49-F238E27FC236}">
+                <a16:creationId xmlns:a16="http://schemas.microsoft.com/office/drawing/2014/main" id="{B7DF05CC-855E-814B-C1B9-4B80A5C19E9D}"/>
+              </a:ext>
+            </a:extLst>
+          </p:cNvPr>
+          <p:cNvGrpSpPr>
+            <a:grpSpLocks noGrp="1" noUngrp="1" noRot="1" noMove="1" noResize="1"/>
+          </p:cNvGrpSpPr>
+          <p:nvPr/>
+        </p:nvGrpSpPr>
+        <p:grpSpPr>
+          <a:xfrm>
+            <a:off x="1572195" y="198227"/>
+            <a:ext cx="4919831" cy="2205218"/>
+            <a:chOff x="1572195" y="198227"/>
+            <a:chExt cx="4919831" cy="2205218"/>
+          </a:xfrm>
+        </p:grpSpPr>
+        <p:pic>
+          <p:nvPicPr>
+            <p:cNvPr id="14" name="Picture 13" descr="A yellow and white letter r&#10;&#10;Description automatically generated">
+              <a:extLst>
+                <a:ext uri="{FF2B5EF4-FFF2-40B4-BE49-F238E27FC236}">
+                  <a16:creationId xmlns:a16="http://schemas.microsoft.com/office/drawing/2014/main" id="{F9754DB7-9D36-F2B4-1FC6-97A988D1B404}"/>
+                </a:ext>
+              </a:extLst>
+            </p:cNvPr>
+            <p:cNvPicPr>
+              <a:picLocks noGrp="1" noRot="1" noChangeAspect="1" noMove="1" noResize="1" noEditPoints="1" noAdjustHandles="1" noChangeArrowheads="1" noChangeShapeType="1" noCrop="1"/>
+            </p:cNvPicPr>
+            <p:nvPr/>
+          </p:nvPicPr>
+          <p:blipFill>
+            <a:blip r:embed="rId8">
+              <a:alphaModFix/>
+              <a:duotone>
+                <a:prstClr val="black"/>
+                <a:srgbClr val="704800">
+                  <a:tint val="45000"/>
+                  <a:satMod val="400000"/>
+                </a:srgbClr>
+              </a:duotone>
+              <a:extLst>
+                <a:ext uri="{BEBA8EAE-BF5A-486C-A8C5-ECC9F3942E4B}">
+                  <a14:imgProps xmlns:a14="http://schemas.microsoft.com/office/drawing/2010/main">
+                    <a14:imgLayer r:embed="rId9">
+                      <a14:imgEffect>
+                        <a14:artisticFilmGrain/>
+                      </a14:imgEffect>
+                      <a14:imgEffect>
+                        <a14:sharpenSoften amount="50000"/>
+                      </a14:imgEffect>
+                      <a14:imgEffect>
+                        <a14:colorTemperature colorTemp="11200"/>
+                      </a14:imgEffect>
+                      <a14:imgEffect>
+                        <a14:saturation sat="95000"/>
+                      </a14:imgEffect>
                       <a14:imgEffect>
                         <a14:brightnessContrast contrast="20000"/>
                       </a14:imgEffect>
@@ -4189,14 +4632,13 @@
                 </a:ext>
               </a:extLst>
             </a:blip>
-            <a:stretch>
-              <a:fillRect/>
-            </a:stretch>
+            <a:srcRect r="46147"/>
+            <a:stretch/>
           </p:blipFill>
           <p:spPr>
             <a:xfrm>
-              <a:off x="5601878" y="5517510"/>
-              <a:ext cx="4608922" cy="4608922"/>
+              <a:off x="1572195" y="198227"/>
+              <a:ext cx="4919831" cy="1282037"/>
             </a:xfrm>
             <a:prstGeom prst="rect">
               <a:avLst/>
@@ -4205,302 +4647,10 @@
         </p:pic>
         <p:pic>
           <p:nvPicPr>
-            <p:cNvPr id="42" name="Picture 41" descr="A black box with a cord&#10;&#10;Description automatically generated">
+            <p:cNvPr id="15" name="Picture 14" descr="A yellow and white letter r&#10;&#10;Description automatically generated">
               <a:extLst>
                 <a:ext uri="{FF2B5EF4-FFF2-40B4-BE49-F238E27FC236}">
-                  <a16:creationId xmlns:a16="http://schemas.microsoft.com/office/drawing/2014/main" id="{350B6678-FFA3-E037-5CFE-9778AC74F27B}"/>
-                </a:ext>
-              </a:extLst>
-            </p:cNvPr>
-            <p:cNvPicPr>
-              <a:picLocks noChangeAspect="1"/>
-            </p:cNvPicPr>
-            <p:nvPr/>
-          </p:nvPicPr>
-          <p:blipFill>
-            <a:blip r:embed="rId5">
-              <a:duotone>
-                <a:prstClr val="black"/>
-                <a:srgbClr val="D9C3A5">
-                  <a:tint val="50000"/>
-                  <a:satMod val="180000"/>
-                </a:srgbClr>
-              </a:duotone>
-              <a:extLst>
-                <a:ext uri="{28A0092B-C50C-407E-A947-70E740481C1C}">
-                  <a14:useLocalDpi xmlns:a14="http://schemas.microsoft.com/office/drawing/2010/main" val="0"/>
-                </a:ext>
-              </a:extLst>
-            </a:blip>
-            <a:stretch>
-              <a:fillRect/>
-            </a:stretch>
-          </p:blipFill>
-          <p:spPr>
-            <a:xfrm rot="454892">
-              <a:off x="6911170" y="6595970"/>
-              <a:ext cx="2095795" cy="2045800"/>
-            </a:xfrm>
-            <a:prstGeom prst="rect">
-              <a:avLst/>
-            </a:prstGeom>
-          </p:spPr>
-        </p:pic>
-      </p:grpSp>
-      <p:grpSp>
-        <p:nvGrpSpPr>
-          <p:cNvPr id="39" name="Group 38">
-            <a:extLst>
-              <a:ext uri="{FF2B5EF4-FFF2-40B4-BE49-F238E27FC236}">
-                <a16:creationId xmlns:a16="http://schemas.microsoft.com/office/drawing/2014/main" id="{E379C1FA-8EA1-4C23-047A-56DA6EE61596}"/>
-              </a:ext>
-            </a:extLst>
-          </p:cNvPr>
-          <p:cNvGrpSpPr>
-            <a:grpSpLocks noGrp="1" noUngrp="1" noRot="1" noMove="1" noResize="1"/>
-          </p:cNvGrpSpPr>
-          <p:nvPr/>
-        </p:nvGrpSpPr>
-        <p:grpSpPr>
-          <a:xfrm>
-            <a:off x="1123950" y="-10383"/>
-            <a:ext cx="8410575" cy="4950490"/>
-            <a:chOff x="1123950" y="-10383"/>
-            <a:chExt cx="8410575" cy="4950490"/>
-          </a:xfrm>
-        </p:grpSpPr>
-        <p:grpSp>
-          <p:nvGrpSpPr>
-            <p:cNvPr id="3" name="Group 2">
-              <a:extLst>
-                <a:ext uri="{FF2B5EF4-FFF2-40B4-BE49-F238E27FC236}">
-                  <a16:creationId xmlns:a16="http://schemas.microsoft.com/office/drawing/2014/main" id="{1936B23E-EEC6-ACC6-6B55-9749A16B355A}"/>
-                </a:ext>
-              </a:extLst>
-            </p:cNvPr>
-            <p:cNvGrpSpPr>
-              <a:grpSpLocks noGrp="1" noUngrp="1" noRot="1" noMove="1" noResize="1"/>
-            </p:cNvGrpSpPr>
-            <p:nvPr/>
-          </p:nvGrpSpPr>
-          <p:grpSpPr>
-            <a:xfrm>
-              <a:off x="1123950" y="-10383"/>
-              <a:ext cx="8410575" cy="3955808"/>
-              <a:chOff x="399078" y="53860"/>
-              <a:chExt cx="9672062" cy="4829128"/>
-            </a:xfrm>
-          </p:grpSpPr>
-          <p:pic>
-            <p:nvPicPr>
-              <p:cNvPr id="5" name="Picture 4" descr="A snowy landscape with trees and snow&#10;&#10;Description automatically generated">
-                <a:extLst>
-                  <a:ext uri="{FF2B5EF4-FFF2-40B4-BE49-F238E27FC236}">
-                    <a16:creationId xmlns:a16="http://schemas.microsoft.com/office/drawing/2014/main" id="{95DE7E98-E2A9-4188-058B-35CC1C2777A8}"/>
-                  </a:ext>
-                </a:extLst>
-              </p:cNvPr>
-              <p:cNvPicPr>
-                <a:picLocks noGrp="1" noRot="1" noChangeAspect="1" noMove="1" noResize="1" noEditPoints="1" noAdjustHandles="1" noChangeArrowheads="1" noChangeShapeType="1" noCrop="1"/>
-              </p:cNvPicPr>
-              <p:nvPr/>
-            </p:nvPicPr>
-            <p:blipFill>
-              <a:blip r:embed="rId6">
-                <a:extLst>
-                  <a:ext uri="{28A0092B-C50C-407E-A947-70E740481C1C}">
-                    <a14:useLocalDpi xmlns:a14="http://schemas.microsoft.com/office/drawing/2010/main" val="0"/>
-                  </a:ext>
-                </a:extLst>
-              </a:blip>
-              <a:srcRect l="16131" t="2137" b="-2137"/>
-              <a:stretch/>
-            </p:blipFill>
-            <p:spPr>
-              <a:xfrm>
-                <a:off x="3126535" y="571813"/>
-                <a:ext cx="4238808" cy="4200903"/>
-              </a:xfrm>
-              <a:prstGeom prst="rect">
-                <a:avLst/>
-              </a:prstGeom>
-              <a:ln>
-                <a:noFill/>
-              </a:ln>
-              <a:effectLst>
-                <a:outerShdw blurRad="292100" dist="139700" dir="2700000" algn="tl" rotWithShape="0">
-                  <a:srgbClr val="333333">
-                    <a:alpha val="65000"/>
-                  </a:srgbClr>
-                </a:outerShdw>
-              </a:effectLst>
-            </p:spPr>
-          </p:pic>
-          <p:pic>
-            <p:nvPicPr>
-              <p:cNvPr id="7" name="Picture 6" descr="A window with open windows&#10;&#10;Description automatically generated">
-                <a:extLst>
-                  <a:ext uri="{FF2B5EF4-FFF2-40B4-BE49-F238E27FC236}">
-                    <a16:creationId xmlns:a16="http://schemas.microsoft.com/office/drawing/2014/main" id="{1820E055-41A3-4F23-E3EA-F381B37E6E4C}"/>
-                  </a:ext>
-                </a:extLst>
-              </p:cNvPr>
-              <p:cNvPicPr>
-                <a:picLocks noGrp="1" noRot="1" noChangeAspect="1" noMove="1" noResize="1" noEditPoints="1" noAdjustHandles="1" noChangeArrowheads="1" noChangeShapeType="1" noCrop="1"/>
-              </p:cNvPicPr>
-              <p:nvPr/>
-            </p:nvPicPr>
-            <p:blipFill>
-              <a:blip r:embed="rId7">
-                <a:extLst>
-                  <a:ext uri="{BEBA8EAE-BF5A-486C-A8C5-ECC9F3942E4B}">
-                    <a14:imgProps xmlns:a14="http://schemas.microsoft.com/office/drawing/2010/main">
-                      <a14:imgLayer r:embed="rId8">
-                        <a14:imgEffect>
-                          <a14:artisticCrisscrossEtching/>
-                        </a14:imgEffect>
-                      </a14:imgLayer>
-                    </a14:imgProps>
-                  </a:ext>
-                  <a:ext uri="{28A0092B-C50C-407E-A947-70E740481C1C}">
-                    <a14:useLocalDpi xmlns:a14="http://schemas.microsoft.com/office/drawing/2010/main" val="0"/>
-                  </a:ext>
-                </a:extLst>
-              </a:blip>
-              <a:srcRect l="6022" t="10490" r="6387" b="17022"/>
-              <a:stretch/>
-            </p:blipFill>
-            <p:spPr>
-              <a:xfrm>
-                <a:off x="399078" y="53860"/>
-                <a:ext cx="9672062" cy="4829128"/>
-              </a:xfrm>
-              <a:prstGeom prst="rect">
-                <a:avLst/>
-              </a:prstGeom>
-            </p:spPr>
-          </p:pic>
-          <p:pic>
-            <p:nvPicPr>
-              <p:cNvPr id="14" name="Picture 13" descr="A yellow and white letter r&#10;&#10;Description automatically generated">
-                <a:extLst>
-                  <a:ext uri="{FF2B5EF4-FFF2-40B4-BE49-F238E27FC236}">
-                    <a16:creationId xmlns:a16="http://schemas.microsoft.com/office/drawing/2014/main" id="{F9754DB7-9D36-F2B4-1FC6-97A988D1B404}"/>
-                  </a:ext>
-                </a:extLst>
-              </p:cNvPr>
-              <p:cNvPicPr>
-                <a:picLocks noGrp="1" noRot="1" noChangeAspect="1" noMove="1" noResize="1" noEditPoints="1" noAdjustHandles="1" noChangeArrowheads="1" noChangeShapeType="1" noCrop="1"/>
-              </p:cNvPicPr>
-              <p:nvPr/>
-            </p:nvPicPr>
-            <p:blipFill>
-              <a:blip r:embed="rId9">
-                <a:alphaModFix amt="90000"/>
-                <a:extLst>
-                  <a:ext uri="{BEBA8EAE-BF5A-486C-A8C5-ECC9F3942E4B}">
-                    <a14:imgProps xmlns:a14="http://schemas.microsoft.com/office/drawing/2010/main">
-                      <a14:imgLayer r:embed="rId10">
-                        <a14:imgEffect>
-                          <a14:artisticPlasticWrap/>
-                        </a14:imgEffect>
-                        <a14:imgEffect>
-                          <a14:sharpenSoften amount="-5000"/>
-                        </a14:imgEffect>
-                        <a14:imgEffect>
-                          <a14:colorTemperature colorTemp="11200"/>
-                        </a14:imgEffect>
-                        <a14:imgEffect>
-                          <a14:saturation sat="95000"/>
-                        </a14:imgEffect>
-                        <a14:imgEffect>
-                          <a14:brightnessContrast bright="-5000" contrast="-30000"/>
-                        </a14:imgEffect>
-                      </a14:imgLayer>
-                    </a14:imgProps>
-                  </a:ext>
-                  <a:ext uri="{28A0092B-C50C-407E-A947-70E740481C1C}">
-                    <a14:useLocalDpi xmlns:a14="http://schemas.microsoft.com/office/drawing/2010/main" val="0"/>
-                  </a:ext>
-                </a:extLst>
-              </a:blip>
-              <a:srcRect r="46147"/>
-              <a:stretch/>
-            </p:blipFill>
-            <p:spPr>
-              <a:xfrm>
-                <a:off x="2235314" y="784502"/>
-                <a:ext cx="6482854" cy="1683921"/>
-              </a:xfrm>
-              <a:prstGeom prst="rect">
-                <a:avLst/>
-              </a:prstGeom>
-            </p:spPr>
-          </p:pic>
-          <p:pic>
-            <p:nvPicPr>
-              <p:cNvPr id="15" name="Picture 14" descr="A yellow and white letter r&#10;&#10;Description automatically generated">
-                <a:extLst>
-                  <a:ext uri="{FF2B5EF4-FFF2-40B4-BE49-F238E27FC236}">
-                    <a16:creationId xmlns:a16="http://schemas.microsoft.com/office/drawing/2014/main" id="{0A0B1616-4412-14AA-D9B6-6A5E996CF481}"/>
-                  </a:ext>
-                </a:extLst>
-              </p:cNvPr>
-              <p:cNvPicPr>
-                <a:picLocks noGrp="1" noRot="1" noChangeAspect="1" noMove="1" noResize="1" noEditPoints="1" noAdjustHandles="1" noChangeArrowheads="1" noChangeShapeType="1" noCrop="1"/>
-              </p:cNvPicPr>
-              <p:nvPr/>
-            </p:nvPicPr>
-            <p:blipFill>
-              <a:blip r:embed="rId9">
-                <a:alphaModFix amt="90000"/>
-                <a:extLst>
-                  <a:ext uri="{BEBA8EAE-BF5A-486C-A8C5-ECC9F3942E4B}">
-                    <a14:imgProps xmlns:a14="http://schemas.microsoft.com/office/drawing/2010/main">
-                      <a14:imgLayer r:embed="rId10">
-                        <a14:imgEffect>
-                          <a14:artisticPlasticWrap/>
-                        </a14:imgEffect>
-                        <a14:imgEffect>
-                          <a14:sharpenSoften amount="-5000"/>
-                        </a14:imgEffect>
-                        <a14:imgEffect>
-                          <a14:colorTemperature colorTemp="11200"/>
-                        </a14:imgEffect>
-                        <a14:imgEffect>
-                          <a14:saturation sat="95000"/>
-                        </a14:imgEffect>
-                        <a14:imgEffect>
-                          <a14:brightnessContrast bright="-5000" contrast="-30000"/>
-                        </a14:imgEffect>
-                      </a14:imgLayer>
-                    </a14:imgProps>
-                  </a:ext>
-                  <a:ext uri="{28A0092B-C50C-407E-A947-70E740481C1C}">
-                    <a14:useLocalDpi xmlns:a14="http://schemas.microsoft.com/office/drawing/2010/main" val="0"/>
-                  </a:ext>
-                </a:extLst>
-              </a:blip>
-              <a:srcRect l="57395" r="-1801"/>
-              <a:stretch/>
-            </p:blipFill>
-            <p:spPr>
-              <a:xfrm>
-                <a:off x="2594090" y="2308895"/>
-                <a:ext cx="5345747" cy="1683921"/>
-              </a:xfrm>
-              <a:prstGeom prst="rect">
-                <a:avLst/>
-              </a:prstGeom>
-            </p:spPr>
-          </p:pic>
-        </p:grpSp>
-        <p:pic>
-          <p:nvPicPr>
-            <p:cNvPr id="21" name="Picture 20" descr="A snow icicles on a black background&#10;&#10;Description automatically generated">
-              <a:extLst>
-                <a:ext uri="{FF2B5EF4-FFF2-40B4-BE49-F238E27FC236}">
-                  <a16:creationId xmlns:a16="http://schemas.microsoft.com/office/drawing/2014/main" id="{C251A647-FD7F-2F37-3579-B6B6E1D7CC54}"/>
+                  <a16:creationId xmlns:a16="http://schemas.microsoft.com/office/drawing/2014/main" id="{0A0B1616-4412-14AA-D9B6-6A5E996CF481}"/>
                 </a:ext>
               </a:extLst>
             </p:cNvPr>
@@ -4510,124 +4660,56 @@
             <p:nvPr/>
           </p:nvPicPr>
           <p:blipFill>
-            <a:blip r:embed="rId11">
+            <a:blip r:embed="rId10">
+              <a:alphaModFix/>
+              <a:duotone>
+                <a:prstClr val="black"/>
+                <a:srgbClr val="704800">
+                  <a:tint val="45000"/>
+                  <a:satMod val="400000"/>
+                </a:srgbClr>
+              </a:duotone>
               <a:extLst>
+                <a:ext uri="{BEBA8EAE-BF5A-486C-A8C5-ECC9F3942E4B}">
+                  <a14:imgProps xmlns:a14="http://schemas.microsoft.com/office/drawing/2010/main">
+                    <a14:imgLayer r:embed="rId9">
+                      <a14:imgEffect>
+                        <a14:artisticFilmGrain/>
+                      </a14:imgEffect>
+                      <a14:imgEffect>
+                        <a14:sharpenSoften amount="50000"/>
+                      </a14:imgEffect>
+                      <a14:imgEffect>
+                        <a14:colorTemperature colorTemp="11200"/>
+                      </a14:imgEffect>
+                      <a14:imgEffect>
+                        <a14:saturation sat="95000"/>
+                      </a14:imgEffect>
+                      <a14:imgEffect>
+                        <a14:brightnessContrast contrast="40000"/>
+                      </a14:imgEffect>
+                    </a14:imgLayer>
+                  </a14:imgProps>
+                </a:ext>
                 <a:ext uri="{28A0092B-C50C-407E-A947-70E740481C1C}">
                   <a14:useLocalDpi xmlns:a14="http://schemas.microsoft.com/office/drawing/2010/main" val="0"/>
                 </a:ext>
               </a:extLst>
             </a:blip>
-            <a:srcRect l="32197" b="64199"/>
+            <a:srcRect l="57395" r="-1801"/>
             <a:stretch/>
           </p:blipFill>
           <p:spPr>
             <a:xfrm>
-              <a:off x="2923388" y="3140095"/>
-              <a:ext cx="4906162" cy="1800012"/>
+              <a:off x="2116705" y="1210061"/>
+              <a:ext cx="3776347" cy="1193384"/>
             </a:xfrm>
             <a:prstGeom prst="rect">
               <a:avLst/>
             </a:prstGeom>
           </p:spPr>
         </p:pic>
-        <p:sp>
-          <p:nvSpPr>
-            <p:cNvPr id="26" name="TextBox 25">
-              <a:extLst>
-                <a:ext uri="{FF2B5EF4-FFF2-40B4-BE49-F238E27FC236}">
-                  <a16:creationId xmlns:a16="http://schemas.microsoft.com/office/drawing/2014/main" id="{6C10B31F-E4F9-5DED-8C17-BB0A8AB1A19F}"/>
-                </a:ext>
-              </a:extLst>
-            </p:cNvPr>
-            <p:cNvSpPr txBox="1">
-              <a:spLocks noGrp="1" noRot="1" noMove="1" noResize="1" noEditPoints="1" noAdjustHandles="1" noChangeArrowheads="1" noChangeShapeType="1"/>
-            </p:cNvSpPr>
-            <p:nvPr/>
-          </p:nvSpPr>
-          <p:spPr>
-            <a:xfrm>
-              <a:off x="3150767" y="3501119"/>
-              <a:ext cx="4320624" cy="560153"/>
-            </a:xfrm>
-            <a:prstGeom prst="rect">
-              <a:avLst/>
-            </a:prstGeom>
-            <a:noFill/>
-          </p:spPr>
-          <p:txBody>
-            <a:bodyPr wrap="square" rtlCol="0">
-              <a:spAutoFit/>
-            </a:bodyPr>
-            <a:lstStyle/>
-            <a:p>
-              <a:pPr indent="-216000" algn="ctr">
-                <a:lnSpc>
-                  <a:spcPct val="80000"/>
-                </a:lnSpc>
-              </a:pPr>
-              <a:r>
-                <a:rPr lang="en-GB" sz="1900" dirty="0">
-                  <a:solidFill>
-                    <a:srgbClr val="6E2D0C"/>
-                  </a:solidFill>
-                  <a:latin typeface="Logger" panose="02000505020000020004" pitchFamily="2" charset="0"/>
-                </a:rPr>
-                <a:t>Trapped in a storm, your mind is the only way out</a:t>
-              </a:r>
-            </a:p>
-          </p:txBody>
-        </p:sp>
       </p:grpSp>
-      <p:pic>
-        <p:nvPicPr>
-          <p:cNvPr id="8" name="Picture 7" descr="A cork board with a wooden frame and colorful magnets&#10;&#10;Description automatically generated">
-            <a:extLst>
-              <a:ext uri="{FF2B5EF4-FFF2-40B4-BE49-F238E27FC236}">
-                <a16:creationId xmlns:a16="http://schemas.microsoft.com/office/drawing/2014/main" id="{5F90660B-44B7-5A24-A217-EEE567DD2026}"/>
-              </a:ext>
-            </a:extLst>
-          </p:cNvPr>
-          <p:cNvPicPr>
-            <a:picLocks noGrp="1" noRot="1" noChangeAspect="1" noMove="1" noResize="1" noEditPoints="1" noAdjustHandles="1" noChangeArrowheads="1" noChangeShapeType="1" noCrop="1"/>
-          </p:cNvPicPr>
-          <p:nvPr/>
-        </p:nvPicPr>
-        <p:blipFill>
-          <a:blip r:embed="rId12">
-            <a:extLst>
-              <a:ext uri="{BEBA8EAE-BF5A-486C-A8C5-ECC9F3942E4B}">
-                <a14:imgProps xmlns:a14="http://schemas.microsoft.com/office/drawing/2010/main">
-                  <a14:imgLayer r:embed="rId13">
-                    <a14:imgEffect>
-                      <a14:artisticCutout/>
-                    </a14:imgEffect>
-                    <a14:imgEffect>
-                      <a14:sharpenSoften amount="25000"/>
-                    </a14:imgEffect>
-                    <a14:imgEffect>
-                      <a14:colorTemperature colorTemp="5900"/>
-                    </a14:imgEffect>
-                  </a14:imgLayer>
-                </a14:imgProps>
-              </a:ext>
-              <a:ext uri="{28A0092B-C50C-407E-A947-70E740481C1C}">
-                <a14:useLocalDpi xmlns:a14="http://schemas.microsoft.com/office/drawing/2010/main" val="0"/>
-              </a:ext>
-            </a:extLst>
-          </a:blip>
-          <a:srcRect l="7799" t="13891" r="28458" b="11922"/>
-          <a:stretch/>
-        </p:blipFill>
-        <p:spPr>
-          <a:xfrm>
-            <a:off x="359952" y="5897602"/>
-            <a:ext cx="5431247" cy="4284076"/>
-          </a:xfrm>
-          <a:prstGeom prst="rect">
-            <a:avLst/>
-          </a:prstGeom>
-        </p:spPr>
-      </p:pic>
       <p:pic>
         <p:nvPicPr>
           <p:cNvPr id="19" name="Picture 18" descr="A logo with a black background&#10;&#10;Description automatically generated">
@@ -4643,15 +4725,25 @@
           <p:nvPr/>
         </p:nvPicPr>
         <p:blipFill>
-          <a:blip r:embed="rId14">
-            <a:duotone>
-              <a:prstClr val="black"/>
-              <a:schemeClr val="accent2">
-                <a:tint val="45000"/>
-                <a:satMod val="400000"/>
-              </a:schemeClr>
-            </a:duotone>
+          <a:blip r:embed="rId11">
+            <a:biLevel thresh="75000"/>
+            <a:alphaModFix/>
             <a:extLst>
+              <a:ext uri="{BEBA8EAE-BF5A-486C-A8C5-ECC9F3942E4B}">
+                <a14:imgProps xmlns:a14="http://schemas.microsoft.com/office/drawing/2010/main">
+                  <a14:imgLayer r:embed="rId12">
+                    <a14:imgEffect>
+                      <a14:artisticMarker/>
+                    </a14:imgEffect>
+                    <a14:imgEffect>
+                      <a14:sharpenSoften amount="50000"/>
+                    </a14:imgEffect>
+                    <a14:imgEffect>
+                      <a14:brightnessContrast bright="-40000" contrast="-40000"/>
+                    </a14:imgEffect>
+                  </a14:imgLayer>
+                </a14:imgProps>
+              </a:ext>
               <a:ext uri="{28A0092B-C50C-407E-A947-70E740481C1C}">
                 <a14:useLocalDpi xmlns:a14="http://schemas.microsoft.com/office/drawing/2010/main" val="0"/>
               </a:ext>
@@ -4663,52 +4755,8 @@
         </p:blipFill>
         <p:spPr>
           <a:xfrm>
-            <a:off x="9429751" y="14147817"/>
-            <a:ext cx="1009650" cy="1009650"/>
-          </a:xfrm>
-          <a:prstGeom prst="rect">
-            <a:avLst/>
-          </a:prstGeom>
-        </p:spPr>
-      </p:pic>
-      <p:pic>
-        <p:nvPicPr>
-          <p:cNvPr id="33" name="Picture 32" descr="A rope wrapped around a circle&#10;&#10;Description automatically generated">
-            <a:extLst>
-              <a:ext uri="{FF2B5EF4-FFF2-40B4-BE49-F238E27FC236}">
-                <a16:creationId xmlns:a16="http://schemas.microsoft.com/office/drawing/2014/main" id="{0874A626-7FA0-24E2-96C0-47A7BC1A8EFD}"/>
-              </a:ext>
-            </a:extLst>
-          </p:cNvPr>
-          <p:cNvPicPr>
-            <a:picLocks noChangeAspect="1"/>
-          </p:cNvPicPr>
-          <p:nvPr/>
-        </p:nvPicPr>
-        <p:blipFill>
-          <a:blip r:embed="rId15">
-            <a:extLst>
-              <a:ext uri="{BEBA8EAE-BF5A-486C-A8C5-ECC9F3942E4B}">
-                <a14:imgProps xmlns:a14="http://schemas.microsoft.com/office/drawing/2010/main">
-                  <a14:imgLayer r:embed="rId16">
-                    <a14:imgEffect>
-                      <a14:artisticCutout/>
-                    </a14:imgEffect>
-                  </a14:imgLayer>
-                </a14:imgProps>
-              </a:ext>
-              <a:ext uri="{28A0092B-C50C-407E-A947-70E740481C1C}">
-                <a14:useLocalDpi xmlns:a14="http://schemas.microsoft.com/office/drawing/2010/main" val="0"/>
-              </a:ext>
-            </a:extLst>
-          </a:blip>
-          <a:srcRect l="16654" t="29316" r="15515" b="25861"/>
-          <a:stretch/>
-        </p:blipFill>
-        <p:spPr>
-          <a:xfrm rot="21166828">
-            <a:off x="7269576" y="13041987"/>
-            <a:ext cx="2348693" cy="1526661"/>
+            <a:off x="6634168" y="9848588"/>
+            <a:ext cx="889230" cy="889230"/>
           </a:xfrm>
           <a:prstGeom prst="rect">
             <a:avLst/>
@@ -4731,13 +4779,15 @@
         </p:nvSpPr>
         <p:spPr>
           <a:xfrm>
-            <a:off x="372347" y="14574759"/>
-            <a:ext cx="8924053" cy="332014"/>
+            <a:off x="420221" y="10391259"/>
+            <a:ext cx="6104404" cy="215444"/>
           </a:xfrm>
           <a:prstGeom prst="rect">
             <a:avLst/>
           </a:prstGeom>
-          <a:noFill/>
+          <a:solidFill>
+            <a:srgbClr val="5C4731"/>
+          </a:solidFill>
         </p:spPr>
         <p:txBody>
           <a:bodyPr wrap="square" rtlCol="0" anchor="ctr">
@@ -4745,31 +4795,21 @@
           </a:bodyPr>
           <a:lstStyle/>
           <a:p>
-            <a:pPr algn="just">
-              <a:lnSpc>
-                <a:spcPct val="150000"/>
-              </a:lnSpc>
-            </a:pPr>
-            <a:r>
-              <a:rPr lang="pt-PT" sz="1200" b="1" dirty="0">
+            <a:pPr algn="just"/>
+            <a:r>
+              <a:rPr lang="pt-PT" sz="800" b="1" dirty="0">
                 <a:solidFill>
-                  <a:schemeClr val="tx1">
-                    <a:lumMod val="95000"/>
-                    <a:lumOff val="5000"/>
-                  </a:schemeClr>
+                  <a:schemeClr val="bg1"/>
                 </a:solidFill>
                 <a:latin typeface="Verdana" panose="020B0604030504040204" pitchFamily="34" charset="0"/>
                 <a:ea typeface="Verdana" panose="020B0604030504040204" pitchFamily="34" charset="0"/>
                 <a:cs typeface="Courier New" panose="02070309020205020404" pitchFamily="49" charset="0"/>
               </a:rPr>
-              <a:t>Alexandre Teixeira	    André Sebastião 	  Daniela Peixoto	Rodrigo Pires	   Vitor Daniel </a:t>
-            </a:r>
-            <a:endParaRPr lang="en-GB" sz="1200" b="1" dirty="0">
+              <a:t>Alexandre Teixeira	    André Sebastião 	  Daniela Peixoto	Rodrigo Pires	     Vitor Daniel</a:t>
+            </a:r>
+            <a:endParaRPr lang="en-GB" sz="800" b="1" dirty="0">
               <a:solidFill>
-                <a:schemeClr val="tx1">
-                  <a:lumMod val="95000"/>
-                  <a:lumOff val="5000"/>
-                </a:schemeClr>
+                <a:schemeClr val="bg1"/>
               </a:solidFill>
               <a:latin typeface="Verdana" panose="020B0604030504040204" pitchFamily="34" charset="0"/>
               <a:ea typeface="Verdana" panose="020B0604030504040204" pitchFamily="34" charset="0"/>
@@ -4777,195 +4817,12 @@
           </a:p>
         </p:txBody>
       </p:sp>
-      <p:sp>
-        <p:nvSpPr>
-          <p:cNvPr id="30" name="TextBox 29">
+      <p:grpSp>
+        <p:nvGrpSpPr>
+          <p:cNvPr id="28" name="Group 27">
             <a:extLst>
               <a:ext uri="{FF2B5EF4-FFF2-40B4-BE49-F238E27FC236}">
-                <a16:creationId xmlns:a16="http://schemas.microsoft.com/office/drawing/2014/main" id="{FC183961-35D6-C4EB-ED18-B8594474E3F6}"/>
-              </a:ext>
-            </a:extLst>
-          </p:cNvPr>
-          <p:cNvSpPr txBox="1">
-            <a:spLocks/>
-          </p:cNvSpPr>
-          <p:nvPr/>
-        </p:nvSpPr>
-        <p:spPr>
-          <a:xfrm>
-            <a:off x="372348" y="4823048"/>
-            <a:ext cx="9744112" cy="797078"/>
-          </a:xfrm>
-          <a:prstGeom prst="rect">
-            <a:avLst/>
-          </a:prstGeom>
-          <a:solidFill>
-            <a:schemeClr val="bg1">
-              <a:alpha val="55000"/>
-            </a:schemeClr>
-          </a:solidFill>
-        </p:spPr>
-        <p:txBody>
-          <a:bodyPr wrap="square" rtlCol="0">
-            <a:spAutoFit/>
-          </a:bodyPr>
-          <a:lstStyle/>
-          <a:p>
-            <a:pPr algn="just">
-              <a:lnSpc>
-                <a:spcPct val="150000"/>
-              </a:lnSpc>
-            </a:pPr>
-            <a:r>
-              <a:rPr lang="en-GB" sz="1600" dirty="0">
-                <a:ln w="0">
-                  <a:noFill/>
-                </a:ln>
-                <a:solidFill>
-                  <a:srgbClr val="5C4731"/>
-                </a:solidFill>
-                <a:latin typeface="Elephant" panose="02020904090505020303" pitchFamily="18" charset="0"/>
-                <a:ea typeface="Verdana" panose="020B0604030504040204" pitchFamily="34" charset="0"/>
-              </a:rPr>
-              <a:t>Stuck in a log cabin in the middle of a snowstorm, it's up to you to coordinate with your team and escape together.</a:t>
-            </a:r>
-          </a:p>
-        </p:txBody>
-      </p:sp>
-      <p:sp>
-        <p:nvSpPr>
-          <p:cNvPr id="40" name="TextBox 39">
-            <a:extLst>
-              <a:ext uri="{FF2B5EF4-FFF2-40B4-BE49-F238E27FC236}">
-                <a16:creationId xmlns:a16="http://schemas.microsoft.com/office/drawing/2014/main" id="{9BCE2FD9-89B9-D566-D816-68E7218C91E6}"/>
-              </a:ext>
-            </a:extLst>
-          </p:cNvPr>
-          <p:cNvSpPr txBox="1">
-            <a:spLocks noGrp="1" noRot="1" noMove="1" noResize="1" noEditPoints="1" noAdjustHandles="1" noChangeArrowheads="1" noChangeShapeType="1"/>
-          </p:cNvSpPr>
-          <p:nvPr/>
-        </p:nvSpPr>
-        <p:spPr>
-          <a:xfrm>
-            <a:off x="715288" y="6349015"/>
-            <a:ext cx="4686299" cy="3428567"/>
-          </a:xfrm>
-          <a:prstGeom prst="rect">
-            <a:avLst/>
-          </a:prstGeom>
-          <a:solidFill>
-            <a:schemeClr val="bg1">
-              <a:alpha val="30000"/>
-            </a:schemeClr>
-          </a:solidFill>
-        </p:spPr>
-        <p:txBody>
-          <a:bodyPr wrap="square" rtlCol="0">
-            <a:spAutoFit/>
-          </a:bodyPr>
-          <a:lstStyle/>
-          <a:p>
-            <a:pPr>
-              <a:lnSpc>
-                <a:spcPct val="150000"/>
-              </a:lnSpc>
-            </a:pPr>
-            <a:r>
-              <a:rPr lang="en-US" u="sng" dirty="0">
-                <a:solidFill>
-                  <a:srgbClr val="5C4731"/>
-                </a:solidFill>
-                <a:latin typeface="Elephant" panose="02020904090505020303" pitchFamily="18" charset="0"/>
-              </a:rPr>
-              <a:t>Key Mechanics:</a:t>
-            </a:r>
-          </a:p>
-          <a:p>
-            <a:pPr marL="285750" indent="-285750">
-              <a:lnSpc>
-                <a:spcPct val="150000"/>
-              </a:lnSpc>
-              <a:buSzPct val="200000"/>
-              <a:buBlip>
-                <a:blip r:embed="rId17"/>
-              </a:buBlip>
-            </a:pPr>
-            <a:r>
-              <a:rPr lang="en-US" sz="1600" dirty="0">
-                <a:solidFill>
-                  <a:srgbClr val="5C4731"/>
-                </a:solidFill>
-                <a:latin typeface="Elephant" panose="02020904090505020303" pitchFamily="18" charset="0"/>
-              </a:rPr>
-              <a:t>Walk and interact with a large variety of objects around the house</a:t>
-            </a:r>
-          </a:p>
-          <a:p>
-            <a:pPr marL="285750" indent="-285750">
-              <a:lnSpc>
-                <a:spcPct val="150000"/>
-              </a:lnSpc>
-              <a:buSzPct val="200000"/>
-              <a:buBlip>
-                <a:blip r:embed="rId17"/>
-              </a:buBlip>
-            </a:pPr>
-            <a:r>
-              <a:rPr lang="en-US" sz="1600" dirty="0">
-                <a:solidFill>
-                  <a:srgbClr val="5C4731"/>
-                </a:solidFill>
-                <a:latin typeface="Elephant" panose="02020904090505020303" pitchFamily="18" charset="0"/>
-              </a:rPr>
-              <a:t>Gather information and pictures around the house and organize them in a cork board;</a:t>
-            </a:r>
-          </a:p>
-          <a:p>
-            <a:pPr marL="285750" indent="-285750">
-              <a:lnSpc>
-                <a:spcPct val="150000"/>
-              </a:lnSpc>
-              <a:buSzPct val="200000"/>
-              <a:buBlip>
-                <a:blip r:embed="rId17"/>
-              </a:buBlip>
-            </a:pPr>
-            <a:r>
-              <a:rPr lang="en-US" sz="1600" dirty="0">
-                <a:solidFill>
-                  <a:srgbClr val="5C4731"/>
-                </a:solidFill>
-                <a:latin typeface="Elephant" panose="02020904090505020303" pitchFamily="18" charset="0"/>
-              </a:rPr>
-              <a:t>Use a transceiver radio to talk to your friends and help them;</a:t>
-            </a:r>
-            <a:br>
-              <a:rPr lang="en-US" sz="1200" dirty="0">
-                <a:solidFill>
-                  <a:srgbClr val="5C4731"/>
-                </a:solidFill>
-                <a:latin typeface="Elephant" panose="02020904090505020303" pitchFamily="18" charset="0"/>
-              </a:rPr>
-            </a:br>
-            <a:r>
-              <a:rPr lang="en-US" sz="1200" dirty="0">
-                <a:solidFill>
-                  <a:srgbClr val="5C4731"/>
-                </a:solidFill>
-                <a:latin typeface="Elephant" panose="02020904090505020303" pitchFamily="18" charset="0"/>
-              </a:rPr>
-              <a:t> </a:t>
-            </a:r>
-          </a:p>
-        </p:txBody>
-      </p:sp>
-      <p:grpSp>
-        <p:nvGrpSpPr>
-          <p:cNvPr id="46" name="Group 45">
-            <a:extLst>
-              <a:ext uri="{FF2B5EF4-FFF2-40B4-BE49-F238E27FC236}">
-                <a16:creationId xmlns:a16="http://schemas.microsoft.com/office/drawing/2014/main" id="{8D363A0D-C824-9474-7400-473081060E91}"/>
+                <a16:creationId xmlns:a16="http://schemas.microsoft.com/office/drawing/2014/main" id="{2AFBA9E0-6705-53D6-ECA1-107B4822E66B}"/>
               </a:ext>
             </a:extLst>
           </p:cNvPr>
@@ -4976,18 +4833,80 @@
         </p:nvGrpSpPr>
         <p:grpSpPr>
           <a:xfrm>
-            <a:off x="2885288" y="8838096"/>
-            <a:ext cx="7482185" cy="5433995"/>
-            <a:chOff x="2885288" y="8838096"/>
-            <a:chExt cx="7482185" cy="5433995"/>
+            <a:off x="-596430" y="8732811"/>
+            <a:ext cx="3344463" cy="1949326"/>
+            <a:chOff x="-596430" y="8732811"/>
+            <a:chExt cx="3344463" cy="1949326"/>
           </a:xfrm>
         </p:grpSpPr>
+        <p:pic>
+          <p:nvPicPr>
+            <p:cNvPr id="50" name="Picture 49" descr="A black background with white lines&#10;&#10;Description automatically generated">
+              <a:extLst>
+                <a:ext uri="{FF2B5EF4-FFF2-40B4-BE49-F238E27FC236}">
+                  <a16:creationId xmlns:a16="http://schemas.microsoft.com/office/drawing/2014/main" id="{04CC557E-822C-8183-9BBA-D3514449C2E4}"/>
+                </a:ext>
+              </a:extLst>
+            </p:cNvPr>
+            <p:cNvPicPr>
+              <a:picLocks noGrp="1" noRot="1" noChangeAspect="1" noMove="1" noResize="1" noEditPoints="1" noAdjustHandles="1" noChangeArrowheads="1" noChangeShapeType="1" noCrop="1"/>
+            </p:cNvPicPr>
+            <p:nvPr/>
+          </p:nvPicPr>
+          <p:blipFill>
+            <a:blip r:embed="rId13">
+              <a:duotone>
+                <a:prstClr val="black"/>
+                <a:schemeClr val="accent2">
+                  <a:tint val="45000"/>
+                  <a:satMod val="400000"/>
+                </a:schemeClr>
+              </a:duotone>
+              <a:alphaModFix amt="70000"/>
+              <a:extLst>
+                <a:ext uri="{BEBA8EAE-BF5A-486C-A8C5-ECC9F3942E4B}">
+                  <a14:imgProps xmlns:a14="http://schemas.microsoft.com/office/drawing/2010/main">
+                    <a14:imgLayer r:embed="rId14">
+                      <a14:imgEffect>
+                        <a14:artisticLineDrawing/>
+                      </a14:imgEffect>
+                      <a14:imgEffect>
+                        <a14:sharpenSoften amount="50000"/>
+                      </a14:imgEffect>
+                      <a14:imgEffect>
+                        <a14:colorTemperature colorTemp="11200"/>
+                      </a14:imgEffect>
+                      <a14:imgEffect>
+                        <a14:brightnessContrast bright="40000" contrast="40000"/>
+                      </a14:imgEffect>
+                    </a14:imgLayer>
+                  </a14:imgProps>
+                </a:ext>
+                <a:ext uri="{28A0092B-C50C-407E-A947-70E740481C1C}">
+                  <a14:useLocalDpi xmlns:a14="http://schemas.microsoft.com/office/drawing/2010/main" val="0"/>
+                </a:ext>
+              </a:extLst>
+            </a:blip>
+            <a:stretch>
+              <a:fillRect/>
+            </a:stretch>
+          </p:blipFill>
+          <p:spPr>
+            <a:xfrm rot="3457033" flipH="1">
+              <a:off x="-552559" y="9354031"/>
+              <a:ext cx="1284235" cy="1371978"/>
+            </a:xfrm>
+            <a:prstGeom prst="rect">
+              <a:avLst/>
+            </a:prstGeom>
+          </p:spPr>
+        </p:pic>
         <p:grpSp>
           <p:nvGrpSpPr>
-            <p:cNvPr id="38" name="Group 37">
+            <p:cNvPr id="27" name="Group 26">
               <a:extLst>
                 <a:ext uri="{FF2B5EF4-FFF2-40B4-BE49-F238E27FC236}">
-                  <a16:creationId xmlns:a16="http://schemas.microsoft.com/office/drawing/2014/main" id="{C0991C7C-1FB3-3B68-6002-77244F5E0B93}"/>
+                  <a16:creationId xmlns:a16="http://schemas.microsoft.com/office/drawing/2014/main" id="{36467F37-3D3C-04AC-C1D5-25363DC6D8DC}"/>
                 </a:ext>
               </a:extLst>
             </p:cNvPr>
@@ -4998,18 +4917,18 @@
           </p:nvGrpSpPr>
           <p:grpSpPr>
             <a:xfrm>
-              <a:off x="2885288" y="9363655"/>
-              <a:ext cx="7482185" cy="4908436"/>
-              <a:chOff x="2885288" y="9363655"/>
-              <a:chExt cx="7482185" cy="4908436"/>
+              <a:off x="303819" y="8732811"/>
+              <a:ext cx="2444214" cy="1284236"/>
+              <a:chOff x="303819" y="8732811"/>
+              <a:chExt cx="2444214" cy="1284236"/>
             </a:xfrm>
           </p:grpSpPr>
           <p:pic>
             <p:nvPicPr>
-              <p:cNvPr id="9" name="Picture 8" descr="A yellow backpack with brown straps&#10;&#10;Description automatically generated">
+              <p:cNvPr id="51" name="Picture 50" descr="A black background with white lines&#10;&#10;Description automatically generated">
                 <a:extLst>
                   <a:ext uri="{FF2B5EF4-FFF2-40B4-BE49-F238E27FC236}">
-                    <a16:creationId xmlns:a16="http://schemas.microsoft.com/office/drawing/2014/main" id="{8DF35568-F266-BC1B-C01C-8EBE2CB9C070}"/>
+                    <a16:creationId xmlns:a16="http://schemas.microsoft.com/office/drawing/2014/main" id="{5DCF4922-884A-5806-2436-58DE6F073597}"/>
                   </a:ext>
                 </a:extLst>
               </p:cNvPr>
@@ -5019,23 +4938,30 @@
               <p:nvPr/>
             </p:nvPicPr>
             <p:blipFill>
-              <a:blip r:embed="rId18">
-                <a:alphaModFix/>
+              <a:blip r:embed="rId13">
+                <a:duotone>
+                  <a:prstClr val="black"/>
+                  <a:schemeClr val="accent2">
+                    <a:tint val="45000"/>
+                    <a:satMod val="400000"/>
+                  </a:schemeClr>
+                </a:duotone>
+                <a:alphaModFix amt="70000"/>
                 <a:extLst>
                   <a:ext uri="{BEBA8EAE-BF5A-486C-A8C5-ECC9F3942E4B}">
                     <a14:imgProps xmlns:a14="http://schemas.microsoft.com/office/drawing/2010/main">
-                      <a14:imgLayer r:embed="rId19">
+                      <a14:imgLayer r:embed="rId14">
                         <a14:imgEffect>
-                          <a14:artisticCutout trans="10000" numberOfShades="1"/>
+                          <a14:artisticLineDrawing/>
                         </a14:imgEffect>
                         <a14:imgEffect>
-                          <a14:sharpenSoften amount="-50000"/>
+                          <a14:sharpenSoften amount="50000"/>
                         </a14:imgEffect>
                         <a14:imgEffect>
-                          <a14:colorTemperature colorTemp="4700"/>
+                          <a14:colorTemperature colorTemp="11200"/>
                         </a14:imgEffect>
                         <a14:imgEffect>
-                          <a14:brightnessContrast bright="-20000" contrast="40000"/>
+                          <a14:brightnessContrast bright="40000" contrast="40000"/>
                         </a14:imgEffect>
                       </a14:imgLayer>
                     </a14:imgProps>
@@ -5050,9 +4976,9 @@
               </a:stretch>
             </p:blipFill>
             <p:spPr>
-              <a:xfrm flipH="1">
-                <a:off x="2885288" y="11428552"/>
-                <a:ext cx="2334054" cy="2302289"/>
+              <a:xfrm rot="3457033" flipH="1">
+                <a:off x="347690" y="8688940"/>
+                <a:ext cx="1284235" cy="1371978"/>
               </a:xfrm>
               <a:prstGeom prst="rect">
                 <a:avLst/>
@@ -5061,10 +4987,10 @@
           </p:pic>
           <p:pic>
             <p:nvPicPr>
-              <p:cNvPr id="24" name="Picture 23" descr="A wooden box with a cross on it&#10;&#10;Description automatically generated">
+              <p:cNvPr id="16" name="Picture 15" descr="A black background with white lines&#10;&#10;Description automatically generated">
                 <a:extLst>
                   <a:ext uri="{FF2B5EF4-FFF2-40B4-BE49-F238E27FC236}">
-                    <a16:creationId xmlns:a16="http://schemas.microsoft.com/office/drawing/2014/main" id="{66953BA4-7D10-25E7-B1C3-05F02BA8EEDE}"/>
+                    <a16:creationId xmlns:a16="http://schemas.microsoft.com/office/drawing/2014/main" id="{8325C268-740B-1E3C-16F5-53555A267086}"/>
                   </a:ext>
                 </a:extLst>
               </p:cNvPr>
@@ -5074,19 +5000,30 @@
               <p:nvPr/>
             </p:nvPicPr>
             <p:blipFill>
-              <a:blip r:embed="rId20">
+              <a:blip r:embed="rId13">
+                <a:duotone>
+                  <a:prstClr val="black"/>
+                  <a:schemeClr val="accent2">
+                    <a:tint val="45000"/>
+                    <a:satMod val="400000"/>
+                  </a:schemeClr>
+                </a:duotone>
+                <a:alphaModFix amt="70000"/>
                 <a:extLst>
                   <a:ext uri="{BEBA8EAE-BF5A-486C-A8C5-ECC9F3942E4B}">
                     <a14:imgProps xmlns:a14="http://schemas.microsoft.com/office/drawing/2010/main">
-                      <a14:imgLayer r:embed="rId21">
+                      <a14:imgLayer r:embed="rId14">
                         <a14:imgEffect>
-                          <a14:artisticPhotocopy/>
+                          <a14:artisticLineDrawing/>
                         </a14:imgEffect>
                         <a14:imgEffect>
-                          <a14:sharpenSoften amount="-50000"/>
+                          <a14:sharpenSoften amount="50000"/>
                         </a14:imgEffect>
                         <a14:imgEffect>
-                          <a14:brightnessContrast bright="-40000" contrast="40000"/>
+                          <a14:colorTemperature colorTemp="11200"/>
+                        </a14:imgEffect>
+                        <a14:imgEffect>
+                          <a14:brightnessContrast bright="40000" contrast="40000"/>
                         </a14:imgEffect>
                       </a14:imgLayer>
                     </a14:imgProps>
@@ -5101,273 +5038,9 @@
               </a:stretch>
             </p:blipFill>
             <p:spPr>
-              <a:xfrm>
-                <a:off x="6091485" y="9563357"/>
-                <a:ext cx="4275988" cy="3983472"/>
-              </a:xfrm>
-              <a:prstGeom prst="rect">
-                <a:avLst/>
-              </a:prstGeom>
-            </p:spPr>
-          </p:pic>
-          <p:sp>
-            <p:nvSpPr>
-              <p:cNvPr id="37" name="TextBox 36">
-                <a:extLst>
-                  <a:ext uri="{FF2B5EF4-FFF2-40B4-BE49-F238E27FC236}">
-                    <a16:creationId xmlns:a16="http://schemas.microsoft.com/office/drawing/2014/main" id="{B22AA99F-3D0A-7004-EDFA-FB2377D995CB}"/>
-                  </a:ext>
-                </a:extLst>
-              </p:cNvPr>
-              <p:cNvSpPr txBox="1">
-                <a:spLocks noGrp="1" noRot="1" noMove="1" noResize="1" noEditPoints="1" noAdjustHandles="1" noChangeArrowheads="1" noChangeShapeType="1"/>
-              </p:cNvSpPr>
-              <p:nvPr/>
-            </p:nvSpPr>
-            <p:spPr>
-              <a:xfrm>
-                <a:off x="6591301" y="10662813"/>
-                <a:ext cx="3267074" cy="2433167"/>
-              </a:xfrm>
-              <a:prstGeom prst="rect">
-                <a:avLst/>
-              </a:prstGeom>
-              <a:solidFill>
-                <a:schemeClr val="bg1">
-                  <a:alpha val="55000"/>
-                </a:schemeClr>
-              </a:solidFill>
-            </p:spPr>
-            <p:txBody>
-              <a:bodyPr wrap="square" rtlCol="0">
-                <a:spAutoFit/>
-              </a:bodyPr>
-              <a:lstStyle/>
-              <a:p>
-                <a:pPr>
-                  <a:lnSpc>
-                    <a:spcPct val="150000"/>
-                  </a:lnSpc>
-                </a:pPr>
-                <a:r>
-                  <a:rPr lang="en-GB" dirty="0">
-                    <a:solidFill>
-                      <a:srgbClr val="5C4731"/>
-                    </a:solidFill>
-                    <a:latin typeface="Elephant" panose="02020904090505020303" pitchFamily="18" charset="0"/>
-                  </a:rPr>
-                  <a:t>   </a:t>
-                </a:r>
-                <a:r>
-                  <a:rPr lang="en-GB" u="sng" dirty="0">
-                    <a:solidFill>
-                      <a:srgbClr val="5C4731"/>
-                    </a:solidFill>
-                    <a:latin typeface="Elephant" panose="02020904090505020303" pitchFamily="18" charset="0"/>
-                  </a:rPr>
-                  <a:t>Game Specs:</a:t>
-                </a:r>
-                <a:endParaRPr lang="en-GB" sz="1600" u="sng" dirty="0">
-                  <a:solidFill>
-                    <a:srgbClr val="5C4731"/>
-                  </a:solidFill>
-                  <a:latin typeface="Elephant" panose="02020904090505020303" pitchFamily="18" charset="0"/>
-                </a:endParaRPr>
-              </a:p>
-              <a:p>
-                <a:pPr marL="468000" lvl="1">
-                  <a:lnSpc>
-                    <a:spcPct val="160000"/>
-                  </a:lnSpc>
-                </a:pPr>
-                <a:r>
-                  <a:rPr lang="en-GB" sz="1600" dirty="0">
-                    <a:solidFill>
-                      <a:srgbClr val="5C4731"/>
-                    </a:solidFill>
-                    <a:latin typeface="Elephant" panose="02020904090505020303" pitchFamily="18" charset="0"/>
-                  </a:rPr>
-                  <a:t> 1</a:t>
-                </a:r>
-                <a:r>
-                  <a:rPr lang="en-GB" sz="1600" baseline="30000" dirty="0">
-                    <a:solidFill>
-                      <a:srgbClr val="5C4731"/>
-                    </a:solidFill>
-                    <a:latin typeface="Elephant" panose="02020904090505020303" pitchFamily="18" charset="0"/>
-                  </a:rPr>
-                  <a:t>st</a:t>
-                </a:r>
-                <a:r>
-                  <a:rPr lang="en-GB" sz="1600" dirty="0">
-                    <a:solidFill>
-                      <a:srgbClr val="5C4731"/>
-                    </a:solidFill>
-                    <a:latin typeface="Elephant" panose="02020904090505020303" pitchFamily="18" charset="0"/>
-                  </a:rPr>
-                  <a:t> Person View</a:t>
-                </a:r>
-              </a:p>
-              <a:p>
-                <a:pPr marL="468000" lvl="1">
-                  <a:lnSpc>
-                    <a:spcPct val="160000"/>
-                  </a:lnSpc>
-                </a:pPr>
-                <a:r>
-                  <a:rPr lang="en-GB" sz="1600" dirty="0">
-                    <a:solidFill>
-                      <a:srgbClr val="5C4731"/>
-                    </a:solidFill>
-                    <a:latin typeface="Elephant" panose="02020904090505020303" pitchFamily="18" charset="0"/>
-                  </a:rPr>
-                  <a:t> 3D Style;</a:t>
-                </a:r>
-                <a:br>
-                  <a:rPr lang="en-GB" sz="1600" dirty="0">
-                    <a:solidFill>
-                      <a:srgbClr val="5C4731"/>
-                    </a:solidFill>
-                    <a:latin typeface="Elephant" panose="02020904090505020303" pitchFamily="18" charset="0"/>
-                  </a:rPr>
-                </a:br>
-                <a:r>
-                  <a:rPr lang="en-GB" sz="1600" dirty="0">
-                    <a:solidFill>
-                      <a:srgbClr val="5C4731"/>
-                    </a:solidFill>
-                    <a:latin typeface="Elephant" panose="02020904090505020303" pitchFamily="18" charset="0"/>
-                  </a:rPr>
-                  <a:t> Single Player;</a:t>
-                </a:r>
-              </a:p>
-              <a:p>
-                <a:pPr marL="468000" lvl="1">
-                  <a:lnSpc>
-                    <a:spcPct val="160000"/>
-                  </a:lnSpc>
-                </a:pPr>
-                <a:r>
-                  <a:rPr lang="en-GB" sz="1600" dirty="0">
-                    <a:solidFill>
-                      <a:srgbClr val="5C4731"/>
-                    </a:solidFill>
-                    <a:latin typeface="Elephant" panose="02020904090505020303" pitchFamily="18" charset="0"/>
-                  </a:rPr>
-                  <a:t> Escape room;</a:t>
-                </a:r>
-              </a:p>
-              <a:p>
-                <a:pPr marL="468000" lvl="1">
-                  <a:lnSpc>
-                    <a:spcPct val="160000"/>
-                  </a:lnSpc>
-                </a:pPr>
-                <a:r>
-                  <a:rPr lang="en-GB" sz="1600" dirty="0">
-                    <a:solidFill>
-                      <a:srgbClr val="5C4731"/>
-                    </a:solidFill>
-                    <a:latin typeface="Elephant" panose="02020904090505020303" pitchFamily="18" charset="0"/>
-                  </a:rPr>
-                  <a:t> For PC only.</a:t>
-                </a:r>
-              </a:p>
-            </p:txBody>
-          </p:sp>
-          <p:pic>
-            <p:nvPicPr>
-              <p:cNvPr id="25" name="Picture 24" descr="A wooden box with a cross on it&#10;&#10;Description automatically generated">
-                <a:extLst>
-                  <a:ext uri="{FF2B5EF4-FFF2-40B4-BE49-F238E27FC236}">
-                    <a16:creationId xmlns:a16="http://schemas.microsoft.com/office/drawing/2014/main" id="{91097F0D-4954-E482-E780-647C57519DAD}"/>
-                  </a:ext>
-                </a:extLst>
-              </p:cNvPr>
-              <p:cNvPicPr>
-                <a:picLocks noGrp="1" noRot="1" noChangeAspect="1" noMove="1" noResize="1" noEditPoints="1" noAdjustHandles="1" noChangeArrowheads="1" noChangeShapeType="1" noCrop="1"/>
-              </p:cNvPicPr>
-              <p:nvPr/>
-            </p:nvPicPr>
-            <p:blipFill>
-              <a:blip r:embed="rId22">
-                <a:duotone>
-                  <a:prstClr val="black"/>
-                  <a:schemeClr val="accent2">
-                    <a:lumMod val="60000"/>
-                    <a:lumOff val="40000"/>
-                    <a:tint val="45000"/>
-                    <a:satMod val="400000"/>
-                  </a:schemeClr>
-                </a:duotone>
-                <a:extLst>
-                  <a:ext uri="{BEBA8EAE-BF5A-486C-A8C5-ECC9F3942E4B}">
-                    <a14:imgProps xmlns:a14="http://schemas.microsoft.com/office/drawing/2010/main">
-                      <a14:imgLayer r:embed="rId21">
-                        <a14:imgEffect>
-                          <a14:artisticPhotocopy/>
-                        </a14:imgEffect>
-                        <a14:imgEffect>
-                          <a14:sharpenSoften amount="-50000"/>
-                        </a14:imgEffect>
-                        <a14:imgEffect>
-                          <a14:colorTemperature colorTemp="11200"/>
-                        </a14:imgEffect>
-                        <a14:imgEffect>
-                          <a14:brightnessContrast bright="-40000" contrast="40000"/>
-                        </a14:imgEffect>
-                      </a14:imgLayer>
-                    </a14:imgProps>
-                  </a:ext>
-                  <a:ext uri="{28A0092B-C50C-407E-A947-70E740481C1C}">
-                    <a14:useLocalDpi xmlns:a14="http://schemas.microsoft.com/office/drawing/2010/main" val="0"/>
-                  </a:ext>
-                </a:extLst>
-              </a:blip>
-              <a:stretch>
-                <a:fillRect/>
-              </a:stretch>
-            </p:blipFill>
-            <p:spPr>
-              <a:xfrm flipH="1">
-                <a:off x="4597389" y="11864631"/>
-                <a:ext cx="2584245" cy="2407460"/>
-              </a:xfrm>
-              <a:prstGeom prst="rect">
-                <a:avLst/>
-              </a:prstGeom>
-            </p:spPr>
-          </p:pic>
-          <p:pic>
-            <p:nvPicPr>
-              <p:cNvPr id="29" name="Picture 28" descr="A cartoon of a pickaxe&#10;&#10;Description automatically generated">
-                <a:extLst>
-                  <a:ext uri="{FF2B5EF4-FFF2-40B4-BE49-F238E27FC236}">
-                    <a16:creationId xmlns:a16="http://schemas.microsoft.com/office/drawing/2014/main" id="{28EE20EF-0083-0574-C993-5B25C2CD44D8}"/>
-                  </a:ext>
-                </a:extLst>
-              </p:cNvPr>
-              <p:cNvPicPr>
-                <a:picLocks noGrp="1" noRot="1" noChangeAspect="1" noMove="1" noResize="1" noEditPoints="1" noAdjustHandles="1" noChangeArrowheads="1" noChangeShapeType="1" noCrop="1"/>
-              </p:cNvPicPr>
-              <p:nvPr/>
-            </p:nvPicPr>
-            <p:blipFill>
-              <a:blip r:embed="rId23">
-                <a:extLst>
-                  <a:ext uri="{28A0092B-C50C-407E-A947-70E740481C1C}">
-                    <a14:useLocalDpi xmlns:a14="http://schemas.microsoft.com/office/drawing/2010/main" val="0"/>
-                  </a:ext>
-                </a:extLst>
-              </a:blip>
-              <a:stretch>
-                <a:fillRect/>
-              </a:stretch>
-            </p:blipFill>
-            <p:spPr>
-              <a:xfrm rot="10636711" flipH="1">
-                <a:off x="4029792" y="9363655"/>
-                <a:ext cx="2573687" cy="2628758"/>
+              <a:xfrm rot="3457033" flipH="1">
+                <a:off x="1419926" y="8688941"/>
+                <a:ext cx="1284235" cy="1371978"/>
               </a:xfrm>
               <a:prstGeom prst="rect">
                 <a:avLst/>
@@ -5375,12 +5048,588 @@
             </p:spPr>
           </p:pic>
         </p:grpSp>
+      </p:grpSp>
+      <p:grpSp>
+        <p:nvGrpSpPr>
+          <p:cNvPr id="32" name="Group 31">
+            <a:extLst>
+              <a:ext uri="{FF2B5EF4-FFF2-40B4-BE49-F238E27FC236}">
+                <a16:creationId xmlns:a16="http://schemas.microsoft.com/office/drawing/2014/main" id="{6BB59210-ECED-A783-6D1A-1E994B1DEEAA}"/>
+              </a:ext>
+            </a:extLst>
+          </p:cNvPr>
+          <p:cNvGrpSpPr>
+            <a:grpSpLocks noGrp="1" noUngrp="1" noRot="1" noMove="1" noResize="1"/>
+          </p:cNvGrpSpPr>
+          <p:nvPr/>
+        </p:nvGrpSpPr>
+        <p:grpSpPr>
+          <a:xfrm>
+            <a:off x="2513077" y="5179236"/>
+            <a:ext cx="4675050" cy="5039812"/>
+            <a:chOff x="2513077" y="5179236"/>
+            <a:chExt cx="4675050" cy="5039812"/>
+          </a:xfrm>
+        </p:grpSpPr>
+        <p:grpSp>
+          <p:nvGrpSpPr>
+            <p:cNvPr id="23" name="Group 22">
+              <a:extLst>
+                <a:ext uri="{FF2B5EF4-FFF2-40B4-BE49-F238E27FC236}">
+                  <a16:creationId xmlns:a16="http://schemas.microsoft.com/office/drawing/2014/main" id="{CD961786-0075-35AE-FC6B-37DE4522CD55}"/>
+                </a:ext>
+              </a:extLst>
+            </p:cNvPr>
+            <p:cNvGrpSpPr>
+              <a:grpSpLocks noGrp="1" noUngrp="1" noRot="1" noMove="1" noResize="1"/>
+            </p:cNvGrpSpPr>
+            <p:nvPr/>
+          </p:nvGrpSpPr>
+          <p:grpSpPr>
+            <a:xfrm>
+              <a:off x="2513077" y="5179236"/>
+              <a:ext cx="4675050" cy="5039812"/>
+              <a:chOff x="2608613" y="5179236"/>
+              <a:chExt cx="4675050" cy="5039812"/>
+            </a:xfrm>
+          </p:grpSpPr>
+          <p:grpSp>
+            <p:nvGrpSpPr>
+              <p:cNvPr id="45" name="Group 44">
+                <a:extLst>
+                  <a:ext uri="{FF2B5EF4-FFF2-40B4-BE49-F238E27FC236}">
+                    <a16:creationId xmlns:a16="http://schemas.microsoft.com/office/drawing/2014/main" id="{54AD8AC0-0AAD-A3DE-3C7B-D1E87EFC4F69}"/>
+                  </a:ext>
+                </a:extLst>
+              </p:cNvPr>
+              <p:cNvGrpSpPr>
+                <a:grpSpLocks noGrp="1" noUngrp="1" noRot="1" noMove="1" noResize="1"/>
+              </p:cNvGrpSpPr>
+              <p:nvPr/>
+            </p:nvGrpSpPr>
+            <p:grpSpPr>
+              <a:xfrm>
+                <a:off x="4127647" y="5179236"/>
+                <a:ext cx="2624967" cy="2411071"/>
+                <a:chOff x="5601878" y="5517510"/>
+                <a:chExt cx="4608922" cy="4608922"/>
+              </a:xfrm>
+            </p:grpSpPr>
+            <p:pic>
+              <p:nvPicPr>
+                <p:cNvPr id="44" name="Picture 43" descr="A polaroid with tape on it&#10;&#10;Description automatically generated">
+                  <a:extLst>
+                    <a:ext uri="{FF2B5EF4-FFF2-40B4-BE49-F238E27FC236}">
+                      <a16:creationId xmlns:a16="http://schemas.microsoft.com/office/drawing/2014/main" id="{B07A6DFC-E3DB-197F-3D27-11E7AFBABB94}"/>
+                    </a:ext>
+                  </a:extLst>
+                </p:cNvPr>
+                <p:cNvPicPr>
+                  <a:picLocks noGrp="1" noRot="1" noChangeAspect="1" noMove="1" noResize="1" noEditPoints="1" noAdjustHandles="1" noChangeArrowheads="1" noChangeShapeType="1" noCrop="1"/>
+                </p:cNvPicPr>
+                <p:nvPr/>
+              </p:nvPicPr>
+              <p:blipFill>
+                <a:blip r:embed="rId15">
+                  <a:extLst>
+                    <a:ext uri="{BEBA8EAE-BF5A-486C-A8C5-ECC9F3942E4B}">
+                      <a14:imgProps xmlns:a14="http://schemas.microsoft.com/office/drawing/2010/main">
+                        <a14:imgLayer r:embed="rId16">
+                          <a14:imgEffect>
+                            <a14:brightnessContrast contrast="20000"/>
+                          </a14:imgEffect>
+                        </a14:imgLayer>
+                      </a14:imgProps>
+                    </a:ext>
+                    <a:ext uri="{28A0092B-C50C-407E-A947-70E740481C1C}">
+                      <a14:useLocalDpi xmlns:a14="http://schemas.microsoft.com/office/drawing/2010/main" val="0"/>
+                    </a:ext>
+                  </a:extLst>
+                </a:blip>
+                <a:stretch>
+                  <a:fillRect/>
+                </a:stretch>
+              </p:blipFill>
+              <p:spPr>
+                <a:xfrm>
+                  <a:off x="5601878" y="5517510"/>
+                  <a:ext cx="4608922" cy="4608922"/>
+                </a:xfrm>
+                <a:prstGeom prst="rect">
+                  <a:avLst/>
+                </a:prstGeom>
+              </p:spPr>
+            </p:pic>
+            <p:pic>
+              <p:nvPicPr>
+                <p:cNvPr id="42" name="Picture 41" descr="A black box with a cord&#10;&#10;Description automatically generated">
+                  <a:extLst>
+                    <a:ext uri="{FF2B5EF4-FFF2-40B4-BE49-F238E27FC236}">
+                      <a16:creationId xmlns:a16="http://schemas.microsoft.com/office/drawing/2014/main" id="{350B6678-FFA3-E037-5CFE-9778AC74F27B}"/>
+                    </a:ext>
+                  </a:extLst>
+                </p:cNvPr>
+                <p:cNvPicPr>
+                  <a:picLocks noGrp="1" noRot="1" noChangeAspect="1" noMove="1" noResize="1" noEditPoints="1" noAdjustHandles="1" noChangeArrowheads="1" noChangeShapeType="1" noCrop="1"/>
+                </p:cNvPicPr>
+                <p:nvPr/>
+              </p:nvPicPr>
+              <p:blipFill>
+                <a:blip r:embed="rId17">
+                  <a:duotone>
+                    <a:prstClr val="black"/>
+                    <a:srgbClr val="D9C3A5">
+                      <a:tint val="50000"/>
+                      <a:satMod val="180000"/>
+                    </a:srgbClr>
+                  </a:duotone>
+                  <a:extLst>
+                    <a:ext uri="{28A0092B-C50C-407E-A947-70E740481C1C}">
+                      <a14:useLocalDpi xmlns:a14="http://schemas.microsoft.com/office/drawing/2010/main" val="0"/>
+                    </a:ext>
+                  </a:extLst>
+                </a:blip>
+                <a:stretch>
+                  <a:fillRect/>
+                </a:stretch>
+              </p:blipFill>
+              <p:spPr>
+                <a:xfrm rot="454892">
+                  <a:off x="6911170" y="6595970"/>
+                  <a:ext cx="2095795" cy="2045800"/>
+                </a:xfrm>
+                <a:prstGeom prst="rect">
+                  <a:avLst/>
+                </a:prstGeom>
+              </p:spPr>
+            </p:pic>
+          </p:grpSp>
+          <p:grpSp>
+            <p:nvGrpSpPr>
+              <p:cNvPr id="46" name="Group 45">
+                <a:extLst>
+                  <a:ext uri="{FF2B5EF4-FFF2-40B4-BE49-F238E27FC236}">
+                    <a16:creationId xmlns:a16="http://schemas.microsoft.com/office/drawing/2014/main" id="{8D363A0D-C824-9474-7400-473081060E91}"/>
+                  </a:ext>
+                </a:extLst>
+              </p:cNvPr>
+              <p:cNvGrpSpPr>
+                <a:grpSpLocks noGrp="1" noUngrp="1" noRot="1" noMove="1" noResize="1"/>
+              </p:cNvGrpSpPr>
+              <p:nvPr/>
+            </p:nvGrpSpPr>
+            <p:grpSpPr>
+              <a:xfrm>
+                <a:off x="2608613" y="6687287"/>
+                <a:ext cx="4675050" cy="3531761"/>
+                <a:chOff x="2480106" y="8552524"/>
+                <a:chExt cx="7887367" cy="5931834"/>
+              </a:xfrm>
+            </p:grpSpPr>
+            <p:grpSp>
+              <p:nvGrpSpPr>
+                <p:cNvPr id="38" name="Group 37">
+                  <a:extLst>
+                    <a:ext uri="{FF2B5EF4-FFF2-40B4-BE49-F238E27FC236}">
+                      <a16:creationId xmlns:a16="http://schemas.microsoft.com/office/drawing/2014/main" id="{C0991C7C-1FB3-3B68-6002-77244F5E0B93}"/>
+                    </a:ext>
+                  </a:extLst>
+                </p:cNvPr>
+                <p:cNvGrpSpPr>
+                  <a:grpSpLocks noGrp="1" noUngrp="1" noRot="1" noMove="1" noResize="1"/>
+                </p:cNvGrpSpPr>
+                <p:nvPr/>
+              </p:nvGrpSpPr>
+              <p:grpSpPr>
+                <a:xfrm>
+                  <a:off x="2480106" y="8846550"/>
+                  <a:ext cx="7887367" cy="5637808"/>
+                  <a:chOff x="2480106" y="8846550"/>
+                  <a:chExt cx="7887367" cy="5637808"/>
+                </a:xfrm>
+              </p:grpSpPr>
+              <p:pic>
+                <p:nvPicPr>
+                  <p:cNvPr id="9" name="Picture 8" descr="A yellow backpack with brown straps&#10;&#10;Description automatically generated">
+                    <a:extLst>
+                      <a:ext uri="{FF2B5EF4-FFF2-40B4-BE49-F238E27FC236}">
+                        <a16:creationId xmlns:a16="http://schemas.microsoft.com/office/drawing/2014/main" id="{8DF35568-F266-BC1B-C01C-8EBE2CB9C070}"/>
+                      </a:ext>
+                    </a:extLst>
+                  </p:cNvPr>
+                  <p:cNvPicPr>
+                    <a:picLocks noGrp="1" noRot="1" noChangeAspect="1" noMove="1" noResize="1" noEditPoints="1" noAdjustHandles="1" noChangeArrowheads="1" noChangeShapeType="1" noCrop="1"/>
+                  </p:cNvPicPr>
+                  <p:nvPr/>
+                </p:nvPicPr>
+                <p:blipFill>
+                  <a:blip r:embed="rId18">
+                    <a:alphaModFix/>
+                    <a:extLst>
+                      <a:ext uri="{BEBA8EAE-BF5A-486C-A8C5-ECC9F3942E4B}">
+                        <a14:imgProps xmlns:a14="http://schemas.microsoft.com/office/drawing/2010/main">
+                          <a14:imgLayer r:embed="rId19">
+                            <a14:imgEffect>
+                              <a14:artisticCutout trans="10000" numberOfShades="1"/>
+                            </a14:imgEffect>
+                            <a14:imgEffect>
+                              <a14:sharpenSoften amount="-50000"/>
+                            </a14:imgEffect>
+                            <a14:imgEffect>
+                              <a14:colorTemperature colorTemp="4700"/>
+                            </a14:imgEffect>
+                            <a14:imgEffect>
+                              <a14:brightnessContrast bright="-20000" contrast="40000"/>
+                            </a14:imgEffect>
+                          </a14:imgLayer>
+                        </a14:imgProps>
+                      </a:ext>
+                      <a:ext uri="{28A0092B-C50C-407E-A947-70E740481C1C}">
+                        <a14:useLocalDpi xmlns:a14="http://schemas.microsoft.com/office/drawing/2010/main" val="0"/>
+                      </a:ext>
+                    </a:extLst>
+                  </a:blip>
+                  <a:stretch>
+                    <a:fillRect/>
+                  </a:stretch>
+                </p:blipFill>
+                <p:spPr>
+                  <a:xfrm flipH="1">
+                    <a:off x="2480106" y="11466224"/>
+                    <a:ext cx="3059777" cy="3018134"/>
+                  </a:xfrm>
+                  <a:prstGeom prst="rect">
+                    <a:avLst/>
+                  </a:prstGeom>
+                </p:spPr>
+              </p:pic>
+              <p:pic>
+                <p:nvPicPr>
+                  <p:cNvPr id="24" name="Picture 23" descr="A wooden box with a cross on it&#10;&#10;Description automatically generated">
+                    <a:extLst>
+                      <a:ext uri="{FF2B5EF4-FFF2-40B4-BE49-F238E27FC236}">
+                        <a16:creationId xmlns:a16="http://schemas.microsoft.com/office/drawing/2014/main" id="{66953BA4-7D10-25E7-B1C3-05F02BA8EEDE}"/>
+                      </a:ext>
+                    </a:extLst>
+                  </p:cNvPr>
+                  <p:cNvPicPr>
+                    <a:picLocks noGrp="1" noRot="1" noChangeAspect="1" noMove="1" noResize="1" noEditPoints="1" noAdjustHandles="1" noChangeArrowheads="1" noChangeShapeType="1" noCrop="1"/>
+                  </p:cNvPicPr>
+                  <p:nvPr/>
+                </p:nvPicPr>
+                <p:blipFill>
+                  <a:blip r:embed="rId20">
+                    <a:extLst>
+                      <a:ext uri="{BEBA8EAE-BF5A-486C-A8C5-ECC9F3942E4B}">
+                        <a14:imgProps xmlns:a14="http://schemas.microsoft.com/office/drawing/2010/main">
+                          <a14:imgLayer r:embed="rId21">
+                            <a14:imgEffect>
+                              <a14:artisticPhotocopy/>
+                            </a14:imgEffect>
+                            <a14:imgEffect>
+                              <a14:sharpenSoften amount="-50000"/>
+                            </a14:imgEffect>
+                            <a14:imgEffect>
+                              <a14:saturation sat="300000"/>
+                            </a14:imgEffect>
+                            <a14:imgEffect>
+                              <a14:brightnessContrast bright="-40000" contrast="40000"/>
+                            </a14:imgEffect>
+                          </a14:imgLayer>
+                        </a14:imgProps>
+                      </a:ext>
+                      <a:ext uri="{28A0092B-C50C-407E-A947-70E740481C1C}">
+                        <a14:useLocalDpi xmlns:a14="http://schemas.microsoft.com/office/drawing/2010/main" val="0"/>
+                      </a:ext>
+                    </a:extLst>
+                  </a:blip>
+                  <a:stretch>
+                    <a:fillRect/>
+                  </a:stretch>
+                </p:blipFill>
+                <p:spPr>
+                  <a:xfrm>
+                    <a:off x="6091485" y="9563357"/>
+                    <a:ext cx="4275988" cy="3983472"/>
+                  </a:xfrm>
+                  <a:prstGeom prst="rect">
+                    <a:avLst/>
+                  </a:prstGeom>
+                </p:spPr>
+              </p:pic>
+              <p:sp>
+                <p:nvSpPr>
+                  <p:cNvPr id="37" name="TextBox 36">
+                    <a:extLst>
+                      <a:ext uri="{FF2B5EF4-FFF2-40B4-BE49-F238E27FC236}">
+                        <a16:creationId xmlns:a16="http://schemas.microsoft.com/office/drawing/2014/main" id="{B22AA99F-3D0A-7004-EDFA-FB2377D995CB}"/>
+                      </a:ext>
+                    </a:extLst>
+                  </p:cNvPr>
+                  <p:cNvSpPr txBox="1">
+                    <a:spLocks noGrp="1" noRot="1" noMove="1" noResize="1" noEditPoints="1" noAdjustHandles="1" noChangeArrowheads="1" noChangeShapeType="1"/>
+                  </p:cNvSpPr>
+                  <p:nvPr/>
+                </p:nvSpPr>
+                <p:spPr>
+                  <a:xfrm>
+                    <a:off x="6591300" y="10744049"/>
+                    <a:ext cx="3267074" cy="2185223"/>
+                  </a:xfrm>
+                  <a:prstGeom prst="rect">
+                    <a:avLst/>
+                  </a:prstGeom>
+                  <a:solidFill>
+                    <a:srgbClr val="705744">
+                      <a:alpha val="34902"/>
+                    </a:srgbClr>
+                  </a:solidFill>
+                </p:spPr>
+                <p:txBody>
+                  <a:bodyPr wrap="square" rtlCol="0" anchor="ctr">
+                    <a:spAutoFit/>
+                  </a:bodyPr>
+                  <a:lstStyle/>
+                  <a:p>
+                    <a:pPr algn="r">
+                      <a:lnSpc>
+                        <a:spcPct val="150000"/>
+                      </a:lnSpc>
+                    </a:pPr>
+                    <a:r>
+                      <a:rPr lang="en-GB" sz="1132" dirty="0">
+                        <a:solidFill>
+                          <a:schemeClr val="bg1"/>
+                        </a:solidFill>
+                        <a:latin typeface="Elephant" panose="02020904090505020303" pitchFamily="18" charset="0"/>
+                      </a:rPr>
+                      <a:t>1</a:t>
+                    </a:r>
+                    <a:r>
+                      <a:rPr lang="en-GB" sz="1132" baseline="30000" dirty="0">
+                        <a:solidFill>
+                          <a:schemeClr val="bg1"/>
+                        </a:solidFill>
+                        <a:latin typeface="Elephant" panose="02020904090505020303" pitchFamily="18" charset="0"/>
+                      </a:rPr>
+                      <a:t>st</a:t>
+                    </a:r>
+                    <a:r>
+                      <a:rPr lang="en-GB" sz="1132" dirty="0">
+                        <a:solidFill>
+                          <a:schemeClr val="bg1"/>
+                        </a:solidFill>
+                        <a:latin typeface="Elephant" panose="02020904090505020303" pitchFamily="18" charset="0"/>
+                      </a:rPr>
+                      <a:t> Person View;</a:t>
+                    </a:r>
+                    <a:br>
+                      <a:rPr lang="en-GB" sz="1132" dirty="0">
+                        <a:solidFill>
+                          <a:schemeClr val="bg1"/>
+                        </a:solidFill>
+                        <a:latin typeface="Elephant" panose="02020904090505020303" pitchFamily="18" charset="0"/>
+                      </a:rPr>
+                    </a:br>
+                    <a:r>
+                      <a:rPr lang="en-GB" sz="1132" dirty="0">
+                        <a:solidFill>
+                          <a:schemeClr val="bg1"/>
+                        </a:solidFill>
+                        <a:latin typeface="Elephant" panose="02020904090505020303" pitchFamily="18" charset="0"/>
+                      </a:rPr>
+                      <a:t>3D Style;</a:t>
+                    </a:r>
+                    <a:br>
+                      <a:rPr lang="en-GB" sz="1132" dirty="0">
+                        <a:solidFill>
+                          <a:schemeClr val="bg1"/>
+                        </a:solidFill>
+                        <a:latin typeface="Elephant" panose="02020904090505020303" pitchFamily="18" charset="0"/>
+                      </a:rPr>
+                    </a:br>
+                    <a:r>
+                      <a:rPr lang="en-GB" sz="1132" dirty="0">
+                        <a:solidFill>
+                          <a:schemeClr val="bg1"/>
+                        </a:solidFill>
+                        <a:latin typeface="Elephant" panose="02020904090505020303" pitchFamily="18" charset="0"/>
+                      </a:rPr>
+                      <a:t> Single Player;</a:t>
+                    </a:r>
+                  </a:p>
+                  <a:p>
+                    <a:pPr marL="330960" lvl="1" algn="r"/>
+                    <a:r>
+                      <a:rPr lang="en-GB" sz="1132" dirty="0">
+                        <a:solidFill>
+                          <a:schemeClr val="bg1"/>
+                        </a:solidFill>
+                        <a:latin typeface="Elephant" panose="02020904090505020303" pitchFamily="18" charset="0"/>
+                      </a:rPr>
+                      <a:t> Escape Room;</a:t>
+                    </a:r>
+                  </a:p>
+                  <a:p>
+                    <a:pPr marL="330960" lvl="1" algn="r">
+                      <a:lnSpc>
+                        <a:spcPct val="160000"/>
+                      </a:lnSpc>
+                    </a:pPr>
+                    <a:r>
+                      <a:rPr lang="en-GB" sz="1132" dirty="0">
+                        <a:solidFill>
+                          <a:schemeClr val="bg1"/>
+                        </a:solidFill>
+                        <a:latin typeface="Elephant" panose="02020904090505020303" pitchFamily="18" charset="0"/>
+                      </a:rPr>
+                      <a:t> For PC Only.</a:t>
+                    </a:r>
+                  </a:p>
+                </p:txBody>
+              </p:sp>
+              <p:pic>
+                <p:nvPicPr>
+                  <p:cNvPr id="25" name="Picture 24" descr="A wooden box with a cross on it&#10;&#10;Description automatically generated">
+                    <a:extLst>
+                      <a:ext uri="{FF2B5EF4-FFF2-40B4-BE49-F238E27FC236}">
+                        <a16:creationId xmlns:a16="http://schemas.microsoft.com/office/drawing/2014/main" id="{91097F0D-4954-E482-E780-647C57519DAD}"/>
+                      </a:ext>
+                    </a:extLst>
+                  </p:cNvPr>
+                  <p:cNvPicPr>
+                    <a:picLocks noGrp="1" noRot="1" noChangeAspect="1" noMove="1" noResize="1" noEditPoints="1" noAdjustHandles="1" noChangeArrowheads="1" noChangeShapeType="1" noCrop="1"/>
+                  </p:cNvPicPr>
+                  <p:nvPr/>
+                </p:nvPicPr>
+                <p:blipFill>
+                  <a:blip r:embed="rId22">
+                    <a:duotone>
+                      <a:prstClr val="black"/>
+                      <a:srgbClr val="D9C3A5">
+                        <a:tint val="50000"/>
+                        <a:satMod val="180000"/>
+                      </a:srgbClr>
+                    </a:duotone>
+                    <a:extLst>
+                      <a:ext uri="{BEBA8EAE-BF5A-486C-A8C5-ECC9F3942E4B}">
+                        <a14:imgProps xmlns:a14="http://schemas.microsoft.com/office/drawing/2010/main">
+                          <a14:imgLayer r:embed="rId21">
+                            <a14:imgEffect>
+                              <a14:artisticPhotocopy/>
+                            </a14:imgEffect>
+                            <a14:imgEffect>
+                              <a14:sharpenSoften amount="-50000"/>
+                            </a14:imgEffect>
+                            <a14:imgEffect>
+                              <a14:colorTemperature colorTemp="11200"/>
+                            </a14:imgEffect>
+                            <a14:imgEffect>
+                              <a14:brightnessContrast bright="-40000" contrast="40000"/>
+                            </a14:imgEffect>
+                          </a14:imgLayer>
+                        </a14:imgProps>
+                      </a:ext>
+                      <a:ext uri="{28A0092B-C50C-407E-A947-70E740481C1C}">
+                        <a14:useLocalDpi xmlns:a14="http://schemas.microsoft.com/office/drawing/2010/main" val="0"/>
+                      </a:ext>
+                    </a:extLst>
+                  </a:blip>
+                  <a:stretch>
+                    <a:fillRect/>
+                  </a:stretch>
+                </p:blipFill>
+                <p:spPr>
+                  <a:xfrm flipH="1">
+                    <a:off x="4597389" y="11864631"/>
+                    <a:ext cx="2584245" cy="2407460"/>
+                  </a:xfrm>
+                  <a:prstGeom prst="rect">
+                    <a:avLst/>
+                  </a:prstGeom>
+                </p:spPr>
+              </p:pic>
+              <p:pic>
+                <p:nvPicPr>
+                  <p:cNvPr id="29" name="Picture 28" descr="A cartoon of a pickaxe&#10;&#10;Description automatically generated">
+                    <a:extLst>
+                      <a:ext uri="{FF2B5EF4-FFF2-40B4-BE49-F238E27FC236}">
+                        <a16:creationId xmlns:a16="http://schemas.microsoft.com/office/drawing/2014/main" id="{28EE20EF-0083-0574-C993-5B25C2CD44D8}"/>
+                      </a:ext>
+                    </a:extLst>
+                  </p:cNvPr>
+                  <p:cNvPicPr>
+                    <a:picLocks noGrp="1" noRot="1" noChangeAspect="1" noMove="1" noResize="1" noEditPoints="1" noAdjustHandles="1" noChangeArrowheads="1" noChangeShapeType="1" noCrop="1"/>
+                  </p:cNvPicPr>
+                  <p:nvPr/>
+                </p:nvPicPr>
+                <p:blipFill>
+                  <a:blip r:embed="rId23">
+                    <a:extLst>
+                      <a:ext uri="{28A0092B-C50C-407E-A947-70E740481C1C}">
+                        <a14:useLocalDpi xmlns:a14="http://schemas.microsoft.com/office/drawing/2010/main" val="0"/>
+                      </a:ext>
+                    </a:extLst>
+                  </a:blip>
+                  <a:stretch>
+                    <a:fillRect/>
+                  </a:stretch>
+                </p:blipFill>
+                <p:spPr>
+                  <a:xfrm rot="10636711" flipH="1">
+                    <a:off x="3900384" y="8846550"/>
+                    <a:ext cx="3019744" cy="3084359"/>
+                  </a:xfrm>
+                  <a:prstGeom prst="rect">
+                    <a:avLst/>
+                  </a:prstGeom>
+                </p:spPr>
+              </p:pic>
+            </p:grpSp>
+            <p:pic>
+              <p:nvPicPr>
+                <p:cNvPr id="31" name="Picture 30" descr="A yellow hard hat on a black background&#10;&#10;Description automatically generated">
+                  <a:extLst>
+                    <a:ext uri="{FF2B5EF4-FFF2-40B4-BE49-F238E27FC236}">
+                      <a16:creationId xmlns:a16="http://schemas.microsoft.com/office/drawing/2014/main" id="{78533EA2-CF8D-6E86-9BD7-94A6DB574975}"/>
+                    </a:ext>
+                  </a:extLst>
+                </p:cNvPr>
+                <p:cNvPicPr>
+                  <a:picLocks noGrp="1" noRot="1" noChangeAspect="1" noMove="1" noResize="1" noEditPoints="1" noAdjustHandles="1" noChangeArrowheads="1" noChangeShapeType="1" noCrop="1"/>
+                </p:cNvPicPr>
+                <p:nvPr/>
+              </p:nvPicPr>
+              <p:blipFill>
+                <a:blip r:embed="rId24">
+                  <a:extLst>
+                    <a:ext uri="{28A0092B-C50C-407E-A947-70E740481C1C}">
+                      <a14:useLocalDpi xmlns:a14="http://schemas.microsoft.com/office/drawing/2010/main" val="0"/>
+                    </a:ext>
+                  </a:extLst>
+                </a:blip>
+                <a:stretch>
+                  <a:fillRect/>
+                </a:stretch>
+              </p:blipFill>
+              <p:spPr>
+                <a:xfrm>
+                  <a:off x="7970055" y="8552524"/>
+                  <a:ext cx="1973101" cy="1946249"/>
+                </a:xfrm>
+                <a:prstGeom prst="rect">
+                  <a:avLst/>
+                </a:prstGeom>
+              </p:spPr>
+            </p:pic>
+          </p:grpSp>
+        </p:grpSp>
         <p:pic>
           <p:nvPicPr>
-            <p:cNvPr id="31" name="Picture 30" descr="A yellow hard hat on a black background&#10;&#10;Description automatically generated">
+            <p:cNvPr id="33" name="Picture 32" descr="A rope wrapped around a circle&#10;&#10;Description automatically generated">
               <a:extLst>
                 <a:ext uri="{FF2B5EF4-FFF2-40B4-BE49-F238E27FC236}">
-                  <a16:creationId xmlns:a16="http://schemas.microsoft.com/office/drawing/2014/main" id="{78533EA2-CF8D-6E86-9BD7-94A6DB574975}"/>
+                  <a16:creationId xmlns:a16="http://schemas.microsoft.com/office/drawing/2014/main" id="{0874A626-7FA0-24E2-96C0-47A7BC1A8EFD}"/>
                 </a:ext>
               </a:extLst>
             </p:cNvPr>
@@ -5390,21 +5639,29 @@
             <p:nvPr/>
           </p:nvPicPr>
           <p:blipFill>
-            <a:blip r:embed="rId24">
+            <a:blip r:embed="rId25">
               <a:extLst>
+                <a:ext uri="{BEBA8EAE-BF5A-486C-A8C5-ECC9F3942E4B}">
+                  <a14:imgProps xmlns:a14="http://schemas.microsoft.com/office/drawing/2010/main">
+                    <a14:imgLayer r:embed="rId26">
+                      <a14:imgEffect>
+                        <a14:artisticCutout/>
+                      </a14:imgEffect>
+                    </a14:imgLayer>
+                  </a14:imgProps>
+                </a:ext>
                 <a:ext uri="{28A0092B-C50C-407E-A947-70E740481C1C}">
                   <a14:useLocalDpi xmlns:a14="http://schemas.microsoft.com/office/drawing/2010/main" val="0"/>
                 </a:ext>
               </a:extLst>
             </a:blip>
-            <a:stretch>
-              <a:fillRect/>
-            </a:stretch>
+            <a:srcRect l="16654" t="29316" r="15515" b="25861"/>
+            <a:stretch/>
           </p:blipFill>
           <p:spPr>
-            <a:xfrm>
-              <a:off x="8259566" y="8838096"/>
-              <a:ext cx="1683590" cy="1660677"/>
+            <a:xfrm rot="21166828">
+              <a:off x="5311616" y="9363221"/>
+              <a:ext cx="1274464" cy="828407"/>
             </a:xfrm>
             <a:prstGeom prst="rect">
               <a:avLst/>
@@ -5414,10 +5671,10 @@
       </p:grpSp>
       <p:pic>
         <p:nvPicPr>
-          <p:cNvPr id="50" name="Picture 49" descr="A black background with white lines&#10;&#10;Description automatically generated">
+          <p:cNvPr id="7" name="Picture 6" descr="A window with open windows&#10;&#10;Description automatically generated">
             <a:extLst>
               <a:ext uri="{FF2B5EF4-FFF2-40B4-BE49-F238E27FC236}">
-                <a16:creationId xmlns:a16="http://schemas.microsoft.com/office/drawing/2014/main" id="{04CC557E-822C-8183-9BBA-D3514449C2E4}"/>
+                <a16:creationId xmlns:a16="http://schemas.microsoft.com/office/drawing/2014/main" id="{1820E055-41A3-4F23-E3EA-F381B37E6E4C}"/>
               </a:ext>
             </a:extLst>
           </p:cNvPr>
@@ -5427,30 +5684,26 @@
           <p:nvPr/>
         </p:nvPicPr>
         <p:blipFill>
-          <a:blip r:embed="rId25">
+          <a:blip r:embed="rId27">
             <a:duotone>
               <a:prstClr val="black"/>
-              <a:schemeClr val="accent2">
-                <a:tint val="45000"/>
-                <a:satMod val="400000"/>
-              </a:schemeClr>
+              <a:srgbClr val="D9C3A5">
+                <a:tint val="50000"/>
+                <a:satMod val="180000"/>
+              </a:srgbClr>
             </a:duotone>
-            <a:alphaModFix amt="70000"/>
             <a:extLst>
               <a:ext uri="{BEBA8EAE-BF5A-486C-A8C5-ECC9F3942E4B}">
                 <a14:imgProps xmlns:a14="http://schemas.microsoft.com/office/drawing/2010/main">
-                  <a14:imgLayer r:embed="rId26">
+                  <a14:imgLayer r:embed="rId28">
                     <a14:imgEffect>
-                      <a14:artisticLineDrawing/>
-                    </a14:imgEffect>
-                    <a14:imgEffect>
-                      <a14:sharpenSoften amount="50000"/>
+                      <a14:artisticCrisscrossEtching/>
                     </a14:imgEffect>
                     <a14:imgEffect>
                       <a14:colorTemperature colorTemp="11200"/>
                     </a14:imgEffect>
                     <a14:imgEffect>
-                      <a14:brightnessContrast bright="40000" contrast="40000"/>
+                      <a14:brightnessContrast contrast="-40000"/>
                     </a14:imgEffect>
                   </a14:imgLayer>
                 </a14:imgProps>
@@ -5460,14 +5713,13 @@
               </a:ext>
             </a:extLst>
           </a:blip>
-          <a:stretch>
-            <a:fillRect/>
-          </a:stretch>
+          <a:srcRect l="6022" t="10490" r="6387" b="17022"/>
+          <a:stretch/>
         </p:blipFill>
         <p:spPr>
-          <a:xfrm rot="4322714" flipH="1">
-            <a:off x="-248584" y="12607867"/>
-            <a:ext cx="1816044" cy="1940121"/>
+          <a:xfrm>
+            <a:off x="883483" y="2231881"/>
+            <a:ext cx="5947629" cy="2737442"/>
           </a:xfrm>
           <a:prstGeom prst="rect">
             <a:avLst/>
@@ -5476,10 +5728,10 @@
       </p:pic>
       <p:pic>
         <p:nvPicPr>
-          <p:cNvPr id="51" name="Picture 50" descr="A black background with white lines&#10;&#10;Description automatically generated">
+          <p:cNvPr id="5" name="Picture 4" descr="A snowy landscape with trees and snow&#10;&#10;Description automatically generated">
             <a:extLst>
               <a:ext uri="{FF2B5EF4-FFF2-40B4-BE49-F238E27FC236}">
-                <a16:creationId xmlns:a16="http://schemas.microsoft.com/office/drawing/2014/main" id="{5DCF4922-884A-5806-2436-58DE6F073597}"/>
+                <a16:creationId xmlns:a16="http://schemas.microsoft.com/office/drawing/2014/main" id="{95DE7E98-E2A9-4188-058B-35CC1C2777A8}"/>
               </a:ext>
             </a:extLst>
           </p:cNvPr>
@@ -5489,30 +5741,58 @@
           <p:nvPr/>
         </p:nvPicPr>
         <p:blipFill>
-          <a:blip r:embed="rId25">
-            <a:duotone>
-              <a:prstClr val="black"/>
-              <a:schemeClr val="accent2">
-                <a:tint val="45000"/>
-                <a:satMod val="400000"/>
-              </a:schemeClr>
-            </a:duotone>
-            <a:alphaModFix amt="70000"/>
+          <a:blip r:embed="rId29">
+            <a:extLst>
+              <a:ext uri="{28A0092B-C50C-407E-A947-70E740481C1C}">
+                <a14:useLocalDpi xmlns:a14="http://schemas.microsoft.com/office/drawing/2010/main" val="0"/>
+              </a:ext>
+            </a:extLst>
+          </a:blip>
+          <a:srcRect l="16131" t="2137" b="-2137"/>
+          <a:stretch/>
+        </p:blipFill>
+        <p:spPr>
+          <a:xfrm>
+            <a:off x="2547027" y="2447162"/>
+            <a:ext cx="2606565" cy="2381326"/>
+          </a:xfrm>
+          <a:prstGeom prst="rect">
+            <a:avLst/>
+          </a:prstGeom>
+          <a:ln>
+            <a:noFill/>
+          </a:ln>
+          <a:effectLst>
+            <a:outerShdw blurRad="292100" dist="139700" dir="2700000" algn="tl" rotWithShape="0">
+              <a:srgbClr val="333333">
+                <a:alpha val="65000"/>
+              </a:srgbClr>
+            </a:outerShdw>
+          </a:effectLst>
+        </p:spPr>
+      </p:pic>
+      <p:pic>
+        <p:nvPicPr>
+          <p:cNvPr id="21" name="Picture 20" descr="A snow icicles on a black background&#10;&#10;Description automatically generated">
+            <a:extLst>
+              <a:ext uri="{FF2B5EF4-FFF2-40B4-BE49-F238E27FC236}">
+                <a16:creationId xmlns:a16="http://schemas.microsoft.com/office/drawing/2014/main" id="{C251A647-FD7F-2F37-3579-B6B6E1D7CC54}"/>
+              </a:ext>
+            </a:extLst>
+          </p:cNvPr>
+          <p:cNvPicPr>
+            <a:picLocks noChangeAspect="1"/>
+          </p:cNvPicPr>
+          <p:nvPr/>
+        </p:nvPicPr>
+        <p:blipFill>
+          <a:blip r:embed="rId30">
             <a:extLst>
               <a:ext uri="{BEBA8EAE-BF5A-486C-A8C5-ECC9F3942E4B}">
                 <a14:imgProps xmlns:a14="http://schemas.microsoft.com/office/drawing/2010/main">
-                  <a14:imgLayer r:embed="rId26">
-                    <a14:imgEffect>
-                      <a14:artisticLineDrawing/>
-                    </a14:imgEffect>
+                  <a14:imgLayer r:embed="rId31">
                     <a14:imgEffect>
                       <a14:sharpenSoften amount="50000"/>
-                    </a14:imgEffect>
-                    <a14:imgEffect>
-                      <a14:colorTemperature colorTemp="11200"/>
-                    </a14:imgEffect>
-                    <a14:imgEffect>
-                      <a14:brightnessContrast bright="40000" contrast="40000"/>
                     </a14:imgEffect>
                   </a14:imgLayer>
                 </a14:imgProps>
@@ -5522,20 +5802,168 @@
               </a:ext>
             </a:extLst>
           </a:blip>
-          <a:stretch>
-            <a:fillRect/>
-          </a:stretch>
+          <a:srcRect l="32197" b="64199"/>
+          <a:stretch/>
         </p:blipFill>
         <p:spPr>
-          <a:xfrm rot="4322714" flipH="1">
-            <a:off x="1138524" y="11927895"/>
-            <a:ext cx="1816044" cy="1940121"/>
+          <a:xfrm>
+            <a:off x="2169623" y="4475519"/>
+            <a:ext cx="3469445" cy="1245619"/>
           </a:xfrm>
           <a:prstGeom prst="rect">
             <a:avLst/>
           </a:prstGeom>
         </p:spPr>
       </p:pic>
+      <p:sp>
+        <p:nvSpPr>
+          <p:cNvPr id="30" name="TextBox 29">
+            <a:extLst>
+              <a:ext uri="{FF2B5EF4-FFF2-40B4-BE49-F238E27FC236}">
+                <a16:creationId xmlns:a16="http://schemas.microsoft.com/office/drawing/2014/main" id="{FC183961-35D6-C4EB-ED18-B8594474E3F6}"/>
+              </a:ext>
+            </a:extLst>
+          </p:cNvPr>
+          <p:cNvSpPr txBox="1">
+            <a:spLocks/>
+          </p:cNvSpPr>
+          <p:nvPr/>
+        </p:nvSpPr>
+        <p:spPr>
+          <a:xfrm>
+            <a:off x="2539401" y="2468986"/>
+            <a:ext cx="2626708" cy="2205219"/>
+          </a:xfrm>
+          <a:custGeom>
+            <a:avLst/>
+            <a:gdLst>
+              <a:gd name="connsiteX0" fmla="*/ 0 w 2600584"/>
+              <a:gd name="connsiteY0" fmla="*/ 0 h 1678536"/>
+              <a:gd name="connsiteX1" fmla="*/ 2600584 w 2600584"/>
+              <a:gd name="connsiteY1" fmla="*/ 0 h 1678536"/>
+              <a:gd name="connsiteX2" fmla="*/ 2600584 w 2600584"/>
+              <a:gd name="connsiteY2" fmla="*/ 1678536 h 1678536"/>
+              <a:gd name="connsiteX3" fmla="*/ 0 w 2600584"/>
+              <a:gd name="connsiteY3" fmla="*/ 1678536 h 1678536"/>
+              <a:gd name="connsiteX4" fmla="*/ 0 w 2600584"/>
+              <a:gd name="connsiteY4" fmla="*/ 0 h 1678536"/>
+              <a:gd name="connsiteX0" fmla="*/ 0 w 2600584"/>
+              <a:gd name="connsiteY0" fmla="*/ 0 h 1983336"/>
+              <a:gd name="connsiteX1" fmla="*/ 2600584 w 2600584"/>
+              <a:gd name="connsiteY1" fmla="*/ 304800 h 1983336"/>
+              <a:gd name="connsiteX2" fmla="*/ 2600584 w 2600584"/>
+              <a:gd name="connsiteY2" fmla="*/ 1983336 h 1983336"/>
+              <a:gd name="connsiteX3" fmla="*/ 0 w 2600584"/>
+              <a:gd name="connsiteY3" fmla="*/ 1983336 h 1983336"/>
+              <a:gd name="connsiteX4" fmla="*/ 0 w 2600584"/>
+              <a:gd name="connsiteY4" fmla="*/ 0 h 1983336"/>
+              <a:gd name="connsiteX0" fmla="*/ 0 w 2600584"/>
+              <a:gd name="connsiteY0" fmla="*/ 0 h 1983336"/>
+              <a:gd name="connsiteX1" fmla="*/ 2574080 w 2600584"/>
+              <a:gd name="connsiteY1" fmla="*/ 26504 h 1983336"/>
+              <a:gd name="connsiteX2" fmla="*/ 2600584 w 2600584"/>
+              <a:gd name="connsiteY2" fmla="*/ 1983336 h 1983336"/>
+              <a:gd name="connsiteX3" fmla="*/ 0 w 2600584"/>
+              <a:gd name="connsiteY3" fmla="*/ 1983336 h 1983336"/>
+              <a:gd name="connsiteX4" fmla="*/ 0 w 2600584"/>
+              <a:gd name="connsiteY4" fmla="*/ 0 h 1983336"/>
+              <a:gd name="connsiteX0" fmla="*/ 0 w 2587332"/>
+              <a:gd name="connsiteY0" fmla="*/ 0 h 2354397"/>
+              <a:gd name="connsiteX1" fmla="*/ 2574080 w 2587332"/>
+              <a:gd name="connsiteY1" fmla="*/ 26504 h 2354397"/>
+              <a:gd name="connsiteX2" fmla="*/ 2587332 w 2587332"/>
+              <a:gd name="connsiteY2" fmla="*/ 2354397 h 2354397"/>
+              <a:gd name="connsiteX3" fmla="*/ 0 w 2587332"/>
+              <a:gd name="connsiteY3" fmla="*/ 1983336 h 2354397"/>
+              <a:gd name="connsiteX4" fmla="*/ 0 w 2587332"/>
+              <a:gd name="connsiteY4" fmla="*/ 0 h 2354397"/>
+              <a:gd name="connsiteX0" fmla="*/ 0 w 2587332"/>
+              <a:gd name="connsiteY0" fmla="*/ 0 h 2354397"/>
+              <a:gd name="connsiteX1" fmla="*/ 2574080 w 2587332"/>
+              <a:gd name="connsiteY1" fmla="*/ 26504 h 2354397"/>
+              <a:gd name="connsiteX2" fmla="*/ 2587332 w 2587332"/>
+              <a:gd name="connsiteY2" fmla="*/ 2354397 h 2354397"/>
+              <a:gd name="connsiteX3" fmla="*/ 26504 w 2587332"/>
+              <a:gd name="connsiteY3" fmla="*/ 2354397 h 2354397"/>
+              <a:gd name="connsiteX4" fmla="*/ 0 w 2587332"/>
+              <a:gd name="connsiteY4" fmla="*/ 0 h 2354397"/>
+            </a:gdLst>
+            <a:ahLst/>
+            <a:cxnLst>
+              <a:cxn ang="0">
+                <a:pos x="connsiteX0" y="connsiteY0"/>
+              </a:cxn>
+              <a:cxn ang="0">
+                <a:pos x="connsiteX1" y="connsiteY1"/>
+              </a:cxn>
+              <a:cxn ang="0">
+                <a:pos x="connsiteX2" y="connsiteY2"/>
+              </a:cxn>
+              <a:cxn ang="0">
+                <a:pos x="connsiteX3" y="connsiteY3"/>
+              </a:cxn>
+              <a:cxn ang="0">
+                <a:pos x="connsiteX4" y="connsiteY4"/>
+              </a:cxn>
+            </a:cxnLst>
+            <a:rect l="l" t="t" r="r" b="b"/>
+            <a:pathLst>
+              <a:path w="2587332" h="2354397">
+                <a:moveTo>
+                  <a:pt x="0" y="0"/>
+                </a:moveTo>
+                <a:lnTo>
+                  <a:pt x="2574080" y="26504"/>
+                </a:lnTo>
+                <a:cubicBezTo>
+                  <a:pt x="2578497" y="802468"/>
+                  <a:pt x="2582915" y="1578433"/>
+                  <a:pt x="2587332" y="2354397"/>
+                </a:cubicBezTo>
+                <a:lnTo>
+                  <a:pt x="26504" y="2354397"/>
+                </a:lnTo>
+                <a:lnTo>
+                  <a:pt x="0" y="0"/>
+                </a:lnTo>
+                <a:close/>
+              </a:path>
+            </a:pathLst>
+          </a:custGeom>
+          <a:solidFill>
+            <a:srgbClr val="FFFFFF">
+              <a:alpha val="30196"/>
+            </a:srgbClr>
+          </a:solidFill>
+        </p:spPr>
+        <p:txBody>
+          <a:bodyPr wrap="square" lIns="36000" tIns="36000" rIns="36000" bIns="36000" rtlCol="0" anchor="ctr">
+            <a:noAutofit/>
+          </a:bodyPr>
+          <a:lstStyle/>
+          <a:p>
+            <a:pPr algn="ctr">
+              <a:lnSpc>
+                <a:spcPct val="150000"/>
+              </a:lnSpc>
+            </a:pPr>
+            <a:r>
+              <a:rPr lang="en-GB" sz="1600" kern="1800" dirty="0">
+                <a:ln w="0">
+                  <a:noFill/>
+                </a:ln>
+                <a:solidFill>
+                  <a:srgbClr val="471D0D"/>
+                </a:solidFill>
+                <a:latin typeface="Elephant Pro" panose="020F0502020204030204" pitchFamily="2" charset="0"/>
+                <a:ea typeface="Verdana" panose="020B0604030504040204" pitchFamily="34" charset="0"/>
+                <a:cs typeface="Aharoni" panose="02010803020104030203" pitchFamily="2" charset="-79"/>
+              </a:rPr>
+              <a:t>Stuck in a wooden cabin in the middle of a snowstorm, it's up to you to coordinate with your team and escape together.</a:t>
+            </a:r>
+          </a:p>
+        </p:txBody>
+      </p:sp>
     </p:spTree>
     <p:extLst>
       <p:ext uri="{BB962C8B-B14F-4D97-AF65-F5344CB8AC3E}">

--- a/Winter Cabin - Spec Sheet.pptx
+++ b/Winter Cabin - Spec Sheet.pptx
@@ -1,6 +1,6 @@
 
 <file path=ppt/presentation.xml><?xml version="1.0" encoding="utf-8"?>
-<p:presentation xmlns:a="http://schemas.openxmlformats.org/drawingml/2006/main" xmlns:r="http://schemas.openxmlformats.org/officeDocument/2006/relationships" xmlns:p="http://schemas.openxmlformats.org/presentationml/2006/main" saveSubsetFonts="1">
+<p:presentation xmlns:a="http://schemas.openxmlformats.org/drawingml/2006/main" xmlns:r="http://schemas.openxmlformats.org/officeDocument/2006/relationships" xmlns:p="http://schemas.openxmlformats.org/presentationml/2006/main" saveSubsetFonts="1" autoCompressPictures="0">
   <p:sldMasterIdLst>
     <p:sldMasterId id="2147483684" r:id="rId1"/>
   </p:sldMasterIdLst>
@@ -118,7 +118,7 @@
 <file path=ppt/revisionInfo.xml><?xml version="1.0" encoding="utf-8"?>
 <p1510:revInfo xmlns:a="http://schemas.openxmlformats.org/drawingml/2006/main" xmlns:r="http://schemas.openxmlformats.org/officeDocument/2006/relationships" xmlns:p1510="http://schemas.microsoft.com/office/powerpoint/2015/10/main">
   <p1510:revLst>
-    <p1510:client id="{CBF6066A-AC1D-45DF-B660-0BC391A934D8}" v="108" dt="2025-01-12T22:25:06.784"/>
+    <p1510:client id="{CBF6066A-AC1D-45DF-B660-0BC391A934D8}" v="118" dt="2025-01-12T23:14:17.894"/>
   </p1510:revLst>
 </p1510:revInfo>
 </file>
@@ -178,14 +178,6 @@
             <ac:grpSpMk id="38" creationId="{C0991C7C-1FB3-3B68-6002-77244F5E0B93}"/>
           </ac:grpSpMkLst>
         </pc:grpChg>
-        <pc:grpChg chg="add mod ord">
-          <ac:chgData name="Vitor Azambujo" userId="038c0fb7-b6e3-4711-bf7b-acabb0e9135e" providerId="ADAL" clId="{B6D83570-2398-4E7D-8A5B-3855B4C0FBB8}" dt="2024-10-21T00:54:20.097" v="2421" actId="1038"/>
-          <ac:grpSpMkLst>
-            <pc:docMk/>
-            <pc:sldMk cId="302140398" sldId="256"/>
-            <ac:grpSpMk id="45" creationId="{54AD8AC0-0AAD-A3DE-3C7B-D1E87EFC4F69}"/>
-          </ac:grpSpMkLst>
-        </pc:grpChg>
         <pc:grpChg chg="add mod">
           <ac:chgData name="Vitor Azambujo" userId="038c0fb7-b6e3-4711-bf7b-acabb0e9135e" providerId="ADAL" clId="{B6D83570-2398-4E7D-8A5B-3855B4C0FBB8}" dt="2024-10-21T00:54:05.373" v="2383" actId="34135"/>
           <ac:grpSpMkLst>
@@ -296,14 +288,6 @@
             <pc:docMk/>
             <pc:sldMk cId="302140398" sldId="256"/>
             <ac:picMk id="33" creationId="{0874A626-7FA0-24E2-96C0-47A7BC1A8EFD}"/>
-          </ac:picMkLst>
-        </pc:picChg>
-        <pc:picChg chg="add mod">
-          <ac:chgData name="Vitor Azambujo" userId="038c0fb7-b6e3-4711-bf7b-acabb0e9135e" providerId="ADAL" clId="{B6D83570-2398-4E7D-8A5B-3855B4C0FBB8}" dt="2024-10-21T00:56:37.920" v="2463" actId="688"/>
-          <ac:picMkLst>
-            <pc:docMk/>
-            <pc:sldMk cId="302140398" sldId="256"/>
-            <ac:picMk id="42" creationId="{350B6678-FFA3-E037-5CFE-9778AC74F27B}"/>
           </ac:picMkLst>
         </pc:picChg>
         <pc:picChg chg="add mod ord">
@@ -399,18 +383,18 @@
   <pc:docChgLst>
     <pc:chgData name="Vitor Azambujo" userId="038c0fb7-b6e3-4711-bf7b-acabb0e9135e" providerId="ADAL" clId="{CBF6066A-AC1D-45DF-B660-0BC391A934D8}"/>
     <pc:docChg chg="undo custSel modSld modMainMaster modNotesMaster">
-      <pc:chgData name="Vitor Azambujo" userId="038c0fb7-b6e3-4711-bf7b-acabb0e9135e" providerId="ADAL" clId="{CBF6066A-AC1D-45DF-B660-0BC391A934D8}" dt="2025-01-12T22:25:06.784" v="2436"/>
+      <pc:chgData name="Vitor Azambujo" userId="038c0fb7-b6e3-4711-bf7b-acabb0e9135e" providerId="ADAL" clId="{CBF6066A-AC1D-45DF-B660-0BC391A934D8}" dt="2025-01-12T23:16:17.500" v="3001" actId="20577"/>
       <pc:docMkLst>
         <pc:docMk/>
       </pc:docMkLst>
       <pc:sldChg chg="addSp delSp modSp mod setBg modNotes">
-        <pc:chgData name="Vitor Azambujo" userId="038c0fb7-b6e3-4711-bf7b-acabb0e9135e" providerId="ADAL" clId="{CBF6066A-AC1D-45DF-B660-0BC391A934D8}" dt="2025-01-12T22:25:06.784" v="2436"/>
+        <pc:chgData name="Vitor Azambujo" userId="038c0fb7-b6e3-4711-bf7b-acabb0e9135e" providerId="ADAL" clId="{CBF6066A-AC1D-45DF-B660-0BC391A934D8}" dt="2025-01-12T23:16:17.500" v="3001" actId="20577"/>
         <pc:sldMkLst>
           <pc:docMk/>
           <pc:sldMk cId="302140398" sldId="256"/>
         </pc:sldMkLst>
         <pc:spChg chg="mod">
-          <ac:chgData name="Vitor Azambujo" userId="038c0fb7-b6e3-4711-bf7b-acabb0e9135e" providerId="ADAL" clId="{CBF6066A-AC1D-45DF-B660-0BC391A934D8}" dt="2025-01-12T21:35:44.643" v="826" actId="34135"/>
+          <ac:chgData name="Vitor Azambujo" userId="038c0fb7-b6e3-4711-bf7b-acabb0e9135e" providerId="ADAL" clId="{CBF6066A-AC1D-45DF-B660-0BC391A934D8}" dt="2025-01-12T23:14:55.847" v="2954" actId="34135"/>
           <ac:spMkLst>
             <pc:docMk/>
             <pc:sldMk cId="302140398" sldId="256"/>
@@ -426,7 +410,7 @@
           </ac:spMkLst>
         </pc:spChg>
         <pc:spChg chg="mod ord topLvl">
-          <ac:chgData name="Vitor Azambujo" userId="038c0fb7-b6e3-4711-bf7b-acabb0e9135e" providerId="ADAL" clId="{CBF6066A-AC1D-45DF-B660-0BC391A934D8}" dt="2025-01-12T22:23:08.977" v="2412" actId="34136"/>
+          <ac:chgData name="Vitor Azambujo" userId="038c0fb7-b6e3-4711-bf7b-acabb0e9135e" providerId="ADAL" clId="{CBF6066A-AC1D-45DF-B660-0BC391A934D8}" dt="2025-01-12T23:14:55.847" v="2954" actId="34135"/>
           <ac:spMkLst>
             <pc:docMk/>
             <pc:sldMk cId="302140398" sldId="256"/>
@@ -434,7 +418,7 @@
           </ac:spMkLst>
         </pc:spChg>
         <pc:spChg chg="mod">
-          <ac:chgData name="Vitor Azambujo" userId="038c0fb7-b6e3-4711-bf7b-acabb0e9135e" providerId="ADAL" clId="{CBF6066A-AC1D-45DF-B660-0BC391A934D8}" dt="2025-01-12T22:17:02.746" v="2361" actId="20577"/>
+          <ac:chgData name="Vitor Azambujo" userId="038c0fb7-b6e3-4711-bf7b-acabb0e9135e" providerId="ADAL" clId="{CBF6066A-AC1D-45DF-B660-0BC391A934D8}" dt="2025-01-12T23:14:55.847" v="2954" actId="34135"/>
           <ac:spMkLst>
             <pc:docMk/>
             <pc:sldMk cId="302140398" sldId="256"/>
@@ -442,7 +426,7 @@
           </ac:spMkLst>
         </pc:spChg>
         <pc:spChg chg="mod topLvl">
-          <ac:chgData name="Vitor Azambujo" userId="038c0fb7-b6e3-4711-bf7b-acabb0e9135e" providerId="ADAL" clId="{CBF6066A-AC1D-45DF-B660-0BC391A934D8}" dt="2025-01-12T22:15:51.102" v="2327" actId="34135"/>
+          <ac:chgData name="Vitor Azambujo" userId="038c0fb7-b6e3-4711-bf7b-acabb0e9135e" providerId="ADAL" clId="{CBF6066A-AC1D-45DF-B660-0BC391A934D8}" dt="2025-01-12T23:16:17.500" v="3001" actId="20577"/>
           <ac:spMkLst>
             <pc:docMk/>
             <pc:sldMk cId="302140398" sldId="256"/>
@@ -457,12 +441,28 @@
             <ac:grpSpMk id="2" creationId="{2DFC2E1B-D466-61E6-9349-6513051935C7}"/>
           </ac:grpSpMkLst>
         </pc:grpChg>
+        <pc:grpChg chg="add mod">
+          <ac:chgData name="Vitor Azambujo" userId="038c0fb7-b6e3-4711-bf7b-acabb0e9135e" providerId="ADAL" clId="{CBF6066A-AC1D-45DF-B660-0BC391A934D8}" dt="2025-01-12T23:14:35.306" v="2938" actId="1035"/>
+          <ac:grpSpMkLst>
+            <pc:docMk/>
+            <pc:sldMk cId="302140398" sldId="256"/>
+            <ac:grpSpMk id="2" creationId="{9D5D6923-FB77-45C1-95C7-2C15D73C48F0}"/>
+          </ac:grpSpMkLst>
+        </pc:grpChg>
         <pc:grpChg chg="add del mod topLvl">
           <ac:chgData name="Vitor Azambujo" userId="038c0fb7-b6e3-4711-bf7b-acabb0e9135e" providerId="ADAL" clId="{CBF6066A-AC1D-45DF-B660-0BC391A934D8}" dt="2025-01-12T18:43:55.761" v="125" actId="165"/>
           <ac:grpSpMkLst>
             <pc:docMk/>
             <pc:sldMk cId="302140398" sldId="256"/>
             <ac:grpSpMk id="3" creationId="{1936B23E-EEC6-ACC6-6B55-9749A16B355A}"/>
+          </ac:grpSpMkLst>
+        </pc:grpChg>
+        <pc:grpChg chg="add mod">
+          <ac:chgData name="Vitor Azambujo" userId="038c0fb7-b6e3-4711-bf7b-acabb0e9135e" providerId="ADAL" clId="{CBF6066A-AC1D-45DF-B660-0BC391A934D8}" dt="2025-01-12T23:14:02.953" v="2885" actId="1035"/>
+          <ac:grpSpMkLst>
+            <pc:docMk/>
+            <pc:sldMk cId="302140398" sldId="256"/>
+            <ac:grpSpMk id="4" creationId="{AC7C6405-AA38-4D1F-A24B-215E3CF03D89}"/>
           </ac:grpSpMkLst>
         </pc:grpChg>
         <pc:grpChg chg="add del mod">
@@ -505,6 +505,22 @@
             <ac:grpSpMk id="13" creationId="{28FE857B-D96F-5D77-9144-B3B8D82EA529}"/>
           </ac:grpSpMkLst>
         </pc:grpChg>
+        <pc:grpChg chg="add mod">
+          <ac:chgData name="Vitor Azambujo" userId="038c0fb7-b6e3-4711-bf7b-acabb0e9135e" providerId="ADAL" clId="{CBF6066A-AC1D-45DF-B660-0BC391A934D8}" dt="2025-01-12T23:14:17.894" v="2909" actId="164"/>
+          <ac:grpSpMkLst>
+            <pc:docMk/>
+            <pc:sldMk cId="302140398" sldId="256"/>
+            <ac:grpSpMk id="17" creationId="{0FB09B2C-0959-995A-00E7-5BB3104C136D}"/>
+          </ac:grpSpMkLst>
+        </pc:grpChg>
+        <pc:grpChg chg="add mod ord">
+          <ac:chgData name="Vitor Azambujo" userId="038c0fb7-b6e3-4711-bf7b-acabb0e9135e" providerId="ADAL" clId="{CBF6066A-AC1D-45DF-B660-0BC391A934D8}" dt="2025-01-12T23:14:29.113" v="2931" actId="1035"/>
+          <ac:grpSpMkLst>
+            <pc:docMk/>
+            <pc:sldMk cId="302140398" sldId="256"/>
+            <ac:grpSpMk id="18" creationId="{2F16C63E-F68A-6F69-2B7D-8957401F668E}"/>
+          </ac:grpSpMkLst>
+        </pc:grpChg>
         <pc:grpChg chg="add del mod">
           <ac:chgData name="Vitor Azambujo" userId="038c0fb7-b6e3-4711-bf7b-acabb0e9135e" providerId="ADAL" clId="{CBF6066A-AC1D-45DF-B660-0BC391A934D8}" dt="2025-01-12T21:49:21.973" v="1670" actId="165"/>
           <ac:grpSpMkLst>
@@ -529,8 +545,8 @@
             <ac:grpSpMk id="22" creationId="{250BD280-690D-E3D6-2A7F-FA8E465D231B}"/>
           </ac:grpSpMkLst>
         </pc:grpChg>
-        <pc:grpChg chg="add mod">
-          <ac:chgData name="Vitor Azambujo" userId="038c0fb7-b6e3-4711-bf7b-acabb0e9135e" providerId="ADAL" clId="{CBF6066A-AC1D-45DF-B660-0BC391A934D8}" dt="2025-01-12T21:53:36.948" v="1940" actId="164"/>
+        <pc:grpChg chg="add del mod topLvl">
+          <ac:chgData name="Vitor Azambujo" userId="038c0fb7-b6e3-4711-bf7b-acabb0e9135e" providerId="ADAL" clId="{CBF6066A-AC1D-45DF-B660-0BC391A934D8}" dt="2025-01-12T22:45:20.952" v="2439" actId="165"/>
           <ac:grpSpMkLst>
             <pc:docMk/>
             <pc:sldMk cId="302140398" sldId="256"/>
@@ -554,7 +570,7 @@
           </ac:grpSpMkLst>
         </pc:grpChg>
         <pc:grpChg chg="add mod">
-          <ac:chgData name="Vitor Azambujo" userId="038c0fb7-b6e3-4711-bf7b-acabb0e9135e" providerId="ADAL" clId="{CBF6066A-AC1D-45DF-B660-0BC391A934D8}" dt="2025-01-12T21:53:36.948" v="1940" actId="164"/>
+          <ac:chgData name="Vitor Azambujo" userId="038c0fb7-b6e3-4711-bf7b-acabb0e9135e" providerId="ADAL" clId="{CBF6066A-AC1D-45DF-B660-0BC391A934D8}" dt="2025-01-12T22:45:04.288" v="2437" actId="34136"/>
           <ac:grpSpMkLst>
             <pc:docMk/>
             <pc:sldMk cId="302140398" sldId="256"/>
@@ -562,7 +578,7 @@
           </ac:grpSpMkLst>
         </pc:grpChg>
         <pc:grpChg chg="add mod">
-          <ac:chgData name="Vitor Azambujo" userId="038c0fb7-b6e3-4711-bf7b-acabb0e9135e" providerId="ADAL" clId="{CBF6066A-AC1D-45DF-B660-0BC391A934D8}" dt="2025-01-12T22:15:51.102" v="2327" actId="34135"/>
+          <ac:chgData name="Vitor Azambujo" userId="038c0fb7-b6e3-4711-bf7b-acabb0e9135e" providerId="ADAL" clId="{CBF6066A-AC1D-45DF-B660-0BC391A934D8}" dt="2025-01-12T23:14:07.793" v="2897" actId="1035"/>
           <ac:grpSpMkLst>
             <pc:docMk/>
             <pc:sldMk cId="302140398" sldId="256"/>
@@ -586,7 +602,7 @@
           </ac:grpSpMkLst>
         </pc:grpChg>
         <pc:grpChg chg="mod">
-          <ac:chgData name="Vitor Azambujo" userId="038c0fb7-b6e3-4711-bf7b-acabb0e9135e" providerId="ADAL" clId="{CBF6066A-AC1D-45DF-B660-0BC391A934D8}" dt="2025-01-12T21:38:55.945" v="1168" actId="34136"/>
+          <ac:chgData name="Vitor Azambujo" userId="038c0fb7-b6e3-4711-bf7b-acabb0e9135e" providerId="ADAL" clId="{CBF6066A-AC1D-45DF-B660-0BC391A934D8}" dt="2025-01-12T23:14:32.788" v="2932" actId="34136"/>
           <ac:grpSpMkLst>
             <pc:docMk/>
             <pc:sldMk cId="302140398" sldId="256"/>
@@ -602,31 +618,39 @@
           </ac:grpSpMkLst>
         </pc:grpChg>
         <pc:grpChg chg="add mod">
-          <ac:chgData name="Vitor Azambujo" userId="038c0fb7-b6e3-4711-bf7b-acabb0e9135e" providerId="ADAL" clId="{CBF6066A-AC1D-45DF-B660-0BC391A934D8}" dt="2025-01-12T22:19:42.541" v="2373"/>
+          <ac:chgData name="Vitor Azambujo" userId="038c0fb7-b6e3-4711-bf7b-acabb0e9135e" providerId="ADAL" clId="{CBF6066A-AC1D-45DF-B660-0BC391A934D8}" dt="2025-01-12T23:13:51.759" v="2876" actId="1037"/>
           <ac:grpSpMkLst>
             <pc:docMk/>
             <pc:sldMk cId="302140398" sldId="256"/>
             <ac:grpSpMk id="41" creationId="{B7DF05CC-855E-814B-C1B9-4B80A5C19E9D}"/>
           </ac:grpSpMkLst>
         </pc:grpChg>
-        <pc:grpChg chg="mod ord">
-          <ac:chgData name="Vitor Azambujo" userId="038c0fb7-b6e3-4711-bf7b-acabb0e9135e" providerId="ADAL" clId="{CBF6066A-AC1D-45DF-B660-0BC391A934D8}" dt="2025-01-12T21:53:04.363" v="1896" actId="164"/>
+        <pc:grpChg chg="del mod ord">
+          <ac:chgData name="Vitor Azambujo" userId="038c0fb7-b6e3-4711-bf7b-acabb0e9135e" providerId="ADAL" clId="{CBF6066A-AC1D-45DF-B660-0BC391A934D8}" dt="2025-01-12T22:45:26.495" v="2440" actId="478"/>
           <ac:grpSpMkLst>
             <pc:docMk/>
             <pc:sldMk cId="302140398" sldId="256"/>
             <ac:grpSpMk id="45" creationId="{54AD8AC0-0AAD-A3DE-3C7B-D1E87EFC4F69}"/>
           </ac:grpSpMkLst>
         </pc:grpChg>
-        <pc:grpChg chg="mod">
-          <ac:chgData name="Vitor Azambujo" userId="038c0fb7-b6e3-4711-bf7b-acabb0e9135e" providerId="ADAL" clId="{CBF6066A-AC1D-45DF-B660-0BC391A934D8}" dt="2025-01-12T21:53:39.206" v="1941" actId="34135"/>
+        <pc:grpChg chg="mod topLvl">
+          <ac:chgData name="Vitor Azambujo" userId="038c0fb7-b6e3-4711-bf7b-acabb0e9135e" providerId="ADAL" clId="{CBF6066A-AC1D-45DF-B660-0BC391A934D8}" dt="2025-01-12T23:14:32.788" v="2932" actId="34136"/>
           <ac:grpSpMkLst>
             <pc:docMk/>
             <pc:sldMk cId="302140398" sldId="256"/>
             <ac:grpSpMk id="46" creationId="{8D363A0D-C824-9474-7400-473081060E91}"/>
           </ac:grpSpMkLst>
         </pc:grpChg>
-        <pc:picChg chg="mod topLvl">
-          <ac:chgData name="Vitor Azambujo" userId="038c0fb7-b6e3-4711-bf7b-acabb0e9135e" providerId="ADAL" clId="{CBF6066A-AC1D-45DF-B660-0BC391A934D8}" dt="2025-01-12T22:23:15.144" v="2419" actId="1038"/>
+        <pc:picChg chg="add mod ord">
+          <ac:chgData name="Vitor Azambujo" userId="038c0fb7-b6e3-4711-bf7b-acabb0e9135e" providerId="ADAL" clId="{CBF6066A-AC1D-45DF-B660-0BC391A934D8}" dt="2025-01-12T23:03:37.216" v="2676" actId="164"/>
+          <ac:picMkLst>
+            <pc:docMk/>
+            <pc:sldMk cId="302140398" sldId="256"/>
+            <ac:picMk id="3" creationId="{C8B35579-0B66-4FC5-B346-7544B951EEDA}"/>
+          </ac:picMkLst>
+        </pc:picChg>
+        <pc:picChg chg="mod ord topLvl">
+          <ac:chgData name="Vitor Azambujo" userId="038c0fb7-b6e3-4711-bf7b-acabb0e9135e" providerId="ADAL" clId="{CBF6066A-AC1D-45DF-B660-0BC391A934D8}" dt="2025-01-12T23:14:55.847" v="2954" actId="34135"/>
           <ac:picMkLst>
             <pc:docMk/>
             <pc:sldMk cId="302140398" sldId="256"/>
@@ -634,7 +658,7 @@
           </ac:picMkLst>
         </pc:picChg>
         <pc:picChg chg="mod topLvl">
-          <ac:chgData name="Vitor Azambujo" userId="038c0fb7-b6e3-4711-bf7b-acabb0e9135e" providerId="ADAL" clId="{CBF6066A-AC1D-45DF-B660-0BC391A934D8}" dt="2025-01-12T22:23:39.863" v="2426"/>
+          <ac:chgData name="Vitor Azambujo" userId="038c0fb7-b6e3-4711-bf7b-acabb0e9135e" providerId="ADAL" clId="{CBF6066A-AC1D-45DF-B660-0BC391A934D8}" dt="2025-01-12T23:14:55.847" v="2954" actId="34135"/>
           <ac:picMkLst>
             <pc:docMk/>
             <pc:sldMk cId="302140398" sldId="256"/>
@@ -642,7 +666,7 @@
           </ac:picMkLst>
         </pc:picChg>
         <pc:picChg chg="mod topLvl">
-          <ac:chgData name="Vitor Azambujo" userId="038c0fb7-b6e3-4711-bf7b-acabb0e9135e" providerId="ADAL" clId="{CBF6066A-AC1D-45DF-B660-0BC391A934D8}" dt="2025-01-12T22:24:40.885" v="2434"/>
+          <ac:chgData name="Vitor Azambujo" userId="038c0fb7-b6e3-4711-bf7b-acabb0e9135e" providerId="ADAL" clId="{CBF6066A-AC1D-45DF-B660-0BC391A934D8}" dt="2025-01-12T23:14:05.124" v="2886" actId="34136"/>
           <ac:picMkLst>
             <pc:docMk/>
             <pc:sldMk cId="302140398" sldId="256"/>
@@ -650,15 +674,31 @@
           </ac:picMkLst>
         </pc:picChg>
         <pc:picChg chg="mod">
-          <ac:chgData name="Vitor Azambujo" userId="038c0fb7-b6e3-4711-bf7b-acabb0e9135e" providerId="ADAL" clId="{CBF6066A-AC1D-45DF-B660-0BC391A934D8}" dt="2025-01-12T21:53:39.206" v="1941" actId="34135"/>
+          <ac:chgData name="Vitor Azambujo" userId="038c0fb7-b6e3-4711-bf7b-acabb0e9135e" providerId="ADAL" clId="{CBF6066A-AC1D-45DF-B660-0BC391A934D8}" dt="2025-01-12T23:14:32.788" v="2932" actId="34136"/>
           <ac:picMkLst>
             <pc:docMk/>
             <pc:sldMk cId="302140398" sldId="256"/>
             <ac:picMk id="9" creationId="{8DF35568-F266-BC1B-C01C-8EBE2CB9C070}"/>
           </ac:picMkLst>
         </pc:picChg>
+        <pc:picChg chg="add mod modCrop">
+          <ac:chgData name="Vitor Azambujo" userId="038c0fb7-b6e3-4711-bf7b-acabb0e9135e" providerId="ADAL" clId="{CBF6066A-AC1D-45DF-B660-0BC391A934D8}" dt="2025-01-12T23:14:17.894" v="2909" actId="164"/>
+          <ac:picMkLst>
+            <pc:docMk/>
+            <pc:sldMk cId="302140398" sldId="256"/>
+            <ac:picMk id="10" creationId="{CC0F80CB-AD98-7B0D-0855-12377261E8FE}"/>
+          </ac:picMkLst>
+        </pc:picChg>
+        <pc:picChg chg="add mod ord modCrop">
+          <ac:chgData name="Vitor Azambujo" userId="038c0fb7-b6e3-4711-bf7b-acabb0e9135e" providerId="ADAL" clId="{CBF6066A-AC1D-45DF-B660-0BC391A934D8}" dt="2025-01-12T23:03:37.216" v="2676" actId="164"/>
+          <ac:picMkLst>
+            <pc:docMk/>
+            <pc:sldMk cId="302140398" sldId="256"/>
+            <ac:picMk id="13" creationId="{C75D8FAB-98AA-F4F9-C7F1-352DE33DB1E8}"/>
+          </ac:picMkLst>
+        </pc:picChg>
         <pc:picChg chg="mod topLvl">
-          <ac:chgData name="Vitor Azambujo" userId="038c0fb7-b6e3-4711-bf7b-acabb0e9135e" providerId="ADAL" clId="{CBF6066A-AC1D-45DF-B660-0BC391A934D8}" dt="2025-01-12T22:19:27.648" v="2372" actId="34135"/>
+          <ac:chgData name="Vitor Azambujo" userId="038c0fb7-b6e3-4711-bf7b-acabb0e9135e" providerId="ADAL" clId="{CBF6066A-AC1D-45DF-B660-0BC391A934D8}" dt="2025-01-12T23:13:47.631" v="2862" actId="34136"/>
           <ac:picMkLst>
             <pc:docMk/>
             <pc:sldMk cId="302140398" sldId="256"/>
@@ -666,7 +706,7 @@
           </ac:picMkLst>
         </pc:picChg>
         <pc:picChg chg="mod topLvl">
-          <ac:chgData name="Vitor Azambujo" userId="038c0fb7-b6e3-4711-bf7b-acabb0e9135e" providerId="ADAL" clId="{CBF6066A-AC1D-45DF-B660-0BC391A934D8}" dt="2025-01-12T22:19:27.648" v="2372" actId="34135"/>
+          <ac:chgData name="Vitor Azambujo" userId="038c0fb7-b6e3-4711-bf7b-acabb0e9135e" providerId="ADAL" clId="{CBF6066A-AC1D-45DF-B660-0BC391A934D8}" dt="2025-01-12T23:13:47.631" v="2862" actId="34136"/>
           <ac:picMkLst>
             <pc:docMk/>
             <pc:sldMk cId="302140398" sldId="256"/>
@@ -674,7 +714,7 @@
           </ac:picMkLst>
         </pc:picChg>
         <pc:picChg chg="add mod">
-          <ac:chgData name="Vitor Azambujo" userId="038c0fb7-b6e3-4711-bf7b-acabb0e9135e" providerId="ADAL" clId="{CBF6066A-AC1D-45DF-B660-0BC391A934D8}" dt="2025-01-12T21:53:22.004" v="1903" actId="34135"/>
+          <ac:chgData name="Vitor Azambujo" userId="038c0fb7-b6e3-4711-bf7b-acabb0e9135e" providerId="ADAL" clId="{CBF6066A-AC1D-45DF-B660-0BC391A934D8}" dt="2025-01-12T23:14:55.847" v="2954" actId="34135"/>
           <ac:picMkLst>
             <pc:docMk/>
             <pc:sldMk cId="302140398" sldId="256"/>
@@ -698,7 +738,7 @@
           </ac:picMkLst>
         </pc:picChg>
         <pc:picChg chg="mod topLvl">
-          <ac:chgData name="Vitor Azambujo" userId="038c0fb7-b6e3-4711-bf7b-acabb0e9135e" providerId="ADAL" clId="{CBF6066A-AC1D-45DF-B660-0BC391A934D8}" dt="2025-01-12T22:24:00.446" v="2433"/>
+          <ac:chgData name="Vitor Azambujo" userId="038c0fb7-b6e3-4711-bf7b-acabb0e9135e" providerId="ADAL" clId="{CBF6066A-AC1D-45DF-B660-0BC391A934D8}" dt="2025-01-12T23:14:55.847" v="2954" actId="34135"/>
           <ac:picMkLst>
             <pc:docMk/>
             <pc:sldMk cId="302140398" sldId="256"/>
@@ -706,7 +746,7 @@
           </ac:picMkLst>
         </pc:picChg>
         <pc:picChg chg="mod">
-          <ac:chgData name="Vitor Azambujo" userId="038c0fb7-b6e3-4711-bf7b-acabb0e9135e" providerId="ADAL" clId="{CBF6066A-AC1D-45DF-B660-0BC391A934D8}" dt="2025-01-12T22:24:55.014" v="2435"/>
+          <ac:chgData name="Vitor Azambujo" userId="038c0fb7-b6e3-4711-bf7b-acabb0e9135e" providerId="ADAL" clId="{CBF6066A-AC1D-45DF-B660-0BC391A934D8}" dt="2025-01-12T23:14:32.788" v="2932" actId="34136"/>
           <ac:picMkLst>
             <pc:docMk/>
             <pc:sldMk cId="302140398" sldId="256"/>
@@ -714,7 +754,7 @@
           </ac:picMkLst>
         </pc:picChg>
         <pc:picChg chg="mod">
-          <ac:chgData name="Vitor Azambujo" userId="038c0fb7-b6e3-4711-bf7b-acabb0e9135e" providerId="ADAL" clId="{CBF6066A-AC1D-45DF-B660-0BC391A934D8}" dt="2025-01-12T22:25:06.784" v="2436"/>
+          <ac:chgData name="Vitor Azambujo" userId="038c0fb7-b6e3-4711-bf7b-acabb0e9135e" providerId="ADAL" clId="{CBF6066A-AC1D-45DF-B660-0BC391A934D8}" dt="2025-01-12T23:14:32.788" v="2932" actId="34136"/>
           <ac:picMkLst>
             <pc:docMk/>
             <pc:sldMk cId="302140398" sldId="256"/>
@@ -722,7 +762,7 @@
           </ac:picMkLst>
         </pc:picChg>
         <pc:picChg chg="mod">
-          <ac:chgData name="Vitor Azambujo" userId="038c0fb7-b6e3-4711-bf7b-acabb0e9135e" providerId="ADAL" clId="{CBF6066A-AC1D-45DF-B660-0BC391A934D8}" dt="2025-01-12T21:53:39.206" v="1941" actId="34135"/>
+          <ac:chgData name="Vitor Azambujo" userId="038c0fb7-b6e3-4711-bf7b-acabb0e9135e" providerId="ADAL" clId="{CBF6066A-AC1D-45DF-B660-0BC391A934D8}" dt="2025-01-12T23:14:32.788" v="2932" actId="34136"/>
           <ac:picMkLst>
             <pc:docMk/>
             <pc:sldMk cId="302140398" sldId="256"/>
@@ -730,31 +770,31 @@
           </ac:picMkLst>
         </pc:picChg>
         <pc:picChg chg="mod">
-          <ac:chgData name="Vitor Azambujo" userId="038c0fb7-b6e3-4711-bf7b-acabb0e9135e" providerId="ADAL" clId="{CBF6066A-AC1D-45DF-B660-0BC391A934D8}" dt="2025-01-12T21:53:39.206" v="1941" actId="34135"/>
+          <ac:chgData name="Vitor Azambujo" userId="038c0fb7-b6e3-4711-bf7b-acabb0e9135e" providerId="ADAL" clId="{CBF6066A-AC1D-45DF-B660-0BC391A934D8}" dt="2025-01-12T23:14:44.408" v="2953" actId="1038"/>
           <ac:picMkLst>
             <pc:docMk/>
             <pc:sldMk cId="302140398" sldId="256"/>
             <ac:picMk id="31" creationId="{78533EA2-CF8D-6E86-9BD7-94A6DB574975}"/>
           </ac:picMkLst>
         </pc:picChg>
-        <pc:picChg chg="mod ord">
-          <ac:chgData name="Vitor Azambujo" userId="038c0fb7-b6e3-4711-bf7b-acabb0e9135e" providerId="ADAL" clId="{CBF6066A-AC1D-45DF-B660-0BC391A934D8}" dt="2025-01-12T21:53:39.206" v="1941" actId="34135"/>
+        <pc:picChg chg="mod ord topLvl">
+          <ac:chgData name="Vitor Azambujo" userId="038c0fb7-b6e3-4711-bf7b-acabb0e9135e" providerId="ADAL" clId="{CBF6066A-AC1D-45DF-B660-0BC391A934D8}" dt="2025-01-12T23:14:32.788" v="2932" actId="34136"/>
           <ac:picMkLst>
             <pc:docMk/>
             <pc:sldMk cId="302140398" sldId="256"/>
             <ac:picMk id="33" creationId="{0874A626-7FA0-24E2-96C0-47A7BC1A8EFD}"/>
           </ac:picMkLst>
         </pc:picChg>
-        <pc:picChg chg="mod">
-          <ac:chgData name="Vitor Azambujo" userId="038c0fb7-b6e3-4711-bf7b-acabb0e9135e" providerId="ADAL" clId="{CBF6066A-AC1D-45DF-B660-0BC391A934D8}" dt="2025-01-12T21:53:39.206" v="1941" actId="34135"/>
+        <pc:picChg chg="del mod topLvl">
+          <ac:chgData name="Vitor Azambujo" userId="038c0fb7-b6e3-4711-bf7b-acabb0e9135e" providerId="ADAL" clId="{CBF6066A-AC1D-45DF-B660-0BC391A934D8}" dt="2025-01-12T22:45:26.495" v="2440" actId="478"/>
           <ac:picMkLst>
             <pc:docMk/>
             <pc:sldMk cId="302140398" sldId="256"/>
             <ac:picMk id="42" creationId="{350B6678-FFA3-E037-5CFE-9778AC74F27B}"/>
           </ac:picMkLst>
         </pc:picChg>
-        <pc:picChg chg="mod">
-          <ac:chgData name="Vitor Azambujo" userId="038c0fb7-b6e3-4711-bf7b-acabb0e9135e" providerId="ADAL" clId="{CBF6066A-AC1D-45DF-B660-0BC391A934D8}" dt="2025-01-12T21:53:39.206" v="1941" actId="34135"/>
+        <pc:picChg chg="mod ord topLvl">
+          <ac:chgData name="Vitor Azambujo" userId="038c0fb7-b6e3-4711-bf7b-acabb0e9135e" providerId="ADAL" clId="{CBF6066A-AC1D-45DF-B660-0BC391A934D8}" dt="2025-01-12T23:03:37.216" v="2676" actId="164"/>
           <ac:picMkLst>
             <pc:docMk/>
             <pc:sldMk cId="302140398" sldId="256"/>
@@ -762,7 +802,7 @@
           </ac:picMkLst>
         </pc:picChg>
         <pc:picChg chg="mod">
-          <ac:chgData name="Vitor Azambujo" userId="038c0fb7-b6e3-4711-bf7b-acabb0e9135e" providerId="ADAL" clId="{CBF6066A-AC1D-45DF-B660-0BC391A934D8}" dt="2025-01-12T21:53:22.004" v="1903" actId="34135"/>
+          <ac:chgData name="Vitor Azambujo" userId="038c0fb7-b6e3-4711-bf7b-acabb0e9135e" providerId="ADAL" clId="{CBF6066A-AC1D-45DF-B660-0BC391A934D8}" dt="2025-01-12T23:14:55.847" v="2954" actId="34135"/>
           <ac:picMkLst>
             <pc:docMk/>
             <pc:sldMk cId="302140398" sldId="256"/>
@@ -770,7 +810,7 @@
           </ac:picMkLst>
         </pc:picChg>
         <pc:picChg chg="mod">
-          <ac:chgData name="Vitor Azambujo" userId="038c0fb7-b6e3-4711-bf7b-acabb0e9135e" providerId="ADAL" clId="{CBF6066A-AC1D-45DF-B660-0BC391A934D8}" dt="2025-01-12T21:53:22.004" v="1903" actId="34135"/>
+          <ac:chgData name="Vitor Azambujo" userId="038c0fb7-b6e3-4711-bf7b-acabb0e9135e" providerId="ADAL" clId="{CBF6066A-AC1D-45DF-B660-0BC391A934D8}" dt="2025-01-12T23:14:55.847" v="2954" actId="34135"/>
           <ac:picMkLst>
             <pc:docMk/>
             <pc:sldMk cId="302140398" sldId="256"/>
@@ -4390,6 +4430,208 @@
       </p:grpSpPr>
       <p:grpSp>
         <p:nvGrpSpPr>
+          <p:cNvPr id="18" name="Group 17">
+            <a:extLst>
+              <a:ext uri="{FF2B5EF4-FFF2-40B4-BE49-F238E27FC236}">
+                <a16:creationId xmlns:a16="http://schemas.microsoft.com/office/drawing/2014/main" id="{2F16C63E-F68A-6F69-2B7D-8957401F668E}"/>
+              </a:ext>
+            </a:extLst>
+          </p:cNvPr>
+          <p:cNvGrpSpPr/>
+          <p:nvPr/>
+        </p:nvGrpSpPr>
+        <p:grpSpPr>
+          <a:xfrm>
+            <a:off x="2720305" y="4371444"/>
+            <a:ext cx="5596854" cy="3414129"/>
+            <a:chOff x="2720305" y="4603460"/>
+            <a:chExt cx="5596854" cy="3414129"/>
+          </a:xfrm>
+        </p:grpSpPr>
+        <p:grpSp>
+          <p:nvGrpSpPr>
+            <p:cNvPr id="17" name="Group 16">
+              <a:extLst>
+                <a:ext uri="{FF2B5EF4-FFF2-40B4-BE49-F238E27FC236}">
+                  <a16:creationId xmlns:a16="http://schemas.microsoft.com/office/drawing/2014/main" id="{0FB09B2C-0959-995A-00E7-5BB3104C136D}"/>
+                </a:ext>
+              </a:extLst>
+            </p:cNvPr>
+            <p:cNvGrpSpPr/>
+            <p:nvPr/>
+          </p:nvGrpSpPr>
+          <p:grpSpPr>
+            <a:xfrm>
+              <a:off x="2720305" y="4603460"/>
+              <a:ext cx="5596854" cy="3414129"/>
+              <a:chOff x="2720305" y="4617108"/>
+              <a:chExt cx="5596854" cy="3414129"/>
+            </a:xfrm>
+          </p:grpSpPr>
+          <p:pic>
+            <p:nvPicPr>
+              <p:cNvPr id="44" name="Picture 43" descr="A polaroid with tape on it&#10;&#10;Description automatically generated">
+                <a:extLst>
+                  <a:ext uri="{FF2B5EF4-FFF2-40B4-BE49-F238E27FC236}">
+                    <a16:creationId xmlns:a16="http://schemas.microsoft.com/office/drawing/2014/main" id="{B07A6DFC-E3DB-197F-3D27-11E7AFBABB94}"/>
+                  </a:ext>
+                </a:extLst>
+              </p:cNvPr>
+              <p:cNvPicPr>
+                <a:picLocks noChangeAspect="1"/>
+              </p:cNvPicPr>
+              <p:nvPr/>
+            </p:nvPicPr>
+            <p:blipFill>
+              <a:blip r:embed="rId5">
+                <a:extLst>
+                  <a:ext uri="{BEBA8EAE-BF5A-486C-A8C5-ECC9F3942E4B}">
+                    <a14:imgProps xmlns:a14="http://schemas.microsoft.com/office/drawing/2010/main">
+                      <a14:imgLayer r:embed="rId6">
+                        <a14:imgEffect>
+                          <a14:brightnessContrast contrast="20000"/>
+                        </a14:imgEffect>
+                      </a14:imgLayer>
+                    </a14:imgProps>
+                  </a:ext>
+                  <a:ext uri="{28A0092B-C50C-407E-A947-70E740481C1C}">
+                    <a14:useLocalDpi xmlns:a14="http://schemas.microsoft.com/office/drawing/2010/main" val="0"/>
+                  </a:ext>
+                </a:extLst>
+              </a:blip>
+              <a:stretch>
+                <a:fillRect/>
+              </a:stretch>
+            </p:blipFill>
+            <p:spPr>
+              <a:xfrm rot="21007821">
+                <a:off x="2720305" y="4924754"/>
+                <a:ext cx="3928032" cy="3106483"/>
+              </a:xfrm>
+              <a:prstGeom prst="rect">
+                <a:avLst/>
+              </a:prstGeom>
+            </p:spPr>
+          </p:pic>
+          <p:pic>
+            <p:nvPicPr>
+              <p:cNvPr id="13" name="Picture 12" descr="A pink and brown rectangular object with knobs and buttons&#10;&#10;Description automatically generated">
+                <a:extLst>
+                  <a:ext uri="{FF2B5EF4-FFF2-40B4-BE49-F238E27FC236}">
+                    <a16:creationId xmlns:a16="http://schemas.microsoft.com/office/drawing/2014/main" id="{C75D8FAB-98AA-F4F9-C7F1-352DE33DB1E8}"/>
+                  </a:ext>
+                </a:extLst>
+              </p:cNvPr>
+              <p:cNvPicPr>
+                <a:picLocks noChangeAspect="1"/>
+              </p:cNvPicPr>
+              <p:nvPr/>
+            </p:nvPicPr>
+            <p:blipFill>
+              <a:blip r:embed="rId7">
+                <a:extLst>
+                  <a:ext uri="{28A0092B-C50C-407E-A947-70E740481C1C}">
+                    <a14:useLocalDpi xmlns:a14="http://schemas.microsoft.com/office/drawing/2010/main" val="0"/>
+                  </a:ext>
+                </a:extLst>
+              </a:blip>
+              <a:srcRect l="21271" t="16257" r="5713"/>
+              <a:stretch/>
+            </p:blipFill>
+            <p:spPr>
+              <a:xfrm rot="21357879">
+                <a:off x="3756045" y="5597818"/>
+                <a:ext cx="2055395" cy="1530052"/>
+              </a:xfrm>
+              <a:prstGeom prst="rect">
+                <a:avLst/>
+              </a:prstGeom>
+            </p:spPr>
+          </p:pic>
+          <p:pic>
+            <p:nvPicPr>
+              <p:cNvPr id="3" name="Picture 2" descr="A polaroid with tape on it&#10;&#10;Description automatically generated">
+                <a:extLst>
+                  <a:ext uri="{FF2B5EF4-FFF2-40B4-BE49-F238E27FC236}">
+                    <a16:creationId xmlns:a16="http://schemas.microsoft.com/office/drawing/2014/main" id="{C8B35579-0B66-4FC5-B346-7544B951EEDA}"/>
+                  </a:ext>
+                </a:extLst>
+              </p:cNvPr>
+              <p:cNvPicPr>
+                <a:picLocks noChangeAspect="1"/>
+              </p:cNvPicPr>
+              <p:nvPr/>
+            </p:nvPicPr>
+            <p:blipFill>
+              <a:blip r:embed="rId5">
+                <a:extLst>
+                  <a:ext uri="{BEBA8EAE-BF5A-486C-A8C5-ECC9F3942E4B}">
+                    <a14:imgProps xmlns:a14="http://schemas.microsoft.com/office/drawing/2010/main">
+                      <a14:imgLayer r:embed="rId6">
+                        <a14:imgEffect>
+                          <a14:brightnessContrast contrast="20000"/>
+                        </a14:imgEffect>
+                      </a14:imgLayer>
+                    </a14:imgProps>
+                  </a:ext>
+                  <a:ext uri="{28A0092B-C50C-407E-A947-70E740481C1C}">
+                    <a14:useLocalDpi xmlns:a14="http://schemas.microsoft.com/office/drawing/2010/main" val="0"/>
+                  </a:ext>
+                </a:extLst>
+              </a:blip>
+              <a:stretch>
+                <a:fillRect/>
+              </a:stretch>
+            </p:blipFill>
+            <p:spPr>
+              <a:xfrm rot="1214185">
+                <a:off x="4396319" y="4617108"/>
+                <a:ext cx="3920840" cy="3100795"/>
+              </a:xfrm>
+              <a:prstGeom prst="rect">
+                <a:avLst/>
+              </a:prstGeom>
+            </p:spPr>
+          </p:pic>
+        </p:grpSp>
+        <p:pic>
+          <p:nvPicPr>
+            <p:cNvPr id="10" name="Picture 9" descr="A screen shot of a map&#10;&#10;Description automatically generated">
+              <a:extLst>
+                <a:ext uri="{FF2B5EF4-FFF2-40B4-BE49-F238E27FC236}">
+                  <a16:creationId xmlns:a16="http://schemas.microsoft.com/office/drawing/2014/main" id="{CC0F80CB-AD98-7B0D-0855-12377261E8FE}"/>
+                </a:ext>
+              </a:extLst>
+            </p:cNvPr>
+            <p:cNvPicPr>
+              <a:picLocks noChangeAspect="1"/>
+            </p:cNvPicPr>
+            <p:nvPr/>
+          </p:nvPicPr>
+          <p:blipFill>
+            <a:blip r:embed="rId8">
+              <a:extLst>
+                <a:ext uri="{28A0092B-C50C-407E-A947-70E740481C1C}">
+                  <a14:useLocalDpi xmlns:a14="http://schemas.microsoft.com/office/drawing/2010/main" val="0"/>
+                </a:ext>
+              </a:extLst>
+            </a:blip>
+            <a:srcRect l="15925" r="16487" b="26756"/>
+            <a:stretch/>
+          </p:blipFill>
+          <p:spPr>
+            <a:xfrm rot="1652242">
+              <a:off x="5583201" y="5443982"/>
+              <a:ext cx="1769362" cy="1207547"/>
+            </a:xfrm>
+            <a:prstGeom prst="rect">
+              <a:avLst/>
+            </a:prstGeom>
+          </p:spPr>
+        </p:pic>
+      </p:grpSp>
+      <p:grpSp>
+        <p:nvGrpSpPr>
           <p:cNvPr id="34" name="Group 33">
             <a:extLst>
               <a:ext uri="{FF2B5EF4-FFF2-40B4-BE49-F238E27FC236}">
@@ -4404,7 +4646,7 @@
         </p:nvGrpSpPr>
         <p:grpSpPr>
           <a:xfrm>
-            <a:off x="390075" y="5300036"/>
+            <a:off x="203755" y="5257508"/>
             <a:ext cx="3307331" cy="2174777"/>
             <a:chOff x="458315" y="5695825"/>
             <a:chExt cx="3307331" cy="2174777"/>
@@ -4425,11 +4667,11 @@
             <p:nvPr/>
           </p:nvPicPr>
           <p:blipFill>
-            <a:blip r:embed="rId5">
+            <a:blip r:embed="rId9">
               <a:extLst>
                 <a:ext uri="{BEBA8EAE-BF5A-486C-A8C5-ECC9F3942E4B}">
                   <a14:imgProps xmlns:a14="http://schemas.microsoft.com/office/drawing/2010/main">
-                    <a14:imgLayer r:embed="rId6">
+                    <a14:imgLayer r:embed="rId10">
                       <a14:imgEffect>
                         <a14:artisticCutout/>
                       </a14:imgEffect>
@@ -4473,14 +4715,14 @@
               </a:extLst>
             </p:cNvPr>
             <p:cNvSpPr txBox="1">
-              <a:spLocks noGrp="1" noRot="1" noMove="1" noResize="1" noEditPoints="1" noAdjustHandles="1" noChangeArrowheads="1" noChangeShapeType="1"/>
+              <a:spLocks/>
             </p:cNvSpPr>
             <p:nvPr/>
           </p:nvSpPr>
           <p:spPr>
             <a:xfrm>
-              <a:off x="688343" y="5924433"/>
-              <a:ext cx="2853699" cy="1728000"/>
+              <a:off x="661443" y="5941183"/>
+              <a:ext cx="2853699" cy="1692000"/>
             </a:xfrm>
             <a:prstGeom prst="rect">
               <a:avLst/>
@@ -4492,68 +4734,68 @@
             </a:solidFill>
           </p:spPr>
           <p:txBody>
-            <a:bodyPr wrap="square" lIns="0" tIns="0" rIns="180000" bIns="0" rtlCol="0" anchor="ctr">
-              <a:spAutoFit/>
+            <a:bodyPr wrap="square" lIns="0" tIns="0" rIns="0" bIns="0" rtlCol="0" anchor="ctr">
+              <a:normAutofit/>
             </a:bodyPr>
             <a:lstStyle/>
             <a:p>
               <a:pPr marL="202077" indent="-202077">
                 <a:lnSpc>
-                  <a:spcPct val="150000"/>
+                  <a:spcPts val="1800"/>
                 </a:lnSpc>
                 <a:buSzPct val="200000"/>
                 <a:buBlip>
-                  <a:blip r:embed="rId7"/>
+                  <a:blip r:embed="rId11"/>
                 </a:buBlip>
               </a:pPr>
               <a:r>
-                <a:rPr lang="en-US" sz="1100" dirty="0">
+                <a:rPr lang="en-US" sz="1400" dirty="0">
                   <a:solidFill>
                     <a:srgbClr val="6A2D14"/>
                   </a:solidFill>
                   <a:latin typeface="Elephant" panose="02020904090505020303" pitchFamily="18" charset="0"/>
                 </a:rPr>
-                <a:t>Explore and interact with the house for clues;</a:t>
+                <a:t>Explore and interact with your surroundings for clues;</a:t>
               </a:r>
             </a:p>
             <a:p>
               <a:pPr marL="202077" indent="-202077">
                 <a:lnSpc>
-                  <a:spcPct val="150000"/>
+                  <a:spcPts val="1800"/>
                 </a:lnSpc>
                 <a:buSzPct val="200000"/>
                 <a:buBlip>
-                  <a:blip r:embed="rId7"/>
+                  <a:blip r:embed="rId11"/>
                 </a:buBlip>
               </a:pPr>
               <a:r>
-                <a:rPr lang="en-US" sz="1100" dirty="0">
+                <a:rPr lang="en-US" sz="1400" dirty="0">
                   <a:solidFill>
                     <a:srgbClr val="6A2D14"/>
                   </a:solidFill>
                   <a:latin typeface="Elephant" panose="02020904090505020303" pitchFamily="18" charset="0"/>
                 </a:rPr>
-                <a:t>Gather and organize information on a special board;</a:t>
+                <a:t>Gather and organize any intel on a special board;</a:t>
               </a:r>
             </a:p>
             <a:p>
               <a:pPr marL="202077" indent="-202077">
                 <a:lnSpc>
-                  <a:spcPct val="150000"/>
+                  <a:spcPts val="1800"/>
                 </a:lnSpc>
                 <a:buSzPct val="200000"/>
                 <a:buBlip>
-                  <a:blip r:embed="rId7"/>
+                  <a:blip r:embed="rId11"/>
                 </a:buBlip>
               </a:pPr>
               <a:r>
-                <a:rPr lang="en-US" sz="1100" dirty="0">
+                <a:rPr lang="en-US" sz="1400" dirty="0">
                   <a:solidFill>
                     <a:srgbClr val="6A2D14"/>
                   </a:solidFill>
                   <a:latin typeface="Elephant" panose="02020904090505020303" pitchFamily="18" charset="0"/>
                 </a:rPr>
-                <a:t>Help your friends by communicating with an old transceiver radio.</a:t>
+                <a:t>Help your friends by communicating via an old transceiver radio.</a:t>
               </a:r>
             </a:p>
           </p:txBody>
@@ -4575,7 +4817,7 @@
         </p:nvGrpSpPr>
         <p:grpSpPr>
           <a:xfrm>
-            <a:off x="1572195" y="198227"/>
+            <a:off x="1531251" y="282887"/>
             <a:ext cx="4919831" cy="2205218"/>
             <a:chOff x="1572195" y="198227"/>
             <a:chExt cx="4919831" cy="2205218"/>
@@ -4596,7 +4838,7 @@
             <p:nvPr/>
           </p:nvPicPr>
           <p:blipFill>
-            <a:blip r:embed="rId8">
+            <a:blip r:embed="rId12">
               <a:alphaModFix/>
               <a:duotone>
                 <a:prstClr val="black"/>
@@ -4608,7 +4850,7 @@
               <a:extLst>
                 <a:ext uri="{BEBA8EAE-BF5A-486C-A8C5-ECC9F3942E4B}">
                   <a14:imgProps xmlns:a14="http://schemas.microsoft.com/office/drawing/2010/main">
-                    <a14:imgLayer r:embed="rId9">
+                    <a14:imgLayer r:embed="rId13">
                       <a14:imgEffect>
                         <a14:artisticFilmGrain/>
                       </a14:imgEffect>
@@ -4660,7 +4902,7 @@
             <p:nvPr/>
           </p:nvPicPr>
           <p:blipFill>
-            <a:blip r:embed="rId10">
+            <a:blip r:embed="rId14">
               <a:alphaModFix/>
               <a:duotone>
                 <a:prstClr val="black"/>
@@ -4672,7 +4914,7 @@
               <a:extLst>
                 <a:ext uri="{BEBA8EAE-BF5A-486C-A8C5-ECC9F3942E4B}">
                   <a14:imgProps xmlns:a14="http://schemas.microsoft.com/office/drawing/2010/main">
-                    <a14:imgLayer r:embed="rId9">
+                    <a14:imgLayer r:embed="rId13">
                       <a14:imgEffect>
                         <a14:artisticFilmGrain/>
                       </a14:imgEffect>
@@ -4725,13 +4967,13 @@
           <p:nvPr/>
         </p:nvPicPr>
         <p:blipFill>
-          <a:blip r:embed="rId11">
+          <a:blip r:embed="rId15">
             <a:biLevel thresh="75000"/>
             <a:alphaModFix/>
             <a:extLst>
               <a:ext uri="{BEBA8EAE-BF5A-486C-A8C5-ECC9F3942E4B}">
                 <a14:imgProps xmlns:a14="http://schemas.microsoft.com/office/drawing/2010/main">
-                  <a14:imgLayer r:embed="rId12">
+                  <a14:imgLayer r:embed="rId16">
                     <a14:imgEffect>
                       <a14:artisticMarker/>
                     </a14:imgEffect>
@@ -4854,7 +5096,7 @@
             <p:nvPr/>
           </p:nvPicPr>
           <p:blipFill>
-            <a:blip r:embed="rId13">
+            <a:blip r:embed="rId17">
               <a:duotone>
                 <a:prstClr val="black"/>
                 <a:schemeClr val="accent2">
@@ -4866,7 +5108,7 @@
               <a:extLst>
                 <a:ext uri="{BEBA8EAE-BF5A-486C-A8C5-ECC9F3942E4B}">
                   <a14:imgProps xmlns:a14="http://schemas.microsoft.com/office/drawing/2010/main">
-                    <a14:imgLayer r:embed="rId14">
+                    <a14:imgLayer r:embed="rId18">
                       <a14:imgEffect>
                         <a14:artisticLineDrawing/>
                       </a14:imgEffect>
@@ -4938,7 +5180,7 @@
               <p:nvPr/>
             </p:nvPicPr>
             <p:blipFill>
-              <a:blip r:embed="rId13">
+              <a:blip r:embed="rId17">
                 <a:duotone>
                   <a:prstClr val="black"/>
                   <a:schemeClr val="accent2">
@@ -4950,7 +5192,7 @@
                 <a:extLst>
                   <a:ext uri="{BEBA8EAE-BF5A-486C-A8C5-ECC9F3942E4B}">
                     <a14:imgProps xmlns:a14="http://schemas.microsoft.com/office/drawing/2010/main">
-                      <a14:imgLayer r:embed="rId14">
+                      <a14:imgLayer r:embed="rId18">
                         <a14:imgEffect>
                           <a14:artisticLineDrawing/>
                         </a14:imgEffect>
@@ -5000,7 +5242,7 @@
               <p:nvPr/>
             </p:nvPicPr>
             <p:blipFill>
-              <a:blip r:embed="rId13">
+              <a:blip r:embed="rId17">
                 <a:duotone>
                   <a:prstClr val="black"/>
                   <a:schemeClr val="accent2">
@@ -5012,7 +5254,7 @@
                 <a:extLst>
                   <a:ext uri="{BEBA8EAE-BF5A-486C-A8C5-ECC9F3942E4B}">
                     <a14:imgProps xmlns:a14="http://schemas.microsoft.com/office/drawing/2010/main">
-                      <a14:imgLayer r:embed="rId14">
+                      <a14:imgLayer r:embed="rId18">
                         <a14:imgEffect>
                           <a14:artisticLineDrawing/>
                         </a14:imgEffect>
@@ -5051,10 +5293,10 @@
       </p:grpSp>
       <p:grpSp>
         <p:nvGrpSpPr>
-          <p:cNvPr id="32" name="Group 31">
+          <p:cNvPr id="2" name="Group 1">
             <a:extLst>
               <a:ext uri="{FF2B5EF4-FFF2-40B4-BE49-F238E27FC236}">
-                <a16:creationId xmlns:a16="http://schemas.microsoft.com/office/drawing/2014/main" id="{6BB59210-ECED-A783-6D1A-1E994B1DEEAA}"/>
+                <a16:creationId xmlns:a16="http://schemas.microsoft.com/office/drawing/2014/main" id="{9D5D6923-FB77-45C1-95C7-2C15D73C48F0}"/>
               </a:ext>
             </a:extLst>
           </p:cNvPr>
@@ -5065,18 +5307,18 @@
         </p:nvGrpSpPr>
         <p:grpSpPr>
           <a:xfrm>
-            <a:off x="2513077" y="5179236"/>
-            <a:ext cx="4675050" cy="5039812"/>
-            <a:chOff x="2513077" y="5179236"/>
-            <a:chExt cx="4675050" cy="5039812"/>
+            <a:off x="2685353" y="6449749"/>
+            <a:ext cx="4675050" cy="3859687"/>
+            <a:chOff x="2513077" y="6359361"/>
+            <a:chExt cx="4675050" cy="3859687"/>
           </a:xfrm>
         </p:grpSpPr>
         <p:grpSp>
           <p:nvGrpSpPr>
-            <p:cNvPr id="23" name="Group 22">
+            <p:cNvPr id="46" name="Group 45">
               <a:extLst>
                 <a:ext uri="{FF2B5EF4-FFF2-40B4-BE49-F238E27FC236}">
-                  <a16:creationId xmlns:a16="http://schemas.microsoft.com/office/drawing/2014/main" id="{CD961786-0075-35AE-FC6B-37DE4522CD55}"/>
+                  <a16:creationId xmlns:a16="http://schemas.microsoft.com/office/drawing/2014/main" id="{8D363A0D-C824-9474-7400-473081060E91}"/>
                 </a:ext>
               </a:extLst>
             </p:cNvPr>
@@ -5087,18 +5329,18 @@
           </p:nvGrpSpPr>
           <p:grpSpPr>
             <a:xfrm>
-              <a:off x="2513077" y="5179236"/>
-              <a:ext cx="4675050" cy="5039812"/>
-              <a:chOff x="2608613" y="5179236"/>
-              <a:chExt cx="4675050" cy="5039812"/>
+              <a:off x="2513077" y="6359361"/>
+              <a:ext cx="4675050" cy="3859687"/>
+              <a:chOff x="2480106" y="8001751"/>
+              <a:chExt cx="7887367" cy="6482607"/>
             </a:xfrm>
           </p:grpSpPr>
           <p:grpSp>
             <p:nvGrpSpPr>
-              <p:cNvPr id="45" name="Group 44">
+              <p:cNvPr id="38" name="Group 37">
                 <a:extLst>
                   <a:ext uri="{FF2B5EF4-FFF2-40B4-BE49-F238E27FC236}">
-                    <a16:creationId xmlns:a16="http://schemas.microsoft.com/office/drawing/2014/main" id="{54AD8AC0-0AAD-A3DE-3C7B-D1E87EFC4F69}"/>
+                    <a16:creationId xmlns:a16="http://schemas.microsoft.com/office/drawing/2014/main" id="{C0991C7C-1FB3-3B68-6002-77244F5E0B93}"/>
                   </a:ext>
                 </a:extLst>
               </p:cNvPr>
@@ -5109,18 +5351,18 @@
             </p:nvGrpSpPr>
             <p:grpSpPr>
               <a:xfrm>
-                <a:off x="4127647" y="5179236"/>
-                <a:ext cx="2624967" cy="2411071"/>
-                <a:chOff x="5601878" y="5517510"/>
-                <a:chExt cx="4608922" cy="4608922"/>
+                <a:off x="2480106" y="8846550"/>
+                <a:ext cx="7887367" cy="5637808"/>
+                <a:chOff x="2480106" y="8846550"/>
+                <a:chExt cx="7887367" cy="5637808"/>
               </a:xfrm>
             </p:grpSpPr>
             <p:pic>
               <p:nvPicPr>
-                <p:cNvPr id="44" name="Picture 43" descr="A polaroid with tape on it&#10;&#10;Description automatically generated">
+                <p:cNvPr id="9" name="Picture 8" descr="A yellow backpack with brown straps&#10;&#10;Description automatically generated">
                   <a:extLst>
                     <a:ext uri="{FF2B5EF4-FFF2-40B4-BE49-F238E27FC236}">
-                      <a16:creationId xmlns:a16="http://schemas.microsoft.com/office/drawing/2014/main" id="{B07A6DFC-E3DB-197F-3D27-11E7AFBABB94}"/>
+                      <a16:creationId xmlns:a16="http://schemas.microsoft.com/office/drawing/2014/main" id="{8DF35568-F266-BC1B-C01C-8EBE2CB9C070}"/>
                     </a:ext>
                   </a:extLst>
                 </p:cNvPr>
@@ -5130,13 +5372,77 @@
                 <p:nvPr/>
               </p:nvPicPr>
               <p:blipFill>
-                <a:blip r:embed="rId15">
+                <a:blip r:embed="rId19">
+                  <a:alphaModFix/>
                   <a:extLst>
                     <a:ext uri="{BEBA8EAE-BF5A-486C-A8C5-ECC9F3942E4B}">
                       <a14:imgProps xmlns:a14="http://schemas.microsoft.com/office/drawing/2010/main">
-                        <a14:imgLayer r:embed="rId16">
+                        <a14:imgLayer r:embed="rId20">
                           <a14:imgEffect>
-                            <a14:brightnessContrast contrast="20000"/>
+                            <a14:artisticCutout trans="10000" numberOfShades="1"/>
+                          </a14:imgEffect>
+                          <a14:imgEffect>
+                            <a14:sharpenSoften amount="-50000"/>
+                          </a14:imgEffect>
+                          <a14:imgEffect>
+                            <a14:colorTemperature colorTemp="4700"/>
+                          </a14:imgEffect>
+                          <a14:imgEffect>
+                            <a14:brightnessContrast bright="-20000" contrast="40000"/>
+                          </a14:imgEffect>
+                        </a14:imgLayer>
+                      </a14:imgProps>
+                    </a:ext>
+                    <a:ext uri="{28A0092B-C50C-407E-A947-70E740481C1C}">
+                      <a14:useLocalDpi xmlns:a14="http://schemas.microsoft.com/office/drawing/2010/main" val="0"/>
+                    </a:ext>
+                  </a:extLst>
+                </a:blip>
+                <a:stretch>
+                  <a:fillRect/>
+                </a:stretch>
+              </p:blipFill>
+              <p:spPr>
+                <a:xfrm flipH="1">
+                  <a:off x="2480106" y="11466224"/>
+                  <a:ext cx="3059777" cy="3018134"/>
+                </a:xfrm>
+                <a:prstGeom prst="rect">
+                  <a:avLst/>
+                </a:prstGeom>
+              </p:spPr>
+            </p:pic>
+            <p:pic>
+              <p:nvPicPr>
+                <p:cNvPr id="24" name="Picture 23" descr="A wooden box with a cross on it&#10;&#10;Description automatically generated">
+                  <a:extLst>
+                    <a:ext uri="{FF2B5EF4-FFF2-40B4-BE49-F238E27FC236}">
+                      <a16:creationId xmlns:a16="http://schemas.microsoft.com/office/drawing/2014/main" id="{66953BA4-7D10-25E7-B1C3-05F02BA8EEDE}"/>
+                    </a:ext>
+                  </a:extLst>
+                </p:cNvPr>
+                <p:cNvPicPr>
+                  <a:picLocks noGrp="1" noRot="1" noChangeAspect="1" noMove="1" noResize="1" noEditPoints="1" noAdjustHandles="1" noChangeArrowheads="1" noChangeShapeType="1" noCrop="1"/>
+                </p:cNvPicPr>
+                <p:nvPr/>
+              </p:nvPicPr>
+              <p:blipFill>
+                <a:blip r:embed="rId21">
+                  <a:extLst>
+                    <a:ext uri="{BEBA8EAE-BF5A-486C-A8C5-ECC9F3942E4B}">
+                      <a14:imgProps xmlns:a14="http://schemas.microsoft.com/office/drawing/2010/main">
+                        <a14:imgLayer r:embed="rId22">
+                          <a14:imgEffect>
+                            <a14:artisticPhotocopy/>
+                          </a14:imgEffect>
+                          <a14:imgEffect>
+                            <a14:sharpenSoften amount="-50000"/>
+                          </a14:imgEffect>
+                          <a14:imgEffect>
+                            <a14:saturation sat="300000"/>
+                          </a14:imgEffect>
+                          <a14:imgEffect>
+                            <a14:brightnessContrast bright="-40000" contrast="40000"/>
                           </a14:imgEffect>
                         </a14:imgLayer>
                       </a14:imgProps>
@@ -5152,20 +5458,149 @@
               </p:blipFill>
               <p:spPr>
                 <a:xfrm>
-                  <a:off x="5601878" y="5517510"/>
-                  <a:ext cx="4608922" cy="4608922"/>
+                  <a:off x="6091484" y="9563358"/>
+                  <a:ext cx="4275989" cy="3983472"/>
                 </a:xfrm>
                 <a:prstGeom prst="rect">
                   <a:avLst/>
                 </a:prstGeom>
               </p:spPr>
             </p:pic>
+            <p:sp>
+              <p:nvSpPr>
+                <p:cNvPr id="37" name="TextBox 36">
+                  <a:extLst>
+                    <a:ext uri="{FF2B5EF4-FFF2-40B4-BE49-F238E27FC236}">
+                      <a16:creationId xmlns:a16="http://schemas.microsoft.com/office/drawing/2014/main" id="{B22AA99F-3D0A-7004-EDFA-FB2377D995CB}"/>
+                    </a:ext>
+                  </a:extLst>
+                </p:cNvPr>
+                <p:cNvSpPr txBox="1">
+                  <a:spLocks noGrp="1" noRot="1" noMove="1" noResize="1" noEditPoints="1" noAdjustHandles="1" noChangeArrowheads="1" noChangeShapeType="1"/>
+                </p:cNvSpPr>
+                <p:nvPr/>
+              </p:nvSpPr>
+              <p:spPr>
+                <a:xfrm>
+                  <a:off x="6644320" y="10852102"/>
+                  <a:ext cx="3214057" cy="1985003"/>
+                </a:xfrm>
+                <a:prstGeom prst="rect">
+                  <a:avLst/>
+                </a:prstGeom>
+                <a:noFill/>
+              </p:spPr>
+              <p:txBody>
+                <a:bodyPr wrap="square" lIns="252000" tIns="36000" rIns="0" bIns="36000" rtlCol="0" anchor="ctr">
+                  <a:spAutoFit/>
+                </a:bodyPr>
+                <a:lstStyle/>
+                <a:p>
+                  <a:pPr marL="171450" indent="-171450">
+                    <a:lnSpc>
+                      <a:spcPts val="2200"/>
+                    </a:lnSpc>
+                    <a:buSzPct val="200000"/>
+                    <a:buBlip>
+                      <a:blip r:embed="rId11"/>
+                    </a:buBlip>
+                  </a:pPr>
+                  <a:r>
+                    <a:rPr lang="en-GB" sz="1400" dirty="0">
+                      <a:solidFill>
+                        <a:schemeClr val="bg1"/>
+                      </a:solidFill>
+                      <a:latin typeface="Elephant" panose="02020904090505020303" pitchFamily="18" charset="0"/>
+                    </a:rPr>
+                    <a:t>Escape Room;</a:t>
+                  </a:r>
+                </a:p>
+                <a:p>
+                  <a:pPr marL="171450" indent="-171450">
+                    <a:lnSpc>
+                      <a:spcPts val="2200"/>
+                    </a:lnSpc>
+                    <a:buSzPct val="200000"/>
+                    <a:buBlip>
+                      <a:blip r:embed="rId11"/>
+                    </a:buBlip>
+                  </a:pPr>
+                  <a:r>
+                    <a:rPr lang="en-GB" sz="1400" dirty="0">
+                      <a:solidFill>
+                        <a:schemeClr val="bg1"/>
+                      </a:solidFill>
+                      <a:latin typeface="Elephant" panose="02020904090505020303" pitchFamily="18" charset="0"/>
+                    </a:rPr>
+                    <a:t>1</a:t>
+                  </a:r>
+                  <a:r>
+                    <a:rPr lang="en-GB" sz="1400" baseline="30000" dirty="0">
+                      <a:solidFill>
+                        <a:schemeClr val="bg1"/>
+                      </a:solidFill>
+                      <a:latin typeface="Elephant" panose="02020904090505020303" pitchFamily="18" charset="0"/>
+                    </a:rPr>
+                    <a:t>st</a:t>
+                  </a:r>
+                  <a:r>
+                    <a:rPr lang="en-GB" sz="1400" dirty="0">
+                      <a:solidFill>
+                        <a:schemeClr val="bg1"/>
+                      </a:solidFill>
+                      <a:latin typeface="Elephant" panose="02020904090505020303" pitchFamily="18" charset="0"/>
+                    </a:rPr>
+                    <a:t> Person View;</a:t>
+                  </a:r>
+                </a:p>
+                <a:p>
+                  <a:pPr marL="171450" indent="-171450">
+                    <a:lnSpc>
+                      <a:spcPts val="2200"/>
+                    </a:lnSpc>
+                    <a:buSzPct val="200000"/>
+                    <a:buBlip>
+                      <a:blip r:embed="rId11"/>
+                    </a:buBlip>
+                  </a:pPr>
+                  <a:r>
+                    <a:rPr lang="en-GB" sz="1400" dirty="0">
+                      <a:solidFill>
+                        <a:schemeClr val="bg1"/>
+                      </a:solidFill>
+                      <a:latin typeface="Elephant" panose="02020904090505020303" pitchFamily="18" charset="0"/>
+                    </a:rPr>
+                    <a:t>Single Player;</a:t>
+                  </a:r>
+                </a:p>
+                <a:p>
+                  <a:pPr marL="171450" indent="-171450">
+                    <a:lnSpc>
+                      <a:spcPts val="2200"/>
+                    </a:lnSpc>
+                    <a:buSzPct val="200000"/>
+                    <a:buBlip>
+                      <a:blip r:embed="rId11"/>
+                    </a:buBlip>
+                  </a:pPr>
+                  <a:r>
+                    <a:rPr lang="en-GB" sz="1400" dirty="0">
+                      <a:solidFill>
+                        <a:schemeClr val="bg1"/>
+                      </a:solidFill>
+                      <a:latin typeface="Elephant" panose="02020904090505020303" pitchFamily="18" charset="0"/>
+                    </a:rPr>
+                    <a:t>Windows PC.</a:t>
+                  </a:r>
+                </a:p>
+              </p:txBody>
+            </p:sp>
             <p:pic>
               <p:nvPicPr>
-                <p:cNvPr id="42" name="Picture 41" descr="A black box with a cord&#10;&#10;Description automatically generated">
+                <p:cNvPr id="25" name="Picture 24" descr="A wooden box with a cross on it&#10;&#10;Description automatically generated">
                   <a:extLst>
                     <a:ext uri="{FF2B5EF4-FFF2-40B4-BE49-F238E27FC236}">
-                      <a16:creationId xmlns:a16="http://schemas.microsoft.com/office/drawing/2014/main" id="{350B6678-FFA3-E037-5CFE-9778AC74F27B}"/>
+                      <a16:creationId xmlns:a16="http://schemas.microsoft.com/office/drawing/2014/main" id="{91097F0D-4954-E482-E780-647C57519DAD}"/>
                     </a:ext>
                   </a:extLst>
                 </p:cNvPr>
@@ -5175,7 +5610,7 @@
                 <p:nvPr/>
               </p:nvPicPr>
               <p:blipFill>
-                <a:blip r:embed="rId17">
+                <a:blip r:embed="rId23">
                   <a:duotone>
                     <a:prstClr val="black"/>
                     <a:srgbClr val="D9C3A5">
@@ -5184,6 +5619,24 @@
                     </a:srgbClr>
                   </a:duotone>
                   <a:extLst>
+                    <a:ext uri="{BEBA8EAE-BF5A-486C-A8C5-ECC9F3942E4B}">
+                      <a14:imgProps xmlns:a14="http://schemas.microsoft.com/office/drawing/2010/main">
+                        <a14:imgLayer r:embed="rId22">
+                          <a14:imgEffect>
+                            <a14:artisticPhotocopy/>
+                          </a14:imgEffect>
+                          <a14:imgEffect>
+                            <a14:sharpenSoften amount="-50000"/>
+                          </a14:imgEffect>
+                          <a14:imgEffect>
+                            <a14:colorTemperature colorTemp="11200"/>
+                          </a14:imgEffect>
+                          <a14:imgEffect>
+                            <a14:brightnessContrast bright="-40000" contrast="40000"/>
+                          </a14:imgEffect>
+                        </a14:imgLayer>
+                      </a14:imgProps>
+                    </a:ext>
                     <a:ext uri="{28A0092B-C50C-407E-A947-70E740481C1C}">
                       <a14:useLocalDpi xmlns:a14="http://schemas.microsoft.com/office/drawing/2010/main" val="0"/>
                     </a:ext>
@@ -5194,404 +5647,21 @@
                 </a:stretch>
               </p:blipFill>
               <p:spPr>
-                <a:xfrm rot="454892">
-                  <a:off x="6911170" y="6595970"/>
-                  <a:ext cx="2095795" cy="2045800"/>
+                <a:xfrm flipH="1">
+                  <a:off x="4597389" y="11864631"/>
+                  <a:ext cx="2584245" cy="2407460"/>
                 </a:xfrm>
                 <a:prstGeom prst="rect">
                   <a:avLst/>
                 </a:prstGeom>
               </p:spPr>
             </p:pic>
-          </p:grpSp>
-          <p:grpSp>
-            <p:nvGrpSpPr>
-              <p:cNvPr id="46" name="Group 45">
-                <a:extLst>
-                  <a:ext uri="{FF2B5EF4-FFF2-40B4-BE49-F238E27FC236}">
-                    <a16:creationId xmlns:a16="http://schemas.microsoft.com/office/drawing/2014/main" id="{8D363A0D-C824-9474-7400-473081060E91}"/>
-                  </a:ext>
-                </a:extLst>
-              </p:cNvPr>
-              <p:cNvGrpSpPr>
-                <a:grpSpLocks noGrp="1" noUngrp="1" noRot="1" noMove="1" noResize="1"/>
-              </p:cNvGrpSpPr>
-              <p:nvPr/>
-            </p:nvGrpSpPr>
-            <p:grpSpPr>
-              <a:xfrm>
-                <a:off x="2608613" y="6687287"/>
-                <a:ext cx="4675050" cy="3531761"/>
-                <a:chOff x="2480106" y="8552524"/>
-                <a:chExt cx="7887367" cy="5931834"/>
-              </a:xfrm>
-            </p:grpSpPr>
-            <p:grpSp>
-              <p:nvGrpSpPr>
-                <p:cNvPr id="38" name="Group 37">
+            <p:pic>
+              <p:nvPicPr>
+                <p:cNvPr id="29" name="Picture 28" descr="A cartoon of a pickaxe&#10;&#10;Description automatically generated">
                   <a:extLst>
                     <a:ext uri="{FF2B5EF4-FFF2-40B4-BE49-F238E27FC236}">
-                      <a16:creationId xmlns:a16="http://schemas.microsoft.com/office/drawing/2014/main" id="{C0991C7C-1FB3-3B68-6002-77244F5E0B93}"/>
-                    </a:ext>
-                  </a:extLst>
-                </p:cNvPr>
-                <p:cNvGrpSpPr>
-                  <a:grpSpLocks noGrp="1" noUngrp="1" noRot="1" noMove="1" noResize="1"/>
-                </p:cNvGrpSpPr>
-                <p:nvPr/>
-              </p:nvGrpSpPr>
-              <p:grpSpPr>
-                <a:xfrm>
-                  <a:off x="2480106" y="8846550"/>
-                  <a:ext cx="7887367" cy="5637808"/>
-                  <a:chOff x="2480106" y="8846550"/>
-                  <a:chExt cx="7887367" cy="5637808"/>
-                </a:xfrm>
-              </p:grpSpPr>
-              <p:pic>
-                <p:nvPicPr>
-                  <p:cNvPr id="9" name="Picture 8" descr="A yellow backpack with brown straps&#10;&#10;Description automatically generated">
-                    <a:extLst>
-                      <a:ext uri="{FF2B5EF4-FFF2-40B4-BE49-F238E27FC236}">
-                        <a16:creationId xmlns:a16="http://schemas.microsoft.com/office/drawing/2014/main" id="{8DF35568-F266-BC1B-C01C-8EBE2CB9C070}"/>
-                      </a:ext>
-                    </a:extLst>
-                  </p:cNvPr>
-                  <p:cNvPicPr>
-                    <a:picLocks noGrp="1" noRot="1" noChangeAspect="1" noMove="1" noResize="1" noEditPoints="1" noAdjustHandles="1" noChangeArrowheads="1" noChangeShapeType="1" noCrop="1"/>
-                  </p:cNvPicPr>
-                  <p:nvPr/>
-                </p:nvPicPr>
-                <p:blipFill>
-                  <a:blip r:embed="rId18">
-                    <a:alphaModFix/>
-                    <a:extLst>
-                      <a:ext uri="{BEBA8EAE-BF5A-486C-A8C5-ECC9F3942E4B}">
-                        <a14:imgProps xmlns:a14="http://schemas.microsoft.com/office/drawing/2010/main">
-                          <a14:imgLayer r:embed="rId19">
-                            <a14:imgEffect>
-                              <a14:artisticCutout trans="10000" numberOfShades="1"/>
-                            </a14:imgEffect>
-                            <a14:imgEffect>
-                              <a14:sharpenSoften amount="-50000"/>
-                            </a14:imgEffect>
-                            <a14:imgEffect>
-                              <a14:colorTemperature colorTemp="4700"/>
-                            </a14:imgEffect>
-                            <a14:imgEffect>
-                              <a14:brightnessContrast bright="-20000" contrast="40000"/>
-                            </a14:imgEffect>
-                          </a14:imgLayer>
-                        </a14:imgProps>
-                      </a:ext>
-                      <a:ext uri="{28A0092B-C50C-407E-A947-70E740481C1C}">
-                        <a14:useLocalDpi xmlns:a14="http://schemas.microsoft.com/office/drawing/2010/main" val="0"/>
-                      </a:ext>
-                    </a:extLst>
-                  </a:blip>
-                  <a:stretch>
-                    <a:fillRect/>
-                  </a:stretch>
-                </p:blipFill>
-                <p:spPr>
-                  <a:xfrm flipH="1">
-                    <a:off x="2480106" y="11466224"/>
-                    <a:ext cx="3059777" cy="3018134"/>
-                  </a:xfrm>
-                  <a:prstGeom prst="rect">
-                    <a:avLst/>
-                  </a:prstGeom>
-                </p:spPr>
-              </p:pic>
-              <p:pic>
-                <p:nvPicPr>
-                  <p:cNvPr id="24" name="Picture 23" descr="A wooden box with a cross on it&#10;&#10;Description automatically generated">
-                    <a:extLst>
-                      <a:ext uri="{FF2B5EF4-FFF2-40B4-BE49-F238E27FC236}">
-                        <a16:creationId xmlns:a16="http://schemas.microsoft.com/office/drawing/2014/main" id="{66953BA4-7D10-25E7-B1C3-05F02BA8EEDE}"/>
-                      </a:ext>
-                    </a:extLst>
-                  </p:cNvPr>
-                  <p:cNvPicPr>
-                    <a:picLocks noGrp="1" noRot="1" noChangeAspect="1" noMove="1" noResize="1" noEditPoints="1" noAdjustHandles="1" noChangeArrowheads="1" noChangeShapeType="1" noCrop="1"/>
-                  </p:cNvPicPr>
-                  <p:nvPr/>
-                </p:nvPicPr>
-                <p:blipFill>
-                  <a:blip r:embed="rId20">
-                    <a:extLst>
-                      <a:ext uri="{BEBA8EAE-BF5A-486C-A8C5-ECC9F3942E4B}">
-                        <a14:imgProps xmlns:a14="http://schemas.microsoft.com/office/drawing/2010/main">
-                          <a14:imgLayer r:embed="rId21">
-                            <a14:imgEffect>
-                              <a14:artisticPhotocopy/>
-                            </a14:imgEffect>
-                            <a14:imgEffect>
-                              <a14:sharpenSoften amount="-50000"/>
-                            </a14:imgEffect>
-                            <a14:imgEffect>
-                              <a14:saturation sat="300000"/>
-                            </a14:imgEffect>
-                            <a14:imgEffect>
-                              <a14:brightnessContrast bright="-40000" contrast="40000"/>
-                            </a14:imgEffect>
-                          </a14:imgLayer>
-                        </a14:imgProps>
-                      </a:ext>
-                      <a:ext uri="{28A0092B-C50C-407E-A947-70E740481C1C}">
-                        <a14:useLocalDpi xmlns:a14="http://schemas.microsoft.com/office/drawing/2010/main" val="0"/>
-                      </a:ext>
-                    </a:extLst>
-                  </a:blip>
-                  <a:stretch>
-                    <a:fillRect/>
-                  </a:stretch>
-                </p:blipFill>
-                <p:spPr>
-                  <a:xfrm>
-                    <a:off x="6091485" y="9563357"/>
-                    <a:ext cx="4275988" cy="3983472"/>
-                  </a:xfrm>
-                  <a:prstGeom prst="rect">
-                    <a:avLst/>
-                  </a:prstGeom>
-                </p:spPr>
-              </p:pic>
-              <p:sp>
-                <p:nvSpPr>
-                  <p:cNvPr id="37" name="TextBox 36">
-                    <a:extLst>
-                      <a:ext uri="{FF2B5EF4-FFF2-40B4-BE49-F238E27FC236}">
-                        <a16:creationId xmlns:a16="http://schemas.microsoft.com/office/drawing/2014/main" id="{B22AA99F-3D0A-7004-EDFA-FB2377D995CB}"/>
-                      </a:ext>
-                    </a:extLst>
-                  </p:cNvPr>
-                  <p:cNvSpPr txBox="1">
-                    <a:spLocks noGrp="1" noRot="1" noMove="1" noResize="1" noEditPoints="1" noAdjustHandles="1" noChangeArrowheads="1" noChangeShapeType="1"/>
-                  </p:cNvSpPr>
-                  <p:nvPr/>
-                </p:nvSpPr>
-                <p:spPr>
-                  <a:xfrm>
-                    <a:off x="6591300" y="10744049"/>
-                    <a:ext cx="3267074" cy="2185223"/>
-                  </a:xfrm>
-                  <a:prstGeom prst="rect">
-                    <a:avLst/>
-                  </a:prstGeom>
-                  <a:solidFill>
-                    <a:srgbClr val="705744">
-                      <a:alpha val="34902"/>
-                    </a:srgbClr>
-                  </a:solidFill>
-                </p:spPr>
-                <p:txBody>
-                  <a:bodyPr wrap="square" rtlCol="0" anchor="ctr">
-                    <a:spAutoFit/>
-                  </a:bodyPr>
-                  <a:lstStyle/>
-                  <a:p>
-                    <a:pPr algn="r">
-                      <a:lnSpc>
-                        <a:spcPct val="150000"/>
-                      </a:lnSpc>
-                    </a:pPr>
-                    <a:r>
-                      <a:rPr lang="en-GB" sz="1132" dirty="0">
-                        <a:solidFill>
-                          <a:schemeClr val="bg1"/>
-                        </a:solidFill>
-                        <a:latin typeface="Elephant" panose="02020904090505020303" pitchFamily="18" charset="0"/>
-                      </a:rPr>
-                      <a:t>1</a:t>
-                    </a:r>
-                    <a:r>
-                      <a:rPr lang="en-GB" sz="1132" baseline="30000" dirty="0">
-                        <a:solidFill>
-                          <a:schemeClr val="bg1"/>
-                        </a:solidFill>
-                        <a:latin typeface="Elephant" panose="02020904090505020303" pitchFamily="18" charset="0"/>
-                      </a:rPr>
-                      <a:t>st</a:t>
-                    </a:r>
-                    <a:r>
-                      <a:rPr lang="en-GB" sz="1132" dirty="0">
-                        <a:solidFill>
-                          <a:schemeClr val="bg1"/>
-                        </a:solidFill>
-                        <a:latin typeface="Elephant" panose="02020904090505020303" pitchFamily="18" charset="0"/>
-                      </a:rPr>
-                      <a:t> Person View;</a:t>
-                    </a:r>
-                    <a:br>
-                      <a:rPr lang="en-GB" sz="1132" dirty="0">
-                        <a:solidFill>
-                          <a:schemeClr val="bg1"/>
-                        </a:solidFill>
-                        <a:latin typeface="Elephant" panose="02020904090505020303" pitchFamily="18" charset="0"/>
-                      </a:rPr>
-                    </a:br>
-                    <a:r>
-                      <a:rPr lang="en-GB" sz="1132" dirty="0">
-                        <a:solidFill>
-                          <a:schemeClr val="bg1"/>
-                        </a:solidFill>
-                        <a:latin typeface="Elephant" panose="02020904090505020303" pitchFamily="18" charset="0"/>
-                      </a:rPr>
-                      <a:t>3D Style;</a:t>
-                    </a:r>
-                    <a:br>
-                      <a:rPr lang="en-GB" sz="1132" dirty="0">
-                        <a:solidFill>
-                          <a:schemeClr val="bg1"/>
-                        </a:solidFill>
-                        <a:latin typeface="Elephant" panose="02020904090505020303" pitchFamily="18" charset="0"/>
-                      </a:rPr>
-                    </a:br>
-                    <a:r>
-                      <a:rPr lang="en-GB" sz="1132" dirty="0">
-                        <a:solidFill>
-                          <a:schemeClr val="bg1"/>
-                        </a:solidFill>
-                        <a:latin typeface="Elephant" panose="02020904090505020303" pitchFamily="18" charset="0"/>
-                      </a:rPr>
-                      <a:t> Single Player;</a:t>
-                    </a:r>
-                  </a:p>
-                  <a:p>
-                    <a:pPr marL="330960" lvl="1" algn="r"/>
-                    <a:r>
-                      <a:rPr lang="en-GB" sz="1132" dirty="0">
-                        <a:solidFill>
-                          <a:schemeClr val="bg1"/>
-                        </a:solidFill>
-                        <a:latin typeface="Elephant" panose="02020904090505020303" pitchFamily="18" charset="0"/>
-                      </a:rPr>
-                      <a:t> Escape Room;</a:t>
-                    </a:r>
-                  </a:p>
-                  <a:p>
-                    <a:pPr marL="330960" lvl="1" algn="r">
-                      <a:lnSpc>
-                        <a:spcPct val="160000"/>
-                      </a:lnSpc>
-                    </a:pPr>
-                    <a:r>
-                      <a:rPr lang="en-GB" sz="1132" dirty="0">
-                        <a:solidFill>
-                          <a:schemeClr val="bg1"/>
-                        </a:solidFill>
-                        <a:latin typeface="Elephant" panose="02020904090505020303" pitchFamily="18" charset="0"/>
-                      </a:rPr>
-                      <a:t> For PC Only.</a:t>
-                    </a:r>
-                  </a:p>
-                </p:txBody>
-              </p:sp>
-              <p:pic>
-                <p:nvPicPr>
-                  <p:cNvPr id="25" name="Picture 24" descr="A wooden box with a cross on it&#10;&#10;Description automatically generated">
-                    <a:extLst>
-                      <a:ext uri="{FF2B5EF4-FFF2-40B4-BE49-F238E27FC236}">
-                        <a16:creationId xmlns:a16="http://schemas.microsoft.com/office/drawing/2014/main" id="{91097F0D-4954-E482-E780-647C57519DAD}"/>
-                      </a:ext>
-                    </a:extLst>
-                  </p:cNvPr>
-                  <p:cNvPicPr>
-                    <a:picLocks noGrp="1" noRot="1" noChangeAspect="1" noMove="1" noResize="1" noEditPoints="1" noAdjustHandles="1" noChangeArrowheads="1" noChangeShapeType="1" noCrop="1"/>
-                  </p:cNvPicPr>
-                  <p:nvPr/>
-                </p:nvPicPr>
-                <p:blipFill>
-                  <a:blip r:embed="rId22">
-                    <a:duotone>
-                      <a:prstClr val="black"/>
-                      <a:srgbClr val="D9C3A5">
-                        <a:tint val="50000"/>
-                        <a:satMod val="180000"/>
-                      </a:srgbClr>
-                    </a:duotone>
-                    <a:extLst>
-                      <a:ext uri="{BEBA8EAE-BF5A-486C-A8C5-ECC9F3942E4B}">
-                        <a14:imgProps xmlns:a14="http://schemas.microsoft.com/office/drawing/2010/main">
-                          <a14:imgLayer r:embed="rId21">
-                            <a14:imgEffect>
-                              <a14:artisticPhotocopy/>
-                            </a14:imgEffect>
-                            <a14:imgEffect>
-                              <a14:sharpenSoften amount="-50000"/>
-                            </a14:imgEffect>
-                            <a14:imgEffect>
-                              <a14:colorTemperature colorTemp="11200"/>
-                            </a14:imgEffect>
-                            <a14:imgEffect>
-                              <a14:brightnessContrast bright="-40000" contrast="40000"/>
-                            </a14:imgEffect>
-                          </a14:imgLayer>
-                        </a14:imgProps>
-                      </a:ext>
-                      <a:ext uri="{28A0092B-C50C-407E-A947-70E740481C1C}">
-                        <a14:useLocalDpi xmlns:a14="http://schemas.microsoft.com/office/drawing/2010/main" val="0"/>
-                      </a:ext>
-                    </a:extLst>
-                  </a:blip>
-                  <a:stretch>
-                    <a:fillRect/>
-                  </a:stretch>
-                </p:blipFill>
-                <p:spPr>
-                  <a:xfrm flipH="1">
-                    <a:off x="4597389" y="11864631"/>
-                    <a:ext cx="2584245" cy="2407460"/>
-                  </a:xfrm>
-                  <a:prstGeom prst="rect">
-                    <a:avLst/>
-                  </a:prstGeom>
-                </p:spPr>
-              </p:pic>
-              <p:pic>
-                <p:nvPicPr>
-                  <p:cNvPr id="29" name="Picture 28" descr="A cartoon of a pickaxe&#10;&#10;Description automatically generated">
-                    <a:extLst>
-                      <a:ext uri="{FF2B5EF4-FFF2-40B4-BE49-F238E27FC236}">
-                        <a16:creationId xmlns:a16="http://schemas.microsoft.com/office/drawing/2014/main" id="{28EE20EF-0083-0574-C993-5B25C2CD44D8}"/>
-                      </a:ext>
-                    </a:extLst>
-                  </p:cNvPr>
-                  <p:cNvPicPr>
-                    <a:picLocks noGrp="1" noRot="1" noChangeAspect="1" noMove="1" noResize="1" noEditPoints="1" noAdjustHandles="1" noChangeArrowheads="1" noChangeShapeType="1" noCrop="1"/>
-                  </p:cNvPicPr>
-                  <p:nvPr/>
-                </p:nvPicPr>
-                <p:blipFill>
-                  <a:blip r:embed="rId23">
-                    <a:extLst>
-                      <a:ext uri="{28A0092B-C50C-407E-A947-70E740481C1C}">
-                        <a14:useLocalDpi xmlns:a14="http://schemas.microsoft.com/office/drawing/2010/main" val="0"/>
-                      </a:ext>
-                    </a:extLst>
-                  </a:blip>
-                  <a:stretch>
-                    <a:fillRect/>
-                  </a:stretch>
-                </p:blipFill>
-                <p:spPr>
-                  <a:xfrm rot="10636711" flipH="1">
-                    <a:off x="3900384" y="8846550"/>
-                    <a:ext cx="3019744" cy="3084359"/>
-                  </a:xfrm>
-                  <a:prstGeom prst="rect">
-                    <a:avLst/>
-                  </a:prstGeom>
-                </p:spPr>
-              </p:pic>
-            </p:grpSp>
-            <p:pic>
-              <p:nvPicPr>
-                <p:cNvPr id="31" name="Picture 30" descr="A yellow hard hat on a black background&#10;&#10;Description automatically generated">
-                  <a:extLst>
-                    <a:ext uri="{FF2B5EF4-FFF2-40B4-BE49-F238E27FC236}">
-                      <a16:creationId xmlns:a16="http://schemas.microsoft.com/office/drawing/2014/main" id="{78533EA2-CF8D-6E86-9BD7-94A6DB574975}"/>
+                      <a16:creationId xmlns:a16="http://schemas.microsoft.com/office/drawing/2014/main" id="{28EE20EF-0083-0574-C993-5B25C2CD44D8}"/>
                     </a:ext>
                   </a:extLst>
                 </p:cNvPr>
@@ -5613,9 +5683,9 @@
                 </a:stretch>
               </p:blipFill>
               <p:spPr>
-                <a:xfrm>
-                  <a:off x="7970055" y="8552524"/>
-                  <a:ext cx="1973101" cy="1946249"/>
+                <a:xfrm rot="10636711" flipH="1">
+                  <a:off x="3900384" y="8846550"/>
+                  <a:ext cx="3019744" cy="3084359"/>
                 </a:xfrm>
                 <a:prstGeom prst="rect">
                   <a:avLst/>
@@ -5623,6 +5693,42 @@
               </p:spPr>
             </p:pic>
           </p:grpSp>
+          <p:pic>
+            <p:nvPicPr>
+              <p:cNvPr id="31" name="Picture 30" descr="A yellow hard hat on a black background&#10;&#10;Description automatically generated">
+                <a:extLst>
+                  <a:ext uri="{FF2B5EF4-FFF2-40B4-BE49-F238E27FC236}">
+                    <a16:creationId xmlns:a16="http://schemas.microsoft.com/office/drawing/2014/main" id="{78533EA2-CF8D-6E86-9BD7-94A6DB574975}"/>
+                  </a:ext>
+                </a:extLst>
+              </p:cNvPr>
+              <p:cNvPicPr>
+                <a:picLocks noGrp="1" noRot="1" noChangeAspect="1" noMove="1" noResize="1" noEditPoints="1" noAdjustHandles="1" noChangeArrowheads="1" noChangeShapeType="1" noCrop="1"/>
+              </p:cNvPicPr>
+              <p:nvPr/>
+            </p:nvPicPr>
+            <p:blipFill>
+              <a:blip r:embed="rId25">
+                <a:extLst>
+                  <a:ext uri="{28A0092B-C50C-407E-A947-70E740481C1C}">
+                    <a14:useLocalDpi xmlns:a14="http://schemas.microsoft.com/office/drawing/2010/main" val="0"/>
+                  </a:ext>
+                </a:extLst>
+              </a:blip>
+              <a:stretch>
+                <a:fillRect/>
+              </a:stretch>
+            </p:blipFill>
+            <p:spPr>
+              <a:xfrm>
+                <a:off x="7548983" y="8001751"/>
+                <a:ext cx="2624432" cy="2588715"/>
+              </a:xfrm>
+              <a:prstGeom prst="rect">
+                <a:avLst/>
+              </a:prstGeom>
+            </p:spPr>
+          </p:pic>
         </p:grpSp>
         <p:pic>
           <p:nvPicPr>
@@ -5639,11 +5745,11 @@
             <p:nvPr/>
           </p:nvPicPr>
           <p:blipFill>
-            <a:blip r:embed="rId25">
+            <a:blip r:embed="rId26">
               <a:extLst>
                 <a:ext uri="{BEBA8EAE-BF5A-486C-A8C5-ECC9F3942E4B}">
                   <a14:imgProps xmlns:a14="http://schemas.microsoft.com/office/drawing/2010/main">
-                    <a14:imgLayer r:embed="rId26">
+                    <a14:imgLayer r:embed="rId27">
                       <a14:imgEffect>
                         <a14:artisticCutout/>
                       </a14:imgEffect>
@@ -5669,301 +5775,351 @@
           </p:spPr>
         </p:pic>
       </p:grpSp>
-      <p:pic>
-        <p:nvPicPr>
-          <p:cNvPr id="7" name="Picture 6" descr="A window with open windows&#10;&#10;Description automatically generated">
+      <p:grpSp>
+        <p:nvGrpSpPr>
+          <p:cNvPr id="4" name="Group 3">
             <a:extLst>
               <a:ext uri="{FF2B5EF4-FFF2-40B4-BE49-F238E27FC236}">
-                <a16:creationId xmlns:a16="http://schemas.microsoft.com/office/drawing/2014/main" id="{1820E055-41A3-4F23-E3EA-F381B37E6E4C}"/>
+                <a16:creationId xmlns:a16="http://schemas.microsoft.com/office/drawing/2014/main" id="{AC7C6405-AA38-4D1F-A24B-215E3CF03D89}"/>
               </a:ext>
             </a:extLst>
           </p:cNvPr>
-          <p:cNvPicPr>
-            <a:picLocks noChangeAspect="1"/>
-          </p:cNvPicPr>
+          <p:cNvGrpSpPr>
+            <a:grpSpLocks noGrp="1" noUngrp="1" noRot="1" noMove="1" noResize="1"/>
+          </p:cNvGrpSpPr>
           <p:nvPr/>
-        </p:nvPicPr>
-        <p:blipFill>
-          <a:blip r:embed="rId27">
-            <a:duotone>
-              <a:prstClr val="black"/>
-              <a:srgbClr val="D9C3A5">
-                <a:tint val="50000"/>
-                <a:satMod val="180000"/>
+        </p:nvGrpSpPr>
+        <p:grpSpPr>
+          <a:xfrm>
+            <a:off x="856187" y="2471108"/>
+            <a:ext cx="5947629" cy="3145947"/>
+            <a:chOff x="883483" y="2231881"/>
+            <a:chExt cx="5947629" cy="3145947"/>
+          </a:xfrm>
+        </p:grpSpPr>
+        <p:pic>
+          <p:nvPicPr>
+            <p:cNvPr id="5" name="Picture 4" descr="A snowy landscape with trees and snow&#10;&#10;Description automatically generated">
+              <a:extLst>
+                <a:ext uri="{FF2B5EF4-FFF2-40B4-BE49-F238E27FC236}">
+                  <a16:creationId xmlns:a16="http://schemas.microsoft.com/office/drawing/2014/main" id="{95DE7E98-E2A9-4188-058B-35CC1C2777A8}"/>
+                </a:ext>
+              </a:extLst>
+            </p:cNvPr>
+            <p:cNvPicPr>
+              <a:picLocks noGrp="1" noRot="1" noChangeAspect="1" noMove="1" noResize="1" noEditPoints="1" noAdjustHandles="1" noChangeArrowheads="1" noChangeShapeType="1" noCrop="1"/>
+            </p:cNvPicPr>
+            <p:nvPr/>
+          </p:nvPicPr>
+          <p:blipFill>
+            <a:blip r:embed="rId28">
+              <a:extLst>
+                <a:ext uri="{28A0092B-C50C-407E-A947-70E740481C1C}">
+                  <a14:useLocalDpi xmlns:a14="http://schemas.microsoft.com/office/drawing/2010/main" val="0"/>
+                </a:ext>
+              </a:extLst>
+            </a:blip>
+            <a:srcRect l="16131" t="2137" b="-2137"/>
+            <a:stretch/>
+          </p:blipFill>
+          <p:spPr>
+            <a:xfrm>
+              <a:off x="2547027" y="2431922"/>
+              <a:ext cx="2606565" cy="2106738"/>
+            </a:xfrm>
+            <a:prstGeom prst="rect">
+              <a:avLst/>
+            </a:prstGeom>
+            <a:ln>
+              <a:noFill/>
+            </a:ln>
+            <a:effectLst>
+              <a:outerShdw blurRad="292100" dist="139700" dir="2700000" algn="tl" rotWithShape="0">
+                <a:srgbClr val="333333">
+                  <a:alpha val="65000"/>
+                </a:srgbClr>
+              </a:outerShdw>
+            </a:effectLst>
+          </p:spPr>
+        </p:pic>
+        <p:pic>
+          <p:nvPicPr>
+            <p:cNvPr id="7" name="Picture 6" descr="A window with open windows&#10;&#10;Description automatically generated">
+              <a:extLst>
+                <a:ext uri="{FF2B5EF4-FFF2-40B4-BE49-F238E27FC236}">
+                  <a16:creationId xmlns:a16="http://schemas.microsoft.com/office/drawing/2014/main" id="{1820E055-41A3-4F23-E3EA-F381B37E6E4C}"/>
+                </a:ext>
+              </a:extLst>
+            </p:cNvPr>
+            <p:cNvPicPr>
+              <a:picLocks noGrp="1" noRot="1" noChangeAspect="1" noMove="1" noResize="1" noEditPoints="1" noAdjustHandles="1" noChangeArrowheads="1" noChangeShapeType="1" noCrop="1"/>
+            </p:cNvPicPr>
+            <p:nvPr/>
+          </p:nvPicPr>
+          <p:blipFill>
+            <a:blip r:embed="rId29">
+              <a:duotone>
+                <a:prstClr val="black"/>
+                <a:srgbClr val="D9C3A5">
+                  <a:tint val="50000"/>
+                  <a:satMod val="180000"/>
+                </a:srgbClr>
+              </a:duotone>
+              <a:extLst>
+                <a:ext uri="{BEBA8EAE-BF5A-486C-A8C5-ECC9F3942E4B}">
+                  <a14:imgProps xmlns:a14="http://schemas.microsoft.com/office/drawing/2010/main">
+                    <a14:imgLayer r:embed="rId30">
+                      <a14:imgEffect>
+                        <a14:artisticCrisscrossEtching/>
+                      </a14:imgEffect>
+                      <a14:imgEffect>
+                        <a14:colorTemperature colorTemp="11200"/>
+                      </a14:imgEffect>
+                      <a14:imgEffect>
+                        <a14:brightnessContrast contrast="-40000"/>
+                      </a14:imgEffect>
+                    </a14:imgLayer>
+                  </a14:imgProps>
+                </a:ext>
+                <a:ext uri="{28A0092B-C50C-407E-A947-70E740481C1C}">
+                  <a14:useLocalDpi xmlns:a14="http://schemas.microsoft.com/office/drawing/2010/main" val="0"/>
+                </a:ext>
+              </a:extLst>
+            </a:blip>
+            <a:srcRect l="6022" t="10490" r="6387" b="17022"/>
+            <a:stretch/>
+          </p:blipFill>
+          <p:spPr>
+            <a:xfrm>
+              <a:off x="883483" y="2231881"/>
+              <a:ext cx="5947629" cy="2370835"/>
+            </a:xfrm>
+            <a:prstGeom prst="rect">
+              <a:avLst/>
+            </a:prstGeom>
+          </p:spPr>
+        </p:pic>
+        <p:pic>
+          <p:nvPicPr>
+            <p:cNvPr id="21" name="Picture 20" descr="A snow icicles on a black background&#10;&#10;Description automatically generated">
+              <a:extLst>
+                <a:ext uri="{FF2B5EF4-FFF2-40B4-BE49-F238E27FC236}">
+                  <a16:creationId xmlns:a16="http://schemas.microsoft.com/office/drawing/2014/main" id="{C251A647-FD7F-2F37-3579-B6B6E1D7CC54}"/>
+                </a:ext>
+              </a:extLst>
+            </p:cNvPr>
+            <p:cNvPicPr>
+              <a:picLocks noGrp="1" noRot="1" noChangeAspect="1" noMove="1" noResize="1" noEditPoints="1" noAdjustHandles="1" noChangeArrowheads="1" noChangeShapeType="1" noCrop="1"/>
+            </p:cNvPicPr>
+            <p:nvPr/>
+          </p:nvPicPr>
+          <p:blipFill>
+            <a:blip r:embed="rId31">
+              <a:extLst>
+                <a:ext uri="{BEBA8EAE-BF5A-486C-A8C5-ECC9F3942E4B}">
+                  <a14:imgProps xmlns:a14="http://schemas.microsoft.com/office/drawing/2010/main">
+                    <a14:imgLayer r:embed="rId32">
+                      <a14:imgEffect>
+                        <a14:sharpenSoften amount="50000"/>
+                      </a14:imgEffect>
+                    </a14:imgLayer>
+                  </a14:imgProps>
+                </a:ext>
+                <a:ext uri="{28A0092B-C50C-407E-A947-70E740481C1C}">
+                  <a14:useLocalDpi xmlns:a14="http://schemas.microsoft.com/office/drawing/2010/main" val="0"/>
+                </a:ext>
+              </a:extLst>
+            </a:blip>
+            <a:srcRect l="32197" b="64199"/>
+            <a:stretch/>
+          </p:blipFill>
+          <p:spPr>
+            <a:xfrm>
+              <a:off x="2169623" y="4132209"/>
+              <a:ext cx="3469445" cy="1245619"/>
+            </a:xfrm>
+            <a:prstGeom prst="rect">
+              <a:avLst/>
+            </a:prstGeom>
+          </p:spPr>
+        </p:pic>
+        <p:sp>
+          <p:nvSpPr>
+            <p:cNvPr id="30" name="TextBox 29">
+              <a:extLst>
+                <a:ext uri="{FF2B5EF4-FFF2-40B4-BE49-F238E27FC236}">
+                  <a16:creationId xmlns:a16="http://schemas.microsoft.com/office/drawing/2014/main" id="{FC183961-35D6-C4EB-ED18-B8594474E3F6}"/>
+                </a:ext>
+              </a:extLst>
+            </p:cNvPr>
+            <p:cNvSpPr txBox="1">
+              <a:spLocks noGrp="1" noRot="1" noMove="1" noResize="1" noEditPoints="1" noAdjustHandles="1" noChangeArrowheads="1" noChangeShapeType="1"/>
+            </p:cNvSpPr>
+            <p:nvPr/>
+          </p:nvSpPr>
+          <p:spPr>
+            <a:xfrm>
+              <a:off x="2651761" y="2468987"/>
+              <a:ext cx="2446020" cy="2003166"/>
+            </a:xfrm>
+            <a:custGeom>
+              <a:avLst/>
+              <a:gdLst>
+                <a:gd name="connsiteX0" fmla="*/ 0 w 2600584"/>
+                <a:gd name="connsiteY0" fmla="*/ 0 h 1678536"/>
+                <a:gd name="connsiteX1" fmla="*/ 2600584 w 2600584"/>
+                <a:gd name="connsiteY1" fmla="*/ 0 h 1678536"/>
+                <a:gd name="connsiteX2" fmla="*/ 2600584 w 2600584"/>
+                <a:gd name="connsiteY2" fmla="*/ 1678536 h 1678536"/>
+                <a:gd name="connsiteX3" fmla="*/ 0 w 2600584"/>
+                <a:gd name="connsiteY3" fmla="*/ 1678536 h 1678536"/>
+                <a:gd name="connsiteX4" fmla="*/ 0 w 2600584"/>
+                <a:gd name="connsiteY4" fmla="*/ 0 h 1678536"/>
+                <a:gd name="connsiteX0" fmla="*/ 0 w 2600584"/>
+                <a:gd name="connsiteY0" fmla="*/ 0 h 1983336"/>
+                <a:gd name="connsiteX1" fmla="*/ 2600584 w 2600584"/>
+                <a:gd name="connsiteY1" fmla="*/ 304800 h 1983336"/>
+                <a:gd name="connsiteX2" fmla="*/ 2600584 w 2600584"/>
+                <a:gd name="connsiteY2" fmla="*/ 1983336 h 1983336"/>
+                <a:gd name="connsiteX3" fmla="*/ 0 w 2600584"/>
+                <a:gd name="connsiteY3" fmla="*/ 1983336 h 1983336"/>
+                <a:gd name="connsiteX4" fmla="*/ 0 w 2600584"/>
+                <a:gd name="connsiteY4" fmla="*/ 0 h 1983336"/>
+                <a:gd name="connsiteX0" fmla="*/ 0 w 2600584"/>
+                <a:gd name="connsiteY0" fmla="*/ 0 h 1983336"/>
+                <a:gd name="connsiteX1" fmla="*/ 2574080 w 2600584"/>
+                <a:gd name="connsiteY1" fmla="*/ 26504 h 1983336"/>
+                <a:gd name="connsiteX2" fmla="*/ 2600584 w 2600584"/>
+                <a:gd name="connsiteY2" fmla="*/ 1983336 h 1983336"/>
+                <a:gd name="connsiteX3" fmla="*/ 0 w 2600584"/>
+                <a:gd name="connsiteY3" fmla="*/ 1983336 h 1983336"/>
+                <a:gd name="connsiteX4" fmla="*/ 0 w 2600584"/>
+                <a:gd name="connsiteY4" fmla="*/ 0 h 1983336"/>
+                <a:gd name="connsiteX0" fmla="*/ 0 w 2587332"/>
+                <a:gd name="connsiteY0" fmla="*/ 0 h 2354397"/>
+                <a:gd name="connsiteX1" fmla="*/ 2574080 w 2587332"/>
+                <a:gd name="connsiteY1" fmla="*/ 26504 h 2354397"/>
+                <a:gd name="connsiteX2" fmla="*/ 2587332 w 2587332"/>
+                <a:gd name="connsiteY2" fmla="*/ 2354397 h 2354397"/>
+                <a:gd name="connsiteX3" fmla="*/ 0 w 2587332"/>
+                <a:gd name="connsiteY3" fmla="*/ 1983336 h 2354397"/>
+                <a:gd name="connsiteX4" fmla="*/ 0 w 2587332"/>
+                <a:gd name="connsiteY4" fmla="*/ 0 h 2354397"/>
+                <a:gd name="connsiteX0" fmla="*/ 0 w 2587332"/>
+                <a:gd name="connsiteY0" fmla="*/ 0 h 2354397"/>
+                <a:gd name="connsiteX1" fmla="*/ 2574080 w 2587332"/>
+                <a:gd name="connsiteY1" fmla="*/ 26504 h 2354397"/>
+                <a:gd name="connsiteX2" fmla="*/ 2587332 w 2587332"/>
+                <a:gd name="connsiteY2" fmla="*/ 2354397 h 2354397"/>
+                <a:gd name="connsiteX3" fmla="*/ 26504 w 2587332"/>
+                <a:gd name="connsiteY3" fmla="*/ 2354397 h 2354397"/>
+                <a:gd name="connsiteX4" fmla="*/ 0 w 2587332"/>
+                <a:gd name="connsiteY4" fmla="*/ 0 h 2354397"/>
+              </a:gdLst>
+              <a:ahLst/>
+              <a:cxnLst>
+                <a:cxn ang="0">
+                  <a:pos x="connsiteX0" y="connsiteY0"/>
+                </a:cxn>
+                <a:cxn ang="0">
+                  <a:pos x="connsiteX1" y="connsiteY1"/>
+                </a:cxn>
+                <a:cxn ang="0">
+                  <a:pos x="connsiteX2" y="connsiteY2"/>
+                </a:cxn>
+                <a:cxn ang="0">
+                  <a:pos x="connsiteX3" y="connsiteY3"/>
+                </a:cxn>
+                <a:cxn ang="0">
+                  <a:pos x="connsiteX4" y="connsiteY4"/>
+                </a:cxn>
+              </a:cxnLst>
+              <a:rect l="l" t="t" r="r" b="b"/>
+              <a:pathLst>
+                <a:path w="2587332" h="2354397">
+                  <a:moveTo>
+                    <a:pt x="0" y="0"/>
+                  </a:moveTo>
+                  <a:lnTo>
+                    <a:pt x="2574080" y="26504"/>
+                  </a:lnTo>
+                  <a:cubicBezTo>
+                    <a:pt x="2578497" y="802468"/>
+                    <a:pt x="2582915" y="1578433"/>
+                    <a:pt x="2587332" y="2354397"/>
+                  </a:cubicBezTo>
+                  <a:lnTo>
+                    <a:pt x="26504" y="2354397"/>
+                  </a:lnTo>
+                  <a:lnTo>
+                    <a:pt x="0" y="0"/>
+                  </a:lnTo>
+                  <a:close/>
+                </a:path>
+              </a:pathLst>
+            </a:custGeom>
+            <a:solidFill>
+              <a:srgbClr val="FFFFFF">
+                <a:alpha val="38824"/>
               </a:srgbClr>
-            </a:duotone>
-            <a:extLst>
-              <a:ext uri="{BEBA8EAE-BF5A-486C-A8C5-ECC9F3942E4B}">
-                <a14:imgProps xmlns:a14="http://schemas.microsoft.com/office/drawing/2010/main">
-                  <a14:imgLayer r:embed="rId28">
-                    <a14:imgEffect>
-                      <a14:artisticCrisscrossEtching/>
-                    </a14:imgEffect>
-                    <a14:imgEffect>
-                      <a14:colorTemperature colorTemp="11200"/>
-                    </a14:imgEffect>
-                    <a14:imgEffect>
-                      <a14:brightnessContrast contrast="-40000"/>
-                    </a14:imgEffect>
-                  </a14:imgLayer>
-                </a14:imgProps>
-              </a:ext>
-              <a:ext uri="{28A0092B-C50C-407E-A947-70E740481C1C}">
-                <a14:useLocalDpi xmlns:a14="http://schemas.microsoft.com/office/drawing/2010/main" val="0"/>
-              </a:ext>
-            </a:extLst>
-          </a:blip>
-          <a:srcRect l="6022" t="10490" r="6387" b="17022"/>
-          <a:stretch/>
-        </p:blipFill>
-        <p:spPr>
-          <a:xfrm>
-            <a:off x="883483" y="2231881"/>
-            <a:ext cx="5947629" cy="2737442"/>
-          </a:xfrm>
-          <a:prstGeom prst="rect">
-            <a:avLst/>
-          </a:prstGeom>
-        </p:spPr>
-      </p:pic>
-      <p:pic>
-        <p:nvPicPr>
-          <p:cNvPr id="5" name="Picture 4" descr="A snowy landscape with trees and snow&#10;&#10;Description automatically generated">
-            <a:extLst>
-              <a:ext uri="{FF2B5EF4-FFF2-40B4-BE49-F238E27FC236}">
-                <a16:creationId xmlns:a16="http://schemas.microsoft.com/office/drawing/2014/main" id="{95DE7E98-E2A9-4188-058B-35CC1C2777A8}"/>
-              </a:ext>
-            </a:extLst>
-          </p:cNvPr>
-          <p:cNvPicPr>
-            <a:picLocks noChangeAspect="1"/>
-          </p:cNvPicPr>
-          <p:nvPr/>
-        </p:nvPicPr>
-        <p:blipFill>
-          <a:blip r:embed="rId29">
-            <a:extLst>
-              <a:ext uri="{28A0092B-C50C-407E-A947-70E740481C1C}">
-                <a14:useLocalDpi xmlns:a14="http://schemas.microsoft.com/office/drawing/2010/main" val="0"/>
-              </a:ext>
-            </a:extLst>
-          </a:blip>
-          <a:srcRect l="16131" t="2137" b="-2137"/>
-          <a:stretch/>
-        </p:blipFill>
-        <p:spPr>
-          <a:xfrm>
-            <a:off x="2547027" y="2447162"/>
-            <a:ext cx="2606565" cy="2381326"/>
-          </a:xfrm>
-          <a:prstGeom prst="rect">
-            <a:avLst/>
-          </a:prstGeom>
-          <a:ln>
-            <a:noFill/>
-          </a:ln>
-          <a:effectLst>
-            <a:outerShdw blurRad="292100" dist="139700" dir="2700000" algn="tl" rotWithShape="0">
-              <a:srgbClr val="333333">
-                <a:alpha val="65000"/>
-              </a:srgbClr>
-            </a:outerShdw>
-          </a:effectLst>
-        </p:spPr>
-      </p:pic>
-      <p:pic>
-        <p:nvPicPr>
-          <p:cNvPr id="21" name="Picture 20" descr="A snow icicles on a black background&#10;&#10;Description automatically generated">
-            <a:extLst>
-              <a:ext uri="{FF2B5EF4-FFF2-40B4-BE49-F238E27FC236}">
-                <a16:creationId xmlns:a16="http://schemas.microsoft.com/office/drawing/2014/main" id="{C251A647-FD7F-2F37-3579-B6B6E1D7CC54}"/>
-              </a:ext>
-            </a:extLst>
-          </p:cNvPr>
-          <p:cNvPicPr>
-            <a:picLocks noChangeAspect="1"/>
-          </p:cNvPicPr>
-          <p:nvPr/>
-        </p:nvPicPr>
-        <p:blipFill>
-          <a:blip r:embed="rId30">
-            <a:extLst>
-              <a:ext uri="{BEBA8EAE-BF5A-486C-A8C5-ECC9F3942E4B}">
-                <a14:imgProps xmlns:a14="http://schemas.microsoft.com/office/drawing/2010/main">
-                  <a14:imgLayer r:embed="rId31">
-                    <a14:imgEffect>
-                      <a14:sharpenSoften amount="50000"/>
-                    </a14:imgEffect>
-                  </a14:imgLayer>
-                </a14:imgProps>
-              </a:ext>
-              <a:ext uri="{28A0092B-C50C-407E-A947-70E740481C1C}">
-                <a14:useLocalDpi xmlns:a14="http://schemas.microsoft.com/office/drawing/2010/main" val="0"/>
-              </a:ext>
-            </a:extLst>
-          </a:blip>
-          <a:srcRect l="32197" b="64199"/>
-          <a:stretch/>
-        </p:blipFill>
-        <p:spPr>
-          <a:xfrm>
-            <a:off x="2169623" y="4475519"/>
-            <a:ext cx="3469445" cy="1245619"/>
-          </a:xfrm>
-          <a:prstGeom prst="rect">
-            <a:avLst/>
-          </a:prstGeom>
-        </p:spPr>
-      </p:pic>
-      <p:sp>
-        <p:nvSpPr>
-          <p:cNvPr id="30" name="TextBox 29">
-            <a:extLst>
-              <a:ext uri="{FF2B5EF4-FFF2-40B4-BE49-F238E27FC236}">
-                <a16:creationId xmlns:a16="http://schemas.microsoft.com/office/drawing/2014/main" id="{FC183961-35D6-C4EB-ED18-B8594474E3F6}"/>
-              </a:ext>
-            </a:extLst>
-          </p:cNvPr>
-          <p:cNvSpPr txBox="1">
-            <a:spLocks/>
-          </p:cNvSpPr>
-          <p:nvPr/>
-        </p:nvSpPr>
-        <p:spPr>
-          <a:xfrm>
-            <a:off x="2539401" y="2468986"/>
-            <a:ext cx="2626708" cy="2205219"/>
-          </a:xfrm>
-          <a:custGeom>
-            <a:avLst/>
-            <a:gdLst>
-              <a:gd name="connsiteX0" fmla="*/ 0 w 2600584"/>
-              <a:gd name="connsiteY0" fmla="*/ 0 h 1678536"/>
-              <a:gd name="connsiteX1" fmla="*/ 2600584 w 2600584"/>
-              <a:gd name="connsiteY1" fmla="*/ 0 h 1678536"/>
-              <a:gd name="connsiteX2" fmla="*/ 2600584 w 2600584"/>
-              <a:gd name="connsiteY2" fmla="*/ 1678536 h 1678536"/>
-              <a:gd name="connsiteX3" fmla="*/ 0 w 2600584"/>
-              <a:gd name="connsiteY3" fmla="*/ 1678536 h 1678536"/>
-              <a:gd name="connsiteX4" fmla="*/ 0 w 2600584"/>
-              <a:gd name="connsiteY4" fmla="*/ 0 h 1678536"/>
-              <a:gd name="connsiteX0" fmla="*/ 0 w 2600584"/>
-              <a:gd name="connsiteY0" fmla="*/ 0 h 1983336"/>
-              <a:gd name="connsiteX1" fmla="*/ 2600584 w 2600584"/>
-              <a:gd name="connsiteY1" fmla="*/ 304800 h 1983336"/>
-              <a:gd name="connsiteX2" fmla="*/ 2600584 w 2600584"/>
-              <a:gd name="connsiteY2" fmla="*/ 1983336 h 1983336"/>
-              <a:gd name="connsiteX3" fmla="*/ 0 w 2600584"/>
-              <a:gd name="connsiteY3" fmla="*/ 1983336 h 1983336"/>
-              <a:gd name="connsiteX4" fmla="*/ 0 w 2600584"/>
-              <a:gd name="connsiteY4" fmla="*/ 0 h 1983336"/>
-              <a:gd name="connsiteX0" fmla="*/ 0 w 2600584"/>
-              <a:gd name="connsiteY0" fmla="*/ 0 h 1983336"/>
-              <a:gd name="connsiteX1" fmla="*/ 2574080 w 2600584"/>
-              <a:gd name="connsiteY1" fmla="*/ 26504 h 1983336"/>
-              <a:gd name="connsiteX2" fmla="*/ 2600584 w 2600584"/>
-              <a:gd name="connsiteY2" fmla="*/ 1983336 h 1983336"/>
-              <a:gd name="connsiteX3" fmla="*/ 0 w 2600584"/>
-              <a:gd name="connsiteY3" fmla="*/ 1983336 h 1983336"/>
-              <a:gd name="connsiteX4" fmla="*/ 0 w 2600584"/>
-              <a:gd name="connsiteY4" fmla="*/ 0 h 1983336"/>
-              <a:gd name="connsiteX0" fmla="*/ 0 w 2587332"/>
-              <a:gd name="connsiteY0" fmla="*/ 0 h 2354397"/>
-              <a:gd name="connsiteX1" fmla="*/ 2574080 w 2587332"/>
-              <a:gd name="connsiteY1" fmla="*/ 26504 h 2354397"/>
-              <a:gd name="connsiteX2" fmla="*/ 2587332 w 2587332"/>
-              <a:gd name="connsiteY2" fmla="*/ 2354397 h 2354397"/>
-              <a:gd name="connsiteX3" fmla="*/ 0 w 2587332"/>
-              <a:gd name="connsiteY3" fmla="*/ 1983336 h 2354397"/>
-              <a:gd name="connsiteX4" fmla="*/ 0 w 2587332"/>
-              <a:gd name="connsiteY4" fmla="*/ 0 h 2354397"/>
-              <a:gd name="connsiteX0" fmla="*/ 0 w 2587332"/>
-              <a:gd name="connsiteY0" fmla="*/ 0 h 2354397"/>
-              <a:gd name="connsiteX1" fmla="*/ 2574080 w 2587332"/>
-              <a:gd name="connsiteY1" fmla="*/ 26504 h 2354397"/>
-              <a:gd name="connsiteX2" fmla="*/ 2587332 w 2587332"/>
-              <a:gd name="connsiteY2" fmla="*/ 2354397 h 2354397"/>
-              <a:gd name="connsiteX3" fmla="*/ 26504 w 2587332"/>
-              <a:gd name="connsiteY3" fmla="*/ 2354397 h 2354397"/>
-              <a:gd name="connsiteX4" fmla="*/ 0 w 2587332"/>
-              <a:gd name="connsiteY4" fmla="*/ 0 h 2354397"/>
-            </a:gdLst>
-            <a:ahLst/>
-            <a:cxnLst>
-              <a:cxn ang="0">
-                <a:pos x="connsiteX0" y="connsiteY0"/>
-              </a:cxn>
-              <a:cxn ang="0">
-                <a:pos x="connsiteX1" y="connsiteY1"/>
-              </a:cxn>
-              <a:cxn ang="0">
-                <a:pos x="connsiteX2" y="connsiteY2"/>
-              </a:cxn>
-              <a:cxn ang="0">
-                <a:pos x="connsiteX3" y="connsiteY3"/>
-              </a:cxn>
-              <a:cxn ang="0">
-                <a:pos x="connsiteX4" y="connsiteY4"/>
-              </a:cxn>
-            </a:cxnLst>
-            <a:rect l="l" t="t" r="r" b="b"/>
-            <a:pathLst>
-              <a:path w="2587332" h="2354397">
-                <a:moveTo>
-                  <a:pt x="0" y="0"/>
-                </a:moveTo>
-                <a:lnTo>
-                  <a:pt x="2574080" y="26504"/>
-                </a:lnTo>
-                <a:cubicBezTo>
-                  <a:pt x="2578497" y="802468"/>
-                  <a:pt x="2582915" y="1578433"/>
-                  <a:pt x="2587332" y="2354397"/>
-                </a:cubicBezTo>
-                <a:lnTo>
-                  <a:pt x="26504" y="2354397"/>
-                </a:lnTo>
-                <a:lnTo>
-                  <a:pt x="0" y="0"/>
-                </a:lnTo>
-                <a:close/>
-              </a:path>
-            </a:pathLst>
-          </a:custGeom>
-          <a:solidFill>
-            <a:srgbClr val="FFFFFF">
-              <a:alpha val="30196"/>
-            </a:srgbClr>
-          </a:solidFill>
-        </p:spPr>
-        <p:txBody>
-          <a:bodyPr wrap="square" lIns="36000" tIns="36000" rIns="36000" bIns="36000" rtlCol="0" anchor="ctr">
-            <a:noAutofit/>
-          </a:bodyPr>
-          <a:lstStyle/>
-          <a:p>
-            <a:pPr algn="ctr">
-              <a:lnSpc>
-                <a:spcPct val="150000"/>
-              </a:lnSpc>
-            </a:pPr>
-            <a:r>
-              <a:rPr lang="en-GB" sz="1600" kern="1800" dirty="0">
-                <a:ln w="0">
-                  <a:noFill/>
-                </a:ln>
-                <a:solidFill>
-                  <a:srgbClr val="471D0D"/>
-                </a:solidFill>
-                <a:latin typeface="Elephant Pro" panose="020F0502020204030204" pitchFamily="2" charset="0"/>
-                <a:ea typeface="Verdana" panose="020B0604030504040204" pitchFamily="34" charset="0"/>
-                <a:cs typeface="Aharoni" panose="02010803020104030203" pitchFamily="2" charset="-79"/>
-              </a:rPr>
-              <a:t>Stuck in a wooden cabin in the middle of a snowstorm, it's up to you to coordinate with your team and escape together.</a:t>
-            </a:r>
-          </a:p>
-        </p:txBody>
-      </p:sp>
+            </a:solidFill>
+          </p:spPr>
+          <p:txBody>
+            <a:bodyPr wrap="square" lIns="36000" tIns="36000" rIns="36000" bIns="36000" rtlCol="0" anchor="ctr">
+              <a:noAutofit/>
+            </a:bodyPr>
+            <a:lstStyle/>
+            <a:p>
+              <a:pPr algn="just">
+                <a:lnSpc>
+                  <a:spcPts val="2400"/>
+                </a:lnSpc>
+              </a:pPr>
+              <a:r>
+                <a:rPr lang="en-GB" sz="1400" kern="1800" dirty="0">
+                  <a:ln w="0">
+                    <a:noFill/>
+                  </a:ln>
+                  <a:solidFill>
+                    <a:srgbClr val="38170A"/>
+                  </a:solidFill>
+                  <a:latin typeface="Elephant Pro" panose="020F0502020204030204" pitchFamily="2" charset="0"/>
+                  <a:ea typeface="Verdana" panose="020B0604030504040204" pitchFamily="34" charset="0"/>
+                  <a:cs typeface="Aharoni" panose="02010803020104030203" pitchFamily="2" charset="-79"/>
+                </a:rPr>
+                <a:t>Stuck in a wooden cabin in the middle of a snowstorm,</a:t>
+              </a:r>
+              <a:br>
+                <a:rPr lang="en-GB" sz="1400" kern="1800" dirty="0">
+                  <a:ln w="0">
+                    <a:noFill/>
+                  </a:ln>
+                  <a:solidFill>
+                    <a:srgbClr val="38170A"/>
+                  </a:solidFill>
+                  <a:latin typeface="Elephant Pro" panose="020F0502020204030204" pitchFamily="2" charset="0"/>
+                  <a:ea typeface="Verdana" panose="020B0604030504040204" pitchFamily="34" charset="0"/>
+                  <a:cs typeface="Aharoni" panose="02010803020104030203" pitchFamily="2" charset="-79"/>
+                </a:rPr>
+              </a:br>
+              <a:r>
+                <a:rPr lang="en-GB" sz="1400" kern="1800" dirty="0">
+                  <a:ln w="0">
+                    <a:noFill/>
+                  </a:ln>
+                  <a:solidFill>
+                    <a:srgbClr val="38170A"/>
+                  </a:solidFill>
+                  <a:latin typeface="Elephant Pro" panose="020F0502020204030204" pitchFamily="2" charset="0"/>
+                  <a:ea typeface="Verdana" panose="020B0604030504040204" pitchFamily="34" charset="0"/>
+                  <a:cs typeface="Aharoni" panose="02010803020104030203" pitchFamily="2" charset="-79"/>
+                </a:rPr>
+                <a:t> it's up to you to coordinate with your team and escape together.</a:t>
+              </a:r>
+            </a:p>
+          </p:txBody>
+        </p:sp>
+      </p:grpSp>
     </p:spTree>
     <p:extLst>
       <p:ext uri="{BB962C8B-B14F-4D97-AF65-F5344CB8AC3E}">
